--- a/JAVA.pptx
+++ b/JAVA.pptx
@@ -33,8 +33,23 @@
     <p:sldId id="281" r:id="rId27"/>
     <p:sldId id="282" r:id="rId28"/>
     <p:sldId id="283" r:id="rId29"/>
-    <p:sldId id="284" r:id="rId30"/>
-    <p:sldId id="285" r:id="rId31"/>
+    <p:sldId id="291" r:id="rId30"/>
+    <p:sldId id="284" r:id="rId31"/>
+    <p:sldId id="285" r:id="rId32"/>
+    <p:sldId id="286" r:id="rId33"/>
+    <p:sldId id="287" r:id="rId34"/>
+    <p:sldId id="288" r:id="rId35"/>
+    <p:sldId id="289" r:id="rId36"/>
+    <p:sldId id="290" r:id="rId37"/>
+    <p:sldId id="292" r:id="rId38"/>
+    <p:sldId id="293" r:id="rId39"/>
+    <p:sldId id="294" r:id="rId40"/>
+    <p:sldId id="295" r:id="rId41"/>
+    <p:sldId id="296" r:id="rId42"/>
+    <p:sldId id="297" r:id="rId43"/>
+    <p:sldId id="298" r:id="rId44"/>
+    <p:sldId id="299" r:id="rId45"/>
+    <p:sldId id="300" r:id="rId46"/>
   </p:sldIdLst>
   <p:sldSz cx="12192000" cy="6858000"/>
   <p:notesSz cx="6858000" cy="9144000"/>
@@ -886,7 +901,7 @@
           <a:p>
             <a:fld id="{2FDF6323-87CB-4B79-BD1E-7EE244B1AEFB}" type="datetimeFigureOut">
               <a:rPr lang="es-MX" smtClean="0"/>
-              <a:t>10/04/2017</a:t>
+              <a:t>13/04/2017</a:t>
             </a:fld>
             <a:endParaRPr lang="es-MX"/>
           </a:p>
@@ -1137,7 +1152,7 @@
           <a:p>
             <a:fld id="{2FDF6323-87CB-4B79-BD1E-7EE244B1AEFB}" type="datetimeFigureOut">
               <a:rPr lang="es-MX" smtClean="0"/>
-              <a:t>10/04/2017</a:t>
+              <a:t>13/04/2017</a:t>
             </a:fld>
             <a:endParaRPr lang="es-MX"/>
           </a:p>
@@ -1451,7 +1466,7 @@
           <a:p>
             <a:fld id="{2FDF6323-87CB-4B79-BD1E-7EE244B1AEFB}" type="datetimeFigureOut">
               <a:rPr lang="es-MX" smtClean="0"/>
-              <a:t>10/04/2017</a:t>
+              <a:t>13/04/2017</a:t>
             </a:fld>
             <a:endParaRPr lang="es-MX"/>
           </a:p>
@@ -1784,7 +1799,7 @@
           <a:p>
             <a:fld id="{2FDF6323-87CB-4B79-BD1E-7EE244B1AEFB}" type="datetimeFigureOut">
               <a:rPr lang="es-MX" smtClean="0"/>
-              <a:t>10/04/2017</a:t>
+              <a:t>13/04/2017</a:t>
             </a:fld>
             <a:endParaRPr lang="es-MX"/>
           </a:p>
@@ -2098,7 +2113,7 @@
           <a:p>
             <a:fld id="{2FDF6323-87CB-4B79-BD1E-7EE244B1AEFB}" type="datetimeFigureOut">
               <a:rPr lang="es-MX" smtClean="0"/>
-              <a:t>10/04/2017</a:t>
+              <a:t>13/04/2017</a:t>
             </a:fld>
             <a:endParaRPr lang="es-MX"/>
           </a:p>
@@ -2491,7 +2506,7 @@
           <a:p>
             <a:fld id="{2FDF6323-87CB-4B79-BD1E-7EE244B1AEFB}" type="datetimeFigureOut">
               <a:rPr lang="es-MX" smtClean="0"/>
-              <a:t>10/04/2017</a:t>
+              <a:t>13/04/2017</a:t>
             </a:fld>
             <a:endParaRPr lang="es-MX"/>
           </a:p>
@@ -2661,7 +2676,7 @@
           <a:p>
             <a:fld id="{2FDF6323-87CB-4B79-BD1E-7EE244B1AEFB}" type="datetimeFigureOut">
               <a:rPr lang="es-MX" smtClean="0"/>
-              <a:t>10/04/2017</a:t>
+              <a:t>13/04/2017</a:t>
             </a:fld>
             <a:endParaRPr lang="es-MX"/>
           </a:p>
@@ -2841,7 +2856,7 @@
           <a:p>
             <a:fld id="{2FDF6323-87CB-4B79-BD1E-7EE244B1AEFB}" type="datetimeFigureOut">
               <a:rPr lang="es-MX" smtClean="0"/>
-              <a:t>10/04/2017</a:t>
+              <a:t>13/04/2017</a:t>
             </a:fld>
             <a:endParaRPr lang="es-MX"/>
           </a:p>
@@ -3011,7 +3026,7 @@
           <a:p>
             <a:fld id="{2FDF6323-87CB-4B79-BD1E-7EE244B1AEFB}" type="datetimeFigureOut">
               <a:rPr lang="es-MX" smtClean="0"/>
-              <a:t>10/04/2017</a:t>
+              <a:t>13/04/2017</a:t>
             </a:fld>
             <a:endParaRPr lang="es-MX"/>
           </a:p>
@@ -3258,7 +3273,7 @@
           <a:p>
             <a:fld id="{2FDF6323-87CB-4B79-BD1E-7EE244B1AEFB}" type="datetimeFigureOut">
               <a:rPr lang="es-MX" smtClean="0"/>
-              <a:t>10/04/2017</a:t>
+              <a:t>13/04/2017</a:t>
             </a:fld>
             <a:endParaRPr lang="es-MX"/>
           </a:p>
@@ -3490,7 +3505,7 @@
           <a:p>
             <a:fld id="{2FDF6323-87CB-4B79-BD1E-7EE244B1AEFB}" type="datetimeFigureOut">
               <a:rPr lang="es-MX" smtClean="0"/>
-              <a:t>10/04/2017</a:t>
+              <a:t>13/04/2017</a:t>
             </a:fld>
             <a:endParaRPr lang="es-MX"/>
           </a:p>
@@ -3864,7 +3879,7 @@
           <a:p>
             <a:fld id="{2FDF6323-87CB-4B79-BD1E-7EE244B1AEFB}" type="datetimeFigureOut">
               <a:rPr lang="es-MX" smtClean="0"/>
-              <a:t>10/04/2017</a:t>
+              <a:t>13/04/2017</a:t>
             </a:fld>
             <a:endParaRPr lang="es-MX"/>
           </a:p>
@@ -3987,7 +4002,7 @@
           <a:p>
             <a:fld id="{2FDF6323-87CB-4B79-BD1E-7EE244B1AEFB}" type="datetimeFigureOut">
               <a:rPr lang="es-MX" smtClean="0"/>
-              <a:t>10/04/2017</a:t>
+              <a:t>13/04/2017</a:t>
             </a:fld>
             <a:endParaRPr lang="es-MX"/>
           </a:p>
@@ -4082,7 +4097,7 @@
           <a:p>
             <a:fld id="{2FDF6323-87CB-4B79-BD1E-7EE244B1AEFB}" type="datetimeFigureOut">
               <a:rPr lang="es-MX" smtClean="0"/>
-              <a:t>10/04/2017</a:t>
+              <a:t>13/04/2017</a:t>
             </a:fld>
             <a:endParaRPr lang="es-MX"/>
           </a:p>
@@ -4337,7 +4352,7 @@
           <a:p>
             <a:fld id="{2FDF6323-87CB-4B79-BD1E-7EE244B1AEFB}" type="datetimeFigureOut">
               <a:rPr lang="es-MX" smtClean="0"/>
-              <a:t>10/04/2017</a:t>
+              <a:t>13/04/2017</a:t>
             </a:fld>
             <a:endParaRPr lang="es-MX"/>
           </a:p>
@@ -4642,7 +4657,7 @@
           <a:p>
             <a:fld id="{2FDF6323-87CB-4B79-BD1E-7EE244B1AEFB}" type="datetimeFigureOut">
               <a:rPr lang="es-MX" smtClean="0"/>
-              <a:t>10/04/2017</a:t>
+              <a:t>13/04/2017</a:t>
             </a:fld>
             <a:endParaRPr lang="es-MX"/>
           </a:p>
@@ -5344,7 +5359,7 @@
           <a:p>
             <a:fld id="{2FDF6323-87CB-4B79-BD1E-7EE244B1AEFB}" type="datetimeFigureOut">
               <a:rPr lang="es-MX" smtClean="0"/>
-              <a:t>10/04/2017</a:t>
+              <a:t>13/04/2017</a:t>
             </a:fld>
             <a:endParaRPr lang="es-MX"/>
           </a:p>
@@ -10730,7 +10745,7 @@
             </a:r>
             <a:r>
               <a:rPr lang="es-MX" sz="2000" dirty="0" err="1" smtClean="0"/>
-              <a:t>EjericicioFibonacci</a:t>
+              <a:t>EjercicioFibonacci</a:t>
             </a:r>
             <a:endParaRPr lang="es-MX" sz="2000" dirty="0" smtClean="0"/>
           </a:p>
@@ -10837,9 +10852,318 @@
           <a:lstStyle/>
           <a:p>
             <a:r>
+              <a:rPr lang="es-MX" dirty="0"/>
+              <a:t>Programación Orientada a Objetos</a:t>
+            </a:r>
+          </a:p>
+        </p:txBody>
+      </p:sp>
+      <p:sp>
+        <p:nvSpPr>
+          <p:cNvPr id="3" name="Marcador de contenido 2"/>
+          <p:cNvSpPr>
+            <a:spLocks noGrp="1"/>
+          </p:cNvSpPr>
+          <p:nvPr>
+            <p:ph idx="1"/>
+          </p:nvPr>
+        </p:nvSpPr>
+        <p:spPr/>
+        <p:txBody>
+          <a:bodyPr>
+            <a:normAutofit/>
+          </a:bodyPr>
+          <a:lstStyle/>
+          <a:p>
+            <a:pPr marL="0" indent="0" algn="ctr">
+              <a:buNone/>
+            </a:pPr>
+            <a:r>
+              <a:rPr lang="es-MX" sz="2800" dirty="0" smtClean="0"/>
+              <a:t>Es un paradigma de programación que usa los objetos en sus interacciones, para diseñar aplicaciones y programas informáticos</a:t>
+            </a:r>
+            <a:endParaRPr lang="es-MX" sz="2800" dirty="0"/>
+          </a:p>
+        </p:txBody>
+      </p:sp>
+      <p:pic>
+        <p:nvPicPr>
+          <p:cNvPr id="4" name="Imagen 3"/>
+          <p:cNvPicPr>
+            <a:picLocks noChangeAspect="1"/>
+          </p:cNvPicPr>
+          <p:nvPr/>
+        </p:nvPicPr>
+        <p:blipFill>
+          <a:blip r:embed="rId2">
+            <a:extLst>
+              <a:ext uri="{28A0092B-C50C-407E-A947-70E740481C1C}">
+                <a14:useLocalDpi xmlns:a14="http://schemas.microsoft.com/office/drawing/2010/main" val="0"/>
+              </a:ext>
+            </a:extLst>
+          </a:blip>
+          <a:stretch>
+            <a:fillRect/>
+          </a:stretch>
+        </p:blipFill>
+        <p:spPr>
+          <a:xfrm>
+            <a:off x="119106" y="6130345"/>
+            <a:ext cx="1628127" cy="727655"/>
+          </a:xfrm>
+          <a:prstGeom prst="rect">
+            <a:avLst/>
+          </a:prstGeom>
+        </p:spPr>
+      </p:pic>
+    </p:spTree>
+    <p:extLst>
+      <p:ext uri="{BB962C8B-B14F-4D97-AF65-F5344CB8AC3E}">
+        <p14:creationId xmlns:p14="http://schemas.microsoft.com/office/powerpoint/2010/main" val="2820542107"/>
+      </p:ext>
+    </p:extLst>
+  </p:cSld>
+  <p:clrMapOvr>
+    <a:masterClrMapping/>
+  </p:clrMapOvr>
+  <p:timing>
+    <p:tnLst>
+      <p:par>
+        <p:cTn id="1" dur="indefinite" restart="never" nodeType="tmRoot"/>
+      </p:par>
+    </p:tnLst>
+  </p:timing>
+</p:sld>
+</file>
+
+<file path=ppt/slides/slide3.xml><?xml version="1.0" encoding="utf-8"?>
+<p:sld xmlns:a="http://schemas.openxmlformats.org/drawingml/2006/main" xmlns:r="http://schemas.openxmlformats.org/officeDocument/2006/relationships" xmlns:p="http://schemas.openxmlformats.org/presentationml/2006/main">
+  <p:cSld>
+    <p:spTree>
+      <p:nvGrpSpPr>
+        <p:cNvPr id="1" name=""/>
+        <p:cNvGrpSpPr/>
+        <p:nvPr/>
+      </p:nvGrpSpPr>
+      <p:grpSpPr>
+        <a:xfrm>
+          <a:off x="0" y="0"/>
+          <a:ext cx="0" cy="0"/>
+          <a:chOff x="0" y="0"/>
+          <a:chExt cx="0" cy="0"/>
+        </a:xfrm>
+      </p:grpSpPr>
+      <p:sp>
+        <p:nvSpPr>
+          <p:cNvPr id="2" name="Título 1"/>
+          <p:cNvSpPr>
+            <a:spLocks noGrp="1"/>
+          </p:cNvSpPr>
+          <p:nvPr>
+            <p:ph type="title"/>
+          </p:nvPr>
+        </p:nvSpPr>
+        <p:spPr/>
+        <p:txBody>
+          <a:bodyPr/>
+          <a:lstStyle/>
+          <a:p>
+            <a:r>
               <a:rPr lang="es-MX" dirty="0" smtClean="0"/>
-              <a:t>Programación Orientada a Objetos</a:t>
-            </a:r>
+              <a:t>Características</a:t>
+            </a:r>
+            <a:endParaRPr lang="es-MX" dirty="0"/>
+          </a:p>
+        </p:txBody>
+      </p:sp>
+      <p:sp>
+        <p:nvSpPr>
+          <p:cNvPr id="3" name="Marcador de contenido 2"/>
+          <p:cNvSpPr>
+            <a:spLocks noGrp="1"/>
+          </p:cNvSpPr>
+          <p:nvPr>
+            <p:ph idx="1"/>
+          </p:nvPr>
+        </p:nvSpPr>
+        <p:spPr/>
+        <p:txBody>
+          <a:bodyPr/>
+          <a:lstStyle/>
+          <a:p>
+            <a:r>
+              <a:rPr lang="es-MX" dirty="0" smtClean="0"/>
+              <a:t>Orientado a Objetos</a:t>
+            </a:r>
+          </a:p>
+          <a:p>
+            <a:r>
+              <a:rPr lang="es-MX" dirty="0" smtClean="0"/>
+              <a:t>Distribuido</a:t>
+            </a:r>
+          </a:p>
+          <a:p>
+            <a:r>
+              <a:rPr lang="es-MX" dirty="0" smtClean="0"/>
+              <a:t>Simple</a:t>
+            </a:r>
+          </a:p>
+          <a:p>
+            <a:r>
+              <a:rPr lang="es-MX" dirty="0" err="1" smtClean="0"/>
+              <a:t>Multihilo</a:t>
+            </a:r>
+            <a:r>
+              <a:rPr lang="es-MX" dirty="0" smtClean="0"/>
+              <a:t> (</a:t>
+            </a:r>
+            <a:r>
+              <a:rPr lang="es-MX" dirty="0" err="1" smtClean="0"/>
+              <a:t>Multithread</a:t>
+            </a:r>
+            <a:r>
+              <a:rPr lang="es-MX" dirty="0" smtClean="0"/>
+              <a:t>)</a:t>
+            </a:r>
+          </a:p>
+          <a:p>
+            <a:r>
+              <a:rPr lang="es-MX" dirty="0" smtClean="0"/>
+              <a:t>Seguro</a:t>
+            </a:r>
+          </a:p>
+          <a:p>
+            <a:r>
+              <a:rPr lang="es-MX" dirty="0" smtClean="0"/>
+              <a:t>Independiente de plataforma</a:t>
+            </a:r>
+            <a:endParaRPr lang="es-MX" dirty="0"/>
+          </a:p>
+        </p:txBody>
+      </p:sp>
+      <p:pic>
+        <p:nvPicPr>
+          <p:cNvPr id="4" name="Picture 2" descr="Resultado de imagen para java"/>
+          <p:cNvPicPr>
+            <a:picLocks noChangeAspect="1" noChangeArrowheads="1"/>
+          </p:cNvPicPr>
+          <p:nvPr/>
+        </p:nvPicPr>
+        <p:blipFill>
+          <a:blip r:embed="rId2">
+            <a:extLst>
+              <a:ext uri="{28A0092B-C50C-407E-A947-70E740481C1C}">
+                <a14:useLocalDpi xmlns:a14="http://schemas.microsoft.com/office/drawing/2010/main" val="0"/>
+              </a:ext>
+            </a:extLst>
+          </a:blip>
+          <a:srcRect/>
+          <a:stretch>
+            <a:fillRect/>
+          </a:stretch>
+        </p:blipFill>
+        <p:spPr bwMode="auto">
+          <a:xfrm>
+            <a:off x="5434883" y="1604493"/>
+            <a:ext cx="3168204" cy="3168204"/>
+          </a:xfrm>
+          <a:prstGeom prst="rect">
+            <a:avLst/>
+          </a:prstGeom>
+          <a:noFill/>
+          <a:extLst>
+            <a:ext uri="{909E8E84-426E-40DD-AFC4-6F175D3DCCD1}">
+              <a14:hiddenFill xmlns:a14="http://schemas.microsoft.com/office/drawing/2010/main">
+                <a:solidFill>
+                  <a:srgbClr val="FFFFFF"/>
+                </a:solidFill>
+              </a14:hiddenFill>
+            </a:ext>
+          </a:extLst>
+        </p:spPr>
+      </p:pic>
+      <p:pic>
+        <p:nvPicPr>
+          <p:cNvPr id="5" name="Imagen 4"/>
+          <p:cNvPicPr>
+            <a:picLocks noChangeAspect="1"/>
+          </p:cNvPicPr>
+          <p:nvPr/>
+        </p:nvPicPr>
+        <p:blipFill>
+          <a:blip r:embed="rId3">
+            <a:extLst>
+              <a:ext uri="{28A0092B-C50C-407E-A947-70E740481C1C}">
+                <a14:useLocalDpi xmlns:a14="http://schemas.microsoft.com/office/drawing/2010/main" val="0"/>
+              </a:ext>
+            </a:extLst>
+          </a:blip>
+          <a:stretch>
+            <a:fillRect/>
+          </a:stretch>
+        </p:blipFill>
+        <p:spPr>
+          <a:xfrm>
+            <a:off x="119106" y="6130345"/>
+            <a:ext cx="1628127" cy="727655"/>
+          </a:xfrm>
+          <a:prstGeom prst="rect">
+            <a:avLst/>
+          </a:prstGeom>
+        </p:spPr>
+      </p:pic>
+    </p:spTree>
+    <p:extLst>
+      <p:ext uri="{BB962C8B-B14F-4D97-AF65-F5344CB8AC3E}">
+        <p14:creationId xmlns:p14="http://schemas.microsoft.com/office/powerpoint/2010/main" val="3637916208"/>
+      </p:ext>
+    </p:extLst>
+  </p:cSld>
+  <p:clrMapOvr>
+    <a:masterClrMapping/>
+  </p:clrMapOvr>
+  <p:timing>
+    <p:tnLst>
+      <p:par>
+        <p:cTn id="1" dur="indefinite" restart="never" nodeType="tmRoot"/>
+      </p:par>
+    </p:tnLst>
+  </p:timing>
+</p:sld>
+</file>
+
+<file path=ppt/slides/slide30.xml><?xml version="1.0" encoding="utf-8"?>
+<p:sld xmlns:a="http://schemas.openxmlformats.org/drawingml/2006/main" xmlns:r="http://schemas.openxmlformats.org/officeDocument/2006/relationships" xmlns:p="http://schemas.openxmlformats.org/presentationml/2006/main">
+  <p:cSld>
+    <p:spTree>
+      <p:nvGrpSpPr>
+        <p:cNvPr id="1" name=""/>
+        <p:cNvGrpSpPr/>
+        <p:nvPr/>
+      </p:nvGrpSpPr>
+      <p:grpSpPr>
+        <a:xfrm>
+          <a:off x="0" y="0"/>
+          <a:ext cx="0" cy="0"/>
+          <a:chOff x="0" y="0"/>
+          <a:chExt cx="0" cy="0"/>
+        </a:xfrm>
+      </p:grpSpPr>
+      <p:sp>
+        <p:nvSpPr>
+          <p:cNvPr id="2" name="Título 1"/>
+          <p:cNvSpPr>
+            <a:spLocks noGrp="1"/>
+          </p:cNvSpPr>
+          <p:nvPr>
+            <p:ph type="title"/>
+          </p:nvPr>
+        </p:nvSpPr>
+        <p:spPr/>
+        <p:txBody>
+          <a:bodyPr/>
+          <a:lstStyle/>
+          <a:p>
             <a:endParaRPr lang="es-MX" dirty="0"/>
           </a:p>
         </p:txBody>
@@ -11043,210 +11367,196 @@
   <p:timing>
     <p:tnLst>
       <p:par>
-        <p:cTn id="1" dur="indefinite" restart="never" nodeType="tmRoot"/>
+        <p:cTn id="1" dur="indefinite" restart="never" nodeType="tmRoot">
+          <p:childTnLst>
+            <p:seq concurrent="1" nextAc="seek">
+              <p:cTn id="2" dur="indefinite" nodeType="mainSeq">
+                <p:childTnLst>
+                  <p:par>
+                    <p:cTn id="3" fill="hold">
+                      <p:stCondLst>
+                        <p:cond delay="indefinite"/>
+                      </p:stCondLst>
+                      <p:childTnLst>
+                        <p:par>
+                          <p:cTn id="4" fill="hold">
+                            <p:stCondLst>
+                              <p:cond delay="0"/>
+                            </p:stCondLst>
+                            <p:childTnLst>
+                              <p:par>
+                                <p:cTn id="5" presetID="10" presetClass="entr" presetSubtype="0" fill="hold" nodeType="clickEffect">
+                                  <p:stCondLst>
+                                    <p:cond delay="0"/>
+                                  </p:stCondLst>
+                                  <p:childTnLst>
+                                    <p:set>
+                                      <p:cBhvr>
+                                        <p:cTn id="6" dur="1" fill="hold">
+                                          <p:stCondLst>
+                                            <p:cond delay="0"/>
+                                          </p:stCondLst>
+                                        </p:cTn>
+                                        <p:tgtEl>
+                                          <p:spTgt spid="1026"/>
+                                        </p:tgtEl>
+                                        <p:attrNameLst>
+                                          <p:attrName>style.visibility</p:attrName>
+                                        </p:attrNameLst>
+                                      </p:cBhvr>
+                                      <p:to>
+                                        <p:strVal val="visible"/>
+                                      </p:to>
+                                    </p:set>
+                                    <p:animEffect transition="in" filter="fade">
+                                      <p:cBhvr>
+                                        <p:cTn id="7" dur="500"/>
+                                        <p:tgtEl>
+                                          <p:spTgt spid="1026"/>
+                                        </p:tgtEl>
+                                      </p:cBhvr>
+                                    </p:animEffect>
+                                  </p:childTnLst>
+                                </p:cTn>
+                              </p:par>
+                            </p:childTnLst>
+                          </p:cTn>
+                        </p:par>
+                      </p:childTnLst>
+                    </p:cTn>
+                  </p:par>
+                  <p:par>
+                    <p:cTn id="8" fill="hold">
+                      <p:stCondLst>
+                        <p:cond delay="indefinite"/>
+                      </p:stCondLst>
+                      <p:childTnLst>
+                        <p:par>
+                          <p:cTn id="9" fill="hold">
+                            <p:stCondLst>
+                              <p:cond delay="0"/>
+                            </p:stCondLst>
+                            <p:childTnLst>
+                              <p:par>
+                                <p:cTn id="10" presetID="10" presetClass="entr" presetSubtype="0" fill="hold" nodeType="clickEffect">
+                                  <p:stCondLst>
+                                    <p:cond delay="0"/>
+                                  </p:stCondLst>
+                                  <p:childTnLst>
+                                    <p:set>
+                                      <p:cBhvr>
+                                        <p:cTn id="11" dur="1" fill="hold">
+                                          <p:stCondLst>
+                                            <p:cond delay="0"/>
+                                          </p:stCondLst>
+                                        </p:cTn>
+                                        <p:tgtEl>
+                                          <p:spTgt spid="1030"/>
+                                        </p:tgtEl>
+                                        <p:attrNameLst>
+                                          <p:attrName>style.visibility</p:attrName>
+                                        </p:attrNameLst>
+                                      </p:cBhvr>
+                                      <p:to>
+                                        <p:strVal val="visible"/>
+                                      </p:to>
+                                    </p:set>
+                                    <p:animEffect transition="in" filter="fade">
+                                      <p:cBhvr>
+                                        <p:cTn id="12" dur="500"/>
+                                        <p:tgtEl>
+                                          <p:spTgt spid="1030"/>
+                                        </p:tgtEl>
+                                      </p:cBhvr>
+                                    </p:animEffect>
+                                  </p:childTnLst>
+                                </p:cTn>
+                              </p:par>
+                            </p:childTnLst>
+                          </p:cTn>
+                        </p:par>
+                      </p:childTnLst>
+                    </p:cTn>
+                  </p:par>
+                  <p:par>
+                    <p:cTn id="13" fill="hold">
+                      <p:stCondLst>
+                        <p:cond delay="indefinite"/>
+                      </p:stCondLst>
+                      <p:childTnLst>
+                        <p:par>
+                          <p:cTn id="14" fill="hold">
+                            <p:stCondLst>
+                              <p:cond delay="0"/>
+                            </p:stCondLst>
+                            <p:childTnLst>
+                              <p:par>
+                                <p:cTn id="15" presetID="10" presetClass="entr" presetSubtype="0" fill="hold" nodeType="clickEffect">
+                                  <p:stCondLst>
+                                    <p:cond delay="0"/>
+                                  </p:stCondLst>
+                                  <p:childTnLst>
+                                    <p:set>
+                                      <p:cBhvr>
+                                        <p:cTn id="16" dur="1" fill="hold">
+                                          <p:stCondLst>
+                                            <p:cond delay="0"/>
+                                          </p:stCondLst>
+                                        </p:cTn>
+                                        <p:tgtEl>
+                                          <p:spTgt spid="1028"/>
+                                        </p:tgtEl>
+                                        <p:attrNameLst>
+                                          <p:attrName>style.visibility</p:attrName>
+                                        </p:attrNameLst>
+                                      </p:cBhvr>
+                                      <p:to>
+                                        <p:strVal val="visible"/>
+                                      </p:to>
+                                    </p:set>
+                                    <p:animEffect transition="in" filter="fade">
+                                      <p:cBhvr>
+                                        <p:cTn id="17" dur="500"/>
+                                        <p:tgtEl>
+                                          <p:spTgt spid="1028"/>
+                                        </p:tgtEl>
+                                      </p:cBhvr>
+                                    </p:animEffect>
+                                  </p:childTnLst>
+                                </p:cTn>
+                              </p:par>
+                            </p:childTnLst>
+                          </p:cTn>
+                        </p:par>
+                      </p:childTnLst>
+                    </p:cTn>
+                  </p:par>
+                </p:childTnLst>
+              </p:cTn>
+              <p:prevCondLst>
+                <p:cond evt="onPrev" delay="0">
+                  <p:tgtEl>
+                    <p:sldTgt/>
+                  </p:tgtEl>
+                </p:cond>
+              </p:prevCondLst>
+              <p:nextCondLst>
+                <p:cond evt="onNext" delay="0">
+                  <p:tgtEl>
+                    <p:sldTgt/>
+                  </p:tgtEl>
+                </p:cond>
+              </p:nextCondLst>
+            </p:seq>
+          </p:childTnLst>
+        </p:cTn>
       </p:par>
     </p:tnLst>
   </p:timing>
 </p:sld>
 </file>
 
-<file path=ppt/slides/slide3.xml><?xml version="1.0" encoding="utf-8"?>
-<p:sld xmlns:a="http://schemas.openxmlformats.org/drawingml/2006/main" xmlns:r="http://schemas.openxmlformats.org/officeDocument/2006/relationships" xmlns:p="http://schemas.openxmlformats.org/presentationml/2006/main">
-  <p:cSld>
-    <p:spTree>
-      <p:nvGrpSpPr>
-        <p:cNvPr id="1" name=""/>
-        <p:cNvGrpSpPr/>
-        <p:nvPr/>
-      </p:nvGrpSpPr>
-      <p:grpSpPr>
-        <a:xfrm>
-          <a:off x="0" y="0"/>
-          <a:ext cx="0" cy="0"/>
-          <a:chOff x="0" y="0"/>
-          <a:chExt cx="0" cy="0"/>
-        </a:xfrm>
-      </p:grpSpPr>
-      <p:sp>
-        <p:nvSpPr>
-          <p:cNvPr id="2" name="Título 1"/>
-          <p:cNvSpPr>
-            <a:spLocks noGrp="1"/>
-          </p:cNvSpPr>
-          <p:nvPr>
-            <p:ph type="title"/>
-          </p:nvPr>
-        </p:nvSpPr>
-        <p:spPr/>
-        <p:txBody>
-          <a:bodyPr/>
-          <a:lstStyle/>
-          <a:p>
-            <a:r>
-              <a:rPr lang="es-MX" dirty="0" smtClean="0"/>
-              <a:t>Características</a:t>
-            </a:r>
-            <a:endParaRPr lang="es-MX" dirty="0"/>
-          </a:p>
-        </p:txBody>
-      </p:sp>
-      <p:sp>
-        <p:nvSpPr>
-          <p:cNvPr id="3" name="Marcador de contenido 2"/>
-          <p:cNvSpPr>
-            <a:spLocks noGrp="1"/>
-          </p:cNvSpPr>
-          <p:nvPr>
-            <p:ph idx="1"/>
-          </p:nvPr>
-        </p:nvSpPr>
-        <p:spPr/>
-        <p:txBody>
-          <a:bodyPr/>
-          <a:lstStyle/>
-          <a:p>
-            <a:r>
-              <a:rPr lang="es-MX" dirty="0" smtClean="0"/>
-              <a:t>Orientado a Objetos</a:t>
-            </a:r>
-          </a:p>
-          <a:p>
-            <a:r>
-              <a:rPr lang="es-MX" dirty="0" smtClean="0"/>
-              <a:t>Distribuido</a:t>
-            </a:r>
-          </a:p>
-          <a:p>
-            <a:r>
-              <a:rPr lang="es-MX" dirty="0" smtClean="0"/>
-              <a:t>Simple</a:t>
-            </a:r>
-          </a:p>
-          <a:p>
-            <a:r>
-              <a:rPr lang="es-MX" dirty="0" err="1" smtClean="0"/>
-              <a:t>Multihilo</a:t>
-            </a:r>
-            <a:r>
-              <a:rPr lang="es-MX" dirty="0" smtClean="0"/>
-              <a:t> (</a:t>
-            </a:r>
-            <a:r>
-              <a:rPr lang="es-MX" dirty="0" err="1" smtClean="0"/>
-              <a:t>Multithread</a:t>
-            </a:r>
-            <a:r>
-              <a:rPr lang="es-MX" dirty="0" smtClean="0"/>
-              <a:t>)</a:t>
-            </a:r>
-          </a:p>
-          <a:p>
-            <a:r>
-              <a:rPr lang="es-MX" dirty="0" smtClean="0"/>
-              <a:t>Seguro</a:t>
-            </a:r>
-          </a:p>
-          <a:p>
-            <a:r>
-              <a:rPr lang="es-MX" dirty="0" smtClean="0"/>
-              <a:t>Independiente de plataforma</a:t>
-            </a:r>
-            <a:endParaRPr lang="es-MX" dirty="0"/>
-          </a:p>
-        </p:txBody>
-      </p:sp>
-      <p:pic>
-        <p:nvPicPr>
-          <p:cNvPr id="4" name="Picture 2" descr="Resultado de imagen para java"/>
-          <p:cNvPicPr>
-            <a:picLocks noChangeAspect="1" noChangeArrowheads="1"/>
-          </p:cNvPicPr>
-          <p:nvPr/>
-        </p:nvPicPr>
-        <p:blipFill>
-          <a:blip r:embed="rId2">
-            <a:extLst>
-              <a:ext uri="{28A0092B-C50C-407E-A947-70E740481C1C}">
-                <a14:useLocalDpi xmlns:a14="http://schemas.microsoft.com/office/drawing/2010/main" val="0"/>
-              </a:ext>
-            </a:extLst>
-          </a:blip>
-          <a:srcRect/>
-          <a:stretch>
-            <a:fillRect/>
-          </a:stretch>
-        </p:blipFill>
-        <p:spPr bwMode="auto">
-          <a:xfrm>
-            <a:off x="5434883" y="1604493"/>
-            <a:ext cx="3168204" cy="3168204"/>
-          </a:xfrm>
-          <a:prstGeom prst="rect">
-            <a:avLst/>
-          </a:prstGeom>
-          <a:noFill/>
-          <a:extLst>
-            <a:ext uri="{909E8E84-426E-40DD-AFC4-6F175D3DCCD1}">
-              <a14:hiddenFill xmlns:a14="http://schemas.microsoft.com/office/drawing/2010/main">
-                <a:solidFill>
-                  <a:srgbClr val="FFFFFF"/>
-                </a:solidFill>
-              </a14:hiddenFill>
-            </a:ext>
-          </a:extLst>
-        </p:spPr>
-      </p:pic>
-      <p:pic>
-        <p:nvPicPr>
-          <p:cNvPr id="5" name="Imagen 4"/>
-          <p:cNvPicPr>
-            <a:picLocks noChangeAspect="1"/>
-          </p:cNvPicPr>
-          <p:nvPr/>
-        </p:nvPicPr>
-        <p:blipFill>
-          <a:blip r:embed="rId3">
-            <a:extLst>
-              <a:ext uri="{28A0092B-C50C-407E-A947-70E740481C1C}">
-                <a14:useLocalDpi xmlns:a14="http://schemas.microsoft.com/office/drawing/2010/main" val="0"/>
-              </a:ext>
-            </a:extLst>
-          </a:blip>
-          <a:stretch>
-            <a:fillRect/>
-          </a:stretch>
-        </p:blipFill>
-        <p:spPr>
-          <a:xfrm>
-            <a:off x="119106" y="6130345"/>
-            <a:ext cx="1628127" cy="727655"/>
-          </a:xfrm>
-          <a:prstGeom prst="rect">
-            <a:avLst/>
-          </a:prstGeom>
-        </p:spPr>
-      </p:pic>
-    </p:spTree>
-    <p:extLst>
-      <p:ext uri="{BB962C8B-B14F-4D97-AF65-F5344CB8AC3E}">
-        <p14:creationId xmlns:p14="http://schemas.microsoft.com/office/powerpoint/2010/main" val="3637916208"/>
-      </p:ext>
-    </p:extLst>
-  </p:cSld>
-  <p:clrMapOvr>
-    <a:masterClrMapping/>
-  </p:clrMapOvr>
-  <p:timing>
-    <p:tnLst>
-      <p:par>
-        <p:cTn id="1" dur="indefinite" restart="never" nodeType="tmRoot"/>
-      </p:par>
-    </p:tnLst>
-  </p:timing>
-</p:sld>
-</file>
-
-<file path=ppt/slides/slide30.xml><?xml version="1.0" encoding="utf-8"?>
+<file path=ppt/slides/slide31.xml><?xml version="1.0" encoding="utf-8"?>
 <p:sld xmlns:a="http://schemas.openxmlformats.org/drawingml/2006/main" xmlns:r="http://schemas.openxmlformats.org/officeDocument/2006/relationships" xmlns:p="http://schemas.openxmlformats.org/presentationml/2006/main">
   <p:cSld>
     <p:spTree>
@@ -11386,6 +11696,4050 @@
 </p:sld>
 </file>
 
+<file path=ppt/slides/slide32.xml><?xml version="1.0" encoding="utf-8"?>
+<p:sld xmlns:a="http://schemas.openxmlformats.org/drawingml/2006/main" xmlns:r="http://schemas.openxmlformats.org/officeDocument/2006/relationships" xmlns:p="http://schemas.openxmlformats.org/presentationml/2006/main">
+  <p:cSld>
+    <p:spTree>
+      <p:nvGrpSpPr>
+        <p:cNvPr id="1" name=""/>
+        <p:cNvGrpSpPr/>
+        <p:nvPr/>
+      </p:nvGrpSpPr>
+      <p:grpSpPr>
+        <a:xfrm>
+          <a:off x="0" y="0"/>
+          <a:ext cx="0" cy="0"/>
+          <a:chOff x="0" y="0"/>
+          <a:chExt cx="0" cy="0"/>
+        </a:xfrm>
+      </p:grpSpPr>
+      <p:sp>
+        <p:nvSpPr>
+          <p:cNvPr id="2" name="Título 1"/>
+          <p:cNvSpPr>
+            <a:spLocks noGrp="1"/>
+          </p:cNvSpPr>
+          <p:nvPr>
+            <p:ph type="title"/>
+          </p:nvPr>
+        </p:nvSpPr>
+        <p:spPr/>
+        <p:txBody>
+          <a:bodyPr/>
+          <a:lstStyle/>
+          <a:p>
+            <a:r>
+              <a:rPr lang="es-MX" dirty="0" smtClean="0"/>
+              <a:t>Instancia</a:t>
+            </a:r>
+            <a:endParaRPr lang="es-MX" dirty="0"/>
+          </a:p>
+        </p:txBody>
+      </p:sp>
+      <p:sp>
+        <p:nvSpPr>
+          <p:cNvPr id="3" name="Marcador de contenido 2"/>
+          <p:cNvSpPr>
+            <a:spLocks noGrp="1"/>
+          </p:cNvSpPr>
+          <p:nvPr>
+            <p:ph idx="1"/>
+          </p:nvPr>
+        </p:nvSpPr>
+        <p:spPr/>
+        <p:txBody>
+          <a:bodyPr>
+            <a:normAutofit/>
+          </a:bodyPr>
+          <a:lstStyle/>
+          <a:p>
+            <a:pPr marL="0" indent="0">
+              <a:buNone/>
+            </a:pPr>
+            <a:r>
+              <a:rPr lang="es-MX" sz="2800" dirty="0" smtClean="0"/>
+              <a:t>Objeto creado a partir de una clase</a:t>
+            </a:r>
+            <a:endParaRPr lang="es-MX" sz="2800" dirty="0"/>
+          </a:p>
+        </p:txBody>
+      </p:sp>
+      <p:pic>
+        <p:nvPicPr>
+          <p:cNvPr id="4" name="Imagen 3"/>
+          <p:cNvPicPr>
+            <a:picLocks noChangeAspect="1"/>
+          </p:cNvPicPr>
+          <p:nvPr/>
+        </p:nvPicPr>
+        <p:blipFill>
+          <a:blip r:embed="rId2">
+            <a:extLst>
+              <a:ext uri="{28A0092B-C50C-407E-A947-70E740481C1C}">
+                <a14:useLocalDpi xmlns:a14="http://schemas.microsoft.com/office/drawing/2010/main" val="0"/>
+              </a:ext>
+            </a:extLst>
+          </a:blip>
+          <a:stretch>
+            <a:fillRect/>
+          </a:stretch>
+        </p:blipFill>
+        <p:spPr>
+          <a:xfrm>
+            <a:off x="119106" y="6130345"/>
+            <a:ext cx="1628127" cy="727655"/>
+          </a:xfrm>
+          <a:prstGeom prst="rect">
+            <a:avLst/>
+          </a:prstGeom>
+        </p:spPr>
+      </p:pic>
+    </p:spTree>
+    <p:extLst>
+      <p:ext uri="{BB962C8B-B14F-4D97-AF65-F5344CB8AC3E}">
+        <p14:creationId xmlns:p14="http://schemas.microsoft.com/office/powerpoint/2010/main" val="643957784"/>
+      </p:ext>
+    </p:extLst>
+  </p:cSld>
+  <p:clrMapOvr>
+    <a:masterClrMapping/>
+  </p:clrMapOvr>
+  <p:timing>
+    <p:tnLst>
+      <p:par>
+        <p:cTn id="1" dur="indefinite" restart="never" nodeType="tmRoot"/>
+      </p:par>
+    </p:tnLst>
+  </p:timing>
+</p:sld>
+</file>
+
+<file path=ppt/slides/slide33.xml><?xml version="1.0" encoding="utf-8"?>
+<p:sld xmlns:a="http://schemas.openxmlformats.org/drawingml/2006/main" xmlns:r="http://schemas.openxmlformats.org/officeDocument/2006/relationships" xmlns:p="http://schemas.openxmlformats.org/presentationml/2006/main">
+  <p:cSld>
+    <p:spTree>
+      <p:nvGrpSpPr>
+        <p:cNvPr id="1" name=""/>
+        <p:cNvGrpSpPr/>
+        <p:nvPr/>
+      </p:nvGrpSpPr>
+      <p:grpSpPr>
+        <a:xfrm>
+          <a:off x="0" y="0"/>
+          <a:ext cx="0" cy="0"/>
+          <a:chOff x="0" y="0"/>
+          <a:chExt cx="0" cy="0"/>
+        </a:xfrm>
+      </p:grpSpPr>
+      <p:sp>
+        <p:nvSpPr>
+          <p:cNvPr id="2" name="Título 1"/>
+          <p:cNvSpPr>
+            <a:spLocks noGrp="1"/>
+          </p:cNvSpPr>
+          <p:nvPr>
+            <p:ph type="title"/>
+          </p:nvPr>
+        </p:nvSpPr>
+        <p:spPr/>
+        <p:txBody>
+          <a:bodyPr/>
+          <a:lstStyle/>
+          <a:p>
+            <a:r>
+              <a:rPr lang="es-MX" dirty="0" smtClean="0"/>
+              <a:t>Construcción de la Clase</a:t>
+            </a:r>
+            <a:endParaRPr lang="es-MX" dirty="0"/>
+          </a:p>
+        </p:txBody>
+      </p:sp>
+      <p:sp>
+        <p:nvSpPr>
+          <p:cNvPr id="3" name="Marcador de contenido 2"/>
+          <p:cNvSpPr>
+            <a:spLocks noGrp="1"/>
+          </p:cNvSpPr>
+          <p:nvPr>
+            <p:ph idx="1"/>
+          </p:nvPr>
+        </p:nvSpPr>
+        <p:spPr/>
+        <p:txBody>
+          <a:bodyPr/>
+          <a:lstStyle/>
+          <a:p>
+            <a:r>
+              <a:rPr lang="es-MX" dirty="0" smtClean="0"/>
+              <a:t>Clase: </a:t>
+            </a:r>
+          </a:p>
+          <a:p>
+            <a:pPr marL="0" indent="0">
+              <a:buNone/>
+            </a:pPr>
+            <a:r>
+              <a:rPr lang="es-MX" dirty="0" smtClean="0"/>
+              <a:t>	Recibe un nombre (Empleado, </a:t>
+            </a:r>
+            <a:r>
+              <a:rPr lang="es-MX" dirty="0" err="1" smtClean="0"/>
+              <a:t>Cuenta_Corriente</a:t>
+            </a:r>
+            <a:r>
+              <a:rPr lang="es-MX" dirty="0" smtClean="0"/>
+              <a:t>, Auto, Casa, etc.)</a:t>
+            </a:r>
+          </a:p>
+          <a:p>
+            <a:pPr marL="0" indent="0">
+              <a:buNone/>
+            </a:pPr>
+            <a:endParaRPr lang="es-MX" dirty="0" smtClean="0"/>
+          </a:p>
+          <a:p>
+            <a:r>
+              <a:rPr lang="es-MX" dirty="0" smtClean="0"/>
+              <a:t>Propiedades:</a:t>
+            </a:r>
+          </a:p>
+          <a:p>
+            <a:pPr marL="0" indent="0">
+              <a:buNone/>
+            </a:pPr>
+            <a:r>
+              <a:rPr lang="es-MX" dirty="0" smtClean="0"/>
+              <a:t>	Describen la clase (Altura, anchura, color, puntuación, etc.)</a:t>
+            </a:r>
+          </a:p>
+          <a:p>
+            <a:pPr marL="0" indent="0">
+              <a:buNone/>
+            </a:pPr>
+            <a:endParaRPr lang="es-MX" dirty="0" smtClean="0"/>
+          </a:p>
+          <a:p>
+            <a:r>
+              <a:rPr lang="es-MX" dirty="0" smtClean="0"/>
+              <a:t>Métodos:</a:t>
+            </a:r>
+          </a:p>
+          <a:p>
+            <a:pPr marL="0" indent="0">
+              <a:buNone/>
+            </a:pPr>
+            <a:r>
+              <a:rPr lang="es-MX" dirty="0" smtClean="0"/>
+              <a:t>	Las acciones que puede realizar (Abrir, cerrar, acelerar, girar, imprimir, etc.)</a:t>
+            </a:r>
+          </a:p>
+          <a:p>
+            <a:endParaRPr lang="es-MX" dirty="0"/>
+          </a:p>
+        </p:txBody>
+      </p:sp>
+      <p:pic>
+        <p:nvPicPr>
+          <p:cNvPr id="4" name="Imagen 3"/>
+          <p:cNvPicPr>
+            <a:picLocks noChangeAspect="1"/>
+          </p:cNvPicPr>
+          <p:nvPr/>
+        </p:nvPicPr>
+        <p:blipFill>
+          <a:blip r:embed="rId2">
+            <a:extLst>
+              <a:ext uri="{28A0092B-C50C-407E-A947-70E740481C1C}">
+                <a14:useLocalDpi xmlns:a14="http://schemas.microsoft.com/office/drawing/2010/main" val="0"/>
+              </a:ext>
+            </a:extLst>
+          </a:blip>
+          <a:stretch>
+            <a:fillRect/>
+          </a:stretch>
+        </p:blipFill>
+        <p:spPr>
+          <a:xfrm>
+            <a:off x="119106" y="6130345"/>
+            <a:ext cx="1628127" cy="727655"/>
+          </a:xfrm>
+          <a:prstGeom prst="rect">
+            <a:avLst/>
+          </a:prstGeom>
+        </p:spPr>
+      </p:pic>
+    </p:spTree>
+    <p:extLst>
+      <p:ext uri="{BB962C8B-B14F-4D97-AF65-F5344CB8AC3E}">
+        <p14:creationId xmlns:p14="http://schemas.microsoft.com/office/powerpoint/2010/main" val="2393703837"/>
+      </p:ext>
+    </p:extLst>
+  </p:cSld>
+  <p:clrMapOvr>
+    <a:masterClrMapping/>
+  </p:clrMapOvr>
+  <p:timing>
+    <p:tnLst>
+      <p:par>
+        <p:cTn id="1" dur="indefinite" restart="never" nodeType="tmRoot">
+          <p:childTnLst>
+            <p:seq concurrent="1" nextAc="seek">
+              <p:cTn id="2" dur="indefinite" nodeType="mainSeq">
+                <p:childTnLst>
+                  <p:par>
+                    <p:cTn id="3" fill="hold">
+                      <p:stCondLst>
+                        <p:cond delay="indefinite"/>
+                      </p:stCondLst>
+                      <p:childTnLst>
+                        <p:par>
+                          <p:cTn id="4" fill="hold">
+                            <p:stCondLst>
+                              <p:cond delay="0"/>
+                            </p:stCondLst>
+                            <p:childTnLst>
+                              <p:par>
+                                <p:cTn id="5" presetID="1" presetClass="entr" presetSubtype="0" fill="hold" grpId="0" nodeType="clickEffect">
+                                  <p:stCondLst>
+                                    <p:cond delay="0"/>
+                                  </p:stCondLst>
+                                  <p:childTnLst>
+                                    <p:set>
+                                      <p:cBhvr>
+                                        <p:cTn id="6" dur="1" fill="hold">
+                                          <p:stCondLst>
+                                            <p:cond delay="0"/>
+                                          </p:stCondLst>
+                                        </p:cTn>
+                                        <p:tgtEl>
+                                          <p:spTgt spid="3">
+                                            <p:txEl>
+                                              <p:pRg st="0" end="0"/>
+                                            </p:txEl>
+                                          </p:spTgt>
+                                        </p:tgtEl>
+                                        <p:attrNameLst>
+                                          <p:attrName>style.visibility</p:attrName>
+                                        </p:attrNameLst>
+                                      </p:cBhvr>
+                                      <p:to>
+                                        <p:strVal val="visible"/>
+                                      </p:to>
+                                    </p:set>
+                                  </p:childTnLst>
+                                </p:cTn>
+                              </p:par>
+                            </p:childTnLst>
+                          </p:cTn>
+                        </p:par>
+                      </p:childTnLst>
+                    </p:cTn>
+                  </p:par>
+                  <p:par>
+                    <p:cTn id="7" fill="hold">
+                      <p:stCondLst>
+                        <p:cond delay="indefinite"/>
+                      </p:stCondLst>
+                      <p:childTnLst>
+                        <p:par>
+                          <p:cTn id="8" fill="hold">
+                            <p:stCondLst>
+                              <p:cond delay="0"/>
+                            </p:stCondLst>
+                            <p:childTnLst>
+                              <p:par>
+                                <p:cTn id="9" presetID="1" presetClass="entr" presetSubtype="0" fill="hold" grpId="0" nodeType="clickEffect">
+                                  <p:stCondLst>
+                                    <p:cond delay="0"/>
+                                  </p:stCondLst>
+                                  <p:childTnLst>
+                                    <p:set>
+                                      <p:cBhvr>
+                                        <p:cTn id="10" dur="1" fill="hold">
+                                          <p:stCondLst>
+                                            <p:cond delay="0"/>
+                                          </p:stCondLst>
+                                        </p:cTn>
+                                        <p:tgtEl>
+                                          <p:spTgt spid="3">
+                                            <p:txEl>
+                                              <p:pRg st="1" end="1"/>
+                                            </p:txEl>
+                                          </p:spTgt>
+                                        </p:tgtEl>
+                                        <p:attrNameLst>
+                                          <p:attrName>style.visibility</p:attrName>
+                                        </p:attrNameLst>
+                                      </p:cBhvr>
+                                      <p:to>
+                                        <p:strVal val="visible"/>
+                                      </p:to>
+                                    </p:set>
+                                  </p:childTnLst>
+                                </p:cTn>
+                              </p:par>
+                            </p:childTnLst>
+                          </p:cTn>
+                        </p:par>
+                      </p:childTnLst>
+                    </p:cTn>
+                  </p:par>
+                  <p:par>
+                    <p:cTn id="11" fill="hold">
+                      <p:stCondLst>
+                        <p:cond delay="indefinite"/>
+                      </p:stCondLst>
+                      <p:childTnLst>
+                        <p:par>
+                          <p:cTn id="12" fill="hold">
+                            <p:stCondLst>
+                              <p:cond delay="0"/>
+                            </p:stCondLst>
+                            <p:childTnLst>
+                              <p:par>
+                                <p:cTn id="13" presetID="1" presetClass="entr" presetSubtype="0" fill="hold" grpId="0" nodeType="clickEffect">
+                                  <p:stCondLst>
+                                    <p:cond delay="0"/>
+                                  </p:stCondLst>
+                                  <p:childTnLst>
+                                    <p:set>
+                                      <p:cBhvr>
+                                        <p:cTn id="14" dur="1" fill="hold">
+                                          <p:stCondLst>
+                                            <p:cond delay="0"/>
+                                          </p:stCondLst>
+                                        </p:cTn>
+                                        <p:tgtEl>
+                                          <p:spTgt spid="3">
+                                            <p:txEl>
+                                              <p:pRg st="3" end="3"/>
+                                            </p:txEl>
+                                          </p:spTgt>
+                                        </p:tgtEl>
+                                        <p:attrNameLst>
+                                          <p:attrName>style.visibility</p:attrName>
+                                        </p:attrNameLst>
+                                      </p:cBhvr>
+                                      <p:to>
+                                        <p:strVal val="visible"/>
+                                      </p:to>
+                                    </p:set>
+                                  </p:childTnLst>
+                                </p:cTn>
+                              </p:par>
+                            </p:childTnLst>
+                          </p:cTn>
+                        </p:par>
+                      </p:childTnLst>
+                    </p:cTn>
+                  </p:par>
+                  <p:par>
+                    <p:cTn id="15" fill="hold">
+                      <p:stCondLst>
+                        <p:cond delay="indefinite"/>
+                      </p:stCondLst>
+                      <p:childTnLst>
+                        <p:par>
+                          <p:cTn id="16" fill="hold">
+                            <p:stCondLst>
+                              <p:cond delay="0"/>
+                            </p:stCondLst>
+                            <p:childTnLst>
+                              <p:par>
+                                <p:cTn id="17" presetID="1" presetClass="entr" presetSubtype="0" fill="hold" grpId="0" nodeType="clickEffect">
+                                  <p:stCondLst>
+                                    <p:cond delay="0"/>
+                                  </p:stCondLst>
+                                  <p:childTnLst>
+                                    <p:set>
+                                      <p:cBhvr>
+                                        <p:cTn id="18" dur="1" fill="hold">
+                                          <p:stCondLst>
+                                            <p:cond delay="0"/>
+                                          </p:stCondLst>
+                                        </p:cTn>
+                                        <p:tgtEl>
+                                          <p:spTgt spid="3">
+                                            <p:txEl>
+                                              <p:pRg st="4" end="4"/>
+                                            </p:txEl>
+                                          </p:spTgt>
+                                        </p:tgtEl>
+                                        <p:attrNameLst>
+                                          <p:attrName>style.visibility</p:attrName>
+                                        </p:attrNameLst>
+                                      </p:cBhvr>
+                                      <p:to>
+                                        <p:strVal val="visible"/>
+                                      </p:to>
+                                    </p:set>
+                                  </p:childTnLst>
+                                </p:cTn>
+                              </p:par>
+                            </p:childTnLst>
+                          </p:cTn>
+                        </p:par>
+                      </p:childTnLst>
+                    </p:cTn>
+                  </p:par>
+                  <p:par>
+                    <p:cTn id="19" fill="hold">
+                      <p:stCondLst>
+                        <p:cond delay="indefinite"/>
+                      </p:stCondLst>
+                      <p:childTnLst>
+                        <p:par>
+                          <p:cTn id="20" fill="hold">
+                            <p:stCondLst>
+                              <p:cond delay="0"/>
+                            </p:stCondLst>
+                            <p:childTnLst>
+                              <p:par>
+                                <p:cTn id="21" presetID="1" presetClass="entr" presetSubtype="0" fill="hold" grpId="0" nodeType="clickEffect">
+                                  <p:stCondLst>
+                                    <p:cond delay="0"/>
+                                  </p:stCondLst>
+                                  <p:childTnLst>
+                                    <p:set>
+                                      <p:cBhvr>
+                                        <p:cTn id="22" dur="1" fill="hold">
+                                          <p:stCondLst>
+                                            <p:cond delay="0"/>
+                                          </p:stCondLst>
+                                        </p:cTn>
+                                        <p:tgtEl>
+                                          <p:spTgt spid="3">
+                                            <p:txEl>
+                                              <p:pRg st="6" end="6"/>
+                                            </p:txEl>
+                                          </p:spTgt>
+                                        </p:tgtEl>
+                                        <p:attrNameLst>
+                                          <p:attrName>style.visibility</p:attrName>
+                                        </p:attrNameLst>
+                                      </p:cBhvr>
+                                      <p:to>
+                                        <p:strVal val="visible"/>
+                                      </p:to>
+                                    </p:set>
+                                  </p:childTnLst>
+                                </p:cTn>
+                              </p:par>
+                            </p:childTnLst>
+                          </p:cTn>
+                        </p:par>
+                      </p:childTnLst>
+                    </p:cTn>
+                  </p:par>
+                  <p:par>
+                    <p:cTn id="23" fill="hold">
+                      <p:stCondLst>
+                        <p:cond delay="indefinite"/>
+                      </p:stCondLst>
+                      <p:childTnLst>
+                        <p:par>
+                          <p:cTn id="24" fill="hold">
+                            <p:stCondLst>
+                              <p:cond delay="0"/>
+                            </p:stCondLst>
+                            <p:childTnLst>
+                              <p:par>
+                                <p:cTn id="25" presetID="1" presetClass="entr" presetSubtype="0" fill="hold" grpId="0" nodeType="clickEffect">
+                                  <p:stCondLst>
+                                    <p:cond delay="0"/>
+                                  </p:stCondLst>
+                                  <p:childTnLst>
+                                    <p:set>
+                                      <p:cBhvr>
+                                        <p:cTn id="26" dur="1" fill="hold">
+                                          <p:stCondLst>
+                                            <p:cond delay="0"/>
+                                          </p:stCondLst>
+                                        </p:cTn>
+                                        <p:tgtEl>
+                                          <p:spTgt spid="3">
+                                            <p:txEl>
+                                              <p:pRg st="7" end="7"/>
+                                            </p:txEl>
+                                          </p:spTgt>
+                                        </p:tgtEl>
+                                        <p:attrNameLst>
+                                          <p:attrName>style.visibility</p:attrName>
+                                        </p:attrNameLst>
+                                      </p:cBhvr>
+                                      <p:to>
+                                        <p:strVal val="visible"/>
+                                      </p:to>
+                                    </p:set>
+                                  </p:childTnLst>
+                                </p:cTn>
+                              </p:par>
+                            </p:childTnLst>
+                          </p:cTn>
+                        </p:par>
+                      </p:childTnLst>
+                    </p:cTn>
+                  </p:par>
+                </p:childTnLst>
+              </p:cTn>
+              <p:prevCondLst>
+                <p:cond evt="onPrev" delay="0">
+                  <p:tgtEl>
+                    <p:sldTgt/>
+                  </p:tgtEl>
+                </p:cond>
+              </p:prevCondLst>
+              <p:nextCondLst>
+                <p:cond evt="onNext" delay="0">
+                  <p:tgtEl>
+                    <p:sldTgt/>
+                  </p:tgtEl>
+                </p:cond>
+              </p:nextCondLst>
+            </p:seq>
+          </p:childTnLst>
+        </p:cTn>
+      </p:par>
+    </p:tnLst>
+    <p:bldLst>
+      <p:bldP spid="3" grpId="0" build="p"/>
+    </p:bldLst>
+  </p:timing>
+</p:sld>
+</file>
+
+<file path=ppt/slides/slide34.xml><?xml version="1.0" encoding="utf-8"?>
+<p:sld xmlns:a="http://schemas.openxmlformats.org/drawingml/2006/main" xmlns:r="http://schemas.openxmlformats.org/officeDocument/2006/relationships" xmlns:p="http://schemas.openxmlformats.org/presentationml/2006/main">
+  <p:cSld>
+    <p:spTree>
+      <p:nvGrpSpPr>
+        <p:cNvPr id="1" name=""/>
+        <p:cNvGrpSpPr/>
+        <p:nvPr/>
+      </p:nvGrpSpPr>
+      <p:grpSpPr>
+        <a:xfrm>
+          <a:off x="0" y="0"/>
+          <a:ext cx="0" cy="0"/>
+          <a:chOff x="0" y="0"/>
+          <a:chExt cx="0" cy="0"/>
+        </a:xfrm>
+      </p:grpSpPr>
+      <p:sp>
+        <p:nvSpPr>
+          <p:cNvPr id="2" name="Título 1"/>
+          <p:cNvSpPr>
+            <a:spLocks noGrp="1"/>
+          </p:cNvSpPr>
+          <p:nvPr>
+            <p:ph type="title"/>
+          </p:nvPr>
+        </p:nvSpPr>
+        <p:spPr/>
+        <p:txBody>
+          <a:bodyPr/>
+          <a:lstStyle/>
+          <a:p>
+            <a:r>
+              <a:rPr lang="es-MX" dirty="0" smtClean="0"/>
+              <a:t>Ejemplo:</a:t>
+            </a:r>
+            <a:endParaRPr lang="es-MX" dirty="0"/>
+          </a:p>
+        </p:txBody>
+      </p:sp>
+      <p:sp>
+        <p:nvSpPr>
+          <p:cNvPr id="3" name="Marcador de contenido 2"/>
+          <p:cNvSpPr>
+            <a:spLocks noGrp="1"/>
+          </p:cNvSpPr>
+          <p:nvPr>
+            <p:ph idx="1"/>
+          </p:nvPr>
+        </p:nvSpPr>
+        <p:spPr>
+          <a:xfrm>
+            <a:off x="677334" y="1313645"/>
+            <a:ext cx="8596668" cy="5151549"/>
+          </a:xfrm>
+        </p:spPr>
+        <p:txBody>
+          <a:bodyPr>
+            <a:normAutofit lnSpcReduction="10000"/>
+          </a:bodyPr>
+          <a:lstStyle/>
+          <a:p>
+            <a:pPr marL="0" indent="0" algn="ctr">
+              <a:buNone/>
+            </a:pPr>
+            <a:r>
+              <a:rPr lang="es-MX" dirty="0" smtClean="0"/>
+              <a:t>CUENTA DEL BANCO</a:t>
+            </a:r>
+          </a:p>
+          <a:p>
+            <a:pPr marL="0" indent="0">
+              <a:buNone/>
+            </a:pPr>
+            <a:r>
+              <a:rPr lang="es-MX" dirty="0" smtClean="0"/>
+              <a:t>Nombre: </a:t>
+            </a:r>
+            <a:r>
+              <a:rPr lang="es-MX" dirty="0" err="1" smtClean="0"/>
+              <a:t>CuentaBancaria</a:t>
+            </a:r>
+            <a:endParaRPr lang="es-MX" dirty="0" smtClean="0"/>
+          </a:p>
+          <a:p>
+            <a:pPr marL="0" indent="0">
+              <a:buNone/>
+            </a:pPr>
+            <a:endParaRPr lang="es-MX" dirty="0" smtClean="0"/>
+          </a:p>
+          <a:p>
+            <a:pPr marL="0" indent="0">
+              <a:buNone/>
+            </a:pPr>
+            <a:r>
+              <a:rPr lang="es-MX" dirty="0" smtClean="0"/>
+              <a:t>Propiedades:</a:t>
+            </a:r>
+          </a:p>
+          <a:p>
+            <a:pPr lvl="1"/>
+            <a:r>
+              <a:rPr lang="es-MX" dirty="0" err="1" smtClean="0"/>
+              <a:t>NumeroDeCuenta</a:t>
+            </a:r>
+            <a:endParaRPr lang="es-MX" dirty="0" smtClean="0"/>
+          </a:p>
+          <a:p>
+            <a:pPr lvl="1"/>
+            <a:r>
+              <a:rPr lang="es-MX" dirty="0" err="1" smtClean="0"/>
+              <a:t>FechaDeInicio</a:t>
+            </a:r>
+            <a:endParaRPr lang="es-MX" dirty="0" smtClean="0"/>
+          </a:p>
+          <a:p>
+            <a:pPr lvl="1"/>
+            <a:r>
+              <a:rPr lang="es-MX" dirty="0" smtClean="0"/>
+              <a:t>Saldo</a:t>
+            </a:r>
+          </a:p>
+          <a:p>
+            <a:pPr lvl="1"/>
+            <a:r>
+              <a:rPr lang="es-MX" dirty="0" err="1" smtClean="0"/>
+              <a:t>NumeroDeCliente</a:t>
+            </a:r>
+            <a:endParaRPr lang="es-MX" dirty="0" smtClean="0"/>
+          </a:p>
+          <a:p>
+            <a:pPr marL="0" indent="0">
+              <a:buNone/>
+            </a:pPr>
+            <a:endParaRPr lang="es-MX" dirty="0" smtClean="0"/>
+          </a:p>
+          <a:p>
+            <a:pPr marL="0" indent="0">
+              <a:buNone/>
+            </a:pPr>
+            <a:r>
+              <a:rPr lang="es-MX" dirty="0" smtClean="0"/>
+              <a:t>Métodos:</a:t>
+            </a:r>
+          </a:p>
+          <a:p>
+            <a:pPr lvl="1"/>
+            <a:r>
+              <a:rPr lang="es-MX" dirty="0" err="1" smtClean="0"/>
+              <a:t>AbrirCuenta</a:t>
+            </a:r>
+            <a:endParaRPr lang="es-MX" dirty="0" smtClean="0"/>
+          </a:p>
+          <a:p>
+            <a:pPr lvl="1"/>
+            <a:r>
+              <a:rPr lang="es-MX" dirty="0" smtClean="0"/>
+              <a:t>Depositar</a:t>
+            </a:r>
+          </a:p>
+          <a:p>
+            <a:pPr lvl="1"/>
+            <a:r>
+              <a:rPr lang="es-MX" dirty="0" smtClean="0"/>
+              <a:t>Retirar</a:t>
+            </a:r>
+          </a:p>
+          <a:p>
+            <a:pPr lvl="1"/>
+            <a:r>
+              <a:rPr lang="es-MX" dirty="0" err="1" smtClean="0"/>
+              <a:t>ConsultarSaldo</a:t>
+            </a:r>
+            <a:endParaRPr lang="es-MX" dirty="0" smtClean="0"/>
+          </a:p>
+          <a:p>
+            <a:endParaRPr lang="es-MX" dirty="0" smtClean="0"/>
+          </a:p>
+          <a:p>
+            <a:endParaRPr lang="es-MX" dirty="0"/>
+          </a:p>
+        </p:txBody>
+      </p:sp>
+      <p:pic>
+        <p:nvPicPr>
+          <p:cNvPr id="4" name="Imagen 3"/>
+          <p:cNvPicPr>
+            <a:picLocks noChangeAspect="1"/>
+          </p:cNvPicPr>
+          <p:nvPr/>
+        </p:nvPicPr>
+        <p:blipFill>
+          <a:blip r:embed="rId2">
+            <a:extLst>
+              <a:ext uri="{28A0092B-C50C-407E-A947-70E740481C1C}">
+                <a14:useLocalDpi xmlns:a14="http://schemas.microsoft.com/office/drawing/2010/main" val="0"/>
+              </a:ext>
+            </a:extLst>
+          </a:blip>
+          <a:stretch>
+            <a:fillRect/>
+          </a:stretch>
+        </p:blipFill>
+        <p:spPr>
+          <a:xfrm>
+            <a:off x="119106" y="6130345"/>
+            <a:ext cx="1628127" cy="727655"/>
+          </a:xfrm>
+          <a:prstGeom prst="rect">
+            <a:avLst/>
+          </a:prstGeom>
+        </p:spPr>
+      </p:pic>
+    </p:spTree>
+    <p:extLst>
+      <p:ext uri="{BB962C8B-B14F-4D97-AF65-F5344CB8AC3E}">
+        <p14:creationId xmlns:p14="http://schemas.microsoft.com/office/powerpoint/2010/main" val="2365053314"/>
+      </p:ext>
+    </p:extLst>
+  </p:cSld>
+  <p:clrMapOvr>
+    <a:masterClrMapping/>
+  </p:clrMapOvr>
+  <p:timing>
+    <p:tnLst>
+      <p:par>
+        <p:cTn id="1" dur="indefinite" restart="never" nodeType="tmRoot">
+          <p:childTnLst>
+            <p:seq concurrent="1" nextAc="seek">
+              <p:cTn id="2" dur="indefinite" nodeType="mainSeq">
+                <p:childTnLst>
+                  <p:par>
+                    <p:cTn id="3" fill="hold">
+                      <p:stCondLst>
+                        <p:cond delay="indefinite"/>
+                      </p:stCondLst>
+                      <p:childTnLst>
+                        <p:par>
+                          <p:cTn id="4" fill="hold">
+                            <p:stCondLst>
+                              <p:cond delay="0"/>
+                            </p:stCondLst>
+                            <p:childTnLst>
+                              <p:par>
+                                <p:cTn id="5" presetID="10" presetClass="entr" presetSubtype="0" fill="hold" grpId="0" nodeType="clickEffect">
+                                  <p:stCondLst>
+                                    <p:cond delay="0"/>
+                                  </p:stCondLst>
+                                  <p:childTnLst>
+                                    <p:set>
+                                      <p:cBhvr>
+                                        <p:cTn id="6" dur="1" fill="hold">
+                                          <p:stCondLst>
+                                            <p:cond delay="0"/>
+                                          </p:stCondLst>
+                                        </p:cTn>
+                                        <p:tgtEl>
+                                          <p:spTgt spid="3">
+                                            <p:txEl>
+                                              <p:pRg st="0" end="0"/>
+                                            </p:txEl>
+                                          </p:spTgt>
+                                        </p:tgtEl>
+                                        <p:attrNameLst>
+                                          <p:attrName>style.visibility</p:attrName>
+                                        </p:attrNameLst>
+                                      </p:cBhvr>
+                                      <p:to>
+                                        <p:strVal val="visible"/>
+                                      </p:to>
+                                    </p:set>
+                                    <p:animEffect transition="in" filter="fade">
+                                      <p:cBhvr>
+                                        <p:cTn id="7" dur="500"/>
+                                        <p:tgtEl>
+                                          <p:spTgt spid="3">
+                                            <p:txEl>
+                                              <p:pRg st="0" end="0"/>
+                                            </p:txEl>
+                                          </p:spTgt>
+                                        </p:tgtEl>
+                                      </p:cBhvr>
+                                    </p:animEffect>
+                                  </p:childTnLst>
+                                </p:cTn>
+                              </p:par>
+                            </p:childTnLst>
+                          </p:cTn>
+                        </p:par>
+                      </p:childTnLst>
+                    </p:cTn>
+                  </p:par>
+                  <p:par>
+                    <p:cTn id="8" fill="hold">
+                      <p:stCondLst>
+                        <p:cond delay="indefinite"/>
+                      </p:stCondLst>
+                      <p:childTnLst>
+                        <p:par>
+                          <p:cTn id="9" fill="hold">
+                            <p:stCondLst>
+                              <p:cond delay="0"/>
+                            </p:stCondLst>
+                            <p:childTnLst>
+                              <p:par>
+                                <p:cTn id="10" presetID="10" presetClass="entr" presetSubtype="0" fill="hold" grpId="0" nodeType="clickEffect">
+                                  <p:stCondLst>
+                                    <p:cond delay="0"/>
+                                  </p:stCondLst>
+                                  <p:childTnLst>
+                                    <p:set>
+                                      <p:cBhvr>
+                                        <p:cTn id="11" dur="1" fill="hold">
+                                          <p:stCondLst>
+                                            <p:cond delay="0"/>
+                                          </p:stCondLst>
+                                        </p:cTn>
+                                        <p:tgtEl>
+                                          <p:spTgt spid="3">
+                                            <p:txEl>
+                                              <p:pRg st="1" end="1"/>
+                                            </p:txEl>
+                                          </p:spTgt>
+                                        </p:tgtEl>
+                                        <p:attrNameLst>
+                                          <p:attrName>style.visibility</p:attrName>
+                                        </p:attrNameLst>
+                                      </p:cBhvr>
+                                      <p:to>
+                                        <p:strVal val="visible"/>
+                                      </p:to>
+                                    </p:set>
+                                    <p:animEffect transition="in" filter="fade">
+                                      <p:cBhvr>
+                                        <p:cTn id="12" dur="500"/>
+                                        <p:tgtEl>
+                                          <p:spTgt spid="3">
+                                            <p:txEl>
+                                              <p:pRg st="1" end="1"/>
+                                            </p:txEl>
+                                          </p:spTgt>
+                                        </p:tgtEl>
+                                      </p:cBhvr>
+                                    </p:animEffect>
+                                  </p:childTnLst>
+                                </p:cTn>
+                              </p:par>
+                            </p:childTnLst>
+                          </p:cTn>
+                        </p:par>
+                      </p:childTnLst>
+                    </p:cTn>
+                  </p:par>
+                  <p:par>
+                    <p:cTn id="13" fill="hold">
+                      <p:stCondLst>
+                        <p:cond delay="indefinite"/>
+                      </p:stCondLst>
+                      <p:childTnLst>
+                        <p:par>
+                          <p:cTn id="14" fill="hold">
+                            <p:stCondLst>
+                              <p:cond delay="0"/>
+                            </p:stCondLst>
+                            <p:childTnLst>
+                              <p:par>
+                                <p:cTn id="15" presetID="10" presetClass="entr" presetSubtype="0" fill="hold" grpId="0" nodeType="clickEffect">
+                                  <p:stCondLst>
+                                    <p:cond delay="0"/>
+                                  </p:stCondLst>
+                                  <p:childTnLst>
+                                    <p:set>
+                                      <p:cBhvr>
+                                        <p:cTn id="16" dur="1" fill="hold">
+                                          <p:stCondLst>
+                                            <p:cond delay="0"/>
+                                          </p:stCondLst>
+                                        </p:cTn>
+                                        <p:tgtEl>
+                                          <p:spTgt spid="3">
+                                            <p:txEl>
+                                              <p:pRg st="3" end="3"/>
+                                            </p:txEl>
+                                          </p:spTgt>
+                                        </p:tgtEl>
+                                        <p:attrNameLst>
+                                          <p:attrName>style.visibility</p:attrName>
+                                        </p:attrNameLst>
+                                      </p:cBhvr>
+                                      <p:to>
+                                        <p:strVal val="visible"/>
+                                      </p:to>
+                                    </p:set>
+                                    <p:animEffect transition="in" filter="fade">
+                                      <p:cBhvr>
+                                        <p:cTn id="17" dur="500"/>
+                                        <p:tgtEl>
+                                          <p:spTgt spid="3">
+                                            <p:txEl>
+                                              <p:pRg st="3" end="3"/>
+                                            </p:txEl>
+                                          </p:spTgt>
+                                        </p:tgtEl>
+                                      </p:cBhvr>
+                                    </p:animEffect>
+                                  </p:childTnLst>
+                                </p:cTn>
+                              </p:par>
+                              <p:par>
+                                <p:cTn id="18" presetID="10" presetClass="entr" presetSubtype="0" fill="hold" grpId="0" nodeType="withEffect">
+                                  <p:stCondLst>
+                                    <p:cond delay="0"/>
+                                  </p:stCondLst>
+                                  <p:childTnLst>
+                                    <p:set>
+                                      <p:cBhvr>
+                                        <p:cTn id="19" dur="1" fill="hold">
+                                          <p:stCondLst>
+                                            <p:cond delay="0"/>
+                                          </p:stCondLst>
+                                        </p:cTn>
+                                        <p:tgtEl>
+                                          <p:spTgt spid="3">
+                                            <p:txEl>
+                                              <p:pRg st="4" end="4"/>
+                                            </p:txEl>
+                                          </p:spTgt>
+                                        </p:tgtEl>
+                                        <p:attrNameLst>
+                                          <p:attrName>style.visibility</p:attrName>
+                                        </p:attrNameLst>
+                                      </p:cBhvr>
+                                      <p:to>
+                                        <p:strVal val="visible"/>
+                                      </p:to>
+                                    </p:set>
+                                    <p:animEffect transition="in" filter="fade">
+                                      <p:cBhvr>
+                                        <p:cTn id="20" dur="500"/>
+                                        <p:tgtEl>
+                                          <p:spTgt spid="3">
+                                            <p:txEl>
+                                              <p:pRg st="4" end="4"/>
+                                            </p:txEl>
+                                          </p:spTgt>
+                                        </p:tgtEl>
+                                      </p:cBhvr>
+                                    </p:animEffect>
+                                  </p:childTnLst>
+                                </p:cTn>
+                              </p:par>
+                              <p:par>
+                                <p:cTn id="21" presetID="10" presetClass="entr" presetSubtype="0" fill="hold" grpId="0" nodeType="withEffect">
+                                  <p:stCondLst>
+                                    <p:cond delay="0"/>
+                                  </p:stCondLst>
+                                  <p:childTnLst>
+                                    <p:set>
+                                      <p:cBhvr>
+                                        <p:cTn id="22" dur="1" fill="hold">
+                                          <p:stCondLst>
+                                            <p:cond delay="0"/>
+                                          </p:stCondLst>
+                                        </p:cTn>
+                                        <p:tgtEl>
+                                          <p:spTgt spid="3">
+                                            <p:txEl>
+                                              <p:pRg st="5" end="5"/>
+                                            </p:txEl>
+                                          </p:spTgt>
+                                        </p:tgtEl>
+                                        <p:attrNameLst>
+                                          <p:attrName>style.visibility</p:attrName>
+                                        </p:attrNameLst>
+                                      </p:cBhvr>
+                                      <p:to>
+                                        <p:strVal val="visible"/>
+                                      </p:to>
+                                    </p:set>
+                                    <p:animEffect transition="in" filter="fade">
+                                      <p:cBhvr>
+                                        <p:cTn id="23" dur="500"/>
+                                        <p:tgtEl>
+                                          <p:spTgt spid="3">
+                                            <p:txEl>
+                                              <p:pRg st="5" end="5"/>
+                                            </p:txEl>
+                                          </p:spTgt>
+                                        </p:tgtEl>
+                                      </p:cBhvr>
+                                    </p:animEffect>
+                                  </p:childTnLst>
+                                </p:cTn>
+                              </p:par>
+                              <p:par>
+                                <p:cTn id="24" presetID="10" presetClass="entr" presetSubtype="0" fill="hold" grpId="0" nodeType="withEffect">
+                                  <p:stCondLst>
+                                    <p:cond delay="0"/>
+                                  </p:stCondLst>
+                                  <p:childTnLst>
+                                    <p:set>
+                                      <p:cBhvr>
+                                        <p:cTn id="25" dur="1" fill="hold">
+                                          <p:stCondLst>
+                                            <p:cond delay="0"/>
+                                          </p:stCondLst>
+                                        </p:cTn>
+                                        <p:tgtEl>
+                                          <p:spTgt spid="3">
+                                            <p:txEl>
+                                              <p:pRg st="6" end="6"/>
+                                            </p:txEl>
+                                          </p:spTgt>
+                                        </p:tgtEl>
+                                        <p:attrNameLst>
+                                          <p:attrName>style.visibility</p:attrName>
+                                        </p:attrNameLst>
+                                      </p:cBhvr>
+                                      <p:to>
+                                        <p:strVal val="visible"/>
+                                      </p:to>
+                                    </p:set>
+                                    <p:animEffect transition="in" filter="fade">
+                                      <p:cBhvr>
+                                        <p:cTn id="26" dur="500"/>
+                                        <p:tgtEl>
+                                          <p:spTgt spid="3">
+                                            <p:txEl>
+                                              <p:pRg st="6" end="6"/>
+                                            </p:txEl>
+                                          </p:spTgt>
+                                        </p:tgtEl>
+                                      </p:cBhvr>
+                                    </p:animEffect>
+                                  </p:childTnLst>
+                                </p:cTn>
+                              </p:par>
+                              <p:par>
+                                <p:cTn id="27" presetID="10" presetClass="entr" presetSubtype="0" fill="hold" grpId="0" nodeType="withEffect">
+                                  <p:stCondLst>
+                                    <p:cond delay="0"/>
+                                  </p:stCondLst>
+                                  <p:childTnLst>
+                                    <p:set>
+                                      <p:cBhvr>
+                                        <p:cTn id="28" dur="1" fill="hold">
+                                          <p:stCondLst>
+                                            <p:cond delay="0"/>
+                                          </p:stCondLst>
+                                        </p:cTn>
+                                        <p:tgtEl>
+                                          <p:spTgt spid="3">
+                                            <p:txEl>
+                                              <p:pRg st="7" end="7"/>
+                                            </p:txEl>
+                                          </p:spTgt>
+                                        </p:tgtEl>
+                                        <p:attrNameLst>
+                                          <p:attrName>style.visibility</p:attrName>
+                                        </p:attrNameLst>
+                                      </p:cBhvr>
+                                      <p:to>
+                                        <p:strVal val="visible"/>
+                                      </p:to>
+                                    </p:set>
+                                    <p:animEffect transition="in" filter="fade">
+                                      <p:cBhvr>
+                                        <p:cTn id="29" dur="500"/>
+                                        <p:tgtEl>
+                                          <p:spTgt spid="3">
+                                            <p:txEl>
+                                              <p:pRg st="7" end="7"/>
+                                            </p:txEl>
+                                          </p:spTgt>
+                                        </p:tgtEl>
+                                      </p:cBhvr>
+                                    </p:animEffect>
+                                  </p:childTnLst>
+                                </p:cTn>
+                              </p:par>
+                            </p:childTnLst>
+                          </p:cTn>
+                        </p:par>
+                      </p:childTnLst>
+                    </p:cTn>
+                  </p:par>
+                  <p:par>
+                    <p:cTn id="30" fill="hold">
+                      <p:stCondLst>
+                        <p:cond delay="indefinite"/>
+                      </p:stCondLst>
+                      <p:childTnLst>
+                        <p:par>
+                          <p:cTn id="31" fill="hold">
+                            <p:stCondLst>
+                              <p:cond delay="0"/>
+                            </p:stCondLst>
+                            <p:childTnLst>
+                              <p:par>
+                                <p:cTn id="32" presetID="10" presetClass="entr" presetSubtype="0" fill="hold" grpId="0" nodeType="clickEffect">
+                                  <p:stCondLst>
+                                    <p:cond delay="0"/>
+                                  </p:stCondLst>
+                                  <p:childTnLst>
+                                    <p:set>
+                                      <p:cBhvr>
+                                        <p:cTn id="33" dur="1" fill="hold">
+                                          <p:stCondLst>
+                                            <p:cond delay="0"/>
+                                          </p:stCondLst>
+                                        </p:cTn>
+                                        <p:tgtEl>
+                                          <p:spTgt spid="3">
+                                            <p:txEl>
+                                              <p:pRg st="9" end="9"/>
+                                            </p:txEl>
+                                          </p:spTgt>
+                                        </p:tgtEl>
+                                        <p:attrNameLst>
+                                          <p:attrName>style.visibility</p:attrName>
+                                        </p:attrNameLst>
+                                      </p:cBhvr>
+                                      <p:to>
+                                        <p:strVal val="visible"/>
+                                      </p:to>
+                                    </p:set>
+                                    <p:animEffect transition="in" filter="fade">
+                                      <p:cBhvr>
+                                        <p:cTn id="34" dur="500"/>
+                                        <p:tgtEl>
+                                          <p:spTgt spid="3">
+                                            <p:txEl>
+                                              <p:pRg st="9" end="9"/>
+                                            </p:txEl>
+                                          </p:spTgt>
+                                        </p:tgtEl>
+                                      </p:cBhvr>
+                                    </p:animEffect>
+                                  </p:childTnLst>
+                                </p:cTn>
+                              </p:par>
+                              <p:par>
+                                <p:cTn id="35" presetID="10" presetClass="entr" presetSubtype="0" fill="hold" grpId="0" nodeType="withEffect">
+                                  <p:stCondLst>
+                                    <p:cond delay="0"/>
+                                  </p:stCondLst>
+                                  <p:childTnLst>
+                                    <p:set>
+                                      <p:cBhvr>
+                                        <p:cTn id="36" dur="1" fill="hold">
+                                          <p:stCondLst>
+                                            <p:cond delay="0"/>
+                                          </p:stCondLst>
+                                        </p:cTn>
+                                        <p:tgtEl>
+                                          <p:spTgt spid="3">
+                                            <p:txEl>
+                                              <p:pRg st="10" end="10"/>
+                                            </p:txEl>
+                                          </p:spTgt>
+                                        </p:tgtEl>
+                                        <p:attrNameLst>
+                                          <p:attrName>style.visibility</p:attrName>
+                                        </p:attrNameLst>
+                                      </p:cBhvr>
+                                      <p:to>
+                                        <p:strVal val="visible"/>
+                                      </p:to>
+                                    </p:set>
+                                    <p:animEffect transition="in" filter="fade">
+                                      <p:cBhvr>
+                                        <p:cTn id="37" dur="500"/>
+                                        <p:tgtEl>
+                                          <p:spTgt spid="3">
+                                            <p:txEl>
+                                              <p:pRg st="10" end="10"/>
+                                            </p:txEl>
+                                          </p:spTgt>
+                                        </p:tgtEl>
+                                      </p:cBhvr>
+                                    </p:animEffect>
+                                  </p:childTnLst>
+                                </p:cTn>
+                              </p:par>
+                              <p:par>
+                                <p:cTn id="38" presetID="10" presetClass="entr" presetSubtype="0" fill="hold" grpId="0" nodeType="withEffect">
+                                  <p:stCondLst>
+                                    <p:cond delay="0"/>
+                                  </p:stCondLst>
+                                  <p:childTnLst>
+                                    <p:set>
+                                      <p:cBhvr>
+                                        <p:cTn id="39" dur="1" fill="hold">
+                                          <p:stCondLst>
+                                            <p:cond delay="0"/>
+                                          </p:stCondLst>
+                                        </p:cTn>
+                                        <p:tgtEl>
+                                          <p:spTgt spid="3">
+                                            <p:txEl>
+                                              <p:pRg st="11" end="11"/>
+                                            </p:txEl>
+                                          </p:spTgt>
+                                        </p:tgtEl>
+                                        <p:attrNameLst>
+                                          <p:attrName>style.visibility</p:attrName>
+                                        </p:attrNameLst>
+                                      </p:cBhvr>
+                                      <p:to>
+                                        <p:strVal val="visible"/>
+                                      </p:to>
+                                    </p:set>
+                                    <p:animEffect transition="in" filter="fade">
+                                      <p:cBhvr>
+                                        <p:cTn id="40" dur="500"/>
+                                        <p:tgtEl>
+                                          <p:spTgt spid="3">
+                                            <p:txEl>
+                                              <p:pRg st="11" end="11"/>
+                                            </p:txEl>
+                                          </p:spTgt>
+                                        </p:tgtEl>
+                                      </p:cBhvr>
+                                    </p:animEffect>
+                                  </p:childTnLst>
+                                </p:cTn>
+                              </p:par>
+                              <p:par>
+                                <p:cTn id="41" presetID="10" presetClass="entr" presetSubtype="0" fill="hold" grpId="0" nodeType="withEffect">
+                                  <p:stCondLst>
+                                    <p:cond delay="0"/>
+                                  </p:stCondLst>
+                                  <p:childTnLst>
+                                    <p:set>
+                                      <p:cBhvr>
+                                        <p:cTn id="42" dur="1" fill="hold">
+                                          <p:stCondLst>
+                                            <p:cond delay="0"/>
+                                          </p:stCondLst>
+                                        </p:cTn>
+                                        <p:tgtEl>
+                                          <p:spTgt spid="3">
+                                            <p:txEl>
+                                              <p:pRg st="12" end="12"/>
+                                            </p:txEl>
+                                          </p:spTgt>
+                                        </p:tgtEl>
+                                        <p:attrNameLst>
+                                          <p:attrName>style.visibility</p:attrName>
+                                        </p:attrNameLst>
+                                      </p:cBhvr>
+                                      <p:to>
+                                        <p:strVal val="visible"/>
+                                      </p:to>
+                                    </p:set>
+                                    <p:animEffect transition="in" filter="fade">
+                                      <p:cBhvr>
+                                        <p:cTn id="43" dur="500"/>
+                                        <p:tgtEl>
+                                          <p:spTgt spid="3">
+                                            <p:txEl>
+                                              <p:pRg st="12" end="12"/>
+                                            </p:txEl>
+                                          </p:spTgt>
+                                        </p:tgtEl>
+                                      </p:cBhvr>
+                                    </p:animEffect>
+                                  </p:childTnLst>
+                                </p:cTn>
+                              </p:par>
+                              <p:par>
+                                <p:cTn id="44" presetID="10" presetClass="entr" presetSubtype="0" fill="hold" grpId="0" nodeType="withEffect">
+                                  <p:stCondLst>
+                                    <p:cond delay="0"/>
+                                  </p:stCondLst>
+                                  <p:childTnLst>
+                                    <p:set>
+                                      <p:cBhvr>
+                                        <p:cTn id="45" dur="1" fill="hold">
+                                          <p:stCondLst>
+                                            <p:cond delay="0"/>
+                                          </p:stCondLst>
+                                        </p:cTn>
+                                        <p:tgtEl>
+                                          <p:spTgt spid="3">
+                                            <p:txEl>
+                                              <p:pRg st="13" end="13"/>
+                                            </p:txEl>
+                                          </p:spTgt>
+                                        </p:tgtEl>
+                                        <p:attrNameLst>
+                                          <p:attrName>style.visibility</p:attrName>
+                                        </p:attrNameLst>
+                                      </p:cBhvr>
+                                      <p:to>
+                                        <p:strVal val="visible"/>
+                                      </p:to>
+                                    </p:set>
+                                    <p:animEffect transition="in" filter="fade">
+                                      <p:cBhvr>
+                                        <p:cTn id="46" dur="500"/>
+                                        <p:tgtEl>
+                                          <p:spTgt spid="3">
+                                            <p:txEl>
+                                              <p:pRg st="13" end="13"/>
+                                            </p:txEl>
+                                          </p:spTgt>
+                                        </p:tgtEl>
+                                      </p:cBhvr>
+                                    </p:animEffect>
+                                  </p:childTnLst>
+                                </p:cTn>
+                              </p:par>
+                            </p:childTnLst>
+                          </p:cTn>
+                        </p:par>
+                      </p:childTnLst>
+                    </p:cTn>
+                  </p:par>
+                </p:childTnLst>
+              </p:cTn>
+              <p:prevCondLst>
+                <p:cond evt="onPrev" delay="0">
+                  <p:tgtEl>
+                    <p:sldTgt/>
+                  </p:tgtEl>
+                </p:cond>
+              </p:prevCondLst>
+              <p:nextCondLst>
+                <p:cond evt="onNext" delay="0">
+                  <p:tgtEl>
+                    <p:sldTgt/>
+                  </p:tgtEl>
+                </p:cond>
+              </p:nextCondLst>
+            </p:seq>
+          </p:childTnLst>
+        </p:cTn>
+      </p:par>
+    </p:tnLst>
+    <p:bldLst>
+      <p:bldP spid="3" grpId="0" build="p"/>
+    </p:bldLst>
+  </p:timing>
+</p:sld>
+</file>
+
+<file path=ppt/slides/slide35.xml><?xml version="1.0" encoding="utf-8"?>
+<p:sld xmlns:a="http://schemas.openxmlformats.org/drawingml/2006/main" xmlns:r="http://schemas.openxmlformats.org/officeDocument/2006/relationships" xmlns:p="http://schemas.openxmlformats.org/presentationml/2006/main">
+  <p:cSld>
+    <p:spTree>
+      <p:nvGrpSpPr>
+        <p:cNvPr id="1" name=""/>
+        <p:cNvGrpSpPr/>
+        <p:nvPr/>
+      </p:nvGrpSpPr>
+      <p:grpSpPr>
+        <a:xfrm>
+          <a:off x="0" y="0"/>
+          <a:ext cx="0" cy="0"/>
+          <a:chOff x="0" y="0"/>
+          <a:chExt cx="0" cy="0"/>
+        </a:xfrm>
+      </p:grpSpPr>
+      <p:sp>
+        <p:nvSpPr>
+          <p:cNvPr id="2" name="Título 1"/>
+          <p:cNvSpPr>
+            <a:spLocks noGrp="1"/>
+          </p:cNvSpPr>
+          <p:nvPr>
+            <p:ph type="title"/>
+          </p:nvPr>
+        </p:nvSpPr>
+        <p:spPr/>
+        <p:txBody>
+          <a:bodyPr/>
+          <a:lstStyle/>
+          <a:p>
+            <a:r>
+              <a:rPr lang="es-MX" dirty="0" smtClean="0"/>
+              <a:t>UML</a:t>
+            </a:r>
+            <a:endParaRPr lang="es-MX" dirty="0"/>
+          </a:p>
+        </p:txBody>
+      </p:sp>
+      <p:graphicFrame>
+        <p:nvGraphicFramePr>
+          <p:cNvPr id="4" name="Marcador de contenido 3"/>
+          <p:cNvGraphicFramePr>
+            <a:graphicFrameLocks noGrp="1"/>
+          </p:cNvGraphicFramePr>
+          <p:nvPr>
+            <p:ph idx="1"/>
+            <p:extLst>
+              <p:ext uri="{D42A27DB-BD31-4B8C-83A1-F6EECF244321}">
+                <p14:modId xmlns:p14="http://schemas.microsoft.com/office/powerpoint/2010/main" val="2158058891"/>
+              </p:ext>
+            </p:extLst>
+          </p:nvPr>
+        </p:nvGraphicFramePr>
+        <p:xfrm>
+          <a:off x="793772" y="2353771"/>
+          <a:ext cx="2219883" cy="2748280"/>
+        </p:xfrm>
+        <a:graphic>
+          <a:graphicData uri="http://schemas.openxmlformats.org/drawingml/2006/table">
+            <a:tbl>
+              <a:tblPr firstRow="1">
+                <a:tableStyleId>{5940675A-B579-460E-94D1-54222C63F5DA}</a:tableStyleId>
+              </a:tblPr>
+              <a:tblGrid>
+                <a:gridCol w="2219883"/>
+              </a:tblGrid>
+              <a:tr h="370840">
+                <a:tc>
+                  <a:txBody>
+                    <a:bodyPr/>
+                    <a:lstStyle/>
+                    <a:p>
+                      <a:r>
+                        <a:rPr lang="es-MX" dirty="0" err="1" smtClean="0"/>
+                        <a:t>CuentaBancaria</a:t>
+                      </a:r>
+                      <a:endParaRPr lang="es-MX" dirty="0"/>
+                    </a:p>
+                  </a:txBody>
+                  <a:tcPr>
+                    <a:solidFill>
+                      <a:schemeClr val="bg1">
+                        <a:lumMod val="50000"/>
+                      </a:schemeClr>
+                    </a:solidFill>
+                  </a:tcPr>
+                </a:tc>
+              </a:tr>
+              <a:tr h="370840">
+                <a:tc>
+                  <a:txBody>
+                    <a:bodyPr/>
+                    <a:lstStyle/>
+                    <a:p>
+                      <a:pPr lvl="0"/>
+                      <a:r>
+                        <a:rPr lang="es-MX" dirty="0" err="1" smtClean="0"/>
+                        <a:t>NumeroDeCuenta</a:t>
+                      </a:r>
+                      <a:endParaRPr lang="es-MX" dirty="0" smtClean="0"/>
+                    </a:p>
+                    <a:p>
+                      <a:pPr lvl="0"/>
+                      <a:r>
+                        <a:rPr lang="es-MX" dirty="0" err="1" smtClean="0"/>
+                        <a:t>FechaDeInicio</a:t>
+                      </a:r>
+                      <a:endParaRPr lang="es-MX" dirty="0" smtClean="0"/>
+                    </a:p>
+                    <a:p>
+                      <a:pPr lvl="0"/>
+                      <a:r>
+                        <a:rPr lang="es-MX" dirty="0" smtClean="0"/>
+                        <a:t>Saldo</a:t>
+                      </a:r>
+                    </a:p>
+                    <a:p>
+                      <a:pPr lvl="0"/>
+                      <a:r>
+                        <a:rPr lang="es-MX" dirty="0" err="1" smtClean="0"/>
+                        <a:t>NumeroDeCliente</a:t>
+                      </a:r>
+                      <a:endParaRPr lang="es-MX" dirty="0" smtClean="0"/>
+                    </a:p>
+                  </a:txBody>
+                  <a:tcPr/>
+                </a:tc>
+              </a:tr>
+              <a:tr h="370840">
+                <a:tc>
+                  <a:txBody>
+                    <a:bodyPr/>
+                    <a:lstStyle/>
+                    <a:p>
+                      <a:pPr lvl="0"/>
+                      <a:r>
+                        <a:rPr lang="es-MX" dirty="0" err="1" smtClean="0"/>
+                        <a:t>AbrirCuenta</a:t>
+                      </a:r>
+                      <a:r>
+                        <a:rPr lang="es-MX" dirty="0" smtClean="0"/>
+                        <a:t>()</a:t>
+                      </a:r>
+                    </a:p>
+                    <a:p>
+                      <a:pPr lvl="0"/>
+                      <a:r>
+                        <a:rPr lang="es-MX" dirty="0" smtClean="0"/>
+                        <a:t>Depositar()</a:t>
+                      </a:r>
+                    </a:p>
+                    <a:p>
+                      <a:pPr lvl="0"/>
+                      <a:r>
+                        <a:rPr lang="es-MX" dirty="0" smtClean="0"/>
+                        <a:t>Retirar()</a:t>
+                      </a:r>
+                    </a:p>
+                    <a:p>
+                      <a:pPr lvl="0"/>
+                      <a:r>
+                        <a:rPr lang="es-MX" dirty="0" err="1" smtClean="0"/>
+                        <a:t>ConsultarSaldo</a:t>
+                      </a:r>
+                      <a:r>
+                        <a:rPr lang="es-MX" dirty="0" smtClean="0"/>
+                        <a:t>()</a:t>
+                      </a:r>
+                    </a:p>
+                  </a:txBody>
+                  <a:tcPr/>
+                </a:tc>
+              </a:tr>
+            </a:tbl>
+          </a:graphicData>
+        </a:graphic>
+      </p:graphicFrame>
+      <p:sp>
+        <p:nvSpPr>
+          <p:cNvPr id="5" name="CuadroTexto 4"/>
+          <p:cNvSpPr txBox="1"/>
+          <p:nvPr/>
+        </p:nvSpPr>
+        <p:spPr>
+          <a:xfrm>
+            <a:off x="1236372" y="1724338"/>
+            <a:ext cx="1061509" cy="523220"/>
+          </a:xfrm>
+          <a:prstGeom prst="rect">
+            <a:avLst/>
+          </a:prstGeom>
+          <a:noFill/>
+        </p:spPr>
+        <p:txBody>
+          <a:bodyPr wrap="none" rtlCol="0">
+            <a:spAutoFit/>
+          </a:bodyPr>
+          <a:lstStyle/>
+          <a:p>
+            <a:r>
+              <a:rPr lang="es-MX" sz="2800" b="1" dirty="0"/>
+              <a:t>C</a:t>
+            </a:r>
+            <a:r>
+              <a:rPr lang="es-MX" sz="2800" b="1" dirty="0" smtClean="0"/>
+              <a:t>lase</a:t>
+            </a:r>
+            <a:endParaRPr lang="es-MX" sz="2800" b="1" dirty="0"/>
+          </a:p>
+        </p:txBody>
+      </p:sp>
+      <p:graphicFrame>
+        <p:nvGraphicFramePr>
+          <p:cNvPr id="6" name="Marcador de contenido 3"/>
+          <p:cNvGraphicFramePr>
+            <a:graphicFrameLocks/>
+          </p:cNvGraphicFramePr>
+          <p:nvPr>
+            <p:extLst>
+              <p:ext uri="{D42A27DB-BD31-4B8C-83A1-F6EECF244321}">
+                <p14:modId xmlns:p14="http://schemas.microsoft.com/office/powerpoint/2010/main" val="3690213782"/>
+              </p:ext>
+            </p:extLst>
+          </p:nvPr>
+        </p:nvGraphicFramePr>
+        <p:xfrm>
+          <a:off x="3380277" y="2730321"/>
+          <a:ext cx="2219883" cy="2377440"/>
+        </p:xfrm>
+        <a:graphic>
+          <a:graphicData uri="http://schemas.openxmlformats.org/drawingml/2006/table">
+            <a:tbl>
+              <a:tblPr firstRow="1">
+                <a:tableStyleId>{5940675A-B579-460E-94D1-54222C63F5DA}</a:tableStyleId>
+              </a:tblPr>
+              <a:tblGrid>
+                <a:gridCol w="2219883"/>
+              </a:tblGrid>
+              <a:tr h="370840">
+                <a:tc>
+                  <a:txBody>
+                    <a:bodyPr/>
+                    <a:lstStyle/>
+                    <a:p>
+                      <a:pPr lvl="0"/>
+                      <a:r>
+                        <a:rPr lang="es-MX" dirty="0" smtClean="0"/>
+                        <a:t>154789862</a:t>
+                      </a:r>
+                    </a:p>
+                    <a:p>
+                      <a:pPr lvl="0"/>
+                      <a:r>
+                        <a:rPr lang="es-MX" dirty="0" smtClean="0"/>
+                        <a:t>01/02/2005</a:t>
+                      </a:r>
+                    </a:p>
+                    <a:p>
+                      <a:pPr lvl="0"/>
+                      <a:r>
+                        <a:rPr lang="es-MX" dirty="0" smtClean="0"/>
+                        <a:t>$85,520.00</a:t>
+                      </a:r>
+                    </a:p>
+                    <a:p>
+                      <a:pPr lvl="0"/>
+                      <a:r>
+                        <a:rPr lang="es-MX" dirty="0" smtClean="0"/>
+                        <a:t>78958622</a:t>
+                      </a:r>
+                    </a:p>
+                  </a:txBody>
+                  <a:tcPr/>
+                </a:tc>
+              </a:tr>
+              <a:tr h="370840">
+                <a:tc>
+                  <a:txBody>
+                    <a:bodyPr/>
+                    <a:lstStyle/>
+                    <a:p>
+                      <a:pPr lvl="0"/>
+                      <a:r>
+                        <a:rPr lang="es-MX" dirty="0" err="1" smtClean="0"/>
+                        <a:t>AbrirCuenta</a:t>
+                      </a:r>
+                      <a:r>
+                        <a:rPr lang="es-MX" dirty="0" smtClean="0"/>
+                        <a:t>()</a:t>
+                      </a:r>
+                    </a:p>
+                    <a:p>
+                      <a:pPr lvl="0"/>
+                      <a:r>
+                        <a:rPr lang="es-MX" dirty="0" smtClean="0"/>
+                        <a:t>Depositar()</a:t>
+                      </a:r>
+                    </a:p>
+                    <a:p>
+                      <a:pPr lvl="0"/>
+                      <a:r>
+                        <a:rPr lang="es-MX" dirty="0" smtClean="0"/>
+                        <a:t>Retirar()</a:t>
+                      </a:r>
+                    </a:p>
+                    <a:p>
+                      <a:pPr lvl="0"/>
+                      <a:r>
+                        <a:rPr lang="es-MX" dirty="0" err="1" smtClean="0"/>
+                        <a:t>ConsultarSaldo</a:t>
+                      </a:r>
+                      <a:r>
+                        <a:rPr lang="es-MX" dirty="0" smtClean="0"/>
+                        <a:t>()</a:t>
+                      </a:r>
+                    </a:p>
+                  </a:txBody>
+                  <a:tcPr/>
+                </a:tc>
+              </a:tr>
+            </a:tbl>
+          </a:graphicData>
+        </a:graphic>
+      </p:graphicFrame>
+      <p:graphicFrame>
+        <p:nvGraphicFramePr>
+          <p:cNvPr id="7" name="Marcador de contenido 3"/>
+          <p:cNvGraphicFramePr>
+            <a:graphicFrameLocks/>
+          </p:cNvGraphicFramePr>
+          <p:nvPr>
+            <p:extLst>
+              <p:ext uri="{D42A27DB-BD31-4B8C-83A1-F6EECF244321}">
+                <p14:modId xmlns:p14="http://schemas.microsoft.com/office/powerpoint/2010/main" val="802443624"/>
+              </p:ext>
+            </p:extLst>
+          </p:nvPr>
+        </p:nvGraphicFramePr>
+        <p:xfrm>
+          <a:off x="5915270" y="2728174"/>
+          <a:ext cx="2219883" cy="2377440"/>
+        </p:xfrm>
+        <a:graphic>
+          <a:graphicData uri="http://schemas.openxmlformats.org/drawingml/2006/table">
+            <a:tbl>
+              <a:tblPr firstRow="1">
+                <a:tableStyleId>{5940675A-B579-460E-94D1-54222C63F5DA}</a:tableStyleId>
+              </a:tblPr>
+              <a:tblGrid>
+                <a:gridCol w="2219883"/>
+              </a:tblGrid>
+              <a:tr h="370840">
+                <a:tc>
+                  <a:txBody>
+                    <a:bodyPr/>
+                    <a:lstStyle/>
+                    <a:p>
+                      <a:pPr lvl="0"/>
+                      <a:r>
+                        <a:rPr lang="es-MX" dirty="0" smtClean="0"/>
+                        <a:t>991863533</a:t>
+                      </a:r>
+                    </a:p>
+                    <a:p>
+                      <a:pPr lvl="0"/>
+                      <a:r>
+                        <a:rPr lang="es-MX" dirty="0" smtClean="0"/>
+                        <a:t>23/10/2012</a:t>
+                      </a:r>
+                    </a:p>
+                    <a:p>
+                      <a:pPr lvl="0"/>
+                      <a:r>
+                        <a:rPr lang="es-MX" dirty="0" smtClean="0"/>
+                        <a:t>$7,000.00</a:t>
+                      </a:r>
+                    </a:p>
+                    <a:p>
+                      <a:pPr lvl="0"/>
+                      <a:r>
+                        <a:rPr lang="es-MX" dirty="0" smtClean="0"/>
+                        <a:t>12557743</a:t>
+                      </a:r>
+                    </a:p>
+                  </a:txBody>
+                  <a:tcPr/>
+                </a:tc>
+              </a:tr>
+              <a:tr h="370840">
+                <a:tc>
+                  <a:txBody>
+                    <a:bodyPr/>
+                    <a:lstStyle/>
+                    <a:p>
+                      <a:pPr lvl="0"/>
+                      <a:r>
+                        <a:rPr lang="es-MX" dirty="0" err="1" smtClean="0"/>
+                        <a:t>AbrirCuenta</a:t>
+                      </a:r>
+                      <a:r>
+                        <a:rPr lang="es-MX" dirty="0" smtClean="0"/>
+                        <a:t>()</a:t>
+                      </a:r>
+                    </a:p>
+                    <a:p>
+                      <a:pPr lvl="0"/>
+                      <a:r>
+                        <a:rPr lang="es-MX" dirty="0" smtClean="0"/>
+                        <a:t>Depositar()</a:t>
+                      </a:r>
+                    </a:p>
+                    <a:p>
+                      <a:pPr lvl="0"/>
+                      <a:r>
+                        <a:rPr lang="es-MX" dirty="0" smtClean="0"/>
+                        <a:t>Retirar()</a:t>
+                      </a:r>
+                    </a:p>
+                    <a:p>
+                      <a:pPr lvl="0"/>
+                      <a:r>
+                        <a:rPr lang="es-MX" dirty="0" err="1" smtClean="0"/>
+                        <a:t>ConsultarSaldo</a:t>
+                      </a:r>
+                      <a:r>
+                        <a:rPr lang="es-MX" dirty="0" smtClean="0"/>
+                        <a:t>()</a:t>
+                      </a:r>
+                    </a:p>
+                  </a:txBody>
+                  <a:tcPr/>
+                </a:tc>
+              </a:tr>
+            </a:tbl>
+          </a:graphicData>
+        </a:graphic>
+      </p:graphicFrame>
+      <p:sp>
+        <p:nvSpPr>
+          <p:cNvPr id="8" name="CuadroTexto 7"/>
+          <p:cNvSpPr txBox="1"/>
+          <p:nvPr/>
+        </p:nvSpPr>
+        <p:spPr>
+          <a:xfrm>
+            <a:off x="3928056" y="2247558"/>
+            <a:ext cx="889987" cy="369332"/>
+          </a:xfrm>
+          <a:prstGeom prst="rect">
+            <a:avLst/>
+          </a:prstGeom>
+          <a:noFill/>
+        </p:spPr>
+        <p:txBody>
+          <a:bodyPr wrap="none" rtlCol="0">
+            <a:spAutoFit/>
+          </a:bodyPr>
+          <a:lstStyle/>
+          <a:p>
+            <a:r>
+              <a:rPr lang="es-MX" dirty="0" smtClean="0"/>
+              <a:t>Marcos</a:t>
+            </a:r>
+            <a:endParaRPr lang="es-MX" dirty="0"/>
+          </a:p>
+        </p:txBody>
+      </p:sp>
+      <p:sp>
+        <p:nvSpPr>
+          <p:cNvPr id="9" name="CuadroTexto 8"/>
+          <p:cNvSpPr txBox="1"/>
+          <p:nvPr/>
+        </p:nvSpPr>
+        <p:spPr>
+          <a:xfrm>
+            <a:off x="6630473" y="2247558"/>
+            <a:ext cx="691215" cy="369332"/>
+          </a:xfrm>
+          <a:prstGeom prst="rect">
+            <a:avLst/>
+          </a:prstGeom>
+          <a:noFill/>
+        </p:spPr>
+        <p:txBody>
+          <a:bodyPr wrap="none" rtlCol="0">
+            <a:spAutoFit/>
+          </a:bodyPr>
+          <a:lstStyle/>
+          <a:p>
+            <a:r>
+              <a:rPr lang="es-MX" dirty="0" err="1" smtClean="0"/>
+              <a:t>Sofia</a:t>
+            </a:r>
+            <a:endParaRPr lang="es-MX" dirty="0"/>
+          </a:p>
+        </p:txBody>
+      </p:sp>
+      <p:pic>
+        <p:nvPicPr>
+          <p:cNvPr id="10" name="Imagen 9"/>
+          <p:cNvPicPr>
+            <a:picLocks noChangeAspect="1"/>
+          </p:cNvPicPr>
+          <p:nvPr/>
+        </p:nvPicPr>
+        <p:blipFill>
+          <a:blip r:embed="rId2">
+            <a:extLst>
+              <a:ext uri="{28A0092B-C50C-407E-A947-70E740481C1C}">
+                <a14:useLocalDpi xmlns:a14="http://schemas.microsoft.com/office/drawing/2010/main" val="0"/>
+              </a:ext>
+            </a:extLst>
+          </a:blip>
+          <a:stretch>
+            <a:fillRect/>
+          </a:stretch>
+        </p:blipFill>
+        <p:spPr>
+          <a:xfrm>
+            <a:off x="119106" y="6130345"/>
+            <a:ext cx="1628127" cy="727655"/>
+          </a:xfrm>
+          <a:prstGeom prst="rect">
+            <a:avLst/>
+          </a:prstGeom>
+        </p:spPr>
+      </p:pic>
+    </p:spTree>
+    <p:extLst>
+      <p:ext uri="{BB962C8B-B14F-4D97-AF65-F5344CB8AC3E}">
+        <p14:creationId xmlns:p14="http://schemas.microsoft.com/office/powerpoint/2010/main" val="426863685"/>
+      </p:ext>
+    </p:extLst>
+  </p:cSld>
+  <p:clrMapOvr>
+    <a:masterClrMapping/>
+  </p:clrMapOvr>
+  <p:timing>
+    <p:tnLst>
+      <p:par>
+        <p:cTn id="1" dur="indefinite" restart="never" nodeType="tmRoot">
+          <p:childTnLst>
+            <p:seq concurrent="1" nextAc="seek">
+              <p:cTn id="2" dur="indefinite" nodeType="mainSeq">
+                <p:childTnLst>
+                  <p:par>
+                    <p:cTn id="3" fill="hold">
+                      <p:stCondLst>
+                        <p:cond delay="indefinite"/>
+                      </p:stCondLst>
+                      <p:childTnLst>
+                        <p:par>
+                          <p:cTn id="4" fill="hold">
+                            <p:stCondLst>
+                              <p:cond delay="0"/>
+                            </p:stCondLst>
+                            <p:childTnLst>
+                              <p:par>
+                                <p:cTn id="5" presetID="10" presetClass="entr" presetSubtype="0" fill="hold" nodeType="clickEffect">
+                                  <p:stCondLst>
+                                    <p:cond delay="0"/>
+                                  </p:stCondLst>
+                                  <p:childTnLst>
+                                    <p:set>
+                                      <p:cBhvr>
+                                        <p:cTn id="6" dur="1" fill="hold">
+                                          <p:stCondLst>
+                                            <p:cond delay="0"/>
+                                          </p:stCondLst>
+                                        </p:cTn>
+                                        <p:tgtEl>
+                                          <p:spTgt spid="4"/>
+                                        </p:tgtEl>
+                                        <p:attrNameLst>
+                                          <p:attrName>style.visibility</p:attrName>
+                                        </p:attrNameLst>
+                                      </p:cBhvr>
+                                      <p:to>
+                                        <p:strVal val="visible"/>
+                                      </p:to>
+                                    </p:set>
+                                    <p:animEffect transition="in" filter="fade">
+                                      <p:cBhvr>
+                                        <p:cTn id="7" dur="500"/>
+                                        <p:tgtEl>
+                                          <p:spTgt spid="4"/>
+                                        </p:tgtEl>
+                                      </p:cBhvr>
+                                    </p:animEffect>
+                                  </p:childTnLst>
+                                </p:cTn>
+                              </p:par>
+                            </p:childTnLst>
+                          </p:cTn>
+                        </p:par>
+                      </p:childTnLst>
+                    </p:cTn>
+                  </p:par>
+                  <p:par>
+                    <p:cTn id="8" fill="hold">
+                      <p:stCondLst>
+                        <p:cond delay="indefinite"/>
+                      </p:stCondLst>
+                      <p:childTnLst>
+                        <p:par>
+                          <p:cTn id="9" fill="hold">
+                            <p:stCondLst>
+                              <p:cond delay="0"/>
+                            </p:stCondLst>
+                            <p:childTnLst>
+                              <p:par>
+                                <p:cTn id="10" presetID="10" presetClass="entr" presetSubtype="0" fill="hold" grpId="0" nodeType="clickEffect">
+                                  <p:stCondLst>
+                                    <p:cond delay="0"/>
+                                  </p:stCondLst>
+                                  <p:childTnLst>
+                                    <p:set>
+                                      <p:cBhvr>
+                                        <p:cTn id="11" dur="1" fill="hold">
+                                          <p:stCondLst>
+                                            <p:cond delay="0"/>
+                                          </p:stCondLst>
+                                        </p:cTn>
+                                        <p:tgtEl>
+                                          <p:spTgt spid="8"/>
+                                        </p:tgtEl>
+                                        <p:attrNameLst>
+                                          <p:attrName>style.visibility</p:attrName>
+                                        </p:attrNameLst>
+                                      </p:cBhvr>
+                                      <p:to>
+                                        <p:strVal val="visible"/>
+                                      </p:to>
+                                    </p:set>
+                                    <p:animEffect transition="in" filter="fade">
+                                      <p:cBhvr>
+                                        <p:cTn id="12" dur="500"/>
+                                        <p:tgtEl>
+                                          <p:spTgt spid="8"/>
+                                        </p:tgtEl>
+                                      </p:cBhvr>
+                                    </p:animEffect>
+                                  </p:childTnLst>
+                                </p:cTn>
+                              </p:par>
+                              <p:par>
+                                <p:cTn id="13" presetID="10" presetClass="entr" presetSubtype="0" fill="hold" nodeType="withEffect">
+                                  <p:stCondLst>
+                                    <p:cond delay="0"/>
+                                  </p:stCondLst>
+                                  <p:childTnLst>
+                                    <p:set>
+                                      <p:cBhvr>
+                                        <p:cTn id="14" dur="1" fill="hold">
+                                          <p:stCondLst>
+                                            <p:cond delay="0"/>
+                                          </p:stCondLst>
+                                        </p:cTn>
+                                        <p:tgtEl>
+                                          <p:spTgt spid="6"/>
+                                        </p:tgtEl>
+                                        <p:attrNameLst>
+                                          <p:attrName>style.visibility</p:attrName>
+                                        </p:attrNameLst>
+                                      </p:cBhvr>
+                                      <p:to>
+                                        <p:strVal val="visible"/>
+                                      </p:to>
+                                    </p:set>
+                                    <p:animEffect transition="in" filter="fade">
+                                      <p:cBhvr>
+                                        <p:cTn id="15" dur="500"/>
+                                        <p:tgtEl>
+                                          <p:spTgt spid="6"/>
+                                        </p:tgtEl>
+                                      </p:cBhvr>
+                                    </p:animEffect>
+                                  </p:childTnLst>
+                                </p:cTn>
+                              </p:par>
+                            </p:childTnLst>
+                          </p:cTn>
+                        </p:par>
+                      </p:childTnLst>
+                    </p:cTn>
+                  </p:par>
+                  <p:par>
+                    <p:cTn id="16" fill="hold">
+                      <p:stCondLst>
+                        <p:cond delay="indefinite"/>
+                      </p:stCondLst>
+                      <p:childTnLst>
+                        <p:par>
+                          <p:cTn id="17" fill="hold">
+                            <p:stCondLst>
+                              <p:cond delay="0"/>
+                            </p:stCondLst>
+                            <p:childTnLst>
+                              <p:par>
+                                <p:cTn id="18" presetID="10" presetClass="entr" presetSubtype="0" fill="hold" grpId="0" nodeType="clickEffect">
+                                  <p:stCondLst>
+                                    <p:cond delay="0"/>
+                                  </p:stCondLst>
+                                  <p:childTnLst>
+                                    <p:set>
+                                      <p:cBhvr>
+                                        <p:cTn id="19" dur="1" fill="hold">
+                                          <p:stCondLst>
+                                            <p:cond delay="0"/>
+                                          </p:stCondLst>
+                                        </p:cTn>
+                                        <p:tgtEl>
+                                          <p:spTgt spid="9"/>
+                                        </p:tgtEl>
+                                        <p:attrNameLst>
+                                          <p:attrName>style.visibility</p:attrName>
+                                        </p:attrNameLst>
+                                      </p:cBhvr>
+                                      <p:to>
+                                        <p:strVal val="visible"/>
+                                      </p:to>
+                                    </p:set>
+                                    <p:animEffect transition="in" filter="fade">
+                                      <p:cBhvr>
+                                        <p:cTn id="20" dur="500"/>
+                                        <p:tgtEl>
+                                          <p:spTgt spid="9"/>
+                                        </p:tgtEl>
+                                      </p:cBhvr>
+                                    </p:animEffect>
+                                  </p:childTnLst>
+                                </p:cTn>
+                              </p:par>
+                              <p:par>
+                                <p:cTn id="21" presetID="10" presetClass="entr" presetSubtype="0" fill="hold" nodeType="withEffect">
+                                  <p:stCondLst>
+                                    <p:cond delay="0"/>
+                                  </p:stCondLst>
+                                  <p:childTnLst>
+                                    <p:set>
+                                      <p:cBhvr>
+                                        <p:cTn id="22" dur="1" fill="hold">
+                                          <p:stCondLst>
+                                            <p:cond delay="0"/>
+                                          </p:stCondLst>
+                                        </p:cTn>
+                                        <p:tgtEl>
+                                          <p:spTgt spid="7"/>
+                                        </p:tgtEl>
+                                        <p:attrNameLst>
+                                          <p:attrName>style.visibility</p:attrName>
+                                        </p:attrNameLst>
+                                      </p:cBhvr>
+                                      <p:to>
+                                        <p:strVal val="visible"/>
+                                      </p:to>
+                                    </p:set>
+                                    <p:animEffect transition="in" filter="fade">
+                                      <p:cBhvr>
+                                        <p:cTn id="23" dur="500"/>
+                                        <p:tgtEl>
+                                          <p:spTgt spid="7"/>
+                                        </p:tgtEl>
+                                      </p:cBhvr>
+                                    </p:animEffect>
+                                  </p:childTnLst>
+                                </p:cTn>
+                              </p:par>
+                            </p:childTnLst>
+                          </p:cTn>
+                        </p:par>
+                      </p:childTnLst>
+                    </p:cTn>
+                  </p:par>
+                </p:childTnLst>
+              </p:cTn>
+              <p:prevCondLst>
+                <p:cond evt="onPrev" delay="0">
+                  <p:tgtEl>
+                    <p:sldTgt/>
+                  </p:tgtEl>
+                </p:cond>
+              </p:prevCondLst>
+              <p:nextCondLst>
+                <p:cond evt="onNext" delay="0">
+                  <p:tgtEl>
+                    <p:sldTgt/>
+                  </p:tgtEl>
+                </p:cond>
+              </p:nextCondLst>
+            </p:seq>
+          </p:childTnLst>
+        </p:cTn>
+      </p:par>
+    </p:tnLst>
+    <p:bldLst>
+      <p:bldP spid="8" grpId="0"/>
+      <p:bldP spid="9" grpId="0"/>
+    </p:bldLst>
+  </p:timing>
+</p:sld>
+</file>
+
+<file path=ppt/slides/slide36.xml><?xml version="1.0" encoding="utf-8"?>
+<p:sld xmlns:a="http://schemas.openxmlformats.org/drawingml/2006/main" xmlns:r="http://schemas.openxmlformats.org/officeDocument/2006/relationships" xmlns:p="http://schemas.openxmlformats.org/presentationml/2006/main">
+  <p:cSld>
+    <p:spTree>
+      <p:nvGrpSpPr>
+        <p:cNvPr id="1" name=""/>
+        <p:cNvGrpSpPr/>
+        <p:nvPr/>
+      </p:nvGrpSpPr>
+      <p:grpSpPr>
+        <a:xfrm>
+          <a:off x="0" y="0"/>
+          <a:ext cx="0" cy="0"/>
+          <a:chOff x="0" y="0"/>
+          <a:chExt cx="0" cy="0"/>
+        </a:xfrm>
+      </p:grpSpPr>
+      <p:sp>
+        <p:nvSpPr>
+          <p:cNvPr id="2" name="Título 1"/>
+          <p:cNvSpPr>
+            <a:spLocks noGrp="1"/>
+          </p:cNvSpPr>
+          <p:nvPr>
+            <p:ph type="title"/>
+          </p:nvPr>
+        </p:nvSpPr>
+        <p:spPr/>
+        <p:txBody>
+          <a:bodyPr/>
+          <a:lstStyle/>
+          <a:p>
+            <a:r>
+              <a:rPr lang="es-MX" dirty="0" smtClean="0"/>
+              <a:t>Abstracción</a:t>
+            </a:r>
+            <a:endParaRPr lang="es-MX" dirty="0"/>
+          </a:p>
+        </p:txBody>
+      </p:sp>
+      <p:sp>
+        <p:nvSpPr>
+          <p:cNvPr id="3" name="Marcador de contenido 2"/>
+          <p:cNvSpPr>
+            <a:spLocks noGrp="1"/>
+          </p:cNvSpPr>
+          <p:nvPr>
+            <p:ph idx="1"/>
+          </p:nvPr>
+        </p:nvSpPr>
+        <p:spPr>
+          <a:xfrm>
+            <a:off x="677334" y="2160589"/>
+            <a:ext cx="8596668" cy="1175039"/>
+          </a:xfrm>
+        </p:spPr>
+        <p:txBody>
+          <a:bodyPr>
+            <a:normAutofit/>
+          </a:bodyPr>
+          <a:lstStyle/>
+          <a:p>
+            <a:pPr marL="0" indent="0" algn="ctr">
+              <a:buNone/>
+            </a:pPr>
+            <a:r>
+              <a:rPr lang="es-MX" sz="2800" dirty="0" smtClean="0"/>
+              <a:t>Céntrate en lo importante</a:t>
+            </a:r>
+          </a:p>
+          <a:p>
+            <a:pPr marL="0" indent="0" algn="ctr">
+              <a:buNone/>
+            </a:pPr>
+            <a:r>
+              <a:rPr lang="es-MX" sz="2800" dirty="0" smtClean="0"/>
+              <a:t>Ignora lo irrelevante</a:t>
+            </a:r>
+            <a:endParaRPr lang="es-MX" sz="2800" dirty="0"/>
+          </a:p>
+        </p:txBody>
+      </p:sp>
+      <p:sp>
+        <p:nvSpPr>
+          <p:cNvPr id="4" name="CuadroTexto 3"/>
+          <p:cNvSpPr txBox="1"/>
+          <p:nvPr/>
+        </p:nvSpPr>
+        <p:spPr>
+          <a:xfrm>
+            <a:off x="2498501" y="5795493"/>
+            <a:ext cx="4993675" cy="369332"/>
+          </a:xfrm>
+          <a:prstGeom prst="rect">
+            <a:avLst/>
+          </a:prstGeom>
+          <a:noFill/>
+        </p:spPr>
+        <p:txBody>
+          <a:bodyPr wrap="none" rtlCol="0">
+            <a:spAutoFit/>
+          </a:bodyPr>
+          <a:lstStyle/>
+          <a:p>
+            <a:r>
+              <a:rPr lang="es-MX" dirty="0" smtClean="0"/>
+              <a:t>Crear objetos fáciles de utilizar y reutilizables</a:t>
+            </a:r>
+            <a:endParaRPr lang="es-MX" dirty="0"/>
+          </a:p>
+        </p:txBody>
+      </p:sp>
+      <p:pic>
+        <p:nvPicPr>
+          <p:cNvPr id="7" name="Imagen 6"/>
+          <p:cNvPicPr>
+            <a:picLocks noChangeAspect="1"/>
+          </p:cNvPicPr>
+          <p:nvPr/>
+        </p:nvPicPr>
+        <p:blipFill>
+          <a:blip r:embed="rId2">
+            <a:extLst>
+              <a:ext uri="{28A0092B-C50C-407E-A947-70E740481C1C}">
+                <a14:useLocalDpi xmlns:a14="http://schemas.microsoft.com/office/drawing/2010/main" val="0"/>
+              </a:ext>
+            </a:extLst>
+          </a:blip>
+          <a:stretch>
+            <a:fillRect/>
+          </a:stretch>
+        </p:blipFill>
+        <p:spPr>
+          <a:xfrm>
+            <a:off x="119106" y="6130345"/>
+            <a:ext cx="1628127" cy="727655"/>
+          </a:xfrm>
+          <a:prstGeom prst="rect">
+            <a:avLst/>
+          </a:prstGeom>
+        </p:spPr>
+      </p:pic>
+    </p:spTree>
+    <p:extLst>
+      <p:ext uri="{BB962C8B-B14F-4D97-AF65-F5344CB8AC3E}">
+        <p14:creationId xmlns:p14="http://schemas.microsoft.com/office/powerpoint/2010/main" val="850528137"/>
+      </p:ext>
+    </p:extLst>
+  </p:cSld>
+  <p:clrMapOvr>
+    <a:masterClrMapping/>
+  </p:clrMapOvr>
+  <p:timing>
+    <p:tnLst>
+      <p:par>
+        <p:cTn id="1" dur="indefinite" restart="never" nodeType="tmRoot"/>
+      </p:par>
+    </p:tnLst>
+  </p:timing>
+</p:sld>
+</file>
+
+<file path=ppt/slides/slide37.xml><?xml version="1.0" encoding="utf-8"?>
+<p:sld xmlns:a="http://schemas.openxmlformats.org/drawingml/2006/main" xmlns:r="http://schemas.openxmlformats.org/officeDocument/2006/relationships" xmlns:p="http://schemas.openxmlformats.org/presentationml/2006/main">
+  <p:cSld>
+    <p:spTree>
+      <p:nvGrpSpPr>
+        <p:cNvPr id="1" name=""/>
+        <p:cNvGrpSpPr/>
+        <p:nvPr/>
+      </p:nvGrpSpPr>
+      <p:grpSpPr>
+        <a:xfrm>
+          <a:off x="0" y="0"/>
+          <a:ext cx="0" cy="0"/>
+          <a:chOff x="0" y="0"/>
+          <a:chExt cx="0" cy="0"/>
+        </a:xfrm>
+      </p:grpSpPr>
+      <p:sp>
+        <p:nvSpPr>
+          <p:cNvPr id="2" name="Título 1"/>
+          <p:cNvSpPr>
+            <a:spLocks noGrp="1"/>
+          </p:cNvSpPr>
+          <p:nvPr>
+            <p:ph type="title"/>
+          </p:nvPr>
+        </p:nvSpPr>
+        <p:spPr/>
+        <p:txBody>
+          <a:bodyPr/>
+          <a:lstStyle/>
+          <a:p>
+            <a:r>
+              <a:rPr lang="es-MX" dirty="0" smtClean="0"/>
+              <a:t>Propiedades</a:t>
+            </a:r>
+            <a:endParaRPr lang="es-MX" dirty="0"/>
+          </a:p>
+        </p:txBody>
+      </p:sp>
+      <p:sp>
+        <p:nvSpPr>
+          <p:cNvPr id="3" name="Marcador de contenido 2"/>
+          <p:cNvSpPr>
+            <a:spLocks noGrp="1"/>
+          </p:cNvSpPr>
+          <p:nvPr>
+            <p:ph idx="1"/>
+          </p:nvPr>
+        </p:nvSpPr>
+        <p:spPr/>
+        <p:txBody>
+          <a:bodyPr/>
+          <a:lstStyle/>
+          <a:p>
+            <a:pPr marL="0" indent="0">
+              <a:buNone/>
+            </a:pPr>
+            <a:r>
+              <a:rPr lang="es-MX" dirty="0" smtClean="0"/>
+              <a:t>Definen las características del objeto y se declaran como variables</a:t>
+            </a:r>
+          </a:p>
+          <a:p>
+            <a:pPr marL="0" indent="0">
+              <a:buNone/>
+            </a:pPr>
+            <a:endParaRPr lang="es-MX" dirty="0" smtClean="0"/>
+          </a:p>
+          <a:p>
+            <a:pPr marL="0" indent="0">
+              <a:buNone/>
+            </a:pPr>
+            <a:r>
+              <a:rPr lang="es-MX" dirty="0" smtClean="0"/>
+              <a:t>Ejemplo:</a:t>
+            </a:r>
+          </a:p>
+          <a:p>
+            <a:pPr marL="0" indent="0">
+              <a:buNone/>
+            </a:pPr>
+            <a:r>
+              <a:rPr lang="es-MX" dirty="0" err="1" smtClean="0">
+                <a:latin typeface="Courier New" panose="02070309020205020404" pitchFamily="49" charset="0"/>
+                <a:cs typeface="Courier New" panose="02070309020205020404" pitchFamily="49" charset="0"/>
+              </a:rPr>
+              <a:t>int</a:t>
+            </a:r>
+            <a:r>
+              <a:rPr lang="es-MX" dirty="0" smtClean="0">
+                <a:latin typeface="Courier New" panose="02070309020205020404" pitchFamily="49" charset="0"/>
+                <a:cs typeface="Courier New" panose="02070309020205020404" pitchFamily="49" charset="0"/>
+              </a:rPr>
+              <a:t> </a:t>
+            </a:r>
+            <a:r>
+              <a:rPr lang="es-MX" dirty="0" err="1" smtClean="0">
+                <a:latin typeface="Courier New" panose="02070309020205020404" pitchFamily="49" charset="0"/>
+                <a:cs typeface="Courier New" panose="02070309020205020404" pitchFamily="49" charset="0"/>
+              </a:rPr>
+              <a:t>NumeroDeCuenta</a:t>
+            </a:r>
+            <a:r>
+              <a:rPr lang="es-MX" dirty="0" smtClean="0">
+                <a:latin typeface="Courier New" panose="02070309020205020404" pitchFamily="49" charset="0"/>
+                <a:cs typeface="Courier New" panose="02070309020205020404" pitchFamily="49" charset="0"/>
+              </a:rPr>
+              <a:t>;</a:t>
+            </a:r>
+          </a:p>
+          <a:p>
+            <a:pPr marL="0" indent="0">
+              <a:buNone/>
+            </a:pPr>
+            <a:r>
+              <a:rPr lang="es-MX" dirty="0" err="1" smtClean="0">
+                <a:latin typeface="Courier New" panose="02070309020205020404" pitchFamily="49" charset="0"/>
+                <a:cs typeface="Courier New" panose="02070309020205020404" pitchFamily="49" charset="0"/>
+              </a:rPr>
+              <a:t>double</a:t>
+            </a:r>
+            <a:r>
+              <a:rPr lang="es-MX" dirty="0" smtClean="0">
+                <a:latin typeface="Courier New" panose="02070309020205020404" pitchFamily="49" charset="0"/>
+                <a:cs typeface="Courier New" panose="02070309020205020404" pitchFamily="49" charset="0"/>
+              </a:rPr>
+              <a:t> Saldo;</a:t>
+            </a:r>
+          </a:p>
+          <a:p>
+            <a:pPr marL="0" indent="0">
+              <a:buNone/>
+            </a:pPr>
+            <a:r>
+              <a:rPr lang="es-MX" dirty="0" err="1" smtClean="0">
+                <a:latin typeface="Courier New" panose="02070309020205020404" pitchFamily="49" charset="0"/>
+                <a:cs typeface="Courier New" panose="02070309020205020404" pitchFamily="49" charset="0"/>
+              </a:rPr>
+              <a:t>int</a:t>
+            </a:r>
+            <a:r>
+              <a:rPr lang="es-MX" dirty="0" smtClean="0">
+                <a:latin typeface="Courier New" panose="02070309020205020404" pitchFamily="49" charset="0"/>
+                <a:cs typeface="Courier New" panose="02070309020205020404" pitchFamily="49" charset="0"/>
+              </a:rPr>
+              <a:t> </a:t>
+            </a:r>
+            <a:r>
+              <a:rPr lang="es-MX" dirty="0" err="1" smtClean="0">
+                <a:latin typeface="Courier New" panose="02070309020205020404" pitchFamily="49" charset="0"/>
+                <a:cs typeface="Courier New" panose="02070309020205020404" pitchFamily="49" charset="0"/>
+              </a:rPr>
+              <a:t>NumeroDeCliente</a:t>
+            </a:r>
+            <a:r>
+              <a:rPr lang="es-MX" dirty="0" smtClean="0">
+                <a:latin typeface="Courier New" panose="02070309020205020404" pitchFamily="49" charset="0"/>
+                <a:cs typeface="Courier New" panose="02070309020205020404" pitchFamily="49" charset="0"/>
+              </a:rPr>
+              <a:t>;</a:t>
+            </a:r>
+            <a:endParaRPr lang="es-MX" dirty="0">
+              <a:latin typeface="Courier New" panose="02070309020205020404" pitchFamily="49" charset="0"/>
+              <a:cs typeface="Courier New" panose="02070309020205020404" pitchFamily="49" charset="0"/>
+            </a:endParaRPr>
+          </a:p>
+        </p:txBody>
+      </p:sp>
+      <p:pic>
+        <p:nvPicPr>
+          <p:cNvPr id="4" name="Imagen 3"/>
+          <p:cNvPicPr>
+            <a:picLocks noChangeAspect="1"/>
+          </p:cNvPicPr>
+          <p:nvPr/>
+        </p:nvPicPr>
+        <p:blipFill>
+          <a:blip r:embed="rId2">
+            <a:extLst>
+              <a:ext uri="{28A0092B-C50C-407E-A947-70E740481C1C}">
+                <a14:useLocalDpi xmlns:a14="http://schemas.microsoft.com/office/drawing/2010/main" val="0"/>
+              </a:ext>
+            </a:extLst>
+          </a:blip>
+          <a:stretch>
+            <a:fillRect/>
+          </a:stretch>
+        </p:blipFill>
+        <p:spPr>
+          <a:xfrm>
+            <a:off x="119106" y="6130345"/>
+            <a:ext cx="1628127" cy="727655"/>
+          </a:xfrm>
+          <a:prstGeom prst="rect">
+            <a:avLst/>
+          </a:prstGeom>
+        </p:spPr>
+      </p:pic>
+    </p:spTree>
+    <p:extLst>
+      <p:ext uri="{BB962C8B-B14F-4D97-AF65-F5344CB8AC3E}">
+        <p14:creationId xmlns:p14="http://schemas.microsoft.com/office/powerpoint/2010/main" val="1783232330"/>
+      </p:ext>
+    </p:extLst>
+  </p:cSld>
+  <p:clrMapOvr>
+    <a:masterClrMapping/>
+  </p:clrMapOvr>
+  <p:timing>
+    <p:tnLst>
+      <p:par>
+        <p:cTn id="1" dur="indefinite" restart="never" nodeType="tmRoot">
+          <p:childTnLst>
+            <p:seq concurrent="1" nextAc="seek">
+              <p:cTn id="2" dur="indefinite" nodeType="mainSeq">
+                <p:childTnLst>
+                  <p:par>
+                    <p:cTn id="3" fill="hold">
+                      <p:stCondLst>
+                        <p:cond delay="indefinite"/>
+                      </p:stCondLst>
+                      <p:childTnLst>
+                        <p:par>
+                          <p:cTn id="4" fill="hold">
+                            <p:stCondLst>
+                              <p:cond delay="0"/>
+                            </p:stCondLst>
+                            <p:childTnLst>
+                              <p:par>
+                                <p:cTn id="5" presetID="10" presetClass="entr" presetSubtype="0" fill="hold" grpId="0" nodeType="clickEffect">
+                                  <p:stCondLst>
+                                    <p:cond delay="0"/>
+                                  </p:stCondLst>
+                                  <p:childTnLst>
+                                    <p:set>
+                                      <p:cBhvr>
+                                        <p:cTn id="6" dur="1" fill="hold">
+                                          <p:stCondLst>
+                                            <p:cond delay="0"/>
+                                          </p:stCondLst>
+                                        </p:cTn>
+                                        <p:tgtEl>
+                                          <p:spTgt spid="3">
+                                            <p:txEl>
+                                              <p:pRg st="0" end="0"/>
+                                            </p:txEl>
+                                          </p:spTgt>
+                                        </p:tgtEl>
+                                        <p:attrNameLst>
+                                          <p:attrName>style.visibility</p:attrName>
+                                        </p:attrNameLst>
+                                      </p:cBhvr>
+                                      <p:to>
+                                        <p:strVal val="visible"/>
+                                      </p:to>
+                                    </p:set>
+                                    <p:animEffect transition="in" filter="fade">
+                                      <p:cBhvr>
+                                        <p:cTn id="7" dur="500"/>
+                                        <p:tgtEl>
+                                          <p:spTgt spid="3">
+                                            <p:txEl>
+                                              <p:pRg st="0" end="0"/>
+                                            </p:txEl>
+                                          </p:spTgt>
+                                        </p:tgtEl>
+                                      </p:cBhvr>
+                                    </p:animEffect>
+                                  </p:childTnLst>
+                                </p:cTn>
+                              </p:par>
+                            </p:childTnLst>
+                          </p:cTn>
+                        </p:par>
+                      </p:childTnLst>
+                    </p:cTn>
+                  </p:par>
+                  <p:par>
+                    <p:cTn id="8" fill="hold">
+                      <p:stCondLst>
+                        <p:cond delay="indefinite"/>
+                      </p:stCondLst>
+                      <p:childTnLst>
+                        <p:par>
+                          <p:cTn id="9" fill="hold">
+                            <p:stCondLst>
+                              <p:cond delay="0"/>
+                            </p:stCondLst>
+                            <p:childTnLst>
+                              <p:par>
+                                <p:cTn id="10" presetID="10" presetClass="entr" presetSubtype="0" fill="hold" grpId="0" nodeType="clickEffect">
+                                  <p:stCondLst>
+                                    <p:cond delay="0"/>
+                                  </p:stCondLst>
+                                  <p:childTnLst>
+                                    <p:set>
+                                      <p:cBhvr>
+                                        <p:cTn id="11" dur="1" fill="hold">
+                                          <p:stCondLst>
+                                            <p:cond delay="0"/>
+                                          </p:stCondLst>
+                                        </p:cTn>
+                                        <p:tgtEl>
+                                          <p:spTgt spid="3">
+                                            <p:txEl>
+                                              <p:pRg st="2" end="2"/>
+                                            </p:txEl>
+                                          </p:spTgt>
+                                        </p:tgtEl>
+                                        <p:attrNameLst>
+                                          <p:attrName>style.visibility</p:attrName>
+                                        </p:attrNameLst>
+                                      </p:cBhvr>
+                                      <p:to>
+                                        <p:strVal val="visible"/>
+                                      </p:to>
+                                    </p:set>
+                                    <p:animEffect transition="in" filter="fade">
+                                      <p:cBhvr>
+                                        <p:cTn id="12" dur="500"/>
+                                        <p:tgtEl>
+                                          <p:spTgt spid="3">
+                                            <p:txEl>
+                                              <p:pRg st="2" end="2"/>
+                                            </p:txEl>
+                                          </p:spTgt>
+                                        </p:tgtEl>
+                                      </p:cBhvr>
+                                    </p:animEffect>
+                                  </p:childTnLst>
+                                </p:cTn>
+                              </p:par>
+                            </p:childTnLst>
+                          </p:cTn>
+                        </p:par>
+                      </p:childTnLst>
+                    </p:cTn>
+                  </p:par>
+                  <p:par>
+                    <p:cTn id="13" fill="hold">
+                      <p:stCondLst>
+                        <p:cond delay="indefinite"/>
+                      </p:stCondLst>
+                      <p:childTnLst>
+                        <p:par>
+                          <p:cTn id="14" fill="hold">
+                            <p:stCondLst>
+                              <p:cond delay="0"/>
+                            </p:stCondLst>
+                            <p:childTnLst>
+                              <p:par>
+                                <p:cTn id="15" presetID="10" presetClass="entr" presetSubtype="0" fill="hold" grpId="0" nodeType="clickEffect">
+                                  <p:stCondLst>
+                                    <p:cond delay="0"/>
+                                  </p:stCondLst>
+                                  <p:childTnLst>
+                                    <p:set>
+                                      <p:cBhvr>
+                                        <p:cTn id="16" dur="1" fill="hold">
+                                          <p:stCondLst>
+                                            <p:cond delay="0"/>
+                                          </p:stCondLst>
+                                        </p:cTn>
+                                        <p:tgtEl>
+                                          <p:spTgt spid="3">
+                                            <p:txEl>
+                                              <p:pRg st="3" end="3"/>
+                                            </p:txEl>
+                                          </p:spTgt>
+                                        </p:tgtEl>
+                                        <p:attrNameLst>
+                                          <p:attrName>style.visibility</p:attrName>
+                                        </p:attrNameLst>
+                                      </p:cBhvr>
+                                      <p:to>
+                                        <p:strVal val="visible"/>
+                                      </p:to>
+                                    </p:set>
+                                    <p:animEffect transition="in" filter="fade">
+                                      <p:cBhvr>
+                                        <p:cTn id="17" dur="500"/>
+                                        <p:tgtEl>
+                                          <p:spTgt spid="3">
+                                            <p:txEl>
+                                              <p:pRg st="3" end="3"/>
+                                            </p:txEl>
+                                          </p:spTgt>
+                                        </p:tgtEl>
+                                      </p:cBhvr>
+                                    </p:animEffect>
+                                  </p:childTnLst>
+                                </p:cTn>
+                              </p:par>
+                            </p:childTnLst>
+                          </p:cTn>
+                        </p:par>
+                      </p:childTnLst>
+                    </p:cTn>
+                  </p:par>
+                  <p:par>
+                    <p:cTn id="18" fill="hold">
+                      <p:stCondLst>
+                        <p:cond delay="indefinite"/>
+                      </p:stCondLst>
+                      <p:childTnLst>
+                        <p:par>
+                          <p:cTn id="19" fill="hold">
+                            <p:stCondLst>
+                              <p:cond delay="0"/>
+                            </p:stCondLst>
+                            <p:childTnLst>
+                              <p:par>
+                                <p:cTn id="20" presetID="10" presetClass="entr" presetSubtype="0" fill="hold" grpId="0" nodeType="clickEffect">
+                                  <p:stCondLst>
+                                    <p:cond delay="0"/>
+                                  </p:stCondLst>
+                                  <p:childTnLst>
+                                    <p:set>
+                                      <p:cBhvr>
+                                        <p:cTn id="21" dur="1" fill="hold">
+                                          <p:stCondLst>
+                                            <p:cond delay="0"/>
+                                          </p:stCondLst>
+                                        </p:cTn>
+                                        <p:tgtEl>
+                                          <p:spTgt spid="3">
+                                            <p:txEl>
+                                              <p:pRg st="4" end="4"/>
+                                            </p:txEl>
+                                          </p:spTgt>
+                                        </p:tgtEl>
+                                        <p:attrNameLst>
+                                          <p:attrName>style.visibility</p:attrName>
+                                        </p:attrNameLst>
+                                      </p:cBhvr>
+                                      <p:to>
+                                        <p:strVal val="visible"/>
+                                      </p:to>
+                                    </p:set>
+                                    <p:animEffect transition="in" filter="fade">
+                                      <p:cBhvr>
+                                        <p:cTn id="22" dur="500"/>
+                                        <p:tgtEl>
+                                          <p:spTgt spid="3">
+                                            <p:txEl>
+                                              <p:pRg st="4" end="4"/>
+                                            </p:txEl>
+                                          </p:spTgt>
+                                        </p:tgtEl>
+                                      </p:cBhvr>
+                                    </p:animEffect>
+                                  </p:childTnLst>
+                                </p:cTn>
+                              </p:par>
+                            </p:childTnLst>
+                          </p:cTn>
+                        </p:par>
+                      </p:childTnLst>
+                    </p:cTn>
+                  </p:par>
+                  <p:par>
+                    <p:cTn id="23" fill="hold">
+                      <p:stCondLst>
+                        <p:cond delay="indefinite"/>
+                      </p:stCondLst>
+                      <p:childTnLst>
+                        <p:par>
+                          <p:cTn id="24" fill="hold">
+                            <p:stCondLst>
+                              <p:cond delay="0"/>
+                            </p:stCondLst>
+                            <p:childTnLst>
+                              <p:par>
+                                <p:cTn id="25" presetID="10" presetClass="entr" presetSubtype="0" fill="hold" grpId="0" nodeType="clickEffect">
+                                  <p:stCondLst>
+                                    <p:cond delay="0"/>
+                                  </p:stCondLst>
+                                  <p:childTnLst>
+                                    <p:set>
+                                      <p:cBhvr>
+                                        <p:cTn id="26" dur="1" fill="hold">
+                                          <p:stCondLst>
+                                            <p:cond delay="0"/>
+                                          </p:stCondLst>
+                                        </p:cTn>
+                                        <p:tgtEl>
+                                          <p:spTgt spid="3">
+                                            <p:txEl>
+                                              <p:pRg st="5" end="5"/>
+                                            </p:txEl>
+                                          </p:spTgt>
+                                        </p:tgtEl>
+                                        <p:attrNameLst>
+                                          <p:attrName>style.visibility</p:attrName>
+                                        </p:attrNameLst>
+                                      </p:cBhvr>
+                                      <p:to>
+                                        <p:strVal val="visible"/>
+                                      </p:to>
+                                    </p:set>
+                                    <p:animEffect transition="in" filter="fade">
+                                      <p:cBhvr>
+                                        <p:cTn id="27" dur="500"/>
+                                        <p:tgtEl>
+                                          <p:spTgt spid="3">
+                                            <p:txEl>
+                                              <p:pRg st="5" end="5"/>
+                                            </p:txEl>
+                                          </p:spTgt>
+                                        </p:tgtEl>
+                                      </p:cBhvr>
+                                    </p:animEffect>
+                                  </p:childTnLst>
+                                </p:cTn>
+                              </p:par>
+                            </p:childTnLst>
+                          </p:cTn>
+                        </p:par>
+                      </p:childTnLst>
+                    </p:cTn>
+                  </p:par>
+                </p:childTnLst>
+              </p:cTn>
+              <p:prevCondLst>
+                <p:cond evt="onPrev" delay="0">
+                  <p:tgtEl>
+                    <p:sldTgt/>
+                  </p:tgtEl>
+                </p:cond>
+              </p:prevCondLst>
+              <p:nextCondLst>
+                <p:cond evt="onNext" delay="0">
+                  <p:tgtEl>
+                    <p:sldTgt/>
+                  </p:tgtEl>
+                </p:cond>
+              </p:nextCondLst>
+            </p:seq>
+          </p:childTnLst>
+        </p:cTn>
+      </p:par>
+    </p:tnLst>
+    <p:bldLst>
+      <p:bldP spid="3" grpId="0" build="p"/>
+    </p:bldLst>
+  </p:timing>
+</p:sld>
+</file>
+
+<file path=ppt/slides/slide38.xml><?xml version="1.0" encoding="utf-8"?>
+<p:sld xmlns:a="http://schemas.openxmlformats.org/drawingml/2006/main" xmlns:r="http://schemas.openxmlformats.org/officeDocument/2006/relationships" xmlns:p="http://schemas.openxmlformats.org/presentationml/2006/main">
+  <p:cSld>
+    <p:spTree>
+      <p:nvGrpSpPr>
+        <p:cNvPr id="1" name=""/>
+        <p:cNvGrpSpPr/>
+        <p:nvPr/>
+      </p:nvGrpSpPr>
+      <p:grpSpPr>
+        <a:xfrm>
+          <a:off x="0" y="0"/>
+          <a:ext cx="0" cy="0"/>
+          <a:chOff x="0" y="0"/>
+          <a:chExt cx="0" cy="0"/>
+        </a:xfrm>
+      </p:grpSpPr>
+      <p:sp>
+        <p:nvSpPr>
+          <p:cNvPr id="2" name="Título 1"/>
+          <p:cNvSpPr>
+            <a:spLocks noGrp="1"/>
+          </p:cNvSpPr>
+          <p:nvPr>
+            <p:ph type="title"/>
+          </p:nvPr>
+        </p:nvSpPr>
+        <p:spPr>
+          <a:xfrm>
+            <a:off x="677334" y="609600"/>
+            <a:ext cx="8596668" cy="781318"/>
+          </a:xfrm>
+        </p:spPr>
+        <p:txBody>
+          <a:bodyPr/>
+          <a:lstStyle/>
+          <a:p>
+            <a:r>
+              <a:rPr lang="es-MX" dirty="0" smtClean="0"/>
+              <a:t>Métodos</a:t>
+            </a:r>
+            <a:endParaRPr lang="es-MX" dirty="0"/>
+          </a:p>
+        </p:txBody>
+      </p:sp>
+      <p:sp>
+        <p:nvSpPr>
+          <p:cNvPr id="3" name="Marcador de contenido 2"/>
+          <p:cNvSpPr>
+            <a:spLocks noGrp="1"/>
+          </p:cNvSpPr>
+          <p:nvPr>
+            <p:ph idx="1"/>
+          </p:nvPr>
+        </p:nvSpPr>
+        <p:spPr>
+          <a:xfrm>
+            <a:off x="677334" y="1687133"/>
+            <a:ext cx="8596668" cy="4354230"/>
+          </a:xfrm>
+        </p:spPr>
+        <p:txBody>
+          <a:bodyPr>
+            <a:normAutofit/>
+          </a:bodyPr>
+          <a:lstStyle/>
+          <a:p>
+            <a:pPr marL="0" indent="0">
+              <a:buNone/>
+            </a:pPr>
+            <a:r>
+              <a:rPr lang="es-MX" dirty="0" smtClean="0"/>
+              <a:t>Las acciones que puede realizar el objeto y se definen como funciones y métodos</a:t>
+            </a:r>
+          </a:p>
+          <a:p>
+            <a:pPr marL="0" indent="0">
+              <a:buNone/>
+            </a:pPr>
+            <a:endParaRPr lang="es-MX" dirty="0" smtClean="0"/>
+          </a:p>
+          <a:p>
+            <a:pPr marL="0" indent="0">
+              <a:buNone/>
+            </a:pPr>
+            <a:r>
+              <a:rPr lang="es-MX" dirty="0" smtClean="0"/>
+              <a:t>Ejemplo:</a:t>
+            </a:r>
+          </a:p>
+          <a:p>
+            <a:pPr marL="0" indent="0">
+              <a:buNone/>
+            </a:pPr>
+            <a:r>
+              <a:rPr lang="es-MX" dirty="0" err="1" smtClean="0">
+                <a:latin typeface="Courier New" panose="02070309020205020404" pitchFamily="49" charset="0"/>
+                <a:cs typeface="Courier New" panose="02070309020205020404" pitchFamily="49" charset="0"/>
+              </a:rPr>
+              <a:t>public</a:t>
+            </a:r>
+            <a:r>
+              <a:rPr lang="es-MX" dirty="0" smtClean="0">
+                <a:latin typeface="Courier New" panose="02070309020205020404" pitchFamily="49" charset="0"/>
+                <a:cs typeface="Courier New" panose="02070309020205020404" pitchFamily="49" charset="0"/>
+              </a:rPr>
+              <a:t> </a:t>
+            </a:r>
+            <a:r>
+              <a:rPr lang="es-MX" dirty="0" err="1" smtClean="0">
+                <a:latin typeface="Courier New" panose="02070309020205020404" pitchFamily="49" charset="0"/>
+                <a:cs typeface="Courier New" panose="02070309020205020404" pitchFamily="49" charset="0"/>
+              </a:rPr>
+              <a:t>int</a:t>
+            </a:r>
+            <a:r>
+              <a:rPr lang="es-MX" dirty="0" smtClean="0">
+                <a:latin typeface="Courier New" panose="02070309020205020404" pitchFamily="49" charset="0"/>
+                <a:cs typeface="Courier New" panose="02070309020205020404" pitchFamily="49" charset="0"/>
+              </a:rPr>
+              <a:t> </a:t>
+            </a:r>
+            <a:r>
+              <a:rPr lang="es-MX" dirty="0" err="1" smtClean="0">
+                <a:latin typeface="Courier New" panose="02070309020205020404" pitchFamily="49" charset="0"/>
+                <a:cs typeface="Courier New" panose="02070309020205020404" pitchFamily="49" charset="0"/>
+              </a:rPr>
+              <a:t>mostrarNumeroCuenta</a:t>
+            </a:r>
+            <a:r>
+              <a:rPr lang="es-MX" dirty="0" smtClean="0">
+                <a:latin typeface="Courier New" panose="02070309020205020404" pitchFamily="49" charset="0"/>
+                <a:cs typeface="Courier New" panose="02070309020205020404" pitchFamily="49" charset="0"/>
+              </a:rPr>
+              <a:t>(){</a:t>
+            </a:r>
+          </a:p>
+          <a:p>
+            <a:pPr marL="0" indent="0">
+              <a:buNone/>
+            </a:pPr>
+            <a:r>
+              <a:rPr lang="es-MX" dirty="0">
+                <a:latin typeface="Courier New" panose="02070309020205020404" pitchFamily="49" charset="0"/>
+                <a:cs typeface="Courier New" panose="02070309020205020404" pitchFamily="49" charset="0"/>
+              </a:rPr>
+              <a:t>	</a:t>
+            </a:r>
+            <a:r>
+              <a:rPr lang="es-MX" dirty="0" err="1" smtClean="0">
+                <a:latin typeface="Courier New" panose="02070309020205020404" pitchFamily="49" charset="0"/>
+                <a:cs typeface="Courier New" panose="02070309020205020404" pitchFamily="49" charset="0"/>
+              </a:rPr>
+              <a:t>return</a:t>
+            </a:r>
+            <a:r>
+              <a:rPr lang="es-MX" dirty="0" smtClean="0">
+                <a:latin typeface="Courier New" panose="02070309020205020404" pitchFamily="49" charset="0"/>
+                <a:cs typeface="Courier New" panose="02070309020205020404" pitchFamily="49" charset="0"/>
+              </a:rPr>
+              <a:t> </a:t>
+            </a:r>
+            <a:r>
+              <a:rPr lang="es-MX" dirty="0" err="1" smtClean="0">
+                <a:latin typeface="Courier New" panose="02070309020205020404" pitchFamily="49" charset="0"/>
+                <a:cs typeface="Courier New" panose="02070309020205020404" pitchFamily="49" charset="0"/>
+              </a:rPr>
+              <a:t>NumeroDeCuenta</a:t>
+            </a:r>
+            <a:r>
+              <a:rPr lang="es-MX" dirty="0" smtClean="0">
+                <a:latin typeface="Courier New" panose="02070309020205020404" pitchFamily="49" charset="0"/>
+                <a:cs typeface="Courier New" panose="02070309020205020404" pitchFamily="49" charset="0"/>
+              </a:rPr>
+              <a:t>;</a:t>
+            </a:r>
+          </a:p>
+          <a:p>
+            <a:pPr marL="0" indent="0">
+              <a:buNone/>
+            </a:pPr>
+            <a:r>
+              <a:rPr lang="es-MX" dirty="0" smtClean="0">
+                <a:latin typeface="Courier New" panose="02070309020205020404" pitchFamily="49" charset="0"/>
+                <a:cs typeface="Courier New" panose="02070309020205020404" pitchFamily="49" charset="0"/>
+              </a:rPr>
+              <a:t>}</a:t>
+            </a:r>
+          </a:p>
+          <a:p>
+            <a:pPr marL="0" indent="0">
+              <a:buNone/>
+            </a:pPr>
+            <a:endParaRPr lang="es-MX" dirty="0">
+              <a:latin typeface="Courier New" panose="02070309020205020404" pitchFamily="49" charset="0"/>
+              <a:cs typeface="Courier New" panose="02070309020205020404" pitchFamily="49" charset="0"/>
+            </a:endParaRPr>
+          </a:p>
+          <a:p>
+            <a:pPr marL="0" indent="0">
+              <a:buNone/>
+            </a:pPr>
+            <a:r>
+              <a:rPr lang="es-MX" dirty="0" err="1">
+                <a:latin typeface="Courier New" panose="02070309020205020404" pitchFamily="49" charset="0"/>
+                <a:cs typeface="Courier New" panose="02070309020205020404" pitchFamily="49" charset="0"/>
+              </a:rPr>
+              <a:t>p</a:t>
+            </a:r>
+            <a:r>
+              <a:rPr lang="es-MX" dirty="0" err="1" smtClean="0">
+                <a:latin typeface="Courier New" panose="02070309020205020404" pitchFamily="49" charset="0"/>
+                <a:cs typeface="Courier New" panose="02070309020205020404" pitchFamily="49" charset="0"/>
+              </a:rPr>
+              <a:t>ublic</a:t>
+            </a:r>
+            <a:r>
+              <a:rPr lang="es-MX" dirty="0" smtClean="0">
+                <a:latin typeface="Courier New" panose="02070309020205020404" pitchFamily="49" charset="0"/>
+                <a:cs typeface="Courier New" panose="02070309020205020404" pitchFamily="49" charset="0"/>
+              </a:rPr>
+              <a:t> </a:t>
+            </a:r>
+            <a:r>
+              <a:rPr lang="es-MX" dirty="0" err="1" smtClean="0">
+                <a:latin typeface="Courier New" panose="02070309020205020404" pitchFamily="49" charset="0"/>
+                <a:cs typeface="Courier New" panose="02070309020205020404" pitchFamily="49" charset="0"/>
+              </a:rPr>
+              <a:t>double</a:t>
+            </a:r>
+            <a:r>
+              <a:rPr lang="es-MX" dirty="0" smtClean="0">
+                <a:latin typeface="Courier New" panose="02070309020205020404" pitchFamily="49" charset="0"/>
+                <a:cs typeface="Courier New" panose="02070309020205020404" pitchFamily="49" charset="0"/>
+              </a:rPr>
+              <a:t> </a:t>
+            </a:r>
+            <a:r>
+              <a:rPr lang="es-MX" dirty="0" err="1" smtClean="0">
+                <a:latin typeface="Courier New" panose="02070309020205020404" pitchFamily="49" charset="0"/>
+                <a:cs typeface="Courier New" panose="02070309020205020404" pitchFamily="49" charset="0"/>
+              </a:rPr>
+              <a:t>mostrarSaldo</a:t>
+            </a:r>
+            <a:r>
+              <a:rPr lang="es-MX" dirty="0" smtClean="0">
+                <a:latin typeface="Courier New" panose="02070309020205020404" pitchFamily="49" charset="0"/>
+                <a:cs typeface="Courier New" panose="02070309020205020404" pitchFamily="49" charset="0"/>
+              </a:rPr>
+              <a:t>(){</a:t>
+            </a:r>
+          </a:p>
+          <a:p>
+            <a:pPr marL="0" indent="0">
+              <a:buNone/>
+            </a:pPr>
+            <a:r>
+              <a:rPr lang="es-MX" dirty="0">
+                <a:latin typeface="Courier New" panose="02070309020205020404" pitchFamily="49" charset="0"/>
+                <a:cs typeface="Courier New" panose="02070309020205020404" pitchFamily="49" charset="0"/>
+              </a:rPr>
+              <a:t>	</a:t>
+            </a:r>
+            <a:r>
+              <a:rPr lang="es-MX" dirty="0" err="1" smtClean="0">
+                <a:latin typeface="Courier New" panose="02070309020205020404" pitchFamily="49" charset="0"/>
+                <a:cs typeface="Courier New" panose="02070309020205020404" pitchFamily="49" charset="0"/>
+              </a:rPr>
+              <a:t>return</a:t>
+            </a:r>
+            <a:r>
+              <a:rPr lang="es-MX" dirty="0" smtClean="0">
+                <a:latin typeface="Courier New" panose="02070309020205020404" pitchFamily="49" charset="0"/>
+                <a:cs typeface="Courier New" panose="02070309020205020404" pitchFamily="49" charset="0"/>
+              </a:rPr>
+              <a:t> saldo;</a:t>
+            </a:r>
+          </a:p>
+          <a:p>
+            <a:pPr marL="0" indent="0">
+              <a:buNone/>
+            </a:pPr>
+            <a:r>
+              <a:rPr lang="es-MX" dirty="0">
+                <a:latin typeface="Courier New" panose="02070309020205020404" pitchFamily="49" charset="0"/>
+                <a:cs typeface="Courier New" panose="02070309020205020404" pitchFamily="49" charset="0"/>
+              </a:rPr>
+              <a:t>}</a:t>
+            </a:r>
+            <a:endParaRPr lang="es-MX" dirty="0" smtClean="0">
+              <a:latin typeface="Courier New" panose="02070309020205020404" pitchFamily="49" charset="0"/>
+              <a:cs typeface="Courier New" panose="02070309020205020404" pitchFamily="49" charset="0"/>
+            </a:endParaRPr>
+          </a:p>
+        </p:txBody>
+      </p:sp>
+      <p:pic>
+        <p:nvPicPr>
+          <p:cNvPr id="4" name="Imagen 3"/>
+          <p:cNvPicPr>
+            <a:picLocks noChangeAspect="1"/>
+          </p:cNvPicPr>
+          <p:nvPr/>
+        </p:nvPicPr>
+        <p:blipFill>
+          <a:blip r:embed="rId2">
+            <a:extLst>
+              <a:ext uri="{28A0092B-C50C-407E-A947-70E740481C1C}">
+                <a14:useLocalDpi xmlns:a14="http://schemas.microsoft.com/office/drawing/2010/main" val="0"/>
+              </a:ext>
+            </a:extLst>
+          </a:blip>
+          <a:stretch>
+            <a:fillRect/>
+          </a:stretch>
+        </p:blipFill>
+        <p:spPr>
+          <a:xfrm>
+            <a:off x="119106" y="6130345"/>
+            <a:ext cx="1628127" cy="727655"/>
+          </a:xfrm>
+          <a:prstGeom prst="rect">
+            <a:avLst/>
+          </a:prstGeom>
+        </p:spPr>
+      </p:pic>
+    </p:spTree>
+    <p:extLst>
+      <p:ext uri="{BB962C8B-B14F-4D97-AF65-F5344CB8AC3E}">
+        <p14:creationId xmlns:p14="http://schemas.microsoft.com/office/powerpoint/2010/main" val="711937090"/>
+      </p:ext>
+    </p:extLst>
+  </p:cSld>
+  <p:clrMapOvr>
+    <a:masterClrMapping/>
+  </p:clrMapOvr>
+  <p:timing>
+    <p:tnLst>
+      <p:par>
+        <p:cTn id="1" dur="indefinite" restart="never" nodeType="tmRoot">
+          <p:childTnLst>
+            <p:seq concurrent="1" nextAc="seek">
+              <p:cTn id="2" dur="indefinite" nodeType="mainSeq">
+                <p:childTnLst>
+                  <p:par>
+                    <p:cTn id="3" fill="hold">
+                      <p:stCondLst>
+                        <p:cond delay="indefinite"/>
+                      </p:stCondLst>
+                      <p:childTnLst>
+                        <p:par>
+                          <p:cTn id="4" fill="hold">
+                            <p:stCondLst>
+                              <p:cond delay="0"/>
+                            </p:stCondLst>
+                            <p:childTnLst>
+                              <p:par>
+                                <p:cTn id="5" presetID="10" presetClass="entr" presetSubtype="0" fill="hold" grpId="0" nodeType="clickEffect">
+                                  <p:stCondLst>
+                                    <p:cond delay="0"/>
+                                  </p:stCondLst>
+                                  <p:childTnLst>
+                                    <p:set>
+                                      <p:cBhvr>
+                                        <p:cTn id="6" dur="1" fill="hold">
+                                          <p:stCondLst>
+                                            <p:cond delay="0"/>
+                                          </p:stCondLst>
+                                        </p:cTn>
+                                        <p:tgtEl>
+                                          <p:spTgt spid="3">
+                                            <p:txEl>
+                                              <p:pRg st="0" end="0"/>
+                                            </p:txEl>
+                                          </p:spTgt>
+                                        </p:tgtEl>
+                                        <p:attrNameLst>
+                                          <p:attrName>style.visibility</p:attrName>
+                                        </p:attrNameLst>
+                                      </p:cBhvr>
+                                      <p:to>
+                                        <p:strVal val="visible"/>
+                                      </p:to>
+                                    </p:set>
+                                    <p:animEffect transition="in" filter="fade">
+                                      <p:cBhvr>
+                                        <p:cTn id="7" dur="500"/>
+                                        <p:tgtEl>
+                                          <p:spTgt spid="3">
+                                            <p:txEl>
+                                              <p:pRg st="0" end="0"/>
+                                            </p:txEl>
+                                          </p:spTgt>
+                                        </p:tgtEl>
+                                      </p:cBhvr>
+                                    </p:animEffect>
+                                  </p:childTnLst>
+                                </p:cTn>
+                              </p:par>
+                            </p:childTnLst>
+                          </p:cTn>
+                        </p:par>
+                      </p:childTnLst>
+                    </p:cTn>
+                  </p:par>
+                  <p:par>
+                    <p:cTn id="8" fill="hold">
+                      <p:stCondLst>
+                        <p:cond delay="indefinite"/>
+                      </p:stCondLst>
+                      <p:childTnLst>
+                        <p:par>
+                          <p:cTn id="9" fill="hold">
+                            <p:stCondLst>
+                              <p:cond delay="0"/>
+                            </p:stCondLst>
+                            <p:childTnLst>
+                              <p:par>
+                                <p:cTn id="10" presetID="10" presetClass="entr" presetSubtype="0" fill="hold" grpId="0" nodeType="clickEffect">
+                                  <p:stCondLst>
+                                    <p:cond delay="0"/>
+                                  </p:stCondLst>
+                                  <p:childTnLst>
+                                    <p:set>
+                                      <p:cBhvr>
+                                        <p:cTn id="11" dur="1" fill="hold">
+                                          <p:stCondLst>
+                                            <p:cond delay="0"/>
+                                          </p:stCondLst>
+                                        </p:cTn>
+                                        <p:tgtEl>
+                                          <p:spTgt spid="3">
+                                            <p:txEl>
+                                              <p:pRg st="2" end="2"/>
+                                            </p:txEl>
+                                          </p:spTgt>
+                                        </p:tgtEl>
+                                        <p:attrNameLst>
+                                          <p:attrName>style.visibility</p:attrName>
+                                        </p:attrNameLst>
+                                      </p:cBhvr>
+                                      <p:to>
+                                        <p:strVal val="visible"/>
+                                      </p:to>
+                                    </p:set>
+                                    <p:animEffect transition="in" filter="fade">
+                                      <p:cBhvr>
+                                        <p:cTn id="12" dur="500"/>
+                                        <p:tgtEl>
+                                          <p:spTgt spid="3">
+                                            <p:txEl>
+                                              <p:pRg st="2" end="2"/>
+                                            </p:txEl>
+                                          </p:spTgt>
+                                        </p:tgtEl>
+                                      </p:cBhvr>
+                                    </p:animEffect>
+                                  </p:childTnLst>
+                                </p:cTn>
+                              </p:par>
+                            </p:childTnLst>
+                          </p:cTn>
+                        </p:par>
+                      </p:childTnLst>
+                    </p:cTn>
+                  </p:par>
+                  <p:par>
+                    <p:cTn id="13" fill="hold">
+                      <p:stCondLst>
+                        <p:cond delay="indefinite"/>
+                      </p:stCondLst>
+                      <p:childTnLst>
+                        <p:par>
+                          <p:cTn id="14" fill="hold">
+                            <p:stCondLst>
+                              <p:cond delay="0"/>
+                            </p:stCondLst>
+                            <p:childTnLst>
+                              <p:par>
+                                <p:cTn id="15" presetID="10" presetClass="entr" presetSubtype="0" fill="hold" grpId="0" nodeType="clickEffect">
+                                  <p:stCondLst>
+                                    <p:cond delay="0"/>
+                                  </p:stCondLst>
+                                  <p:childTnLst>
+                                    <p:set>
+                                      <p:cBhvr>
+                                        <p:cTn id="16" dur="1" fill="hold">
+                                          <p:stCondLst>
+                                            <p:cond delay="0"/>
+                                          </p:stCondLst>
+                                        </p:cTn>
+                                        <p:tgtEl>
+                                          <p:spTgt spid="3">
+                                            <p:txEl>
+                                              <p:pRg st="3" end="3"/>
+                                            </p:txEl>
+                                          </p:spTgt>
+                                        </p:tgtEl>
+                                        <p:attrNameLst>
+                                          <p:attrName>style.visibility</p:attrName>
+                                        </p:attrNameLst>
+                                      </p:cBhvr>
+                                      <p:to>
+                                        <p:strVal val="visible"/>
+                                      </p:to>
+                                    </p:set>
+                                    <p:animEffect transition="in" filter="fade">
+                                      <p:cBhvr>
+                                        <p:cTn id="17" dur="500"/>
+                                        <p:tgtEl>
+                                          <p:spTgt spid="3">
+                                            <p:txEl>
+                                              <p:pRg st="3" end="3"/>
+                                            </p:txEl>
+                                          </p:spTgt>
+                                        </p:tgtEl>
+                                      </p:cBhvr>
+                                    </p:animEffect>
+                                  </p:childTnLst>
+                                </p:cTn>
+                              </p:par>
+                            </p:childTnLst>
+                          </p:cTn>
+                        </p:par>
+                      </p:childTnLst>
+                    </p:cTn>
+                  </p:par>
+                  <p:par>
+                    <p:cTn id="18" fill="hold">
+                      <p:stCondLst>
+                        <p:cond delay="indefinite"/>
+                      </p:stCondLst>
+                      <p:childTnLst>
+                        <p:par>
+                          <p:cTn id="19" fill="hold">
+                            <p:stCondLst>
+                              <p:cond delay="0"/>
+                            </p:stCondLst>
+                            <p:childTnLst>
+                              <p:par>
+                                <p:cTn id="20" presetID="10" presetClass="entr" presetSubtype="0" fill="hold" grpId="0" nodeType="clickEffect">
+                                  <p:stCondLst>
+                                    <p:cond delay="0"/>
+                                  </p:stCondLst>
+                                  <p:childTnLst>
+                                    <p:set>
+                                      <p:cBhvr>
+                                        <p:cTn id="21" dur="1" fill="hold">
+                                          <p:stCondLst>
+                                            <p:cond delay="0"/>
+                                          </p:stCondLst>
+                                        </p:cTn>
+                                        <p:tgtEl>
+                                          <p:spTgt spid="3">
+                                            <p:txEl>
+                                              <p:pRg st="4" end="4"/>
+                                            </p:txEl>
+                                          </p:spTgt>
+                                        </p:tgtEl>
+                                        <p:attrNameLst>
+                                          <p:attrName>style.visibility</p:attrName>
+                                        </p:attrNameLst>
+                                      </p:cBhvr>
+                                      <p:to>
+                                        <p:strVal val="visible"/>
+                                      </p:to>
+                                    </p:set>
+                                    <p:animEffect transition="in" filter="fade">
+                                      <p:cBhvr>
+                                        <p:cTn id="22" dur="500"/>
+                                        <p:tgtEl>
+                                          <p:spTgt spid="3">
+                                            <p:txEl>
+                                              <p:pRg st="4" end="4"/>
+                                            </p:txEl>
+                                          </p:spTgt>
+                                        </p:tgtEl>
+                                      </p:cBhvr>
+                                    </p:animEffect>
+                                  </p:childTnLst>
+                                </p:cTn>
+                              </p:par>
+                            </p:childTnLst>
+                          </p:cTn>
+                        </p:par>
+                      </p:childTnLst>
+                    </p:cTn>
+                  </p:par>
+                  <p:par>
+                    <p:cTn id="23" fill="hold">
+                      <p:stCondLst>
+                        <p:cond delay="indefinite"/>
+                      </p:stCondLst>
+                      <p:childTnLst>
+                        <p:par>
+                          <p:cTn id="24" fill="hold">
+                            <p:stCondLst>
+                              <p:cond delay="0"/>
+                            </p:stCondLst>
+                            <p:childTnLst>
+                              <p:par>
+                                <p:cTn id="25" presetID="10" presetClass="entr" presetSubtype="0" fill="hold" grpId="0" nodeType="clickEffect">
+                                  <p:stCondLst>
+                                    <p:cond delay="0"/>
+                                  </p:stCondLst>
+                                  <p:childTnLst>
+                                    <p:set>
+                                      <p:cBhvr>
+                                        <p:cTn id="26" dur="1" fill="hold">
+                                          <p:stCondLst>
+                                            <p:cond delay="0"/>
+                                          </p:stCondLst>
+                                        </p:cTn>
+                                        <p:tgtEl>
+                                          <p:spTgt spid="3">
+                                            <p:txEl>
+                                              <p:pRg st="5" end="5"/>
+                                            </p:txEl>
+                                          </p:spTgt>
+                                        </p:tgtEl>
+                                        <p:attrNameLst>
+                                          <p:attrName>style.visibility</p:attrName>
+                                        </p:attrNameLst>
+                                      </p:cBhvr>
+                                      <p:to>
+                                        <p:strVal val="visible"/>
+                                      </p:to>
+                                    </p:set>
+                                    <p:animEffect transition="in" filter="fade">
+                                      <p:cBhvr>
+                                        <p:cTn id="27" dur="500"/>
+                                        <p:tgtEl>
+                                          <p:spTgt spid="3">
+                                            <p:txEl>
+                                              <p:pRg st="5" end="5"/>
+                                            </p:txEl>
+                                          </p:spTgt>
+                                        </p:tgtEl>
+                                      </p:cBhvr>
+                                    </p:animEffect>
+                                  </p:childTnLst>
+                                </p:cTn>
+                              </p:par>
+                            </p:childTnLst>
+                          </p:cTn>
+                        </p:par>
+                      </p:childTnLst>
+                    </p:cTn>
+                  </p:par>
+                  <p:par>
+                    <p:cTn id="28" fill="hold">
+                      <p:stCondLst>
+                        <p:cond delay="indefinite"/>
+                      </p:stCondLst>
+                      <p:childTnLst>
+                        <p:par>
+                          <p:cTn id="29" fill="hold">
+                            <p:stCondLst>
+                              <p:cond delay="0"/>
+                            </p:stCondLst>
+                            <p:childTnLst>
+                              <p:par>
+                                <p:cTn id="30" presetID="10" presetClass="entr" presetSubtype="0" fill="hold" grpId="0" nodeType="clickEffect">
+                                  <p:stCondLst>
+                                    <p:cond delay="0"/>
+                                  </p:stCondLst>
+                                  <p:childTnLst>
+                                    <p:set>
+                                      <p:cBhvr>
+                                        <p:cTn id="31" dur="1" fill="hold">
+                                          <p:stCondLst>
+                                            <p:cond delay="0"/>
+                                          </p:stCondLst>
+                                        </p:cTn>
+                                        <p:tgtEl>
+                                          <p:spTgt spid="3">
+                                            <p:txEl>
+                                              <p:pRg st="7" end="7"/>
+                                            </p:txEl>
+                                          </p:spTgt>
+                                        </p:tgtEl>
+                                        <p:attrNameLst>
+                                          <p:attrName>style.visibility</p:attrName>
+                                        </p:attrNameLst>
+                                      </p:cBhvr>
+                                      <p:to>
+                                        <p:strVal val="visible"/>
+                                      </p:to>
+                                    </p:set>
+                                    <p:animEffect transition="in" filter="fade">
+                                      <p:cBhvr>
+                                        <p:cTn id="32" dur="500"/>
+                                        <p:tgtEl>
+                                          <p:spTgt spid="3">
+                                            <p:txEl>
+                                              <p:pRg st="7" end="7"/>
+                                            </p:txEl>
+                                          </p:spTgt>
+                                        </p:tgtEl>
+                                      </p:cBhvr>
+                                    </p:animEffect>
+                                  </p:childTnLst>
+                                </p:cTn>
+                              </p:par>
+                            </p:childTnLst>
+                          </p:cTn>
+                        </p:par>
+                      </p:childTnLst>
+                    </p:cTn>
+                  </p:par>
+                  <p:par>
+                    <p:cTn id="33" fill="hold">
+                      <p:stCondLst>
+                        <p:cond delay="indefinite"/>
+                      </p:stCondLst>
+                      <p:childTnLst>
+                        <p:par>
+                          <p:cTn id="34" fill="hold">
+                            <p:stCondLst>
+                              <p:cond delay="0"/>
+                            </p:stCondLst>
+                            <p:childTnLst>
+                              <p:par>
+                                <p:cTn id="35" presetID="10" presetClass="entr" presetSubtype="0" fill="hold" grpId="0" nodeType="clickEffect">
+                                  <p:stCondLst>
+                                    <p:cond delay="0"/>
+                                  </p:stCondLst>
+                                  <p:childTnLst>
+                                    <p:set>
+                                      <p:cBhvr>
+                                        <p:cTn id="36" dur="1" fill="hold">
+                                          <p:stCondLst>
+                                            <p:cond delay="0"/>
+                                          </p:stCondLst>
+                                        </p:cTn>
+                                        <p:tgtEl>
+                                          <p:spTgt spid="3">
+                                            <p:txEl>
+                                              <p:pRg st="8" end="8"/>
+                                            </p:txEl>
+                                          </p:spTgt>
+                                        </p:tgtEl>
+                                        <p:attrNameLst>
+                                          <p:attrName>style.visibility</p:attrName>
+                                        </p:attrNameLst>
+                                      </p:cBhvr>
+                                      <p:to>
+                                        <p:strVal val="visible"/>
+                                      </p:to>
+                                    </p:set>
+                                    <p:animEffect transition="in" filter="fade">
+                                      <p:cBhvr>
+                                        <p:cTn id="37" dur="500"/>
+                                        <p:tgtEl>
+                                          <p:spTgt spid="3">
+                                            <p:txEl>
+                                              <p:pRg st="8" end="8"/>
+                                            </p:txEl>
+                                          </p:spTgt>
+                                        </p:tgtEl>
+                                      </p:cBhvr>
+                                    </p:animEffect>
+                                  </p:childTnLst>
+                                </p:cTn>
+                              </p:par>
+                            </p:childTnLst>
+                          </p:cTn>
+                        </p:par>
+                      </p:childTnLst>
+                    </p:cTn>
+                  </p:par>
+                  <p:par>
+                    <p:cTn id="38" fill="hold">
+                      <p:stCondLst>
+                        <p:cond delay="indefinite"/>
+                      </p:stCondLst>
+                      <p:childTnLst>
+                        <p:par>
+                          <p:cTn id="39" fill="hold">
+                            <p:stCondLst>
+                              <p:cond delay="0"/>
+                            </p:stCondLst>
+                            <p:childTnLst>
+                              <p:par>
+                                <p:cTn id="40" presetID="10" presetClass="entr" presetSubtype="0" fill="hold" grpId="0" nodeType="clickEffect">
+                                  <p:stCondLst>
+                                    <p:cond delay="0"/>
+                                  </p:stCondLst>
+                                  <p:childTnLst>
+                                    <p:set>
+                                      <p:cBhvr>
+                                        <p:cTn id="41" dur="1" fill="hold">
+                                          <p:stCondLst>
+                                            <p:cond delay="0"/>
+                                          </p:stCondLst>
+                                        </p:cTn>
+                                        <p:tgtEl>
+                                          <p:spTgt spid="3">
+                                            <p:txEl>
+                                              <p:pRg st="9" end="9"/>
+                                            </p:txEl>
+                                          </p:spTgt>
+                                        </p:tgtEl>
+                                        <p:attrNameLst>
+                                          <p:attrName>style.visibility</p:attrName>
+                                        </p:attrNameLst>
+                                      </p:cBhvr>
+                                      <p:to>
+                                        <p:strVal val="visible"/>
+                                      </p:to>
+                                    </p:set>
+                                    <p:animEffect transition="in" filter="fade">
+                                      <p:cBhvr>
+                                        <p:cTn id="42" dur="500"/>
+                                        <p:tgtEl>
+                                          <p:spTgt spid="3">
+                                            <p:txEl>
+                                              <p:pRg st="9" end="9"/>
+                                            </p:txEl>
+                                          </p:spTgt>
+                                        </p:tgtEl>
+                                      </p:cBhvr>
+                                    </p:animEffect>
+                                  </p:childTnLst>
+                                </p:cTn>
+                              </p:par>
+                            </p:childTnLst>
+                          </p:cTn>
+                        </p:par>
+                      </p:childTnLst>
+                    </p:cTn>
+                  </p:par>
+                </p:childTnLst>
+              </p:cTn>
+              <p:prevCondLst>
+                <p:cond evt="onPrev" delay="0">
+                  <p:tgtEl>
+                    <p:sldTgt/>
+                  </p:tgtEl>
+                </p:cond>
+              </p:prevCondLst>
+              <p:nextCondLst>
+                <p:cond evt="onNext" delay="0">
+                  <p:tgtEl>
+                    <p:sldTgt/>
+                  </p:tgtEl>
+                </p:cond>
+              </p:nextCondLst>
+            </p:seq>
+          </p:childTnLst>
+        </p:cTn>
+      </p:par>
+    </p:tnLst>
+    <p:bldLst>
+      <p:bldP spid="3" grpId="0" build="p"/>
+    </p:bldLst>
+  </p:timing>
+</p:sld>
+</file>
+
+<file path=ppt/slides/slide39.xml><?xml version="1.0" encoding="utf-8"?>
+<p:sld xmlns:a="http://schemas.openxmlformats.org/drawingml/2006/main" xmlns:r="http://schemas.openxmlformats.org/officeDocument/2006/relationships" xmlns:p="http://schemas.openxmlformats.org/presentationml/2006/main">
+  <p:cSld>
+    <p:spTree>
+      <p:nvGrpSpPr>
+        <p:cNvPr id="1" name=""/>
+        <p:cNvGrpSpPr/>
+        <p:nvPr/>
+      </p:nvGrpSpPr>
+      <p:grpSpPr>
+        <a:xfrm>
+          <a:off x="0" y="0"/>
+          <a:ext cx="0" cy="0"/>
+          <a:chOff x="0" y="0"/>
+          <a:chExt cx="0" cy="0"/>
+        </a:xfrm>
+      </p:grpSpPr>
+      <p:sp>
+        <p:nvSpPr>
+          <p:cNvPr id="2" name="Título 1"/>
+          <p:cNvSpPr>
+            <a:spLocks noGrp="1"/>
+          </p:cNvSpPr>
+          <p:nvPr>
+            <p:ph type="title"/>
+          </p:nvPr>
+        </p:nvSpPr>
+        <p:spPr/>
+        <p:txBody>
+          <a:bodyPr/>
+          <a:lstStyle/>
+          <a:p>
+            <a:r>
+              <a:rPr lang="es-MX" dirty="0" smtClean="0"/>
+              <a:t>Constructor</a:t>
+            </a:r>
+            <a:endParaRPr lang="es-MX" dirty="0"/>
+          </a:p>
+        </p:txBody>
+      </p:sp>
+      <p:sp>
+        <p:nvSpPr>
+          <p:cNvPr id="3" name="Marcador de contenido 2"/>
+          <p:cNvSpPr>
+            <a:spLocks noGrp="1"/>
+          </p:cNvSpPr>
+          <p:nvPr>
+            <p:ph idx="1"/>
+          </p:nvPr>
+        </p:nvSpPr>
+        <p:spPr>
+          <a:xfrm>
+            <a:off x="677334" y="1455313"/>
+            <a:ext cx="8596668" cy="4586049"/>
+          </a:xfrm>
+        </p:spPr>
+        <p:txBody>
+          <a:bodyPr/>
+          <a:lstStyle/>
+          <a:p>
+            <a:pPr marL="0" indent="0">
+              <a:buNone/>
+            </a:pPr>
+            <a:r>
+              <a:rPr lang="es-MX" dirty="0" smtClean="0"/>
+              <a:t>Es un método que inicializa la clase y/o sus propiedades.</a:t>
+            </a:r>
+          </a:p>
+          <a:p>
+            <a:pPr marL="0" indent="0">
+              <a:buNone/>
+            </a:pPr>
+            <a:r>
+              <a:rPr lang="es-MX" dirty="0" smtClean="0"/>
+              <a:t>El constructor ‘debe llevar el nombre de la clase’ y NO debe devolver un valor de retorno.</a:t>
+            </a:r>
+          </a:p>
+          <a:p>
+            <a:pPr marL="0" indent="0">
+              <a:buNone/>
+            </a:pPr>
+            <a:r>
+              <a:rPr lang="es-MX" dirty="0" smtClean="0"/>
+              <a:t>Ejemplo:</a:t>
+            </a:r>
+          </a:p>
+          <a:p>
+            <a:pPr marL="400050" lvl="1" indent="0">
+              <a:buNone/>
+            </a:pPr>
+            <a:r>
+              <a:rPr lang="es-MX" dirty="0" err="1" smtClean="0">
+                <a:latin typeface="Courier New" panose="02070309020205020404" pitchFamily="49" charset="0"/>
+                <a:cs typeface="Courier New" panose="02070309020205020404" pitchFamily="49" charset="0"/>
+              </a:rPr>
+              <a:t>public</a:t>
+            </a:r>
+            <a:r>
+              <a:rPr lang="es-MX" dirty="0" smtClean="0">
+                <a:latin typeface="Courier New" panose="02070309020205020404" pitchFamily="49" charset="0"/>
+                <a:cs typeface="Courier New" panose="02070309020205020404" pitchFamily="49" charset="0"/>
+              </a:rPr>
+              <a:t> </a:t>
+            </a:r>
+            <a:r>
+              <a:rPr lang="es-MX" dirty="0" err="1" smtClean="0">
+                <a:latin typeface="Courier New" panose="02070309020205020404" pitchFamily="49" charset="0"/>
+                <a:cs typeface="Courier New" panose="02070309020205020404" pitchFamily="49" charset="0"/>
+              </a:rPr>
+              <a:t>CuentaBancaria</a:t>
+            </a:r>
+            <a:r>
+              <a:rPr lang="es-MX" dirty="0" smtClean="0">
+                <a:latin typeface="Courier New" panose="02070309020205020404" pitchFamily="49" charset="0"/>
+                <a:cs typeface="Courier New" panose="02070309020205020404" pitchFamily="49" charset="0"/>
+              </a:rPr>
+              <a:t>(){</a:t>
+            </a:r>
+          </a:p>
+          <a:p>
+            <a:pPr marL="400050" lvl="1" indent="0">
+              <a:buNone/>
+            </a:pPr>
+            <a:r>
+              <a:rPr lang="es-MX" dirty="0" smtClean="0">
+                <a:latin typeface="Courier New" panose="02070309020205020404" pitchFamily="49" charset="0"/>
+                <a:cs typeface="Courier New" panose="02070309020205020404" pitchFamily="49" charset="0"/>
+              </a:rPr>
+              <a:t>		saldo = 1000;</a:t>
+            </a:r>
+          </a:p>
+          <a:p>
+            <a:pPr marL="400050" lvl="1" indent="0">
+              <a:buNone/>
+            </a:pPr>
+            <a:r>
+              <a:rPr lang="es-MX" dirty="0" smtClean="0">
+                <a:latin typeface="Courier New" panose="02070309020205020404" pitchFamily="49" charset="0"/>
+                <a:cs typeface="Courier New" panose="02070309020205020404" pitchFamily="49" charset="0"/>
+              </a:rPr>
+              <a:t>}</a:t>
+            </a:r>
+            <a:endParaRPr lang="es-MX" dirty="0">
+              <a:latin typeface="Courier New" panose="02070309020205020404" pitchFamily="49" charset="0"/>
+              <a:cs typeface="Courier New" panose="02070309020205020404" pitchFamily="49" charset="0"/>
+            </a:endParaRPr>
+          </a:p>
+          <a:p>
+            <a:pPr marL="0" indent="0">
+              <a:buNone/>
+            </a:pPr>
+            <a:r>
+              <a:rPr lang="es-MX" dirty="0" smtClean="0"/>
+              <a:t>Una clase puede tener mas de un constructor, en ese caso todos deben de llamarse igual (sobrecarga).</a:t>
+            </a:r>
+          </a:p>
+        </p:txBody>
+      </p:sp>
+      <p:pic>
+        <p:nvPicPr>
+          <p:cNvPr id="4" name="Imagen 3"/>
+          <p:cNvPicPr>
+            <a:picLocks noChangeAspect="1"/>
+          </p:cNvPicPr>
+          <p:nvPr/>
+        </p:nvPicPr>
+        <p:blipFill>
+          <a:blip r:embed="rId2">
+            <a:extLst>
+              <a:ext uri="{28A0092B-C50C-407E-A947-70E740481C1C}">
+                <a14:useLocalDpi xmlns:a14="http://schemas.microsoft.com/office/drawing/2010/main" val="0"/>
+              </a:ext>
+            </a:extLst>
+          </a:blip>
+          <a:stretch>
+            <a:fillRect/>
+          </a:stretch>
+        </p:blipFill>
+        <p:spPr>
+          <a:xfrm>
+            <a:off x="119106" y="6130345"/>
+            <a:ext cx="1628127" cy="727655"/>
+          </a:xfrm>
+          <a:prstGeom prst="rect">
+            <a:avLst/>
+          </a:prstGeom>
+        </p:spPr>
+      </p:pic>
+    </p:spTree>
+    <p:extLst>
+      <p:ext uri="{BB962C8B-B14F-4D97-AF65-F5344CB8AC3E}">
+        <p14:creationId xmlns:p14="http://schemas.microsoft.com/office/powerpoint/2010/main" val="575768558"/>
+      </p:ext>
+    </p:extLst>
+  </p:cSld>
+  <p:clrMapOvr>
+    <a:masterClrMapping/>
+  </p:clrMapOvr>
+  <p:timing>
+    <p:tnLst>
+      <p:par>
+        <p:cTn id="1" dur="indefinite" restart="never" nodeType="tmRoot"/>
+      </p:par>
+    </p:tnLst>
+  </p:timing>
+</p:sld>
+</file>
+
 <file path=ppt/slides/slide4.xml><?xml version="1.0" encoding="utf-8"?>
 <p:sld xmlns:a="http://schemas.openxmlformats.org/drawingml/2006/main" xmlns:r="http://schemas.openxmlformats.org/officeDocument/2006/relationships" xmlns:p="http://schemas.openxmlformats.org/presentationml/2006/main">
   <p:cSld>
@@ -11525,6 +15879,3213 @@
     <p:tnLst>
       <p:par>
         <p:cTn id="1" dur="indefinite" restart="never" nodeType="tmRoot"/>
+      </p:par>
+    </p:tnLst>
+  </p:timing>
+</p:sld>
+</file>
+
+<file path=ppt/slides/slide40.xml><?xml version="1.0" encoding="utf-8"?>
+<p:sld xmlns:a="http://schemas.openxmlformats.org/drawingml/2006/main" xmlns:r="http://schemas.openxmlformats.org/officeDocument/2006/relationships" xmlns:p="http://schemas.openxmlformats.org/presentationml/2006/main">
+  <p:cSld>
+    <p:spTree>
+      <p:nvGrpSpPr>
+        <p:cNvPr id="1" name=""/>
+        <p:cNvGrpSpPr/>
+        <p:nvPr/>
+      </p:nvGrpSpPr>
+      <p:grpSpPr>
+        <a:xfrm>
+          <a:off x="0" y="0"/>
+          <a:ext cx="0" cy="0"/>
+          <a:chOff x="0" y="0"/>
+          <a:chExt cx="0" cy="0"/>
+        </a:xfrm>
+      </p:grpSpPr>
+      <p:sp>
+        <p:nvSpPr>
+          <p:cNvPr id="2" name="Título 1"/>
+          <p:cNvSpPr>
+            <a:spLocks noGrp="1"/>
+          </p:cNvSpPr>
+          <p:nvPr>
+            <p:ph type="title"/>
+          </p:nvPr>
+        </p:nvSpPr>
+        <p:spPr/>
+        <p:txBody>
+          <a:bodyPr/>
+          <a:lstStyle/>
+          <a:p>
+            <a:r>
+              <a:rPr lang="es-MX" dirty="0" smtClean="0"/>
+              <a:t>Encapsulación</a:t>
+            </a:r>
+            <a:endParaRPr lang="es-MX" dirty="0"/>
+          </a:p>
+        </p:txBody>
+      </p:sp>
+      <p:graphicFrame>
+        <p:nvGraphicFramePr>
+          <p:cNvPr id="4" name="Marcador de contenido 3"/>
+          <p:cNvGraphicFramePr>
+            <a:graphicFrameLocks noGrp="1"/>
+          </p:cNvGraphicFramePr>
+          <p:nvPr>
+            <p:ph idx="1"/>
+            <p:extLst>
+              <p:ext uri="{D42A27DB-BD31-4B8C-83A1-F6EECF244321}">
+                <p14:modId xmlns:p14="http://schemas.microsoft.com/office/powerpoint/2010/main" val="4072628704"/>
+              </p:ext>
+            </p:extLst>
+          </p:nvPr>
+        </p:nvGraphicFramePr>
+        <p:xfrm>
+          <a:off x="819531" y="1460607"/>
+          <a:ext cx="2039579" cy="1656080"/>
+        </p:xfrm>
+        <a:graphic>
+          <a:graphicData uri="http://schemas.openxmlformats.org/drawingml/2006/table">
+            <a:tbl>
+              <a:tblPr firstRow="1" bandRow="1">
+                <a:tableStyleId>{5940675A-B579-460E-94D1-54222C63F5DA}</a:tableStyleId>
+              </a:tblPr>
+              <a:tblGrid>
+                <a:gridCol w="2039579"/>
+              </a:tblGrid>
+              <a:tr h="370840">
+                <a:tc>
+                  <a:txBody>
+                    <a:bodyPr/>
+                    <a:lstStyle/>
+                    <a:p>
+                      <a:r>
+                        <a:rPr lang="es-MX" dirty="0" smtClean="0"/>
+                        <a:t>Foco</a:t>
+                      </a:r>
+                      <a:endParaRPr lang="es-MX" dirty="0"/>
+                    </a:p>
+                  </a:txBody>
+                  <a:tcPr/>
+                </a:tc>
+              </a:tr>
+              <a:tr h="370840">
+                <a:tc>
+                  <a:txBody>
+                    <a:bodyPr/>
+                    <a:lstStyle/>
+                    <a:p>
+                      <a:r>
+                        <a:rPr lang="es-MX" dirty="0" smtClean="0"/>
+                        <a:t>estado:</a:t>
+                      </a:r>
+                      <a:r>
+                        <a:rPr lang="es-MX" baseline="0" dirty="0" smtClean="0"/>
+                        <a:t> </a:t>
+                      </a:r>
+                      <a:r>
+                        <a:rPr lang="es-MX" baseline="0" dirty="0" err="1" smtClean="0"/>
+                        <a:t>boolean</a:t>
+                      </a:r>
+                      <a:endParaRPr lang="es-MX" dirty="0"/>
+                    </a:p>
+                  </a:txBody>
+                  <a:tcPr/>
+                </a:tc>
+              </a:tr>
+              <a:tr h="370840">
+                <a:tc>
+                  <a:txBody>
+                    <a:bodyPr/>
+                    <a:lstStyle/>
+                    <a:p>
+                      <a:r>
+                        <a:rPr lang="es-MX" dirty="0" smtClean="0"/>
+                        <a:t>encender();</a:t>
+                      </a:r>
+                    </a:p>
+                    <a:p>
+                      <a:r>
+                        <a:rPr lang="es-MX" dirty="0" smtClean="0"/>
+                        <a:t>apagar();</a:t>
+                      </a:r>
+                    </a:p>
+                    <a:p>
+                      <a:r>
+                        <a:rPr lang="es-MX" dirty="0" smtClean="0"/>
+                        <a:t>estado();</a:t>
+                      </a:r>
+                      <a:endParaRPr lang="es-MX" dirty="0"/>
+                    </a:p>
+                  </a:txBody>
+                  <a:tcPr/>
+                </a:tc>
+              </a:tr>
+            </a:tbl>
+          </a:graphicData>
+        </a:graphic>
+      </p:graphicFrame>
+      <p:sp>
+        <p:nvSpPr>
+          <p:cNvPr id="5" name="CuadroTexto 4"/>
+          <p:cNvSpPr txBox="1"/>
+          <p:nvPr/>
+        </p:nvSpPr>
+        <p:spPr>
+          <a:xfrm>
+            <a:off x="478318" y="4669933"/>
+            <a:ext cx="9219474" cy="1323439"/>
+          </a:xfrm>
+          <a:prstGeom prst="rect">
+            <a:avLst/>
+          </a:prstGeom>
+          <a:noFill/>
+        </p:spPr>
+        <p:txBody>
+          <a:bodyPr wrap="square" rtlCol="0">
+            <a:spAutoFit/>
+          </a:bodyPr>
+          <a:lstStyle/>
+          <a:p>
+            <a:r>
+              <a:rPr lang="es-MX" sz="1600" dirty="0" smtClean="0"/>
+              <a:t>La capsula del objeto almacena las propiedades que no son accesibles desde fuera de la clase.</a:t>
+            </a:r>
+          </a:p>
+          <a:p>
+            <a:endParaRPr lang="es-MX" sz="1600" dirty="0" smtClean="0"/>
+          </a:p>
+          <a:p>
+            <a:r>
+              <a:rPr lang="es-MX" sz="1600" dirty="0" smtClean="0"/>
+              <a:t>Lo ideal en la programación orientada a objetos es que todas las propiedades estén escondidas dentro del objeto y solo se puedan manipular mediante los métodos correspondientes del objeto. Esto permite controlar lo que les ocurre a las propiedades de los objetos</a:t>
+            </a:r>
+            <a:endParaRPr lang="es-MX" sz="1600" dirty="0"/>
+          </a:p>
+        </p:txBody>
+      </p:sp>
+      <p:sp>
+        <p:nvSpPr>
+          <p:cNvPr id="6" name="CuadroTexto 5"/>
+          <p:cNvSpPr txBox="1"/>
+          <p:nvPr/>
+        </p:nvSpPr>
+        <p:spPr>
+          <a:xfrm>
+            <a:off x="4790941" y="609600"/>
+            <a:ext cx="4910319" cy="4185761"/>
+          </a:xfrm>
+          <a:prstGeom prst="rect">
+            <a:avLst/>
+          </a:prstGeom>
+          <a:noFill/>
+        </p:spPr>
+        <p:txBody>
+          <a:bodyPr wrap="none" rtlCol="0">
+            <a:spAutoFit/>
+          </a:bodyPr>
+          <a:lstStyle/>
+          <a:p>
+            <a:r>
+              <a:rPr lang="es-MX" sz="1400" dirty="0" err="1">
+                <a:latin typeface="Courier New" panose="02070309020205020404" pitchFamily="49" charset="0"/>
+                <a:cs typeface="Courier New" panose="02070309020205020404" pitchFamily="49" charset="0"/>
+              </a:rPr>
+              <a:t>public</a:t>
+            </a:r>
+            <a:r>
+              <a:rPr lang="es-MX" sz="1400" dirty="0">
+                <a:latin typeface="Courier New" panose="02070309020205020404" pitchFamily="49" charset="0"/>
+                <a:cs typeface="Courier New" panose="02070309020205020404" pitchFamily="49" charset="0"/>
+              </a:rPr>
+              <a:t> </a:t>
+            </a:r>
+            <a:r>
+              <a:rPr lang="es-MX" sz="1400" dirty="0" err="1">
+                <a:latin typeface="Courier New" panose="02070309020205020404" pitchFamily="49" charset="0"/>
+                <a:cs typeface="Courier New" panose="02070309020205020404" pitchFamily="49" charset="0"/>
+              </a:rPr>
+              <a:t>class</a:t>
+            </a:r>
+            <a:r>
+              <a:rPr lang="es-MX" sz="1400" dirty="0">
+                <a:latin typeface="Courier New" panose="02070309020205020404" pitchFamily="49" charset="0"/>
+                <a:cs typeface="Courier New" panose="02070309020205020404" pitchFamily="49" charset="0"/>
+              </a:rPr>
+              <a:t> Foco {</a:t>
+            </a:r>
+          </a:p>
+          <a:p>
+            <a:r>
+              <a:rPr lang="es-MX" sz="1400" dirty="0">
+                <a:latin typeface="Courier New" panose="02070309020205020404" pitchFamily="49" charset="0"/>
+                <a:cs typeface="Courier New" panose="02070309020205020404" pitchFamily="49" charset="0"/>
+              </a:rPr>
+              <a:t>    </a:t>
+            </a:r>
+            <a:r>
+              <a:rPr lang="es-MX" sz="1400" dirty="0" err="1">
+                <a:latin typeface="Courier New" panose="02070309020205020404" pitchFamily="49" charset="0"/>
+                <a:cs typeface="Courier New" panose="02070309020205020404" pitchFamily="49" charset="0"/>
+              </a:rPr>
+              <a:t>private</a:t>
+            </a:r>
+            <a:r>
+              <a:rPr lang="es-MX" sz="1400" dirty="0">
+                <a:latin typeface="Courier New" panose="02070309020205020404" pitchFamily="49" charset="0"/>
+                <a:cs typeface="Courier New" panose="02070309020205020404" pitchFamily="49" charset="0"/>
+              </a:rPr>
+              <a:t> </a:t>
+            </a:r>
+            <a:r>
+              <a:rPr lang="es-MX" sz="1400" dirty="0" err="1">
+                <a:latin typeface="Courier New" panose="02070309020205020404" pitchFamily="49" charset="0"/>
+                <a:cs typeface="Courier New" panose="02070309020205020404" pitchFamily="49" charset="0"/>
+              </a:rPr>
+              <a:t>boolean</a:t>
+            </a:r>
+            <a:r>
+              <a:rPr lang="es-MX" sz="1400" dirty="0">
+                <a:latin typeface="Courier New" panose="02070309020205020404" pitchFamily="49" charset="0"/>
+                <a:cs typeface="Courier New" panose="02070309020205020404" pitchFamily="49" charset="0"/>
+              </a:rPr>
+              <a:t> estado = false;</a:t>
+            </a:r>
+          </a:p>
+          <a:p>
+            <a:r>
+              <a:rPr lang="es-MX" sz="1400" dirty="0">
+                <a:latin typeface="Courier New" panose="02070309020205020404" pitchFamily="49" charset="0"/>
+                <a:cs typeface="Courier New" panose="02070309020205020404" pitchFamily="49" charset="0"/>
+              </a:rPr>
+              <a:t>    </a:t>
+            </a:r>
+          </a:p>
+          <a:p>
+            <a:r>
+              <a:rPr lang="es-MX" sz="1400" dirty="0">
+                <a:latin typeface="Courier New" panose="02070309020205020404" pitchFamily="49" charset="0"/>
+                <a:cs typeface="Courier New" panose="02070309020205020404" pitchFamily="49" charset="0"/>
+              </a:rPr>
+              <a:t>    </a:t>
+            </a:r>
+            <a:r>
+              <a:rPr lang="es-MX" sz="1400" dirty="0" err="1">
+                <a:latin typeface="Courier New" panose="02070309020205020404" pitchFamily="49" charset="0"/>
+                <a:cs typeface="Courier New" panose="02070309020205020404" pitchFamily="49" charset="0"/>
+              </a:rPr>
+              <a:t>public</a:t>
+            </a:r>
+            <a:r>
+              <a:rPr lang="es-MX" sz="1400" dirty="0">
+                <a:latin typeface="Courier New" panose="02070309020205020404" pitchFamily="49" charset="0"/>
+                <a:cs typeface="Courier New" panose="02070309020205020404" pitchFamily="49" charset="0"/>
+              </a:rPr>
+              <a:t> </a:t>
+            </a:r>
+            <a:r>
+              <a:rPr lang="es-MX" sz="1400" dirty="0" err="1">
+                <a:latin typeface="Courier New" panose="02070309020205020404" pitchFamily="49" charset="0"/>
+                <a:cs typeface="Courier New" panose="02070309020205020404" pitchFamily="49" charset="0"/>
+              </a:rPr>
+              <a:t>void</a:t>
+            </a:r>
+            <a:r>
+              <a:rPr lang="es-MX" sz="1400" dirty="0">
+                <a:latin typeface="Courier New" panose="02070309020205020404" pitchFamily="49" charset="0"/>
+                <a:cs typeface="Courier New" panose="02070309020205020404" pitchFamily="49" charset="0"/>
+              </a:rPr>
+              <a:t> encender(){</a:t>
+            </a:r>
+          </a:p>
+          <a:p>
+            <a:r>
+              <a:rPr lang="es-MX" sz="1400" dirty="0">
+                <a:latin typeface="Courier New" panose="02070309020205020404" pitchFamily="49" charset="0"/>
+                <a:cs typeface="Courier New" panose="02070309020205020404" pitchFamily="49" charset="0"/>
+              </a:rPr>
+              <a:t>        estado = true;</a:t>
+            </a:r>
+          </a:p>
+          <a:p>
+            <a:r>
+              <a:rPr lang="es-MX" sz="1400" dirty="0">
+                <a:latin typeface="Courier New" panose="02070309020205020404" pitchFamily="49" charset="0"/>
+                <a:cs typeface="Courier New" panose="02070309020205020404" pitchFamily="49" charset="0"/>
+              </a:rPr>
+              <a:t>    }</a:t>
+            </a:r>
+          </a:p>
+          <a:p>
+            <a:r>
+              <a:rPr lang="es-MX" sz="1400" dirty="0">
+                <a:latin typeface="Courier New" panose="02070309020205020404" pitchFamily="49" charset="0"/>
+                <a:cs typeface="Courier New" panose="02070309020205020404" pitchFamily="49" charset="0"/>
+              </a:rPr>
+              <a:t>    </a:t>
+            </a:r>
+          </a:p>
+          <a:p>
+            <a:r>
+              <a:rPr lang="es-MX" sz="1400" dirty="0">
+                <a:latin typeface="Courier New" panose="02070309020205020404" pitchFamily="49" charset="0"/>
+                <a:cs typeface="Courier New" panose="02070309020205020404" pitchFamily="49" charset="0"/>
+              </a:rPr>
+              <a:t>    </a:t>
+            </a:r>
+            <a:r>
+              <a:rPr lang="es-MX" sz="1400" dirty="0" err="1">
+                <a:latin typeface="Courier New" panose="02070309020205020404" pitchFamily="49" charset="0"/>
+                <a:cs typeface="Courier New" panose="02070309020205020404" pitchFamily="49" charset="0"/>
+              </a:rPr>
+              <a:t>public</a:t>
+            </a:r>
+            <a:r>
+              <a:rPr lang="es-MX" sz="1400" dirty="0">
+                <a:latin typeface="Courier New" panose="02070309020205020404" pitchFamily="49" charset="0"/>
+                <a:cs typeface="Courier New" panose="02070309020205020404" pitchFamily="49" charset="0"/>
+              </a:rPr>
+              <a:t> </a:t>
+            </a:r>
+            <a:r>
+              <a:rPr lang="es-MX" sz="1400" dirty="0" err="1">
+                <a:latin typeface="Courier New" panose="02070309020205020404" pitchFamily="49" charset="0"/>
+                <a:cs typeface="Courier New" panose="02070309020205020404" pitchFamily="49" charset="0"/>
+              </a:rPr>
+              <a:t>void</a:t>
+            </a:r>
+            <a:r>
+              <a:rPr lang="es-MX" sz="1400" dirty="0">
+                <a:latin typeface="Courier New" panose="02070309020205020404" pitchFamily="49" charset="0"/>
+                <a:cs typeface="Courier New" panose="02070309020205020404" pitchFamily="49" charset="0"/>
+              </a:rPr>
+              <a:t> apagar(){</a:t>
+            </a:r>
+          </a:p>
+          <a:p>
+            <a:r>
+              <a:rPr lang="es-MX" sz="1400" dirty="0">
+                <a:latin typeface="Courier New" panose="02070309020205020404" pitchFamily="49" charset="0"/>
+                <a:cs typeface="Courier New" panose="02070309020205020404" pitchFamily="49" charset="0"/>
+              </a:rPr>
+              <a:t>        estado = false;</a:t>
+            </a:r>
+          </a:p>
+          <a:p>
+            <a:r>
+              <a:rPr lang="es-MX" sz="1400" dirty="0">
+                <a:latin typeface="Courier New" panose="02070309020205020404" pitchFamily="49" charset="0"/>
+                <a:cs typeface="Courier New" panose="02070309020205020404" pitchFamily="49" charset="0"/>
+              </a:rPr>
+              <a:t>    }</a:t>
+            </a:r>
+          </a:p>
+          <a:p>
+            <a:r>
+              <a:rPr lang="es-MX" sz="1400" dirty="0">
+                <a:latin typeface="Courier New" panose="02070309020205020404" pitchFamily="49" charset="0"/>
+                <a:cs typeface="Courier New" panose="02070309020205020404" pitchFamily="49" charset="0"/>
+              </a:rPr>
+              <a:t>    </a:t>
+            </a:r>
+          </a:p>
+          <a:p>
+            <a:r>
+              <a:rPr lang="es-MX" sz="1400" dirty="0">
+                <a:latin typeface="Courier New" panose="02070309020205020404" pitchFamily="49" charset="0"/>
+                <a:cs typeface="Courier New" panose="02070309020205020404" pitchFamily="49" charset="0"/>
+              </a:rPr>
+              <a:t>    </a:t>
+            </a:r>
+            <a:r>
+              <a:rPr lang="es-MX" sz="1400" dirty="0" err="1">
+                <a:latin typeface="Courier New" panose="02070309020205020404" pitchFamily="49" charset="0"/>
+                <a:cs typeface="Courier New" panose="02070309020205020404" pitchFamily="49" charset="0"/>
+              </a:rPr>
+              <a:t>public</a:t>
+            </a:r>
+            <a:r>
+              <a:rPr lang="es-MX" sz="1400" dirty="0">
+                <a:latin typeface="Courier New" panose="02070309020205020404" pitchFamily="49" charset="0"/>
+                <a:cs typeface="Courier New" panose="02070309020205020404" pitchFamily="49" charset="0"/>
+              </a:rPr>
+              <a:t> </a:t>
+            </a:r>
+            <a:r>
+              <a:rPr lang="es-MX" sz="1400" dirty="0" err="1">
+                <a:latin typeface="Courier New" panose="02070309020205020404" pitchFamily="49" charset="0"/>
+                <a:cs typeface="Courier New" panose="02070309020205020404" pitchFamily="49" charset="0"/>
+              </a:rPr>
+              <a:t>void</a:t>
+            </a:r>
+            <a:r>
+              <a:rPr lang="es-MX" sz="1400" dirty="0">
+                <a:latin typeface="Courier New" panose="02070309020205020404" pitchFamily="49" charset="0"/>
+                <a:cs typeface="Courier New" panose="02070309020205020404" pitchFamily="49" charset="0"/>
+              </a:rPr>
+              <a:t> estado(){</a:t>
+            </a:r>
+          </a:p>
+          <a:p>
+            <a:r>
+              <a:rPr lang="es-MX" sz="1400" dirty="0">
+                <a:latin typeface="Courier New" panose="02070309020205020404" pitchFamily="49" charset="0"/>
+                <a:cs typeface="Courier New" panose="02070309020205020404" pitchFamily="49" charset="0"/>
+              </a:rPr>
+              <a:t>        </a:t>
+            </a:r>
+            <a:r>
+              <a:rPr lang="es-MX" sz="1400" dirty="0" err="1">
+                <a:latin typeface="Courier New" panose="02070309020205020404" pitchFamily="49" charset="0"/>
+                <a:cs typeface="Courier New" panose="02070309020205020404" pitchFamily="49" charset="0"/>
+              </a:rPr>
+              <a:t>if</a:t>
+            </a:r>
+            <a:r>
+              <a:rPr lang="es-MX" sz="1400" dirty="0">
+                <a:latin typeface="Courier New" panose="02070309020205020404" pitchFamily="49" charset="0"/>
+                <a:cs typeface="Courier New" panose="02070309020205020404" pitchFamily="49" charset="0"/>
+              </a:rPr>
+              <a:t>(estado == true){</a:t>
+            </a:r>
+          </a:p>
+          <a:p>
+            <a:r>
+              <a:rPr lang="es-MX" sz="1400" dirty="0">
+                <a:latin typeface="Courier New" panose="02070309020205020404" pitchFamily="49" charset="0"/>
+                <a:cs typeface="Courier New" panose="02070309020205020404" pitchFamily="49" charset="0"/>
+              </a:rPr>
+              <a:t>            </a:t>
+            </a:r>
+            <a:r>
+              <a:rPr lang="es-MX" sz="1400" dirty="0" err="1">
+                <a:latin typeface="Courier New" panose="02070309020205020404" pitchFamily="49" charset="0"/>
+                <a:cs typeface="Courier New" panose="02070309020205020404" pitchFamily="49" charset="0"/>
+              </a:rPr>
+              <a:t>System.out.println</a:t>
+            </a:r>
+            <a:r>
+              <a:rPr lang="es-MX" sz="1400" dirty="0">
+                <a:latin typeface="Courier New" panose="02070309020205020404" pitchFamily="49" charset="0"/>
+                <a:cs typeface="Courier New" panose="02070309020205020404" pitchFamily="49" charset="0"/>
+              </a:rPr>
+              <a:t>("Encendida");</a:t>
+            </a:r>
+          </a:p>
+          <a:p>
+            <a:r>
+              <a:rPr lang="es-MX" sz="1400" dirty="0">
+                <a:latin typeface="Courier New" panose="02070309020205020404" pitchFamily="49" charset="0"/>
+                <a:cs typeface="Courier New" panose="02070309020205020404" pitchFamily="49" charset="0"/>
+              </a:rPr>
+              <a:t>        }</a:t>
+            </a:r>
+            <a:r>
+              <a:rPr lang="es-MX" sz="1400" dirty="0" err="1">
+                <a:latin typeface="Courier New" panose="02070309020205020404" pitchFamily="49" charset="0"/>
+                <a:cs typeface="Courier New" panose="02070309020205020404" pitchFamily="49" charset="0"/>
+              </a:rPr>
+              <a:t>else</a:t>
+            </a:r>
+            <a:r>
+              <a:rPr lang="es-MX" sz="1400" dirty="0">
+                <a:latin typeface="Courier New" panose="02070309020205020404" pitchFamily="49" charset="0"/>
+                <a:cs typeface="Courier New" panose="02070309020205020404" pitchFamily="49" charset="0"/>
+              </a:rPr>
+              <a:t>{</a:t>
+            </a:r>
+          </a:p>
+          <a:p>
+            <a:r>
+              <a:rPr lang="es-MX" sz="1400" dirty="0">
+                <a:latin typeface="Courier New" panose="02070309020205020404" pitchFamily="49" charset="0"/>
+                <a:cs typeface="Courier New" panose="02070309020205020404" pitchFamily="49" charset="0"/>
+              </a:rPr>
+              <a:t>            </a:t>
+            </a:r>
+            <a:r>
+              <a:rPr lang="es-MX" sz="1400" dirty="0" err="1">
+                <a:latin typeface="Courier New" panose="02070309020205020404" pitchFamily="49" charset="0"/>
+                <a:cs typeface="Courier New" panose="02070309020205020404" pitchFamily="49" charset="0"/>
+              </a:rPr>
+              <a:t>System.out.println</a:t>
+            </a:r>
+            <a:r>
+              <a:rPr lang="es-MX" sz="1400" dirty="0">
+                <a:latin typeface="Courier New" panose="02070309020205020404" pitchFamily="49" charset="0"/>
+                <a:cs typeface="Courier New" panose="02070309020205020404" pitchFamily="49" charset="0"/>
+              </a:rPr>
+              <a:t>("Apagado");</a:t>
+            </a:r>
+          </a:p>
+          <a:p>
+            <a:r>
+              <a:rPr lang="es-MX" sz="1400" dirty="0">
+                <a:latin typeface="Courier New" panose="02070309020205020404" pitchFamily="49" charset="0"/>
+                <a:cs typeface="Courier New" panose="02070309020205020404" pitchFamily="49" charset="0"/>
+              </a:rPr>
+              <a:t>        }</a:t>
+            </a:r>
+          </a:p>
+          <a:p>
+            <a:r>
+              <a:rPr lang="es-MX" sz="1400" dirty="0">
+                <a:latin typeface="Courier New" panose="02070309020205020404" pitchFamily="49" charset="0"/>
+                <a:cs typeface="Courier New" panose="02070309020205020404" pitchFamily="49" charset="0"/>
+              </a:rPr>
+              <a:t>    }</a:t>
+            </a:r>
+          </a:p>
+          <a:p>
+            <a:r>
+              <a:rPr lang="es-MX" sz="1400" dirty="0">
+                <a:latin typeface="Courier New" panose="02070309020205020404" pitchFamily="49" charset="0"/>
+                <a:cs typeface="Courier New" panose="02070309020205020404" pitchFamily="49" charset="0"/>
+              </a:rPr>
+              <a:t>}</a:t>
+            </a:r>
+          </a:p>
+        </p:txBody>
+      </p:sp>
+      <p:pic>
+        <p:nvPicPr>
+          <p:cNvPr id="7" name="Imagen 6"/>
+          <p:cNvPicPr>
+            <a:picLocks noChangeAspect="1"/>
+          </p:cNvPicPr>
+          <p:nvPr/>
+        </p:nvPicPr>
+        <p:blipFill>
+          <a:blip r:embed="rId2">
+            <a:extLst>
+              <a:ext uri="{28A0092B-C50C-407E-A947-70E740481C1C}">
+                <a14:useLocalDpi xmlns:a14="http://schemas.microsoft.com/office/drawing/2010/main" val="0"/>
+              </a:ext>
+            </a:extLst>
+          </a:blip>
+          <a:stretch>
+            <a:fillRect/>
+          </a:stretch>
+        </p:blipFill>
+        <p:spPr>
+          <a:xfrm>
+            <a:off x="119106" y="6130345"/>
+            <a:ext cx="1628127" cy="727655"/>
+          </a:xfrm>
+          <a:prstGeom prst="rect">
+            <a:avLst/>
+          </a:prstGeom>
+        </p:spPr>
+      </p:pic>
+    </p:spTree>
+    <p:extLst>
+      <p:ext uri="{BB962C8B-B14F-4D97-AF65-F5344CB8AC3E}">
+        <p14:creationId xmlns:p14="http://schemas.microsoft.com/office/powerpoint/2010/main" val="3702125125"/>
+      </p:ext>
+    </p:extLst>
+  </p:cSld>
+  <p:clrMapOvr>
+    <a:masterClrMapping/>
+  </p:clrMapOvr>
+  <p:timing>
+    <p:tnLst>
+      <p:par>
+        <p:cTn id="1" dur="indefinite" restart="never" nodeType="tmRoot">
+          <p:childTnLst>
+            <p:seq concurrent="1" nextAc="seek">
+              <p:cTn id="2" dur="indefinite" nodeType="mainSeq">
+                <p:childTnLst>
+                  <p:par>
+                    <p:cTn id="3" fill="hold">
+                      <p:stCondLst>
+                        <p:cond delay="indefinite"/>
+                      </p:stCondLst>
+                      <p:childTnLst>
+                        <p:par>
+                          <p:cTn id="4" fill="hold">
+                            <p:stCondLst>
+                              <p:cond delay="0"/>
+                            </p:stCondLst>
+                            <p:childTnLst>
+                              <p:par>
+                                <p:cTn id="5" presetID="10" presetClass="entr" presetSubtype="0" fill="hold" nodeType="clickEffect">
+                                  <p:stCondLst>
+                                    <p:cond delay="0"/>
+                                  </p:stCondLst>
+                                  <p:childTnLst>
+                                    <p:set>
+                                      <p:cBhvr>
+                                        <p:cTn id="6" dur="1" fill="hold">
+                                          <p:stCondLst>
+                                            <p:cond delay="0"/>
+                                          </p:stCondLst>
+                                        </p:cTn>
+                                        <p:tgtEl>
+                                          <p:spTgt spid="4"/>
+                                        </p:tgtEl>
+                                        <p:attrNameLst>
+                                          <p:attrName>style.visibility</p:attrName>
+                                        </p:attrNameLst>
+                                      </p:cBhvr>
+                                      <p:to>
+                                        <p:strVal val="visible"/>
+                                      </p:to>
+                                    </p:set>
+                                    <p:animEffect transition="in" filter="fade">
+                                      <p:cBhvr>
+                                        <p:cTn id="7" dur="500"/>
+                                        <p:tgtEl>
+                                          <p:spTgt spid="4"/>
+                                        </p:tgtEl>
+                                      </p:cBhvr>
+                                    </p:animEffect>
+                                  </p:childTnLst>
+                                </p:cTn>
+                              </p:par>
+                            </p:childTnLst>
+                          </p:cTn>
+                        </p:par>
+                      </p:childTnLst>
+                    </p:cTn>
+                  </p:par>
+                  <p:par>
+                    <p:cTn id="8" fill="hold">
+                      <p:stCondLst>
+                        <p:cond delay="indefinite"/>
+                      </p:stCondLst>
+                      <p:childTnLst>
+                        <p:par>
+                          <p:cTn id="9" fill="hold">
+                            <p:stCondLst>
+                              <p:cond delay="0"/>
+                            </p:stCondLst>
+                            <p:childTnLst>
+                              <p:par>
+                                <p:cTn id="10" presetID="10" presetClass="entr" presetSubtype="0" fill="hold" grpId="0" nodeType="clickEffect">
+                                  <p:stCondLst>
+                                    <p:cond delay="0"/>
+                                  </p:stCondLst>
+                                  <p:childTnLst>
+                                    <p:set>
+                                      <p:cBhvr>
+                                        <p:cTn id="11" dur="1" fill="hold">
+                                          <p:stCondLst>
+                                            <p:cond delay="0"/>
+                                          </p:stCondLst>
+                                        </p:cTn>
+                                        <p:tgtEl>
+                                          <p:spTgt spid="5"/>
+                                        </p:tgtEl>
+                                        <p:attrNameLst>
+                                          <p:attrName>style.visibility</p:attrName>
+                                        </p:attrNameLst>
+                                      </p:cBhvr>
+                                      <p:to>
+                                        <p:strVal val="visible"/>
+                                      </p:to>
+                                    </p:set>
+                                    <p:animEffect transition="in" filter="fade">
+                                      <p:cBhvr>
+                                        <p:cTn id="12" dur="500"/>
+                                        <p:tgtEl>
+                                          <p:spTgt spid="5"/>
+                                        </p:tgtEl>
+                                      </p:cBhvr>
+                                    </p:animEffect>
+                                  </p:childTnLst>
+                                </p:cTn>
+                              </p:par>
+                            </p:childTnLst>
+                          </p:cTn>
+                        </p:par>
+                      </p:childTnLst>
+                    </p:cTn>
+                  </p:par>
+                  <p:par>
+                    <p:cTn id="13" fill="hold">
+                      <p:stCondLst>
+                        <p:cond delay="indefinite"/>
+                      </p:stCondLst>
+                      <p:childTnLst>
+                        <p:par>
+                          <p:cTn id="14" fill="hold">
+                            <p:stCondLst>
+                              <p:cond delay="0"/>
+                            </p:stCondLst>
+                            <p:childTnLst>
+                              <p:par>
+                                <p:cTn id="15" presetID="9" presetClass="entr" presetSubtype="0" fill="hold" grpId="0" nodeType="clickEffect">
+                                  <p:stCondLst>
+                                    <p:cond delay="0"/>
+                                  </p:stCondLst>
+                                  <p:childTnLst>
+                                    <p:set>
+                                      <p:cBhvr>
+                                        <p:cTn id="16" dur="1" fill="hold">
+                                          <p:stCondLst>
+                                            <p:cond delay="0"/>
+                                          </p:stCondLst>
+                                        </p:cTn>
+                                        <p:tgtEl>
+                                          <p:spTgt spid="6"/>
+                                        </p:tgtEl>
+                                        <p:attrNameLst>
+                                          <p:attrName>style.visibility</p:attrName>
+                                        </p:attrNameLst>
+                                      </p:cBhvr>
+                                      <p:to>
+                                        <p:strVal val="visible"/>
+                                      </p:to>
+                                    </p:set>
+                                    <p:animEffect transition="in" filter="dissolve">
+                                      <p:cBhvr>
+                                        <p:cTn id="17" dur="500"/>
+                                        <p:tgtEl>
+                                          <p:spTgt spid="6"/>
+                                        </p:tgtEl>
+                                      </p:cBhvr>
+                                    </p:animEffect>
+                                  </p:childTnLst>
+                                </p:cTn>
+                              </p:par>
+                            </p:childTnLst>
+                          </p:cTn>
+                        </p:par>
+                      </p:childTnLst>
+                    </p:cTn>
+                  </p:par>
+                </p:childTnLst>
+              </p:cTn>
+              <p:prevCondLst>
+                <p:cond evt="onPrev" delay="0">
+                  <p:tgtEl>
+                    <p:sldTgt/>
+                  </p:tgtEl>
+                </p:cond>
+              </p:prevCondLst>
+              <p:nextCondLst>
+                <p:cond evt="onNext" delay="0">
+                  <p:tgtEl>
+                    <p:sldTgt/>
+                  </p:tgtEl>
+                </p:cond>
+              </p:nextCondLst>
+            </p:seq>
+          </p:childTnLst>
+        </p:cTn>
+      </p:par>
+    </p:tnLst>
+    <p:bldLst>
+      <p:bldP spid="5" grpId="0"/>
+      <p:bldP spid="6" grpId="0"/>
+    </p:bldLst>
+  </p:timing>
+</p:sld>
+</file>
+
+<file path=ppt/slides/slide41.xml><?xml version="1.0" encoding="utf-8"?>
+<p:sld xmlns:a="http://schemas.openxmlformats.org/drawingml/2006/main" xmlns:r="http://schemas.openxmlformats.org/officeDocument/2006/relationships" xmlns:p="http://schemas.openxmlformats.org/presentationml/2006/main">
+  <p:cSld>
+    <p:spTree>
+      <p:nvGrpSpPr>
+        <p:cNvPr id="1" name=""/>
+        <p:cNvGrpSpPr/>
+        <p:nvPr/>
+      </p:nvGrpSpPr>
+      <p:grpSpPr>
+        <a:xfrm>
+          <a:off x="0" y="0"/>
+          <a:ext cx="0" cy="0"/>
+          <a:chOff x="0" y="0"/>
+          <a:chExt cx="0" cy="0"/>
+        </a:xfrm>
+      </p:grpSpPr>
+      <p:sp>
+        <p:nvSpPr>
+          <p:cNvPr id="2" name="Título 1"/>
+          <p:cNvSpPr>
+            <a:spLocks noGrp="1"/>
+          </p:cNvSpPr>
+          <p:nvPr>
+            <p:ph type="title"/>
+          </p:nvPr>
+        </p:nvSpPr>
+        <p:spPr/>
+        <p:txBody>
+          <a:bodyPr/>
+          <a:lstStyle/>
+          <a:p>
+            <a:r>
+              <a:rPr lang="es-MX" dirty="0" smtClean="0"/>
+              <a:t>Visibilidad</a:t>
+            </a:r>
+            <a:endParaRPr lang="es-MX" dirty="0"/>
+          </a:p>
+        </p:txBody>
+      </p:sp>
+      <p:graphicFrame>
+        <p:nvGraphicFramePr>
+          <p:cNvPr id="4" name="Marcador de contenido 3"/>
+          <p:cNvGraphicFramePr>
+            <a:graphicFrameLocks noGrp="1"/>
+          </p:cNvGraphicFramePr>
+          <p:nvPr>
+            <p:ph idx="1"/>
+            <p:extLst>
+              <p:ext uri="{D42A27DB-BD31-4B8C-83A1-F6EECF244321}">
+                <p14:modId xmlns:p14="http://schemas.microsoft.com/office/powerpoint/2010/main" val="2021959613"/>
+              </p:ext>
+            </p:extLst>
+          </p:nvPr>
+        </p:nvGraphicFramePr>
+        <p:xfrm>
+          <a:off x="677863" y="2160588"/>
+          <a:ext cx="8596312" cy="1939432"/>
+        </p:xfrm>
+        <a:graphic>
+          <a:graphicData uri="http://schemas.openxmlformats.org/drawingml/2006/table">
+            <a:tbl>
+              <a:tblPr firstRow="1" firstCol="1" bandRow="1">
+                <a:tableStyleId>{5C22544A-7EE6-4342-B048-85BDC9FD1C3A}</a:tableStyleId>
+              </a:tblPr>
+              <a:tblGrid>
+                <a:gridCol w="4298156"/>
+                <a:gridCol w="4298156"/>
+              </a:tblGrid>
+              <a:tr h="484858">
+                <a:tc>
+                  <a:txBody>
+                    <a:bodyPr/>
+                    <a:lstStyle/>
+                    <a:p>
+                      <a:r>
+                        <a:rPr lang="es-MX" dirty="0" smtClean="0"/>
+                        <a:t>Tipo</a:t>
+                      </a:r>
+                      <a:endParaRPr lang="es-MX" dirty="0"/>
+                    </a:p>
+                  </a:txBody>
+                  <a:tcPr/>
+                </a:tc>
+                <a:tc>
+                  <a:txBody>
+                    <a:bodyPr/>
+                    <a:lstStyle/>
+                    <a:p>
+                      <a:r>
+                        <a:rPr lang="es-MX" dirty="0" smtClean="0"/>
+                        <a:t>Modificador</a:t>
+                      </a:r>
+                      <a:endParaRPr lang="es-MX" dirty="0"/>
+                    </a:p>
+                  </a:txBody>
+                  <a:tcPr/>
+                </a:tc>
+              </a:tr>
+              <a:tr h="484858">
+                <a:tc>
+                  <a:txBody>
+                    <a:bodyPr/>
+                    <a:lstStyle/>
+                    <a:p>
+                      <a:r>
+                        <a:rPr lang="es-MX" dirty="0" smtClean="0"/>
+                        <a:t>Privada</a:t>
+                      </a:r>
+                      <a:endParaRPr lang="es-MX" dirty="0"/>
+                    </a:p>
+                  </a:txBody>
+                  <a:tcPr/>
+                </a:tc>
+                <a:tc>
+                  <a:txBody>
+                    <a:bodyPr/>
+                    <a:lstStyle/>
+                    <a:p>
+                      <a:r>
+                        <a:rPr lang="es-MX" dirty="0" err="1" smtClean="0"/>
+                        <a:t>private</a:t>
+                      </a:r>
+                      <a:endParaRPr lang="es-MX" dirty="0"/>
+                    </a:p>
+                  </a:txBody>
+                  <a:tcPr/>
+                </a:tc>
+              </a:tr>
+              <a:tr h="484858">
+                <a:tc>
+                  <a:txBody>
+                    <a:bodyPr/>
+                    <a:lstStyle/>
+                    <a:p>
+                      <a:r>
+                        <a:rPr lang="es-MX" dirty="0" smtClean="0"/>
+                        <a:t>Publica</a:t>
+                      </a:r>
+                      <a:endParaRPr lang="es-MX" dirty="0"/>
+                    </a:p>
+                  </a:txBody>
+                  <a:tcPr/>
+                </a:tc>
+                <a:tc>
+                  <a:txBody>
+                    <a:bodyPr/>
+                    <a:lstStyle/>
+                    <a:p>
+                      <a:r>
+                        <a:rPr lang="es-MX" dirty="0" err="1" smtClean="0"/>
+                        <a:t>public</a:t>
+                      </a:r>
+                      <a:endParaRPr lang="es-MX" dirty="0"/>
+                    </a:p>
+                  </a:txBody>
+                  <a:tcPr/>
+                </a:tc>
+              </a:tr>
+              <a:tr h="484858">
+                <a:tc>
+                  <a:txBody>
+                    <a:bodyPr/>
+                    <a:lstStyle/>
+                    <a:p>
+                      <a:r>
+                        <a:rPr lang="es-MX" dirty="0" err="1" smtClean="0"/>
+                        <a:t>Protegidad</a:t>
+                      </a:r>
+                      <a:endParaRPr lang="es-MX" dirty="0"/>
+                    </a:p>
+                  </a:txBody>
+                  <a:tcPr/>
+                </a:tc>
+                <a:tc>
+                  <a:txBody>
+                    <a:bodyPr/>
+                    <a:lstStyle/>
+                    <a:p>
+                      <a:r>
+                        <a:rPr lang="es-MX" dirty="0" err="1" smtClean="0"/>
+                        <a:t>protected</a:t>
+                      </a:r>
+                      <a:endParaRPr lang="es-MX" dirty="0"/>
+                    </a:p>
+                  </a:txBody>
+                  <a:tcPr/>
+                </a:tc>
+              </a:tr>
+            </a:tbl>
+          </a:graphicData>
+        </a:graphic>
+      </p:graphicFrame>
+      <p:pic>
+        <p:nvPicPr>
+          <p:cNvPr id="6" name="Imagen 5"/>
+          <p:cNvPicPr>
+            <a:picLocks noChangeAspect="1"/>
+          </p:cNvPicPr>
+          <p:nvPr/>
+        </p:nvPicPr>
+        <p:blipFill>
+          <a:blip r:embed="rId2">
+            <a:extLst>
+              <a:ext uri="{28A0092B-C50C-407E-A947-70E740481C1C}">
+                <a14:useLocalDpi xmlns:a14="http://schemas.microsoft.com/office/drawing/2010/main" val="0"/>
+              </a:ext>
+            </a:extLst>
+          </a:blip>
+          <a:stretch>
+            <a:fillRect/>
+          </a:stretch>
+        </p:blipFill>
+        <p:spPr>
+          <a:xfrm>
+            <a:off x="119106" y="6130345"/>
+            <a:ext cx="1628127" cy="727655"/>
+          </a:xfrm>
+          <a:prstGeom prst="rect">
+            <a:avLst/>
+          </a:prstGeom>
+        </p:spPr>
+      </p:pic>
+    </p:spTree>
+    <p:extLst>
+      <p:ext uri="{BB962C8B-B14F-4D97-AF65-F5344CB8AC3E}">
+        <p14:creationId xmlns:p14="http://schemas.microsoft.com/office/powerpoint/2010/main" val="3517956342"/>
+      </p:ext>
+    </p:extLst>
+  </p:cSld>
+  <p:clrMapOvr>
+    <a:masterClrMapping/>
+  </p:clrMapOvr>
+  <p:timing>
+    <p:tnLst>
+      <p:par>
+        <p:cTn id="1" dur="indefinite" restart="never" nodeType="tmRoot"/>
+      </p:par>
+    </p:tnLst>
+  </p:timing>
+</p:sld>
+</file>
+
+<file path=ppt/slides/slide42.xml><?xml version="1.0" encoding="utf-8"?>
+<p:sld xmlns:a="http://schemas.openxmlformats.org/drawingml/2006/main" xmlns:r="http://schemas.openxmlformats.org/officeDocument/2006/relationships" xmlns:p="http://schemas.openxmlformats.org/presentationml/2006/main">
+  <p:cSld>
+    <p:spTree>
+      <p:nvGrpSpPr>
+        <p:cNvPr id="1" name=""/>
+        <p:cNvGrpSpPr/>
+        <p:nvPr/>
+      </p:nvGrpSpPr>
+      <p:grpSpPr>
+        <a:xfrm>
+          <a:off x="0" y="0"/>
+          <a:ext cx="0" cy="0"/>
+          <a:chOff x="0" y="0"/>
+          <a:chExt cx="0" cy="0"/>
+        </a:xfrm>
+      </p:grpSpPr>
+      <p:sp>
+        <p:nvSpPr>
+          <p:cNvPr id="2" name="Título 1"/>
+          <p:cNvSpPr>
+            <a:spLocks noGrp="1"/>
+          </p:cNvSpPr>
+          <p:nvPr>
+            <p:ph type="title"/>
+          </p:nvPr>
+        </p:nvSpPr>
+        <p:spPr/>
+        <p:txBody>
+          <a:bodyPr/>
+          <a:lstStyle/>
+          <a:p>
+            <a:r>
+              <a:rPr lang="es-MX" dirty="0" smtClean="0"/>
+              <a:t>Ejercicio	</a:t>
+            </a:r>
+            <a:endParaRPr lang="es-MX" dirty="0"/>
+          </a:p>
+        </p:txBody>
+      </p:sp>
+      <p:sp>
+        <p:nvSpPr>
+          <p:cNvPr id="3" name="Marcador de contenido 2"/>
+          <p:cNvSpPr>
+            <a:spLocks noGrp="1"/>
+          </p:cNvSpPr>
+          <p:nvPr>
+            <p:ph idx="1"/>
+          </p:nvPr>
+        </p:nvSpPr>
+        <p:spPr/>
+        <p:txBody>
+          <a:bodyPr/>
+          <a:lstStyle/>
+          <a:p>
+            <a:pPr marL="0" indent="0">
+              <a:buNone/>
+            </a:pPr>
+            <a:r>
+              <a:rPr lang="es-MX" dirty="0" smtClean="0"/>
+              <a:t>Crea un proyecto llamado </a:t>
+            </a:r>
+            <a:r>
+              <a:rPr lang="es-MX" dirty="0" err="1" smtClean="0"/>
+              <a:t>EjercicioMoledarObjetos</a:t>
+            </a:r>
+            <a:r>
+              <a:rPr lang="es-MX" dirty="0" smtClean="0"/>
+              <a:t> y modela las clases Alumno y Libro. Instancia un objeto de cada una de ellas y llama a sus métodos públicos, si los hay.</a:t>
+            </a:r>
+          </a:p>
+          <a:p>
+            <a:endParaRPr lang="es-MX" dirty="0"/>
+          </a:p>
+        </p:txBody>
+      </p:sp>
+      <p:graphicFrame>
+        <p:nvGraphicFramePr>
+          <p:cNvPr id="4" name="Tabla 3"/>
+          <p:cNvGraphicFramePr>
+            <a:graphicFrameLocks noGrp="1"/>
+          </p:cNvGraphicFramePr>
+          <p:nvPr>
+            <p:extLst>
+              <p:ext uri="{D42A27DB-BD31-4B8C-83A1-F6EECF244321}">
+                <p14:modId xmlns:p14="http://schemas.microsoft.com/office/powerpoint/2010/main" val="423181208"/>
+              </p:ext>
+            </p:extLst>
+          </p:nvPr>
+        </p:nvGraphicFramePr>
+        <p:xfrm>
+          <a:off x="1336541" y="3449987"/>
+          <a:ext cx="2411211" cy="1559560"/>
+        </p:xfrm>
+        <a:graphic>
+          <a:graphicData uri="http://schemas.openxmlformats.org/drawingml/2006/table">
+            <a:tbl>
+              <a:tblPr firstRow="1" bandRow="1">
+                <a:tableStyleId>{5940675A-B579-460E-94D1-54222C63F5DA}</a:tableStyleId>
+              </a:tblPr>
+              <a:tblGrid>
+                <a:gridCol w="2411211"/>
+              </a:tblGrid>
+              <a:tr h="370840">
+                <a:tc>
+                  <a:txBody>
+                    <a:bodyPr/>
+                    <a:lstStyle/>
+                    <a:p>
+                      <a:pPr algn="ctr"/>
+                      <a:r>
+                        <a:rPr lang="es-MX" b="1" dirty="0" smtClean="0"/>
+                        <a:t>Alumno</a:t>
+                      </a:r>
+                      <a:endParaRPr lang="es-MX" b="1" dirty="0"/>
+                    </a:p>
+                  </a:txBody>
+                  <a:tcPr>
+                    <a:solidFill>
+                      <a:schemeClr val="bg1">
+                        <a:lumMod val="50000"/>
+                      </a:schemeClr>
+                    </a:solidFill>
+                  </a:tcPr>
+                </a:tc>
+              </a:tr>
+              <a:tr h="370840">
+                <a:tc>
+                  <a:txBody>
+                    <a:bodyPr/>
+                    <a:lstStyle/>
+                    <a:p>
+                      <a:pPr marL="285750" indent="-285750">
+                        <a:buFontTx/>
+                        <a:buChar char="-"/>
+                      </a:pPr>
+                      <a:r>
+                        <a:rPr lang="es-MX" b="0" dirty="0" smtClean="0"/>
+                        <a:t>nombre: </a:t>
+                      </a:r>
+                      <a:r>
+                        <a:rPr lang="es-MX" b="0" dirty="0" err="1" smtClean="0"/>
+                        <a:t>String</a:t>
+                      </a:r>
+                      <a:endParaRPr lang="es-MX" b="0" dirty="0" smtClean="0"/>
+                    </a:p>
+                    <a:p>
+                      <a:pPr marL="285750" indent="-285750">
+                        <a:buFontTx/>
+                        <a:buChar char="-"/>
+                      </a:pPr>
+                      <a:r>
+                        <a:rPr lang="es-MX" b="0" dirty="0" smtClean="0"/>
+                        <a:t>apellidos: </a:t>
+                      </a:r>
+                      <a:r>
+                        <a:rPr lang="es-MX" b="0" dirty="0" err="1" smtClean="0"/>
+                        <a:t>String</a:t>
+                      </a:r>
+                      <a:endParaRPr lang="es-MX" b="0" dirty="0" smtClean="0"/>
+                    </a:p>
+                    <a:p>
+                      <a:pPr marL="285750" indent="-285750">
+                        <a:buFontTx/>
+                        <a:buChar char="-"/>
+                      </a:pPr>
+                      <a:r>
+                        <a:rPr lang="es-MX" b="0" dirty="0" smtClean="0"/>
+                        <a:t>CURP: </a:t>
+                      </a:r>
+                      <a:r>
+                        <a:rPr lang="es-MX" b="0" dirty="0" err="1" smtClean="0"/>
+                        <a:t>String</a:t>
+                      </a:r>
+                      <a:endParaRPr lang="es-MX" b="0" dirty="0" smtClean="0"/>
+                    </a:p>
+                    <a:p>
+                      <a:pPr marL="285750" indent="-285750">
+                        <a:buFontTx/>
+                        <a:buChar char="-"/>
+                      </a:pPr>
+                      <a:r>
+                        <a:rPr lang="es-MX" b="0" dirty="0" err="1" smtClean="0"/>
+                        <a:t>telefono</a:t>
+                      </a:r>
+                      <a:r>
+                        <a:rPr lang="es-MX" b="0" dirty="0" smtClean="0"/>
+                        <a:t>: </a:t>
+                      </a:r>
+                      <a:r>
+                        <a:rPr lang="es-MX" b="0" dirty="0" err="1" smtClean="0"/>
+                        <a:t>String</a:t>
+                      </a:r>
+                      <a:endParaRPr lang="es-MX" b="0" dirty="0"/>
+                    </a:p>
+                  </a:txBody>
+                  <a:tcPr/>
+                </a:tc>
+              </a:tr>
+            </a:tbl>
+          </a:graphicData>
+        </a:graphic>
+      </p:graphicFrame>
+      <p:graphicFrame>
+        <p:nvGraphicFramePr>
+          <p:cNvPr id="5" name="Tabla 4"/>
+          <p:cNvGraphicFramePr>
+            <a:graphicFrameLocks noGrp="1"/>
+          </p:cNvGraphicFramePr>
+          <p:nvPr>
+            <p:extLst>
+              <p:ext uri="{D42A27DB-BD31-4B8C-83A1-F6EECF244321}">
+                <p14:modId xmlns:p14="http://schemas.microsoft.com/office/powerpoint/2010/main" val="4240479582"/>
+              </p:ext>
+            </p:extLst>
+          </p:nvPr>
+        </p:nvGraphicFramePr>
+        <p:xfrm>
+          <a:off x="5313967" y="3319051"/>
+          <a:ext cx="3134574" cy="2473960"/>
+        </p:xfrm>
+        <a:graphic>
+          <a:graphicData uri="http://schemas.openxmlformats.org/drawingml/2006/table">
+            <a:tbl>
+              <a:tblPr firstRow="1" bandRow="1">
+                <a:tableStyleId>{5940675A-B579-460E-94D1-54222C63F5DA}</a:tableStyleId>
+              </a:tblPr>
+              <a:tblGrid>
+                <a:gridCol w="3134574"/>
+              </a:tblGrid>
+              <a:tr h="370840">
+                <a:tc>
+                  <a:txBody>
+                    <a:bodyPr/>
+                    <a:lstStyle/>
+                    <a:p>
+                      <a:pPr algn="ctr"/>
+                      <a:r>
+                        <a:rPr lang="es-MX" b="1" dirty="0" smtClean="0"/>
+                        <a:t>Libro</a:t>
+                      </a:r>
+                      <a:endParaRPr lang="es-MX" b="1" dirty="0"/>
+                    </a:p>
+                  </a:txBody>
+                  <a:tcPr>
+                    <a:solidFill>
+                      <a:schemeClr val="bg1">
+                        <a:lumMod val="50000"/>
+                      </a:schemeClr>
+                    </a:solidFill>
+                  </a:tcPr>
+                </a:tc>
+              </a:tr>
+              <a:tr h="370840">
+                <a:tc>
+                  <a:txBody>
+                    <a:bodyPr/>
+                    <a:lstStyle/>
+                    <a:p>
+                      <a:pPr marL="285750" indent="-285750">
+                        <a:buFontTx/>
+                        <a:buChar char="-"/>
+                      </a:pPr>
+                      <a:r>
+                        <a:rPr lang="es-MX" dirty="0" smtClean="0"/>
+                        <a:t>titulo: </a:t>
+                      </a:r>
+                      <a:r>
+                        <a:rPr lang="es-MX" dirty="0" err="1" smtClean="0"/>
+                        <a:t>String</a:t>
+                      </a:r>
+                      <a:endParaRPr lang="es-MX" dirty="0" smtClean="0"/>
+                    </a:p>
+                    <a:p>
+                      <a:pPr marL="285750" indent="-285750">
+                        <a:buFontTx/>
+                        <a:buChar char="-"/>
+                      </a:pPr>
+                      <a:r>
+                        <a:rPr lang="es-MX" dirty="0" smtClean="0"/>
+                        <a:t>autor: </a:t>
+                      </a:r>
+                      <a:r>
+                        <a:rPr lang="es-MX" dirty="0" err="1" smtClean="0"/>
+                        <a:t>String</a:t>
+                      </a:r>
+                      <a:endParaRPr lang="es-MX" dirty="0" smtClean="0"/>
+                    </a:p>
+                    <a:p>
+                      <a:pPr marL="285750" indent="-285750">
+                        <a:buFontTx/>
+                        <a:buChar char="-"/>
+                      </a:pPr>
+                      <a:r>
+                        <a:rPr lang="es-MX" dirty="0" smtClean="0"/>
+                        <a:t>abierto: </a:t>
+                      </a:r>
+                      <a:r>
+                        <a:rPr lang="es-MX" dirty="0" err="1" smtClean="0"/>
+                        <a:t>boolean</a:t>
+                      </a:r>
+                      <a:r>
+                        <a:rPr lang="es-MX" dirty="0" smtClean="0"/>
+                        <a:t>=false</a:t>
+                      </a:r>
+                    </a:p>
+                    <a:p>
+                      <a:pPr marL="285750" indent="-285750">
+                        <a:buFontTx/>
+                        <a:buChar char="-"/>
+                      </a:pPr>
+                      <a:r>
+                        <a:rPr lang="es-MX" dirty="0" err="1" smtClean="0"/>
+                        <a:t>numeroPaginas</a:t>
+                      </a:r>
+                      <a:r>
+                        <a:rPr lang="es-MX" dirty="0" smtClean="0"/>
+                        <a:t>: </a:t>
+                      </a:r>
+                      <a:r>
+                        <a:rPr lang="es-MX" dirty="0" err="1" smtClean="0"/>
+                        <a:t>int</a:t>
+                      </a:r>
+                      <a:endParaRPr lang="es-MX" dirty="0" smtClean="0"/>
+                    </a:p>
+                    <a:p>
+                      <a:pPr marL="285750" indent="-285750">
+                        <a:buFontTx/>
+                        <a:buChar char="-"/>
+                      </a:pPr>
+                      <a:r>
+                        <a:rPr lang="es-MX" dirty="0" err="1" smtClean="0"/>
+                        <a:t>paginaActual</a:t>
+                      </a:r>
+                      <a:r>
+                        <a:rPr lang="es-MX" baseline="0" dirty="0" smtClean="0"/>
+                        <a:t> : </a:t>
+                      </a:r>
+                      <a:r>
+                        <a:rPr lang="es-MX" baseline="0" dirty="0" err="1" smtClean="0"/>
+                        <a:t>int</a:t>
+                      </a:r>
+                      <a:r>
+                        <a:rPr lang="es-MX" baseline="0" dirty="0" smtClean="0"/>
+                        <a:t> = 0</a:t>
+                      </a:r>
+                    </a:p>
+                  </a:txBody>
+                  <a:tcPr/>
+                </a:tc>
+              </a:tr>
+              <a:tr h="370840">
+                <a:tc>
+                  <a:txBody>
+                    <a:bodyPr/>
+                    <a:lstStyle/>
+                    <a:p>
+                      <a:pPr marL="285750" indent="-285750">
+                        <a:buFontTx/>
+                        <a:buChar char="-"/>
+                      </a:pPr>
+                      <a:r>
+                        <a:rPr lang="es-MX" baseline="0" dirty="0" smtClean="0"/>
+                        <a:t>abrir();</a:t>
+                      </a:r>
+                    </a:p>
+                    <a:p>
+                      <a:pPr marL="285750" indent="-285750">
+                        <a:buFontTx/>
+                        <a:buChar char="-"/>
+                      </a:pPr>
+                      <a:r>
+                        <a:rPr lang="es-MX" baseline="0" dirty="0" smtClean="0"/>
+                        <a:t>cerrar();</a:t>
+                      </a:r>
+                    </a:p>
+                  </a:txBody>
+                  <a:tcPr/>
+                </a:tc>
+              </a:tr>
+            </a:tbl>
+          </a:graphicData>
+        </a:graphic>
+      </p:graphicFrame>
+      <p:pic>
+        <p:nvPicPr>
+          <p:cNvPr id="6" name="Imagen 5"/>
+          <p:cNvPicPr>
+            <a:picLocks noChangeAspect="1"/>
+          </p:cNvPicPr>
+          <p:nvPr/>
+        </p:nvPicPr>
+        <p:blipFill>
+          <a:blip r:embed="rId2">
+            <a:extLst>
+              <a:ext uri="{28A0092B-C50C-407E-A947-70E740481C1C}">
+                <a14:useLocalDpi xmlns:a14="http://schemas.microsoft.com/office/drawing/2010/main" val="0"/>
+              </a:ext>
+            </a:extLst>
+          </a:blip>
+          <a:stretch>
+            <a:fillRect/>
+          </a:stretch>
+        </p:blipFill>
+        <p:spPr>
+          <a:xfrm>
+            <a:off x="119106" y="6130345"/>
+            <a:ext cx="1628127" cy="727655"/>
+          </a:xfrm>
+          <a:prstGeom prst="rect">
+            <a:avLst/>
+          </a:prstGeom>
+        </p:spPr>
+      </p:pic>
+    </p:spTree>
+    <p:extLst>
+      <p:ext uri="{BB962C8B-B14F-4D97-AF65-F5344CB8AC3E}">
+        <p14:creationId xmlns:p14="http://schemas.microsoft.com/office/powerpoint/2010/main" val="1196902427"/>
+      </p:ext>
+    </p:extLst>
+  </p:cSld>
+  <p:clrMapOvr>
+    <a:masterClrMapping/>
+  </p:clrMapOvr>
+  <p:timing>
+    <p:tnLst>
+      <p:par>
+        <p:cTn id="1" dur="indefinite" restart="never" nodeType="tmRoot"/>
+      </p:par>
+    </p:tnLst>
+  </p:timing>
+</p:sld>
+</file>
+
+<file path=ppt/slides/slide43.xml><?xml version="1.0" encoding="utf-8"?>
+<p:sld xmlns:a="http://schemas.openxmlformats.org/drawingml/2006/main" xmlns:r="http://schemas.openxmlformats.org/officeDocument/2006/relationships" xmlns:p="http://schemas.openxmlformats.org/presentationml/2006/main">
+  <p:cSld>
+    <p:spTree>
+      <p:nvGrpSpPr>
+        <p:cNvPr id="1" name=""/>
+        <p:cNvGrpSpPr/>
+        <p:nvPr/>
+      </p:nvGrpSpPr>
+      <p:grpSpPr>
+        <a:xfrm>
+          <a:off x="0" y="0"/>
+          <a:ext cx="0" cy="0"/>
+          <a:chOff x="0" y="0"/>
+          <a:chExt cx="0" cy="0"/>
+        </a:xfrm>
+      </p:grpSpPr>
+      <p:sp>
+        <p:nvSpPr>
+          <p:cNvPr id="2" name="Título 1"/>
+          <p:cNvSpPr>
+            <a:spLocks noGrp="1"/>
+          </p:cNvSpPr>
+          <p:nvPr>
+            <p:ph type="title"/>
+          </p:nvPr>
+        </p:nvSpPr>
+        <p:spPr/>
+        <p:txBody>
+          <a:bodyPr/>
+          <a:lstStyle/>
+          <a:p>
+            <a:r>
+              <a:rPr lang="es-MX" dirty="0" smtClean="0"/>
+              <a:t>Herencia</a:t>
+            </a:r>
+            <a:endParaRPr lang="es-MX" dirty="0"/>
+          </a:p>
+        </p:txBody>
+      </p:sp>
+      <p:sp>
+        <p:nvSpPr>
+          <p:cNvPr id="3" name="Marcador de contenido 2"/>
+          <p:cNvSpPr>
+            <a:spLocks noGrp="1"/>
+          </p:cNvSpPr>
+          <p:nvPr>
+            <p:ph idx="1"/>
+          </p:nvPr>
+        </p:nvSpPr>
+        <p:spPr/>
+        <p:txBody>
+          <a:bodyPr/>
+          <a:lstStyle/>
+          <a:p>
+            <a:r>
+              <a:rPr lang="es-MX" dirty="0" smtClean="0"/>
+              <a:t>La herencia facilita la creación de objetos a partir de otros ya existentes e implica que una subclase obtiene todo el comportamiento (métodos) y eventualmente las propiedades (variables) de su superclase</a:t>
+            </a:r>
+            <a:endParaRPr lang="es-MX" dirty="0"/>
+          </a:p>
+        </p:txBody>
+      </p:sp>
+      <p:pic>
+        <p:nvPicPr>
+          <p:cNvPr id="4" name="Imagen 3"/>
+          <p:cNvPicPr>
+            <a:picLocks noChangeAspect="1"/>
+          </p:cNvPicPr>
+          <p:nvPr/>
+        </p:nvPicPr>
+        <p:blipFill>
+          <a:blip r:embed="rId2">
+            <a:extLst>
+              <a:ext uri="{28A0092B-C50C-407E-A947-70E740481C1C}">
+                <a14:useLocalDpi xmlns:a14="http://schemas.microsoft.com/office/drawing/2010/main" val="0"/>
+              </a:ext>
+            </a:extLst>
+          </a:blip>
+          <a:stretch>
+            <a:fillRect/>
+          </a:stretch>
+        </p:blipFill>
+        <p:spPr>
+          <a:xfrm>
+            <a:off x="119106" y="6130345"/>
+            <a:ext cx="1628127" cy="727655"/>
+          </a:xfrm>
+          <a:prstGeom prst="rect">
+            <a:avLst/>
+          </a:prstGeom>
+        </p:spPr>
+      </p:pic>
+    </p:spTree>
+    <p:extLst>
+      <p:ext uri="{BB962C8B-B14F-4D97-AF65-F5344CB8AC3E}">
+        <p14:creationId xmlns:p14="http://schemas.microsoft.com/office/powerpoint/2010/main" val="1803386323"/>
+      </p:ext>
+    </p:extLst>
+  </p:cSld>
+  <p:clrMapOvr>
+    <a:masterClrMapping/>
+  </p:clrMapOvr>
+  <p:timing>
+    <p:tnLst>
+      <p:par>
+        <p:cTn id="1" dur="indefinite" restart="never" nodeType="tmRoot"/>
+      </p:par>
+    </p:tnLst>
+  </p:timing>
+</p:sld>
+</file>
+
+<file path=ppt/slides/slide44.xml><?xml version="1.0" encoding="utf-8"?>
+<p:sld xmlns:a="http://schemas.openxmlformats.org/drawingml/2006/main" xmlns:r="http://schemas.openxmlformats.org/officeDocument/2006/relationships" xmlns:p="http://schemas.openxmlformats.org/presentationml/2006/main">
+  <p:cSld>
+    <p:spTree>
+      <p:nvGrpSpPr>
+        <p:cNvPr id="1" name=""/>
+        <p:cNvGrpSpPr/>
+        <p:nvPr/>
+      </p:nvGrpSpPr>
+      <p:grpSpPr>
+        <a:xfrm>
+          <a:off x="0" y="0"/>
+          <a:ext cx="0" cy="0"/>
+          <a:chOff x="0" y="0"/>
+          <a:chExt cx="0" cy="0"/>
+        </a:xfrm>
+      </p:grpSpPr>
+      <p:graphicFrame>
+        <p:nvGraphicFramePr>
+          <p:cNvPr id="4" name="Tabla 3"/>
+          <p:cNvGraphicFramePr>
+            <a:graphicFrameLocks noGrp="1"/>
+          </p:cNvGraphicFramePr>
+          <p:nvPr>
+            <p:extLst>
+              <p:ext uri="{D42A27DB-BD31-4B8C-83A1-F6EECF244321}">
+                <p14:modId xmlns:p14="http://schemas.microsoft.com/office/powerpoint/2010/main" val="542736086"/>
+              </p:ext>
+            </p:extLst>
+          </p:nvPr>
+        </p:nvGraphicFramePr>
+        <p:xfrm>
+          <a:off x="3382427" y="417513"/>
+          <a:ext cx="2411211" cy="1381760"/>
+        </p:xfrm>
+        <a:graphic>
+          <a:graphicData uri="http://schemas.openxmlformats.org/drawingml/2006/table">
+            <a:tbl>
+              <a:tblPr firstRow="1" bandRow="1">
+                <a:tableStyleId>{5940675A-B579-460E-94D1-54222C63F5DA}</a:tableStyleId>
+              </a:tblPr>
+              <a:tblGrid>
+                <a:gridCol w="2411211"/>
+              </a:tblGrid>
+              <a:tr h="370840">
+                <a:tc>
+                  <a:txBody>
+                    <a:bodyPr/>
+                    <a:lstStyle/>
+                    <a:p>
+                      <a:pPr algn="ctr"/>
+                      <a:r>
+                        <a:rPr lang="es-MX" b="1" dirty="0" smtClean="0"/>
+                        <a:t>Figura</a:t>
+                      </a:r>
+                      <a:endParaRPr lang="es-MX" b="1" dirty="0"/>
+                    </a:p>
+                  </a:txBody>
+                  <a:tcPr>
+                    <a:solidFill>
+                      <a:schemeClr val="bg1">
+                        <a:lumMod val="50000"/>
+                      </a:schemeClr>
+                    </a:solidFill>
+                  </a:tcPr>
+                </a:tc>
+              </a:tr>
+              <a:tr h="370840">
+                <a:tc>
+                  <a:txBody>
+                    <a:bodyPr/>
+                    <a:lstStyle/>
+                    <a:p>
+                      <a:pPr marL="285750" indent="-285750">
+                        <a:buFontTx/>
+                        <a:buChar char="-"/>
+                      </a:pPr>
+                      <a:r>
+                        <a:rPr lang="es-MX" b="0" dirty="0" smtClean="0"/>
+                        <a:t>color: </a:t>
+                      </a:r>
+                      <a:r>
+                        <a:rPr lang="es-MX" b="0" dirty="0" err="1" smtClean="0"/>
+                        <a:t>int</a:t>
+                      </a:r>
+                      <a:endParaRPr lang="es-MX" b="0" dirty="0" smtClean="0"/>
+                    </a:p>
+                  </a:txBody>
+                  <a:tcPr/>
+                </a:tc>
+              </a:tr>
+              <a:tr h="370840">
+                <a:tc>
+                  <a:txBody>
+                    <a:bodyPr/>
+                    <a:lstStyle/>
+                    <a:p>
+                      <a:pPr marL="285750" indent="-285750">
+                        <a:buFontTx/>
+                        <a:buChar char="-"/>
+                      </a:pPr>
+                      <a:r>
+                        <a:rPr lang="es-MX" b="0" dirty="0" smtClean="0"/>
+                        <a:t>dibujar():</a:t>
+                      </a:r>
+                      <a:r>
+                        <a:rPr lang="es-MX" b="0" dirty="0" err="1" smtClean="0"/>
+                        <a:t>void</a:t>
+                      </a:r>
+                      <a:endParaRPr lang="es-MX" b="0" dirty="0" smtClean="0"/>
+                    </a:p>
+                    <a:p>
+                      <a:pPr marL="285750" indent="-285750">
+                        <a:buFontTx/>
+                        <a:buChar char="-"/>
+                      </a:pPr>
+                      <a:r>
+                        <a:rPr lang="es-MX" b="0" dirty="0" smtClean="0"/>
+                        <a:t>mover():</a:t>
+                      </a:r>
+                      <a:r>
+                        <a:rPr lang="es-MX" b="0" dirty="0" err="1" smtClean="0"/>
+                        <a:t>void</a:t>
+                      </a:r>
+                      <a:endParaRPr lang="es-MX" b="0" dirty="0" smtClean="0"/>
+                    </a:p>
+                  </a:txBody>
+                  <a:tcPr/>
+                </a:tc>
+              </a:tr>
+            </a:tbl>
+          </a:graphicData>
+        </a:graphic>
+      </p:graphicFrame>
+      <p:graphicFrame>
+        <p:nvGraphicFramePr>
+          <p:cNvPr id="5" name="Tabla 4"/>
+          <p:cNvGraphicFramePr>
+            <a:graphicFrameLocks noGrp="1"/>
+          </p:cNvGraphicFramePr>
+          <p:nvPr>
+            <p:extLst>
+              <p:ext uri="{D42A27DB-BD31-4B8C-83A1-F6EECF244321}">
+                <p14:modId xmlns:p14="http://schemas.microsoft.com/office/powerpoint/2010/main" val="1959812627"/>
+              </p:ext>
+            </p:extLst>
+          </p:nvPr>
+        </p:nvGraphicFramePr>
+        <p:xfrm>
+          <a:off x="394494" y="3071136"/>
+          <a:ext cx="2411211" cy="1112520"/>
+        </p:xfrm>
+        <a:graphic>
+          <a:graphicData uri="http://schemas.openxmlformats.org/drawingml/2006/table">
+            <a:tbl>
+              <a:tblPr firstRow="1" bandRow="1">
+                <a:tableStyleId>{5940675A-B579-460E-94D1-54222C63F5DA}</a:tableStyleId>
+              </a:tblPr>
+              <a:tblGrid>
+                <a:gridCol w="2411211"/>
+              </a:tblGrid>
+              <a:tr h="370840">
+                <a:tc>
+                  <a:txBody>
+                    <a:bodyPr/>
+                    <a:lstStyle/>
+                    <a:p>
+                      <a:pPr algn="ctr"/>
+                      <a:r>
+                        <a:rPr lang="es-MX" b="1" dirty="0" smtClean="0"/>
+                        <a:t>Circulo</a:t>
+                      </a:r>
+                      <a:endParaRPr lang="es-MX" b="1" dirty="0"/>
+                    </a:p>
+                  </a:txBody>
+                  <a:tcPr>
+                    <a:solidFill>
+                      <a:schemeClr val="bg1">
+                        <a:lumMod val="50000"/>
+                      </a:schemeClr>
+                    </a:solidFill>
+                  </a:tcPr>
+                </a:tc>
+              </a:tr>
+              <a:tr h="370840">
+                <a:tc>
+                  <a:txBody>
+                    <a:bodyPr/>
+                    <a:lstStyle/>
+                    <a:p>
+                      <a:pPr marL="285750" indent="-285750">
+                        <a:buFontTx/>
+                        <a:buChar char="-"/>
+                      </a:pPr>
+                      <a:endParaRPr lang="es-MX" b="0" dirty="0" smtClean="0"/>
+                    </a:p>
+                  </a:txBody>
+                  <a:tcPr/>
+                </a:tc>
+              </a:tr>
+              <a:tr h="370840">
+                <a:tc>
+                  <a:txBody>
+                    <a:bodyPr/>
+                    <a:lstStyle/>
+                    <a:p>
+                      <a:pPr marL="285750" marR="0" indent="-285750" algn="l" defTabSz="457200" rtl="0" eaLnBrk="1" fontAlgn="auto" latinLnBrk="0" hangingPunct="1">
+                        <a:lnSpc>
+                          <a:spcPct val="100000"/>
+                        </a:lnSpc>
+                        <a:spcBef>
+                          <a:spcPts val="0"/>
+                        </a:spcBef>
+                        <a:spcAft>
+                          <a:spcPts val="0"/>
+                        </a:spcAft>
+                        <a:buClrTx/>
+                        <a:buSzTx/>
+                        <a:buFontTx/>
+                        <a:buChar char="-"/>
+                        <a:tabLst/>
+                        <a:defRPr/>
+                      </a:pPr>
+                      <a:r>
+                        <a:rPr lang="es-MX" b="0" dirty="0" smtClean="0"/>
+                        <a:t>dibujar():</a:t>
+                      </a:r>
+                      <a:r>
+                        <a:rPr lang="es-MX" b="0" dirty="0" err="1" smtClean="0"/>
+                        <a:t>void</a:t>
+                      </a:r>
+                      <a:endParaRPr lang="es-MX" b="0" dirty="0" smtClean="0"/>
+                    </a:p>
+                  </a:txBody>
+                  <a:tcPr/>
+                </a:tc>
+              </a:tr>
+            </a:tbl>
+          </a:graphicData>
+        </a:graphic>
+      </p:graphicFrame>
+      <p:graphicFrame>
+        <p:nvGraphicFramePr>
+          <p:cNvPr id="6" name="Tabla 5"/>
+          <p:cNvGraphicFramePr>
+            <a:graphicFrameLocks noGrp="1"/>
+          </p:cNvGraphicFramePr>
+          <p:nvPr>
+            <p:extLst>
+              <p:ext uri="{D42A27DB-BD31-4B8C-83A1-F6EECF244321}">
+                <p14:modId xmlns:p14="http://schemas.microsoft.com/office/powerpoint/2010/main" val="12517053"/>
+              </p:ext>
+            </p:extLst>
+          </p:nvPr>
+        </p:nvGraphicFramePr>
+        <p:xfrm>
+          <a:off x="3253768" y="3069559"/>
+          <a:ext cx="2942317" cy="1656080"/>
+        </p:xfrm>
+        <a:graphic>
+          <a:graphicData uri="http://schemas.openxmlformats.org/drawingml/2006/table">
+            <a:tbl>
+              <a:tblPr firstRow="1" bandRow="1">
+                <a:tableStyleId>{5940675A-B579-460E-94D1-54222C63F5DA}</a:tableStyleId>
+              </a:tblPr>
+              <a:tblGrid>
+                <a:gridCol w="2942317"/>
+              </a:tblGrid>
+              <a:tr h="370840">
+                <a:tc>
+                  <a:txBody>
+                    <a:bodyPr/>
+                    <a:lstStyle/>
+                    <a:p>
+                      <a:pPr algn="ctr"/>
+                      <a:r>
+                        <a:rPr lang="es-MX" b="1" dirty="0" smtClean="0"/>
+                        <a:t>Triangulo</a:t>
+                      </a:r>
+                      <a:endParaRPr lang="es-MX" b="1" dirty="0"/>
+                    </a:p>
+                  </a:txBody>
+                  <a:tcPr>
+                    <a:solidFill>
+                      <a:schemeClr val="bg1">
+                        <a:lumMod val="50000"/>
+                      </a:schemeClr>
+                    </a:solidFill>
+                  </a:tcPr>
+                </a:tc>
+              </a:tr>
+              <a:tr h="370840">
+                <a:tc>
+                  <a:txBody>
+                    <a:bodyPr/>
+                    <a:lstStyle/>
+                    <a:p>
+                      <a:pPr marL="285750" indent="-285750">
+                        <a:buFontTx/>
+                        <a:buChar char="-"/>
+                      </a:pPr>
+                      <a:endParaRPr lang="es-MX" b="0" dirty="0" smtClean="0"/>
+                    </a:p>
+                  </a:txBody>
+                  <a:tcPr/>
+                </a:tc>
+              </a:tr>
+              <a:tr h="370840">
+                <a:tc>
+                  <a:txBody>
+                    <a:bodyPr/>
+                    <a:lstStyle/>
+                    <a:p>
+                      <a:pPr marL="285750" marR="0" indent="-285750" algn="l" defTabSz="457200" rtl="0" eaLnBrk="1" fontAlgn="auto" latinLnBrk="0" hangingPunct="1">
+                        <a:lnSpc>
+                          <a:spcPct val="100000"/>
+                        </a:lnSpc>
+                        <a:spcBef>
+                          <a:spcPts val="0"/>
+                        </a:spcBef>
+                        <a:spcAft>
+                          <a:spcPts val="0"/>
+                        </a:spcAft>
+                        <a:buClrTx/>
+                        <a:buSzTx/>
+                        <a:buFontTx/>
+                        <a:buChar char="-"/>
+                        <a:tabLst/>
+                        <a:defRPr/>
+                      </a:pPr>
+                      <a:r>
+                        <a:rPr lang="es-MX" b="0" dirty="0" smtClean="0"/>
+                        <a:t>dibujar():</a:t>
+                      </a:r>
+                      <a:r>
+                        <a:rPr lang="es-MX" b="0" dirty="0" err="1" smtClean="0"/>
+                        <a:t>void</a:t>
+                      </a:r>
+                      <a:endParaRPr lang="es-MX" b="0" dirty="0" smtClean="0"/>
+                    </a:p>
+                    <a:p>
+                      <a:pPr marL="285750" indent="-285750">
+                        <a:buFontTx/>
+                        <a:buChar char="-"/>
+                      </a:pPr>
+                      <a:r>
+                        <a:rPr lang="es-MX" b="0" dirty="0" err="1" smtClean="0"/>
+                        <a:t>voltearHoriz</a:t>
+                      </a:r>
+                      <a:r>
+                        <a:rPr lang="es-MX" b="0" dirty="0" smtClean="0"/>
+                        <a:t>(): </a:t>
+                      </a:r>
+                      <a:r>
+                        <a:rPr lang="es-MX" b="0" dirty="0" err="1" smtClean="0"/>
+                        <a:t>void</a:t>
+                      </a:r>
+                      <a:endParaRPr lang="es-MX" b="0" dirty="0" smtClean="0"/>
+                    </a:p>
+                    <a:p>
+                      <a:pPr marL="285750" indent="-285750">
+                        <a:buFontTx/>
+                        <a:buChar char="-"/>
+                      </a:pPr>
+                      <a:r>
+                        <a:rPr lang="es-MX" b="0" dirty="0" err="1" smtClean="0"/>
+                        <a:t>voltearVert</a:t>
+                      </a:r>
+                      <a:r>
+                        <a:rPr lang="es-MX" b="0" dirty="0" smtClean="0"/>
+                        <a:t>():</a:t>
+                      </a:r>
+                      <a:r>
+                        <a:rPr lang="es-MX" b="0" dirty="0" err="1" smtClean="0"/>
+                        <a:t>void</a:t>
+                      </a:r>
+                      <a:endParaRPr lang="es-MX" b="0" dirty="0" smtClean="0"/>
+                    </a:p>
+                  </a:txBody>
+                  <a:tcPr/>
+                </a:tc>
+              </a:tr>
+            </a:tbl>
+          </a:graphicData>
+        </a:graphic>
+      </p:graphicFrame>
+      <p:graphicFrame>
+        <p:nvGraphicFramePr>
+          <p:cNvPr id="7" name="Tabla 6"/>
+          <p:cNvGraphicFramePr>
+            <a:graphicFrameLocks noGrp="1"/>
+          </p:cNvGraphicFramePr>
+          <p:nvPr>
+            <p:extLst>
+              <p:ext uri="{D42A27DB-BD31-4B8C-83A1-F6EECF244321}">
+                <p14:modId xmlns:p14="http://schemas.microsoft.com/office/powerpoint/2010/main" val="1790069448"/>
+              </p:ext>
+            </p:extLst>
+          </p:nvPr>
+        </p:nvGraphicFramePr>
+        <p:xfrm>
+          <a:off x="6844993" y="3074041"/>
+          <a:ext cx="2411211" cy="1381760"/>
+        </p:xfrm>
+        <a:graphic>
+          <a:graphicData uri="http://schemas.openxmlformats.org/drawingml/2006/table">
+            <a:tbl>
+              <a:tblPr firstRow="1" bandRow="1">
+                <a:tableStyleId>{5940675A-B579-460E-94D1-54222C63F5DA}</a:tableStyleId>
+              </a:tblPr>
+              <a:tblGrid>
+                <a:gridCol w="2411211"/>
+              </a:tblGrid>
+              <a:tr h="370840">
+                <a:tc>
+                  <a:txBody>
+                    <a:bodyPr/>
+                    <a:lstStyle/>
+                    <a:p>
+                      <a:pPr algn="ctr"/>
+                      <a:r>
+                        <a:rPr lang="es-MX" b="1" dirty="0" err="1" smtClean="0"/>
+                        <a:t>Rectangulo</a:t>
+                      </a:r>
+                      <a:endParaRPr lang="es-MX" b="1" dirty="0"/>
+                    </a:p>
+                  </a:txBody>
+                  <a:tcPr>
+                    <a:solidFill>
+                      <a:schemeClr val="bg1">
+                        <a:lumMod val="50000"/>
+                      </a:schemeClr>
+                    </a:solidFill>
+                  </a:tcPr>
+                </a:tc>
+              </a:tr>
+              <a:tr h="370840">
+                <a:tc>
+                  <a:txBody>
+                    <a:bodyPr/>
+                    <a:lstStyle/>
+                    <a:p>
+                      <a:pPr marL="285750" indent="-285750">
+                        <a:buFontTx/>
+                        <a:buChar char="-"/>
+                      </a:pPr>
+                      <a:endParaRPr lang="es-MX" b="0" dirty="0" smtClean="0"/>
+                    </a:p>
+                  </a:txBody>
+                  <a:tcPr/>
+                </a:tc>
+              </a:tr>
+              <a:tr h="370840">
+                <a:tc>
+                  <a:txBody>
+                    <a:bodyPr/>
+                    <a:lstStyle/>
+                    <a:p>
+                      <a:pPr marL="285750" marR="0" indent="-285750" algn="l" defTabSz="457200" rtl="0" eaLnBrk="1" fontAlgn="auto" latinLnBrk="0" hangingPunct="1">
+                        <a:lnSpc>
+                          <a:spcPct val="100000"/>
+                        </a:lnSpc>
+                        <a:spcBef>
+                          <a:spcPts val="0"/>
+                        </a:spcBef>
+                        <a:spcAft>
+                          <a:spcPts val="0"/>
+                        </a:spcAft>
+                        <a:buClrTx/>
+                        <a:buSzTx/>
+                        <a:buFontTx/>
+                        <a:buChar char="-"/>
+                        <a:tabLst/>
+                        <a:defRPr/>
+                      </a:pPr>
+                      <a:r>
+                        <a:rPr lang="es-MX" b="0" dirty="0" smtClean="0"/>
+                        <a:t>dibujar():</a:t>
+                      </a:r>
+                      <a:r>
+                        <a:rPr lang="es-MX" b="0" dirty="0" err="1" smtClean="0"/>
+                        <a:t>void</a:t>
+                      </a:r>
+                      <a:endParaRPr lang="es-MX" b="0" dirty="0" smtClean="0"/>
+                    </a:p>
+                    <a:p>
+                      <a:pPr marL="285750" indent="-285750">
+                        <a:buFontTx/>
+                        <a:buChar char="-"/>
+                      </a:pPr>
+                      <a:endParaRPr lang="es-MX" b="0" dirty="0" smtClean="0"/>
+                    </a:p>
+                  </a:txBody>
+                  <a:tcPr/>
+                </a:tc>
+              </a:tr>
+            </a:tbl>
+          </a:graphicData>
+        </a:graphic>
+      </p:graphicFrame>
+      <p:cxnSp>
+        <p:nvCxnSpPr>
+          <p:cNvPr id="14" name="Conector recto de flecha 13"/>
+          <p:cNvCxnSpPr/>
+          <p:nvPr/>
+        </p:nvCxnSpPr>
+        <p:spPr>
+          <a:xfrm flipV="1">
+            <a:off x="4514850" y="1809750"/>
+            <a:ext cx="0" cy="1247775"/>
+          </a:xfrm>
+          <a:prstGeom prst="straightConnector1">
+            <a:avLst/>
+          </a:prstGeom>
+          <a:ln>
+            <a:tailEnd type="triangle"/>
+          </a:ln>
+        </p:spPr>
+        <p:style>
+          <a:lnRef idx="1">
+            <a:schemeClr val="accent1"/>
+          </a:lnRef>
+          <a:fillRef idx="0">
+            <a:schemeClr val="accent1"/>
+          </a:fillRef>
+          <a:effectRef idx="0">
+            <a:schemeClr val="accent1"/>
+          </a:effectRef>
+          <a:fontRef idx="minor">
+            <a:schemeClr val="tx1"/>
+          </a:fontRef>
+        </p:style>
+      </p:cxnSp>
+      <p:cxnSp>
+        <p:nvCxnSpPr>
+          <p:cNvPr id="16" name="Conector recto 15"/>
+          <p:cNvCxnSpPr/>
+          <p:nvPr/>
+        </p:nvCxnSpPr>
+        <p:spPr>
+          <a:xfrm>
+            <a:off x="1295400" y="2333625"/>
+            <a:ext cx="6743700" cy="0"/>
+          </a:xfrm>
+          <a:prstGeom prst="line">
+            <a:avLst/>
+          </a:prstGeom>
+        </p:spPr>
+        <p:style>
+          <a:lnRef idx="1">
+            <a:schemeClr val="accent1"/>
+          </a:lnRef>
+          <a:fillRef idx="0">
+            <a:schemeClr val="accent1"/>
+          </a:fillRef>
+          <a:effectRef idx="0">
+            <a:schemeClr val="accent1"/>
+          </a:effectRef>
+          <a:fontRef idx="minor">
+            <a:schemeClr val="tx1"/>
+          </a:fontRef>
+        </p:style>
+      </p:cxnSp>
+      <p:cxnSp>
+        <p:nvCxnSpPr>
+          <p:cNvPr id="19" name="Conector recto 18"/>
+          <p:cNvCxnSpPr/>
+          <p:nvPr/>
+        </p:nvCxnSpPr>
+        <p:spPr>
+          <a:xfrm flipH="1">
+            <a:off x="1295400" y="2333625"/>
+            <a:ext cx="1" cy="723900"/>
+          </a:xfrm>
+          <a:prstGeom prst="line">
+            <a:avLst/>
+          </a:prstGeom>
+        </p:spPr>
+        <p:style>
+          <a:lnRef idx="1">
+            <a:schemeClr val="accent1"/>
+          </a:lnRef>
+          <a:fillRef idx="0">
+            <a:schemeClr val="accent1"/>
+          </a:fillRef>
+          <a:effectRef idx="0">
+            <a:schemeClr val="accent1"/>
+          </a:effectRef>
+          <a:fontRef idx="minor">
+            <a:schemeClr val="tx1"/>
+          </a:fontRef>
+        </p:style>
+      </p:cxnSp>
+      <p:cxnSp>
+        <p:nvCxnSpPr>
+          <p:cNvPr id="21" name="Conector recto 20"/>
+          <p:cNvCxnSpPr/>
+          <p:nvPr/>
+        </p:nvCxnSpPr>
+        <p:spPr>
+          <a:xfrm flipH="1">
+            <a:off x="8039099" y="2333625"/>
+            <a:ext cx="1" cy="723900"/>
+          </a:xfrm>
+          <a:prstGeom prst="line">
+            <a:avLst/>
+          </a:prstGeom>
+        </p:spPr>
+        <p:style>
+          <a:lnRef idx="1">
+            <a:schemeClr val="accent1"/>
+          </a:lnRef>
+          <a:fillRef idx="0">
+            <a:schemeClr val="accent1"/>
+          </a:fillRef>
+          <a:effectRef idx="0">
+            <a:schemeClr val="accent1"/>
+          </a:effectRef>
+          <a:fontRef idx="minor">
+            <a:schemeClr val="tx1"/>
+          </a:fontRef>
+        </p:style>
+      </p:cxnSp>
+      <p:pic>
+        <p:nvPicPr>
+          <p:cNvPr id="22" name="Imagen 21"/>
+          <p:cNvPicPr>
+            <a:picLocks noChangeAspect="1"/>
+          </p:cNvPicPr>
+          <p:nvPr/>
+        </p:nvPicPr>
+        <p:blipFill>
+          <a:blip r:embed="rId2">
+            <a:extLst>
+              <a:ext uri="{28A0092B-C50C-407E-A947-70E740481C1C}">
+                <a14:useLocalDpi xmlns:a14="http://schemas.microsoft.com/office/drawing/2010/main" val="0"/>
+              </a:ext>
+            </a:extLst>
+          </a:blip>
+          <a:stretch>
+            <a:fillRect/>
+          </a:stretch>
+        </p:blipFill>
+        <p:spPr>
+          <a:xfrm>
+            <a:off x="119106" y="6130345"/>
+            <a:ext cx="1628127" cy="727655"/>
+          </a:xfrm>
+          <a:prstGeom prst="rect">
+            <a:avLst/>
+          </a:prstGeom>
+        </p:spPr>
+      </p:pic>
+    </p:spTree>
+    <p:extLst>
+      <p:ext uri="{BB962C8B-B14F-4D97-AF65-F5344CB8AC3E}">
+        <p14:creationId xmlns:p14="http://schemas.microsoft.com/office/powerpoint/2010/main" val="1663947773"/>
+      </p:ext>
+    </p:extLst>
+  </p:cSld>
+  <p:clrMapOvr>
+    <a:masterClrMapping/>
+  </p:clrMapOvr>
+  <p:timing>
+    <p:tnLst>
+      <p:par>
+        <p:cTn id="1" dur="indefinite" restart="never" nodeType="tmRoot">
+          <p:childTnLst>
+            <p:seq concurrent="1" nextAc="seek">
+              <p:cTn id="2" dur="indefinite" nodeType="mainSeq">
+                <p:childTnLst>
+                  <p:par>
+                    <p:cTn id="3" fill="hold">
+                      <p:stCondLst>
+                        <p:cond delay="indefinite"/>
+                      </p:stCondLst>
+                      <p:childTnLst>
+                        <p:par>
+                          <p:cTn id="4" fill="hold">
+                            <p:stCondLst>
+                              <p:cond delay="0"/>
+                            </p:stCondLst>
+                            <p:childTnLst>
+                              <p:par>
+                                <p:cTn id="5" presetID="10" presetClass="entr" presetSubtype="0" fill="hold" nodeType="clickEffect">
+                                  <p:stCondLst>
+                                    <p:cond delay="0"/>
+                                  </p:stCondLst>
+                                  <p:childTnLst>
+                                    <p:set>
+                                      <p:cBhvr>
+                                        <p:cTn id="6" dur="1" fill="hold">
+                                          <p:stCondLst>
+                                            <p:cond delay="0"/>
+                                          </p:stCondLst>
+                                        </p:cTn>
+                                        <p:tgtEl>
+                                          <p:spTgt spid="5"/>
+                                        </p:tgtEl>
+                                        <p:attrNameLst>
+                                          <p:attrName>style.visibility</p:attrName>
+                                        </p:attrNameLst>
+                                      </p:cBhvr>
+                                      <p:to>
+                                        <p:strVal val="visible"/>
+                                      </p:to>
+                                    </p:set>
+                                    <p:animEffect transition="in" filter="fade">
+                                      <p:cBhvr>
+                                        <p:cTn id="7" dur="500"/>
+                                        <p:tgtEl>
+                                          <p:spTgt spid="5"/>
+                                        </p:tgtEl>
+                                      </p:cBhvr>
+                                    </p:animEffect>
+                                  </p:childTnLst>
+                                </p:cTn>
+                              </p:par>
+                            </p:childTnLst>
+                          </p:cTn>
+                        </p:par>
+                      </p:childTnLst>
+                    </p:cTn>
+                  </p:par>
+                  <p:par>
+                    <p:cTn id="8" fill="hold">
+                      <p:stCondLst>
+                        <p:cond delay="indefinite"/>
+                      </p:stCondLst>
+                      <p:childTnLst>
+                        <p:par>
+                          <p:cTn id="9" fill="hold">
+                            <p:stCondLst>
+                              <p:cond delay="0"/>
+                            </p:stCondLst>
+                            <p:childTnLst>
+                              <p:par>
+                                <p:cTn id="10" presetID="10" presetClass="entr" presetSubtype="0" fill="hold" nodeType="clickEffect">
+                                  <p:stCondLst>
+                                    <p:cond delay="0"/>
+                                  </p:stCondLst>
+                                  <p:childTnLst>
+                                    <p:set>
+                                      <p:cBhvr>
+                                        <p:cTn id="11" dur="1" fill="hold">
+                                          <p:stCondLst>
+                                            <p:cond delay="0"/>
+                                          </p:stCondLst>
+                                        </p:cTn>
+                                        <p:tgtEl>
+                                          <p:spTgt spid="6"/>
+                                        </p:tgtEl>
+                                        <p:attrNameLst>
+                                          <p:attrName>style.visibility</p:attrName>
+                                        </p:attrNameLst>
+                                      </p:cBhvr>
+                                      <p:to>
+                                        <p:strVal val="visible"/>
+                                      </p:to>
+                                    </p:set>
+                                    <p:animEffect transition="in" filter="fade">
+                                      <p:cBhvr>
+                                        <p:cTn id="12" dur="500"/>
+                                        <p:tgtEl>
+                                          <p:spTgt spid="6"/>
+                                        </p:tgtEl>
+                                      </p:cBhvr>
+                                    </p:animEffect>
+                                  </p:childTnLst>
+                                </p:cTn>
+                              </p:par>
+                            </p:childTnLst>
+                          </p:cTn>
+                        </p:par>
+                      </p:childTnLst>
+                    </p:cTn>
+                  </p:par>
+                  <p:par>
+                    <p:cTn id="13" fill="hold">
+                      <p:stCondLst>
+                        <p:cond delay="indefinite"/>
+                      </p:stCondLst>
+                      <p:childTnLst>
+                        <p:par>
+                          <p:cTn id="14" fill="hold">
+                            <p:stCondLst>
+                              <p:cond delay="0"/>
+                            </p:stCondLst>
+                            <p:childTnLst>
+                              <p:par>
+                                <p:cTn id="15" presetID="10" presetClass="entr" presetSubtype="0" fill="hold" nodeType="clickEffect">
+                                  <p:stCondLst>
+                                    <p:cond delay="0"/>
+                                  </p:stCondLst>
+                                  <p:childTnLst>
+                                    <p:set>
+                                      <p:cBhvr>
+                                        <p:cTn id="16" dur="1" fill="hold">
+                                          <p:stCondLst>
+                                            <p:cond delay="0"/>
+                                          </p:stCondLst>
+                                        </p:cTn>
+                                        <p:tgtEl>
+                                          <p:spTgt spid="7"/>
+                                        </p:tgtEl>
+                                        <p:attrNameLst>
+                                          <p:attrName>style.visibility</p:attrName>
+                                        </p:attrNameLst>
+                                      </p:cBhvr>
+                                      <p:to>
+                                        <p:strVal val="visible"/>
+                                      </p:to>
+                                    </p:set>
+                                    <p:animEffect transition="in" filter="fade">
+                                      <p:cBhvr>
+                                        <p:cTn id="17" dur="500"/>
+                                        <p:tgtEl>
+                                          <p:spTgt spid="7"/>
+                                        </p:tgtEl>
+                                      </p:cBhvr>
+                                    </p:animEffect>
+                                  </p:childTnLst>
+                                </p:cTn>
+                              </p:par>
+                            </p:childTnLst>
+                          </p:cTn>
+                        </p:par>
+                      </p:childTnLst>
+                    </p:cTn>
+                  </p:par>
+                  <p:par>
+                    <p:cTn id="18" fill="hold">
+                      <p:stCondLst>
+                        <p:cond delay="indefinite"/>
+                      </p:stCondLst>
+                      <p:childTnLst>
+                        <p:par>
+                          <p:cTn id="19" fill="hold">
+                            <p:stCondLst>
+                              <p:cond delay="0"/>
+                            </p:stCondLst>
+                            <p:childTnLst>
+                              <p:par>
+                                <p:cTn id="20" presetID="10" presetClass="entr" presetSubtype="0" fill="hold" nodeType="clickEffect">
+                                  <p:stCondLst>
+                                    <p:cond delay="0"/>
+                                  </p:stCondLst>
+                                  <p:childTnLst>
+                                    <p:set>
+                                      <p:cBhvr>
+                                        <p:cTn id="21" dur="1" fill="hold">
+                                          <p:stCondLst>
+                                            <p:cond delay="0"/>
+                                          </p:stCondLst>
+                                        </p:cTn>
+                                        <p:tgtEl>
+                                          <p:spTgt spid="16"/>
+                                        </p:tgtEl>
+                                        <p:attrNameLst>
+                                          <p:attrName>style.visibility</p:attrName>
+                                        </p:attrNameLst>
+                                      </p:cBhvr>
+                                      <p:to>
+                                        <p:strVal val="visible"/>
+                                      </p:to>
+                                    </p:set>
+                                    <p:animEffect transition="in" filter="fade">
+                                      <p:cBhvr>
+                                        <p:cTn id="22" dur="500"/>
+                                        <p:tgtEl>
+                                          <p:spTgt spid="16"/>
+                                        </p:tgtEl>
+                                      </p:cBhvr>
+                                    </p:animEffect>
+                                  </p:childTnLst>
+                                </p:cTn>
+                              </p:par>
+                              <p:par>
+                                <p:cTn id="23" presetID="10" presetClass="entr" presetSubtype="0" fill="hold" nodeType="withEffect">
+                                  <p:stCondLst>
+                                    <p:cond delay="0"/>
+                                  </p:stCondLst>
+                                  <p:childTnLst>
+                                    <p:set>
+                                      <p:cBhvr>
+                                        <p:cTn id="24" dur="1" fill="hold">
+                                          <p:stCondLst>
+                                            <p:cond delay="0"/>
+                                          </p:stCondLst>
+                                        </p:cTn>
+                                        <p:tgtEl>
+                                          <p:spTgt spid="14"/>
+                                        </p:tgtEl>
+                                        <p:attrNameLst>
+                                          <p:attrName>style.visibility</p:attrName>
+                                        </p:attrNameLst>
+                                      </p:cBhvr>
+                                      <p:to>
+                                        <p:strVal val="visible"/>
+                                      </p:to>
+                                    </p:set>
+                                    <p:animEffect transition="in" filter="fade">
+                                      <p:cBhvr>
+                                        <p:cTn id="25" dur="500"/>
+                                        <p:tgtEl>
+                                          <p:spTgt spid="14"/>
+                                        </p:tgtEl>
+                                      </p:cBhvr>
+                                    </p:animEffect>
+                                  </p:childTnLst>
+                                </p:cTn>
+                              </p:par>
+                              <p:par>
+                                <p:cTn id="26" presetID="10" presetClass="entr" presetSubtype="0" fill="hold" nodeType="withEffect">
+                                  <p:stCondLst>
+                                    <p:cond delay="0"/>
+                                  </p:stCondLst>
+                                  <p:childTnLst>
+                                    <p:set>
+                                      <p:cBhvr>
+                                        <p:cTn id="27" dur="1" fill="hold">
+                                          <p:stCondLst>
+                                            <p:cond delay="0"/>
+                                          </p:stCondLst>
+                                        </p:cTn>
+                                        <p:tgtEl>
+                                          <p:spTgt spid="21"/>
+                                        </p:tgtEl>
+                                        <p:attrNameLst>
+                                          <p:attrName>style.visibility</p:attrName>
+                                        </p:attrNameLst>
+                                      </p:cBhvr>
+                                      <p:to>
+                                        <p:strVal val="visible"/>
+                                      </p:to>
+                                    </p:set>
+                                    <p:animEffect transition="in" filter="fade">
+                                      <p:cBhvr>
+                                        <p:cTn id="28" dur="500"/>
+                                        <p:tgtEl>
+                                          <p:spTgt spid="21"/>
+                                        </p:tgtEl>
+                                      </p:cBhvr>
+                                    </p:animEffect>
+                                  </p:childTnLst>
+                                </p:cTn>
+                              </p:par>
+                              <p:par>
+                                <p:cTn id="29" presetID="10" presetClass="entr" presetSubtype="0" fill="hold" nodeType="withEffect">
+                                  <p:stCondLst>
+                                    <p:cond delay="0"/>
+                                  </p:stCondLst>
+                                  <p:childTnLst>
+                                    <p:set>
+                                      <p:cBhvr>
+                                        <p:cTn id="30" dur="1" fill="hold">
+                                          <p:stCondLst>
+                                            <p:cond delay="0"/>
+                                          </p:stCondLst>
+                                        </p:cTn>
+                                        <p:tgtEl>
+                                          <p:spTgt spid="19"/>
+                                        </p:tgtEl>
+                                        <p:attrNameLst>
+                                          <p:attrName>style.visibility</p:attrName>
+                                        </p:attrNameLst>
+                                      </p:cBhvr>
+                                      <p:to>
+                                        <p:strVal val="visible"/>
+                                      </p:to>
+                                    </p:set>
+                                    <p:animEffect transition="in" filter="fade">
+                                      <p:cBhvr>
+                                        <p:cTn id="31" dur="500"/>
+                                        <p:tgtEl>
+                                          <p:spTgt spid="19"/>
+                                        </p:tgtEl>
+                                      </p:cBhvr>
+                                    </p:animEffect>
+                                  </p:childTnLst>
+                                </p:cTn>
+                              </p:par>
+                            </p:childTnLst>
+                          </p:cTn>
+                        </p:par>
+                      </p:childTnLst>
+                    </p:cTn>
+                  </p:par>
+                  <p:par>
+                    <p:cTn id="32" fill="hold">
+                      <p:stCondLst>
+                        <p:cond delay="indefinite"/>
+                      </p:stCondLst>
+                      <p:childTnLst>
+                        <p:par>
+                          <p:cTn id="33" fill="hold">
+                            <p:stCondLst>
+                              <p:cond delay="0"/>
+                            </p:stCondLst>
+                            <p:childTnLst>
+                              <p:par>
+                                <p:cTn id="34" presetID="10" presetClass="entr" presetSubtype="0" fill="hold" nodeType="clickEffect">
+                                  <p:stCondLst>
+                                    <p:cond delay="0"/>
+                                  </p:stCondLst>
+                                  <p:childTnLst>
+                                    <p:set>
+                                      <p:cBhvr>
+                                        <p:cTn id="35" dur="1" fill="hold">
+                                          <p:stCondLst>
+                                            <p:cond delay="0"/>
+                                          </p:stCondLst>
+                                        </p:cTn>
+                                        <p:tgtEl>
+                                          <p:spTgt spid="4"/>
+                                        </p:tgtEl>
+                                        <p:attrNameLst>
+                                          <p:attrName>style.visibility</p:attrName>
+                                        </p:attrNameLst>
+                                      </p:cBhvr>
+                                      <p:to>
+                                        <p:strVal val="visible"/>
+                                      </p:to>
+                                    </p:set>
+                                    <p:animEffect transition="in" filter="fade">
+                                      <p:cBhvr>
+                                        <p:cTn id="36" dur="500"/>
+                                        <p:tgtEl>
+                                          <p:spTgt spid="4"/>
+                                        </p:tgtEl>
+                                      </p:cBhvr>
+                                    </p:animEffect>
+                                  </p:childTnLst>
+                                </p:cTn>
+                              </p:par>
+                            </p:childTnLst>
+                          </p:cTn>
+                        </p:par>
+                      </p:childTnLst>
+                    </p:cTn>
+                  </p:par>
+                </p:childTnLst>
+              </p:cTn>
+              <p:prevCondLst>
+                <p:cond evt="onPrev" delay="0">
+                  <p:tgtEl>
+                    <p:sldTgt/>
+                  </p:tgtEl>
+                </p:cond>
+              </p:prevCondLst>
+              <p:nextCondLst>
+                <p:cond evt="onNext" delay="0">
+                  <p:tgtEl>
+                    <p:sldTgt/>
+                  </p:tgtEl>
+                </p:cond>
+              </p:nextCondLst>
+            </p:seq>
+          </p:childTnLst>
+        </p:cTn>
+      </p:par>
+    </p:tnLst>
+  </p:timing>
+</p:sld>
+</file>
+
+<file path=ppt/slides/slide45.xml><?xml version="1.0" encoding="utf-8"?>
+<p:sld xmlns:a="http://schemas.openxmlformats.org/drawingml/2006/main" xmlns:r="http://schemas.openxmlformats.org/officeDocument/2006/relationships" xmlns:p="http://schemas.openxmlformats.org/presentationml/2006/main">
+  <p:cSld>
+    <p:spTree>
+      <p:nvGrpSpPr>
+        <p:cNvPr id="1" name=""/>
+        <p:cNvGrpSpPr/>
+        <p:nvPr/>
+      </p:nvGrpSpPr>
+      <p:grpSpPr>
+        <a:xfrm>
+          <a:off x="0" y="0"/>
+          <a:ext cx="0" cy="0"/>
+          <a:chOff x="0" y="0"/>
+          <a:chExt cx="0" cy="0"/>
+        </a:xfrm>
+      </p:grpSpPr>
+      <p:sp>
+        <p:nvSpPr>
+          <p:cNvPr id="2" name="Título 1"/>
+          <p:cNvSpPr>
+            <a:spLocks noGrp="1"/>
+          </p:cNvSpPr>
+          <p:nvPr>
+            <p:ph type="title"/>
+          </p:nvPr>
+        </p:nvSpPr>
+        <p:spPr/>
+        <p:txBody>
+          <a:bodyPr/>
+          <a:lstStyle/>
+          <a:p>
+            <a:r>
+              <a:rPr lang="es-MX" dirty="0" smtClean="0"/>
+              <a:t>Ejercicio</a:t>
+            </a:r>
+            <a:endParaRPr lang="es-MX" dirty="0"/>
+          </a:p>
+        </p:txBody>
+      </p:sp>
+      <p:sp>
+        <p:nvSpPr>
+          <p:cNvPr id="3" name="Marcador de contenido 2"/>
+          <p:cNvSpPr>
+            <a:spLocks noGrp="1"/>
+          </p:cNvSpPr>
+          <p:nvPr>
+            <p:ph idx="1"/>
+          </p:nvPr>
+        </p:nvSpPr>
+        <p:spPr>
+          <a:xfrm>
+            <a:off x="677334" y="1696566"/>
+            <a:ext cx="3717245" cy="3880773"/>
+          </a:xfrm>
+        </p:spPr>
+        <p:txBody>
+          <a:bodyPr/>
+          <a:lstStyle/>
+          <a:p>
+            <a:pPr marL="0" indent="0">
+              <a:buNone/>
+            </a:pPr>
+            <a:r>
+              <a:rPr lang="es-MX" dirty="0" smtClean="0"/>
+              <a:t>Crea un proyecto llamado </a:t>
+            </a:r>
+            <a:r>
+              <a:rPr lang="es-MX" dirty="0" err="1" smtClean="0"/>
+              <a:t>EjercicioLibroInfantil</a:t>
+            </a:r>
+            <a:r>
+              <a:rPr lang="es-MX" dirty="0" smtClean="0"/>
+              <a:t> e implementa el diagrama de clases, creando un objeto de cada clase y llamando a todos sus métodos públicos, si los hay.</a:t>
+            </a:r>
+            <a:endParaRPr lang="es-MX" dirty="0"/>
+          </a:p>
+        </p:txBody>
+      </p:sp>
+      <p:graphicFrame>
+        <p:nvGraphicFramePr>
+          <p:cNvPr id="5" name="Tabla 4"/>
+          <p:cNvGraphicFramePr>
+            <a:graphicFrameLocks noGrp="1"/>
+          </p:cNvGraphicFramePr>
+          <p:nvPr>
+            <p:extLst>
+              <p:ext uri="{D42A27DB-BD31-4B8C-83A1-F6EECF244321}">
+                <p14:modId xmlns:p14="http://schemas.microsoft.com/office/powerpoint/2010/main" val="481883564"/>
+              </p:ext>
+            </p:extLst>
+          </p:nvPr>
+        </p:nvGraphicFramePr>
+        <p:xfrm>
+          <a:off x="5249860" y="775308"/>
+          <a:ext cx="3134574" cy="2473960"/>
+        </p:xfrm>
+        <a:graphic>
+          <a:graphicData uri="http://schemas.openxmlformats.org/drawingml/2006/table">
+            <a:tbl>
+              <a:tblPr firstRow="1" bandRow="1">
+                <a:tableStyleId>{5940675A-B579-460E-94D1-54222C63F5DA}</a:tableStyleId>
+              </a:tblPr>
+              <a:tblGrid>
+                <a:gridCol w="3134574"/>
+              </a:tblGrid>
+              <a:tr h="370840">
+                <a:tc>
+                  <a:txBody>
+                    <a:bodyPr/>
+                    <a:lstStyle/>
+                    <a:p>
+                      <a:pPr algn="ctr"/>
+                      <a:r>
+                        <a:rPr lang="es-MX" b="1" dirty="0" smtClean="0"/>
+                        <a:t>Libro</a:t>
+                      </a:r>
+                      <a:endParaRPr lang="es-MX" b="1" dirty="0"/>
+                    </a:p>
+                  </a:txBody>
+                  <a:tcPr>
+                    <a:solidFill>
+                      <a:schemeClr val="bg1">
+                        <a:lumMod val="50000"/>
+                      </a:schemeClr>
+                    </a:solidFill>
+                  </a:tcPr>
+                </a:tc>
+              </a:tr>
+              <a:tr h="370840">
+                <a:tc>
+                  <a:txBody>
+                    <a:bodyPr/>
+                    <a:lstStyle/>
+                    <a:p>
+                      <a:pPr marL="285750" indent="-285750">
+                        <a:buFontTx/>
+                        <a:buChar char="-"/>
+                      </a:pPr>
+                      <a:r>
+                        <a:rPr lang="es-MX" dirty="0" smtClean="0"/>
+                        <a:t>titulo: </a:t>
+                      </a:r>
+                      <a:r>
+                        <a:rPr lang="es-MX" dirty="0" err="1" smtClean="0"/>
+                        <a:t>String</a:t>
+                      </a:r>
+                      <a:endParaRPr lang="es-MX" dirty="0" smtClean="0"/>
+                    </a:p>
+                    <a:p>
+                      <a:pPr marL="285750" indent="-285750">
+                        <a:buFontTx/>
+                        <a:buChar char="-"/>
+                      </a:pPr>
+                      <a:r>
+                        <a:rPr lang="es-MX" dirty="0" smtClean="0"/>
+                        <a:t>autor: </a:t>
+                      </a:r>
+                      <a:r>
+                        <a:rPr lang="es-MX" dirty="0" err="1" smtClean="0"/>
+                        <a:t>String</a:t>
+                      </a:r>
+                      <a:endParaRPr lang="es-MX" dirty="0" smtClean="0"/>
+                    </a:p>
+                    <a:p>
+                      <a:pPr marL="285750" indent="-285750">
+                        <a:buFontTx/>
+                        <a:buChar char="-"/>
+                      </a:pPr>
+                      <a:r>
+                        <a:rPr lang="es-MX" dirty="0" smtClean="0"/>
+                        <a:t>abierto: </a:t>
+                      </a:r>
+                      <a:r>
+                        <a:rPr lang="es-MX" dirty="0" err="1" smtClean="0"/>
+                        <a:t>boolean</a:t>
+                      </a:r>
+                      <a:r>
+                        <a:rPr lang="es-MX" dirty="0" smtClean="0"/>
+                        <a:t>=false</a:t>
+                      </a:r>
+                    </a:p>
+                    <a:p>
+                      <a:pPr marL="285750" indent="-285750">
+                        <a:buFontTx/>
+                        <a:buChar char="-"/>
+                      </a:pPr>
+                      <a:r>
+                        <a:rPr lang="es-MX" dirty="0" err="1" smtClean="0"/>
+                        <a:t>numeroPaginas</a:t>
+                      </a:r>
+                      <a:r>
+                        <a:rPr lang="es-MX" dirty="0" smtClean="0"/>
+                        <a:t>: </a:t>
+                      </a:r>
+                      <a:r>
+                        <a:rPr lang="es-MX" dirty="0" err="1" smtClean="0"/>
+                        <a:t>int</a:t>
+                      </a:r>
+                      <a:endParaRPr lang="es-MX" dirty="0" smtClean="0"/>
+                    </a:p>
+                    <a:p>
+                      <a:pPr marL="285750" indent="-285750">
+                        <a:buFontTx/>
+                        <a:buChar char="-"/>
+                      </a:pPr>
+                      <a:r>
+                        <a:rPr lang="es-MX" dirty="0" err="1" smtClean="0"/>
+                        <a:t>paginaActual</a:t>
+                      </a:r>
+                      <a:r>
+                        <a:rPr lang="es-MX" baseline="0" dirty="0" smtClean="0"/>
+                        <a:t> : </a:t>
+                      </a:r>
+                      <a:r>
+                        <a:rPr lang="es-MX" baseline="0" dirty="0" err="1" smtClean="0"/>
+                        <a:t>int</a:t>
+                      </a:r>
+                      <a:r>
+                        <a:rPr lang="es-MX" baseline="0" dirty="0" smtClean="0"/>
+                        <a:t> = 0</a:t>
+                      </a:r>
+                    </a:p>
+                  </a:txBody>
+                  <a:tcPr/>
+                </a:tc>
+              </a:tr>
+              <a:tr h="370840">
+                <a:tc>
+                  <a:txBody>
+                    <a:bodyPr/>
+                    <a:lstStyle/>
+                    <a:p>
+                      <a:pPr marL="285750" indent="-285750">
+                        <a:buFontTx/>
+                        <a:buChar char="-"/>
+                      </a:pPr>
+                      <a:r>
+                        <a:rPr lang="es-MX" baseline="0" dirty="0" smtClean="0"/>
+                        <a:t>abrir();</a:t>
+                      </a:r>
+                    </a:p>
+                    <a:p>
+                      <a:pPr marL="285750" indent="-285750">
+                        <a:buFontTx/>
+                        <a:buChar char="-"/>
+                      </a:pPr>
+                      <a:r>
+                        <a:rPr lang="es-MX" baseline="0" dirty="0" smtClean="0"/>
+                        <a:t>cerrar();</a:t>
+                      </a:r>
+                    </a:p>
+                  </a:txBody>
+                  <a:tcPr/>
+                </a:tc>
+              </a:tr>
+            </a:tbl>
+          </a:graphicData>
+        </a:graphic>
+      </p:graphicFrame>
+      <p:graphicFrame>
+        <p:nvGraphicFramePr>
+          <p:cNvPr id="6" name="Tabla 5"/>
+          <p:cNvGraphicFramePr>
+            <a:graphicFrameLocks noGrp="1"/>
+          </p:cNvGraphicFramePr>
+          <p:nvPr>
+            <p:extLst>
+              <p:ext uri="{D42A27DB-BD31-4B8C-83A1-F6EECF244321}">
+                <p14:modId xmlns:p14="http://schemas.microsoft.com/office/powerpoint/2010/main" val="2418599087"/>
+              </p:ext>
+            </p:extLst>
+          </p:nvPr>
+        </p:nvGraphicFramePr>
+        <p:xfrm>
+          <a:off x="4558355" y="4689261"/>
+          <a:ext cx="4476467" cy="1381760"/>
+        </p:xfrm>
+        <a:graphic>
+          <a:graphicData uri="http://schemas.openxmlformats.org/drawingml/2006/table">
+            <a:tbl>
+              <a:tblPr firstRow="1" bandRow="1">
+                <a:tableStyleId>{5940675A-B579-460E-94D1-54222C63F5DA}</a:tableStyleId>
+              </a:tblPr>
+              <a:tblGrid>
+                <a:gridCol w="4476467"/>
+              </a:tblGrid>
+              <a:tr h="370840">
+                <a:tc>
+                  <a:txBody>
+                    <a:bodyPr/>
+                    <a:lstStyle/>
+                    <a:p>
+                      <a:pPr algn="ctr"/>
+                      <a:r>
+                        <a:rPr lang="es-MX" b="1" dirty="0" err="1" smtClean="0"/>
+                        <a:t>LibroInfantil</a:t>
+                      </a:r>
+                      <a:endParaRPr lang="es-MX" b="1" dirty="0"/>
+                    </a:p>
+                  </a:txBody>
+                  <a:tcPr>
+                    <a:solidFill>
+                      <a:schemeClr val="bg1">
+                        <a:lumMod val="50000"/>
+                      </a:schemeClr>
+                    </a:solidFill>
+                  </a:tcPr>
+                </a:tc>
+              </a:tr>
+              <a:tr h="370840">
+                <a:tc>
+                  <a:txBody>
+                    <a:bodyPr/>
+                    <a:lstStyle/>
+                    <a:p>
+                      <a:pPr marL="285750" indent="-285750">
+                        <a:buFontTx/>
+                        <a:buChar char="-"/>
+                      </a:pPr>
+                      <a:r>
+                        <a:rPr lang="es-MX" b="0" dirty="0" err="1" smtClean="0"/>
+                        <a:t>edadRecomendada</a:t>
+                      </a:r>
+                      <a:r>
+                        <a:rPr lang="es-MX" b="0" dirty="0" smtClean="0"/>
+                        <a:t>: </a:t>
+                      </a:r>
+                      <a:r>
+                        <a:rPr lang="es-MX" b="0" dirty="0" err="1" smtClean="0"/>
+                        <a:t>int</a:t>
+                      </a:r>
+                      <a:r>
+                        <a:rPr lang="es-MX" b="0" dirty="0" smtClean="0"/>
+                        <a:t> = 18</a:t>
+                      </a:r>
+                      <a:endParaRPr lang="es-MX" b="0" dirty="0" smtClean="0"/>
+                    </a:p>
+                  </a:txBody>
+                  <a:tcPr/>
+                </a:tc>
+              </a:tr>
+              <a:tr h="370840">
+                <a:tc>
+                  <a:txBody>
+                    <a:bodyPr/>
+                    <a:lstStyle/>
+                    <a:p>
+                      <a:pPr marL="285750" indent="-285750">
+                        <a:buFontTx/>
+                        <a:buChar char="-"/>
+                      </a:pPr>
+                      <a:r>
+                        <a:rPr lang="es-MX" b="0" dirty="0" err="1" smtClean="0"/>
+                        <a:t>esRecomendable</a:t>
+                      </a:r>
+                      <a:r>
+                        <a:rPr lang="es-MX" b="0" dirty="0" smtClean="0"/>
+                        <a:t>(</a:t>
+                      </a:r>
+                      <a:r>
+                        <a:rPr lang="es-MX" b="0" dirty="0" err="1" smtClean="0"/>
+                        <a:t>edadNino</a:t>
+                      </a:r>
+                      <a:r>
+                        <a:rPr lang="es-MX" b="0" dirty="0" smtClean="0"/>
+                        <a:t>:</a:t>
+                      </a:r>
+                      <a:r>
+                        <a:rPr lang="es-MX" b="0" baseline="0" dirty="0" smtClean="0"/>
+                        <a:t> </a:t>
+                      </a:r>
+                      <a:r>
+                        <a:rPr lang="es-MX" b="0" baseline="0" dirty="0" err="1" smtClean="0"/>
+                        <a:t>int</a:t>
+                      </a:r>
+                      <a:r>
+                        <a:rPr lang="es-MX" b="0" baseline="0" dirty="0" smtClean="0"/>
+                        <a:t>): </a:t>
+                      </a:r>
+                      <a:r>
+                        <a:rPr lang="es-MX" b="0" baseline="0" dirty="0" err="1" smtClean="0"/>
+                        <a:t>boolean</a:t>
+                      </a:r>
+                      <a:endParaRPr lang="es-MX" b="0" dirty="0" smtClean="0"/>
+                    </a:p>
+                  </a:txBody>
+                  <a:tcPr/>
+                </a:tc>
+              </a:tr>
+            </a:tbl>
+          </a:graphicData>
+        </a:graphic>
+      </p:graphicFrame>
+      <p:cxnSp>
+        <p:nvCxnSpPr>
+          <p:cNvPr id="8" name="Conector recto de flecha 7"/>
+          <p:cNvCxnSpPr/>
+          <p:nvPr/>
+        </p:nvCxnSpPr>
+        <p:spPr>
+          <a:xfrm flipV="1">
+            <a:off x="6810233" y="3316406"/>
+            <a:ext cx="0" cy="1351129"/>
+          </a:xfrm>
+          <a:prstGeom prst="straightConnector1">
+            <a:avLst/>
+          </a:prstGeom>
+          <a:ln>
+            <a:tailEnd type="triangle"/>
+          </a:ln>
+        </p:spPr>
+        <p:style>
+          <a:lnRef idx="1">
+            <a:schemeClr val="accent1"/>
+          </a:lnRef>
+          <a:fillRef idx="0">
+            <a:schemeClr val="accent1"/>
+          </a:fillRef>
+          <a:effectRef idx="0">
+            <a:schemeClr val="accent1"/>
+          </a:effectRef>
+          <a:fontRef idx="minor">
+            <a:schemeClr val="tx1"/>
+          </a:fontRef>
+        </p:style>
+      </p:cxnSp>
+      <p:pic>
+        <p:nvPicPr>
+          <p:cNvPr id="11" name="Imagen 10"/>
+          <p:cNvPicPr>
+            <a:picLocks noChangeAspect="1"/>
+          </p:cNvPicPr>
+          <p:nvPr/>
+        </p:nvPicPr>
+        <p:blipFill>
+          <a:blip r:embed="rId2">
+            <a:extLst>
+              <a:ext uri="{28A0092B-C50C-407E-A947-70E740481C1C}">
+                <a14:useLocalDpi xmlns:a14="http://schemas.microsoft.com/office/drawing/2010/main" val="0"/>
+              </a:ext>
+            </a:extLst>
+          </a:blip>
+          <a:stretch>
+            <a:fillRect/>
+          </a:stretch>
+        </p:blipFill>
+        <p:spPr>
+          <a:xfrm>
+            <a:off x="119106" y="6130345"/>
+            <a:ext cx="1628127" cy="727655"/>
+          </a:xfrm>
+          <a:prstGeom prst="rect">
+            <a:avLst/>
+          </a:prstGeom>
+        </p:spPr>
+      </p:pic>
+    </p:spTree>
+    <p:extLst>
+      <p:ext uri="{BB962C8B-B14F-4D97-AF65-F5344CB8AC3E}">
+        <p14:creationId xmlns:p14="http://schemas.microsoft.com/office/powerpoint/2010/main" val="4038726425"/>
+      </p:ext>
+    </p:extLst>
+  </p:cSld>
+  <p:clrMapOvr>
+    <a:masterClrMapping/>
+  </p:clrMapOvr>
+  <p:timing>
+    <p:tnLst>
+      <p:par>
+        <p:cTn id="1" dur="indefinite" restart="never" nodeType="tmRoot">
+          <p:childTnLst>
+            <p:seq concurrent="1" nextAc="seek">
+              <p:cTn id="2" dur="indefinite" nodeType="mainSeq">
+                <p:childTnLst>
+                  <p:par>
+                    <p:cTn id="3" fill="hold">
+                      <p:stCondLst>
+                        <p:cond delay="indefinite"/>
+                      </p:stCondLst>
+                      <p:childTnLst>
+                        <p:par>
+                          <p:cTn id="4" fill="hold">
+                            <p:stCondLst>
+                              <p:cond delay="0"/>
+                            </p:stCondLst>
+                            <p:childTnLst>
+                              <p:par>
+                                <p:cTn id="5" presetID="10" presetClass="entr" presetSubtype="0" fill="hold" nodeType="clickEffect">
+                                  <p:stCondLst>
+                                    <p:cond delay="0"/>
+                                  </p:stCondLst>
+                                  <p:childTnLst>
+                                    <p:set>
+                                      <p:cBhvr>
+                                        <p:cTn id="6" dur="1" fill="hold">
+                                          <p:stCondLst>
+                                            <p:cond delay="0"/>
+                                          </p:stCondLst>
+                                        </p:cTn>
+                                        <p:tgtEl>
+                                          <p:spTgt spid="6"/>
+                                        </p:tgtEl>
+                                        <p:attrNameLst>
+                                          <p:attrName>style.visibility</p:attrName>
+                                        </p:attrNameLst>
+                                      </p:cBhvr>
+                                      <p:to>
+                                        <p:strVal val="visible"/>
+                                      </p:to>
+                                    </p:set>
+                                    <p:animEffect transition="in" filter="fade">
+                                      <p:cBhvr>
+                                        <p:cTn id="7" dur="500"/>
+                                        <p:tgtEl>
+                                          <p:spTgt spid="6"/>
+                                        </p:tgtEl>
+                                      </p:cBhvr>
+                                    </p:animEffect>
+                                  </p:childTnLst>
+                                </p:cTn>
+                              </p:par>
+                            </p:childTnLst>
+                          </p:cTn>
+                        </p:par>
+                      </p:childTnLst>
+                    </p:cTn>
+                  </p:par>
+                </p:childTnLst>
+              </p:cTn>
+              <p:prevCondLst>
+                <p:cond evt="onPrev" delay="0">
+                  <p:tgtEl>
+                    <p:sldTgt/>
+                  </p:tgtEl>
+                </p:cond>
+              </p:prevCondLst>
+              <p:nextCondLst>
+                <p:cond evt="onNext" delay="0">
+                  <p:tgtEl>
+                    <p:sldTgt/>
+                  </p:tgtEl>
+                </p:cond>
+              </p:nextCondLst>
+            </p:seq>
+          </p:childTnLst>
+        </p:cTn>
       </p:par>
     </p:tnLst>
   </p:timing>

--- a/JAVA.pptx
+++ b/JAVA.pptx
@@ -18,38 +18,53 @@
     <p:sldId id="266" r:id="rId12"/>
     <p:sldId id="267" r:id="rId13"/>
     <p:sldId id="268" r:id="rId14"/>
-    <p:sldId id="270" r:id="rId15"/>
-    <p:sldId id="269" r:id="rId16"/>
-    <p:sldId id="271" r:id="rId17"/>
-    <p:sldId id="272" r:id="rId18"/>
-    <p:sldId id="273" r:id="rId19"/>
-    <p:sldId id="274" r:id="rId20"/>
-    <p:sldId id="275" r:id="rId21"/>
-    <p:sldId id="276" r:id="rId22"/>
-    <p:sldId id="277" r:id="rId23"/>
-    <p:sldId id="278" r:id="rId24"/>
-    <p:sldId id="279" r:id="rId25"/>
-    <p:sldId id="280" r:id="rId26"/>
-    <p:sldId id="281" r:id="rId27"/>
-    <p:sldId id="282" r:id="rId28"/>
-    <p:sldId id="283" r:id="rId29"/>
-    <p:sldId id="291" r:id="rId30"/>
-    <p:sldId id="284" r:id="rId31"/>
-    <p:sldId id="285" r:id="rId32"/>
-    <p:sldId id="286" r:id="rId33"/>
-    <p:sldId id="287" r:id="rId34"/>
-    <p:sldId id="288" r:id="rId35"/>
-    <p:sldId id="289" r:id="rId36"/>
-    <p:sldId id="290" r:id="rId37"/>
-    <p:sldId id="292" r:id="rId38"/>
-    <p:sldId id="293" r:id="rId39"/>
-    <p:sldId id="294" r:id="rId40"/>
-    <p:sldId id="295" r:id="rId41"/>
-    <p:sldId id="296" r:id="rId42"/>
-    <p:sldId id="297" r:id="rId43"/>
-    <p:sldId id="298" r:id="rId44"/>
-    <p:sldId id="299" r:id="rId45"/>
-    <p:sldId id="300" r:id="rId46"/>
+    <p:sldId id="312" r:id="rId15"/>
+    <p:sldId id="270" r:id="rId16"/>
+    <p:sldId id="269" r:id="rId17"/>
+    <p:sldId id="271" r:id="rId18"/>
+    <p:sldId id="272" r:id="rId19"/>
+    <p:sldId id="273" r:id="rId20"/>
+    <p:sldId id="274" r:id="rId21"/>
+    <p:sldId id="275" r:id="rId22"/>
+    <p:sldId id="276" r:id="rId23"/>
+    <p:sldId id="277" r:id="rId24"/>
+    <p:sldId id="278" r:id="rId25"/>
+    <p:sldId id="279" r:id="rId26"/>
+    <p:sldId id="280" r:id="rId27"/>
+    <p:sldId id="281" r:id="rId28"/>
+    <p:sldId id="282" r:id="rId29"/>
+    <p:sldId id="283" r:id="rId30"/>
+    <p:sldId id="313" r:id="rId31"/>
+    <p:sldId id="314" r:id="rId32"/>
+    <p:sldId id="291" r:id="rId33"/>
+    <p:sldId id="284" r:id="rId34"/>
+    <p:sldId id="285" r:id="rId35"/>
+    <p:sldId id="286" r:id="rId36"/>
+    <p:sldId id="287" r:id="rId37"/>
+    <p:sldId id="288" r:id="rId38"/>
+    <p:sldId id="289" r:id="rId39"/>
+    <p:sldId id="290" r:id="rId40"/>
+    <p:sldId id="292" r:id="rId41"/>
+    <p:sldId id="293" r:id="rId42"/>
+    <p:sldId id="294" r:id="rId43"/>
+    <p:sldId id="295" r:id="rId44"/>
+    <p:sldId id="296" r:id="rId45"/>
+    <p:sldId id="297" r:id="rId46"/>
+    <p:sldId id="298" r:id="rId47"/>
+    <p:sldId id="299" r:id="rId48"/>
+    <p:sldId id="300" r:id="rId49"/>
+    <p:sldId id="301" r:id="rId50"/>
+    <p:sldId id="302" r:id="rId51"/>
+    <p:sldId id="303" r:id="rId52"/>
+    <p:sldId id="304" r:id="rId53"/>
+    <p:sldId id="305" r:id="rId54"/>
+    <p:sldId id="306" r:id="rId55"/>
+    <p:sldId id="307" r:id="rId56"/>
+    <p:sldId id="308" r:id="rId57"/>
+    <p:sldId id="309" r:id="rId58"/>
+    <p:sldId id="310" r:id="rId59"/>
+    <p:sldId id="311" r:id="rId60"/>
+    <p:sldId id="315" r:id="rId61"/>
   </p:sldIdLst>
   <p:sldSz cx="12192000" cy="6858000"/>
   <p:notesSz cx="6858000" cy="9144000"/>
@@ -901,7 +916,7 @@
           <a:p>
             <a:fld id="{2FDF6323-87CB-4B79-BD1E-7EE244B1AEFB}" type="datetimeFigureOut">
               <a:rPr lang="es-MX" smtClean="0"/>
-              <a:t>13/04/2017</a:t>
+              <a:t>17/04/2017</a:t>
             </a:fld>
             <a:endParaRPr lang="es-MX"/>
           </a:p>
@@ -1152,7 +1167,7 @@
           <a:p>
             <a:fld id="{2FDF6323-87CB-4B79-BD1E-7EE244B1AEFB}" type="datetimeFigureOut">
               <a:rPr lang="es-MX" smtClean="0"/>
-              <a:t>13/04/2017</a:t>
+              <a:t>17/04/2017</a:t>
             </a:fld>
             <a:endParaRPr lang="es-MX"/>
           </a:p>
@@ -1466,7 +1481,7 @@
           <a:p>
             <a:fld id="{2FDF6323-87CB-4B79-BD1E-7EE244B1AEFB}" type="datetimeFigureOut">
               <a:rPr lang="es-MX" smtClean="0"/>
-              <a:t>13/04/2017</a:t>
+              <a:t>17/04/2017</a:t>
             </a:fld>
             <a:endParaRPr lang="es-MX"/>
           </a:p>
@@ -1799,7 +1814,7 @@
           <a:p>
             <a:fld id="{2FDF6323-87CB-4B79-BD1E-7EE244B1AEFB}" type="datetimeFigureOut">
               <a:rPr lang="es-MX" smtClean="0"/>
-              <a:t>13/04/2017</a:t>
+              <a:t>17/04/2017</a:t>
             </a:fld>
             <a:endParaRPr lang="es-MX"/>
           </a:p>
@@ -2113,7 +2128,7 @@
           <a:p>
             <a:fld id="{2FDF6323-87CB-4B79-BD1E-7EE244B1AEFB}" type="datetimeFigureOut">
               <a:rPr lang="es-MX" smtClean="0"/>
-              <a:t>13/04/2017</a:t>
+              <a:t>17/04/2017</a:t>
             </a:fld>
             <a:endParaRPr lang="es-MX"/>
           </a:p>
@@ -2506,7 +2521,7 @@
           <a:p>
             <a:fld id="{2FDF6323-87CB-4B79-BD1E-7EE244B1AEFB}" type="datetimeFigureOut">
               <a:rPr lang="es-MX" smtClean="0"/>
-              <a:t>13/04/2017</a:t>
+              <a:t>17/04/2017</a:t>
             </a:fld>
             <a:endParaRPr lang="es-MX"/>
           </a:p>
@@ -2676,7 +2691,7 @@
           <a:p>
             <a:fld id="{2FDF6323-87CB-4B79-BD1E-7EE244B1AEFB}" type="datetimeFigureOut">
               <a:rPr lang="es-MX" smtClean="0"/>
-              <a:t>13/04/2017</a:t>
+              <a:t>17/04/2017</a:t>
             </a:fld>
             <a:endParaRPr lang="es-MX"/>
           </a:p>
@@ -2856,7 +2871,7 @@
           <a:p>
             <a:fld id="{2FDF6323-87CB-4B79-BD1E-7EE244B1AEFB}" type="datetimeFigureOut">
               <a:rPr lang="es-MX" smtClean="0"/>
-              <a:t>13/04/2017</a:t>
+              <a:t>17/04/2017</a:t>
             </a:fld>
             <a:endParaRPr lang="es-MX"/>
           </a:p>
@@ -3026,7 +3041,7 @@
           <a:p>
             <a:fld id="{2FDF6323-87CB-4B79-BD1E-7EE244B1AEFB}" type="datetimeFigureOut">
               <a:rPr lang="es-MX" smtClean="0"/>
-              <a:t>13/04/2017</a:t>
+              <a:t>17/04/2017</a:t>
             </a:fld>
             <a:endParaRPr lang="es-MX"/>
           </a:p>
@@ -3273,7 +3288,7 @@
           <a:p>
             <a:fld id="{2FDF6323-87CB-4B79-BD1E-7EE244B1AEFB}" type="datetimeFigureOut">
               <a:rPr lang="es-MX" smtClean="0"/>
-              <a:t>13/04/2017</a:t>
+              <a:t>17/04/2017</a:t>
             </a:fld>
             <a:endParaRPr lang="es-MX"/>
           </a:p>
@@ -3505,7 +3520,7 @@
           <a:p>
             <a:fld id="{2FDF6323-87CB-4B79-BD1E-7EE244B1AEFB}" type="datetimeFigureOut">
               <a:rPr lang="es-MX" smtClean="0"/>
-              <a:t>13/04/2017</a:t>
+              <a:t>17/04/2017</a:t>
             </a:fld>
             <a:endParaRPr lang="es-MX"/>
           </a:p>
@@ -3879,7 +3894,7 @@
           <a:p>
             <a:fld id="{2FDF6323-87CB-4B79-BD1E-7EE244B1AEFB}" type="datetimeFigureOut">
               <a:rPr lang="es-MX" smtClean="0"/>
-              <a:t>13/04/2017</a:t>
+              <a:t>17/04/2017</a:t>
             </a:fld>
             <a:endParaRPr lang="es-MX"/>
           </a:p>
@@ -4002,7 +4017,7 @@
           <a:p>
             <a:fld id="{2FDF6323-87CB-4B79-BD1E-7EE244B1AEFB}" type="datetimeFigureOut">
               <a:rPr lang="es-MX" smtClean="0"/>
-              <a:t>13/04/2017</a:t>
+              <a:t>17/04/2017</a:t>
             </a:fld>
             <a:endParaRPr lang="es-MX"/>
           </a:p>
@@ -4097,7 +4112,7 @@
           <a:p>
             <a:fld id="{2FDF6323-87CB-4B79-BD1E-7EE244B1AEFB}" type="datetimeFigureOut">
               <a:rPr lang="es-MX" smtClean="0"/>
-              <a:t>13/04/2017</a:t>
+              <a:t>17/04/2017</a:t>
             </a:fld>
             <a:endParaRPr lang="es-MX"/>
           </a:p>
@@ -4352,7 +4367,7 @@
           <a:p>
             <a:fld id="{2FDF6323-87CB-4B79-BD1E-7EE244B1AEFB}" type="datetimeFigureOut">
               <a:rPr lang="es-MX" smtClean="0"/>
-              <a:t>13/04/2017</a:t>
+              <a:t>17/04/2017</a:t>
             </a:fld>
             <a:endParaRPr lang="es-MX"/>
           </a:p>
@@ -4657,7 +4672,7 @@
           <a:p>
             <a:fld id="{2FDF6323-87CB-4B79-BD1E-7EE244B1AEFB}" type="datetimeFigureOut">
               <a:rPr lang="es-MX" smtClean="0"/>
-              <a:t>13/04/2017</a:t>
+              <a:t>17/04/2017</a:t>
             </a:fld>
             <a:endParaRPr lang="es-MX"/>
           </a:p>
@@ -5359,7 +5374,7 @@
           <a:p>
             <a:fld id="{2FDF6323-87CB-4B79-BD1E-7EE244B1AEFB}" type="datetimeFigureOut">
               <a:rPr lang="es-MX" smtClean="0"/>
-              <a:t>13/04/2017</a:t>
+              <a:t>17/04/2017</a:t>
             </a:fld>
             <a:endParaRPr lang="es-MX"/>
           </a:p>
@@ -7082,6 +7097,187 @@
           <a:p>
             <a:r>
               <a:rPr lang="es-MX" dirty="0" smtClean="0"/>
+              <a:t>Constantes</a:t>
+            </a:r>
+            <a:endParaRPr lang="es-MX" dirty="0"/>
+          </a:p>
+        </p:txBody>
+      </p:sp>
+      <p:sp>
+        <p:nvSpPr>
+          <p:cNvPr id="3" name="Marcador de contenido 2"/>
+          <p:cNvSpPr>
+            <a:spLocks noGrp="1"/>
+          </p:cNvSpPr>
+          <p:nvPr>
+            <p:ph idx="1"/>
+          </p:nvPr>
+        </p:nvSpPr>
+        <p:spPr/>
+        <p:txBody>
+          <a:bodyPr>
+            <a:normAutofit/>
+          </a:bodyPr>
+          <a:lstStyle/>
+          <a:p>
+            <a:pPr marL="0" indent="0">
+              <a:buNone/>
+            </a:pPr>
+            <a:r>
+              <a:rPr lang="es-MX" sz="2400" dirty="0" smtClean="0"/>
+              <a:t>Sintaxis:</a:t>
+            </a:r>
+          </a:p>
+          <a:p>
+            <a:pPr marL="0" indent="0">
+              <a:buNone/>
+            </a:pPr>
+            <a:r>
+              <a:rPr lang="es-MX" sz="2400" dirty="0"/>
+              <a:t>	</a:t>
+            </a:r>
+            <a:r>
+              <a:rPr lang="pt-BR" sz="2400" b="1" dirty="0" err="1"/>
+              <a:t>static</a:t>
+            </a:r>
+            <a:r>
+              <a:rPr lang="pt-BR" sz="2400" dirty="0"/>
+              <a:t> </a:t>
+            </a:r>
+            <a:r>
+              <a:rPr lang="pt-BR" sz="2400" b="1" dirty="0"/>
+              <a:t>final</a:t>
+            </a:r>
+            <a:r>
+              <a:rPr lang="pt-BR" sz="2400" dirty="0"/>
+              <a:t> </a:t>
+            </a:r>
+            <a:r>
+              <a:rPr lang="pt-BR" sz="2400" dirty="0" err="1"/>
+              <a:t>int</a:t>
+            </a:r>
+            <a:r>
+              <a:rPr lang="pt-BR" sz="2400" dirty="0"/>
+              <a:t> </a:t>
+            </a:r>
+            <a:r>
+              <a:rPr lang="pt-BR" sz="2400" dirty="0" err="1" smtClean="0"/>
+              <a:t>nombreConstante</a:t>
+            </a:r>
+            <a:r>
+              <a:rPr lang="pt-BR" sz="2400" dirty="0" smtClean="0"/>
+              <a:t> = valor;</a:t>
+            </a:r>
+          </a:p>
+          <a:p>
+            <a:pPr marL="0" indent="0">
+              <a:buNone/>
+            </a:pPr>
+            <a:endParaRPr lang="pt-BR" sz="2400" dirty="0"/>
+          </a:p>
+          <a:p>
+            <a:pPr marL="0" indent="0">
+              <a:buNone/>
+            </a:pPr>
+            <a:r>
+              <a:rPr lang="pt-BR" sz="2400" dirty="0" err="1" smtClean="0"/>
+              <a:t>Ejemplo</a:t>
+            </a:r>
+            <a:r>
+              <a:rPr lang="pt-BR" sz="2400" dirty="0" smtClean="0"/>
+              <a:t>:</a:t>
+            </a:r>
+          </a:p>
+          <a:p>
+            <a:pPr marL="0" indent="0">
+              <a:buNone/>
+            </a:pPr>
+            <a:r>
+              <a:rPr lang="pt-BR" sz="2400" dirty="0"/>
+              <a:t>	</a:t>
+            </a:r>
+            <a:r>
+              <a:rPr lang="pt-BR" sz="2400" b="1" dirty="0" err="1"/>
+              <a:t>static</a:t>
+            </a:r>
+            <a:r>
+              <a:rPr lang="pt-BR" sz="2400" dirty="0"/>
+              <a:t> </a:t>
+            </a:r>
+            <a:r>
+              <a:rPr lang="pt-BR" sz="2400" b="1" dirty="0"/>
+              <a:t>final</a:t>
+            </a:r>
+            <a:r>
+              <a:rPr lang="pt-BR" sz="2400" dirty="0"/>
+              <a:t> </a:t>
+            </a:r>
+            <a:r>
+              <a:rPr lang="pt-BR" sz="2400" dirty="0" err="1"/>
+              <a:t>int</a:t>
+            </a:r>
+            <a:r>
+              <a:rPr lang="pt-BR" sz="2400" dirty="0"/>
+              <a:t> DIAS_SEMANA = 7;</a:t>
+            </a:r>
+            <a:endParaRPr lang="es-MX" sz="2400" dirty="0" smtClean="0"/>
+          </a:p>
+        </p:txBody>
+      </p:sp>
+    </p:spTree>
+    <p:extLst>
+      <p:ext uri="{BB962C8B-B14F-4D97-AF65-F5344CB8AC3E}">
+        <p14:creationId xmlns:p14="http://schemas.microsoft.com/office/powerpoint/2010/main" val="3997037436"/>
+      </p:ext>
+    </p:extLst>
+  </p:cSld>
+  <p:clrMapOvr>
+    <a:masterClrMapping/>
+  </p:clrMapOvr>
+  <p:timing>
+    <p:tnLst>
+      <p:par>
+        <p:cTn id="1" dur="indefinite" restart="never" nodeType="tmRoot"/>
+      </p:par>
+    </p:tnLst>
+  </p:timing>
+</p:sld>
+</file>
+
+<file path=ppt/slides/slide15.xml><?xml version="1.0" encoding="utf-8"?>
+<p:sld xmlns:a="http://schemas.openxmlformats.org/drawingml/2006/main" xmlns:r="http://schemas.openxmlformats.org/officeDocument/2006/relationships" xmlns:p="http://schemas.openxmlformats.org/presentationml/2006/main">
+  <p:cSld>
+    <p:spTree>
+      <p:nvGrpSpPr>
+        <p:cNvPr id="1" name=""/>
+        <p:cNvGrpSpPr/>
+        <p:nvPr/>
+      </p:nvGrpSpPr>
+      <p:grpSpPr>
+        <a:xfrm>
+          <a:off x="0" y="0"/>
+          <a:ext cx="0" cy="0"/>
+          <a:chOff x="0" y="0"/>
+          <a:chExt cx="0" cy="0"/>
+        </a:xfrm>
+      </p:grpSpPr>
+      <p:sp>
+        <p:nvSpPr>
+          <p:cNvPr id="2" name="Título 1"/>
+          <p:cNvSpPr>
+            <a:spLocks noGrp="1"/>
+          </p:cNvSpPr>
+          <p:nvPr>
+            <p:ph type="title"/>
+          </p:nvPr>
+        </p:nvSpPr>
+        <p:spPr/>
+        <p:txBody>
+          <a:bodyPr/>
+          <a:lstStyle/>
+          <a:p>
+            <a:r>
+              <a:rPr lang="es-MX" dirty="0" smtClean="0"/>
               <a:t>Ejercicio</a:t>
             </a:r>
             <a:endParaRPr lang="es-MX" dirty="0"/>
@@ -7221,7 +7417,7 @@
 </p:sld>
 </file>
 
-<file path=ppt/slides/slide15.xml><?xml version="1.0" encoding="utf-8"?>
+<file path=ppt/slides/slide16.xml><?xml version="1.0" encoding="utf-8"?>
 <p:sld xmlns:a="http://schemas.openxmlformats.org/drawingml/2006/main" xmlns:r="http://schemas.openxmlformats.org/officeDocument/2006/relationships" xmlns:p="http://schemas.openxmlformats.org/presentationml/2006/main">
   <p:cSld>
     <p:spTree>
@@ -7362,7 +7558,7 @@
 </p:sld>
 </file>
 
-<file path=ppt/slides/slide16.xml><?xml version="1.0" encoding="utf-8"?>
+<file path=ppt/slides/slide17.xml><?xml version="1.0" encoding="utf-8"?>
 <p:sld xmlns:a="http://schemas.openxmlformats.org/drawingml/2006/main" xmlns:r="http://schemas.openxmlformats.org/officeDocument/2006/relationships" xmlns:p="http://schemas.openxmlformats.org/presentationml/2006/main">
   <p:cSld>
     <p:spTree>
@@ -7696,7 +7892,7 @@
 </p:sld>
 </file>
 
-<file path=ppt/slides/slide17.xml><?xml version="1.0" encoding="utf-8"?>
+<file path=ppt/slides/slide18.xml><?xml version="1.0" encoding="utf-8"?>
 <p:sld xmlns:a="http://schemas.openxmlformats.org/drawingml/2006/main" xmlns:r="http://schemas.openxmlformats.org/officeDocument/2006/relationships" xmlns:p="http://schemas.openxmlformats.org/presentationml/2006/main">
   <p:cSld>
     <p:spTree>
@@ -7884,7 +8080,7 @@
 </p:sld>
 </file>
 
-<file path=ppt/slides/slide18.xml><?xml version="1.0" encoding="utf-8"?>
+<file path=ppt/slides/slide19.xml><?xml version="1.0" encoding="utf-8"?>
 <p:sld xmlns:a="http://schemas.openxmlformats.org/drawingml/2006/main" xmlns:r="http://schemas.openxmlformats.org/officeDocument/2006/relationships" xmlns:p="http://schemas.openxmlformats.org/presentationml/2006/main">
   <p:cSld>
     <p:spTree>
@@ -8189,148 +8385,6 @@
 </p:sld>
 </file>
 
-<file path=ppt/slides/slide19.xml><?xml version="1.0" encoding="utf-8"?>
-<p:sld xmlns:a="http://schemas.openxmlformats.org/drawingml/2006/main" xmlns:r="http://schemas.openxmlformats.org/officeDocument/2006/relationships" xmlns:p="http://schemas.openxmlformats.org/presentationml/2006/main">
-  <p:cSld>
-    <p:spTree>
-      <p:nvGrpSpPr>
-        <p:cNvPr id="1" name=""/>
-        <p:cNvGrpSpPr/>
-        <p:nvPr/>
-      </p:nvGrpSpPr>
-      <p:grpSpPr>
-        <a:xfrm>
-          <a:off x="0" y="0"/>
-          <a:ext cx="0" cy="0"/>
-          <a:chOff x="0" y="0"/>
-          <a:chExt cx="0" cy="0"/>
-        </a:xfrm>
-      </p:grpSpPr>
-      <p:sp>
-        <p:nvSpPr>
-          <p:cNvPr id="2" name="Título 1"/>
-          <p:cNvSpPr>
-            <a:spLocks noGrp="1"/>
-          </p:cNvSpPr>
-          <p:nvPr>
-            <p:ph type="title"/>
-          </p:nvPr>
-        </p:nvSpPr>
-        <p:spPr/>
-        <p:txBody>
-          <a:bodyPr/>
-          <a:lstStyle/>
-          <a:p>
-            <a:r>
-              <a:rPr lang="es-MX" dirty="0" smtClean="0"/>
-              <a:t>Ejercicio</a:t>
-            </a:r>
-            <a:endParaRPr lang="es-MX" dirty="0"/>
-          </a:p>
-        </p:txBody>
-      </p:sp>
-      <p:sp>
-        <p:nvSpPr>
-          <p:cNvPr id="3" name="Marcador de contenido 2"/>
-          <p:cNvSpPr>
-            <a:spLocks noGrp="1"/>
-          </p:cNvSpPr>
-          <p:nvPr>
-            <p:ph idx="1"/>
-          </p:nvPr>
-        </p:nvSpPr>
-        <p:spPr/>
-        <p:txBody>
-          <a:bodyPr/>
-          <a:lstStyle/>
-          <a:p>
-            <a:pPr marL="0" indent="0">
-              <a:buNone/>
-            </a:pPr>
-            <a:r>
-              <a:rPr lang="es-MX" dirty="0" smtClean="0"/>
-              <a:t>Crea un proyecto llamado </a:t>
-            </a:r>
-            <a:r>
-              <a:rPr lang="es-MX" dirty="0" err="1" smtClean="0"/>
-              <a:t>EjericioSumarNumeros</a:t>
-            </a:r>
-            <a:r>
-              <a:rPr lang="es-MX" dirty="0" smtClean="0"/>
-              <a:t>, donde el programa pida al usuario valores numéricos enteros y le pregunte si quiere añadir mas.</a:t>
-            </a:r>
-          </a:p>
-          <a:p>
-            <a:pPr marL="0" indent="0">
-              <a:buNone/>
-            </a:pPr>
-            <a:r>
-              <a:rPr lang="es-MX" dirty="0" smtClean="0"/>
-              <a:t>Cuando el usuario diga que ‘NO’, mostraremos la suma total de todos los valores recogidos</a:t>
-            </a:r>
-          </a:p>
-          <a:p>
-            <a:pPr marL="0" indent="0">
-              <a:buNone/>
-            </a:pPr>
-            <a:r>
-              <a:rPr lang="es-MX" dirty="0" smtClean="0"/>
-              <a:t>Nota: Es posible que el usuario no quiera introducir ningún valor</a:t>
-            </a:r>
-            <a:endParaRPr lang="es-MX" dirty="0"/>
-          </a:p>
-        </p:txBody>
-      </p:sp>
-      <p:pic>
-        <p:nvPicPr>
-          <p:cNvPr id="4" name="Imagen 3"/>
-          <p:cNvPicPr>
-            <a:picLocks noChangeAspect="1"/>
-          </p:cNvPicPr>
-          <p:nvPr/>
-        </p:nvPicPr>
-        <p:blipFill>
-          <a:blip r:embed="rId2">
-            <a:extLst>
-              <a:ext uri="{28A0092B-C50C-407E-A947-70E740481C1C}">
-                <a14:useLocalDpi xmlns:a14="http://schemas.microsoft.com/office/drawing/2010/main" val="0"/>
-              </a:ext>
-            </a:extLst>
-          </a:blip>
-          <a:stretch>
-            <a:fillRect/>
-          </a:stretch>
-        </p:blipFill>
-        <p:spPr>
-          <a:xfrm>
-            <a:off x="119106" y="6130345"/>
-            <a:ext cx="1628127" cy="727655"/>
-          </a:xfrm>
-          <a:prstGeom prst="rect">
-            <a:avLst/>
-          </a:prstGeom>
-        </p:spPr>
-      </p:pic>
-    </p:spTree>
-    <p:extLst>
-      <p:ext uri="{BB962C8B-B14F-4D97-AF65-F5344CB8AC3E}">
-        <p14:creationId xmlns:p14="http://schemas.microsoft.com/office/powerpoint/2010/main" val="283542310"/>
-      </p:ext>
-    </p:extLst>
-  </p:cSld>
-  <p:clrMapOvr>
-    <a:masterClrMapping/>
-  </p:clrMapOvr>
-  <p:timing>
-    <p:tnLst>
-      <p:par>
-        <p:cTn id="1" dur="indefinite" restart="never" nodeType="tmRoot"/>
-      </p:par>
-    </p:tnLst>
-  </p:timing>
-</p:sld>
-</file>
-
 <file path=ppt/slides/slide2.xml><?xml version="1.0" encoding="utf-8"?>
 <p:sld xmlns:a="http://schemas.openxmlformats.org/drawingml/2006/main" xmlns:r="http://schemas.openxmlformats.org/officeDocument/2006/relationships" xmlns:p="http://schemas.openxmlformats.org/presentationml/2006/main">
   <p:cSld>
@@ -8565,6 +8619,148 @@
             </a:pPr>
             <a:r>
               <a:rPr lang="es-MX" dirty="0" smtClean="0"/>
+              <a:t>Crea un proyecto llamado </a:t>
+            </a:r>
+            <a:r>
+              <a:rPr lang="es-MX" dirty="0" err="1" smtClean="0"/>
+              <a:t>EjericioSumarNumeros</a:t>
+            </a:r>
+            <a:r>
+              <a:rPr lang="es-MX" dirty="0" smtClean="0"/>
+              <a:t>, donde el programa pida al usuario valores numéricos enteros y le pregunte si quiere añadir mas.</a:t>
+            </a:r>
+          </a:p>
+          <a:p>
+            <a:pPr marL="0" indent="0">
+              <a:buNone/>
+            </a:pPr>
+            <a:r>
+              <a:rPr lang="es-MX" dirty="0" smtClean="0"/>
+              <a:t>Cuando el usuario diga que ‘NO’, mostraremos la suma total de todos los valores recogidos</a:t>
+            </a:r>
+          </a:p>
+          <a:p>
+            <a:pPr marL="0" indent="0">
+              <a:buNone/>
+            </a:pPr>
+            <a:r>
+              <a:rPr lang="es-MX" dirty="0" smtClean="0"/>
+              <a:t>Nota: Es posible que el usuario no quiera introducir ningún valor</a:t>
+            </a:r>
+            <a:endParaRPr lang="es-MX" dirty="0"/>
+          </a:p>
+        </p:txBody>
+      </p:sp>
+      <p:pic>
+        <p:nvPicPr>
+          <p:cNvPr id="4" name="Imagen 3"/>
+          <p:cNvPicPr>
+            <a:picLocks noChangeAspect="1"/>
+          </p:cNvPicPr>
+          <p:nvPr/>
+        </p:nvPicPr>
+        <p:blipFill>
+          <a:blip r:embed="rId2">
+            <a:extLst>
+              <a:ext uri="{28A0092B-C50C-407E-A947-70E740481C1C}">
+                <a14:useLocalDpi xmlns:a14="http://schemas.microsoft.com/office/drawing/2010/main" val="0"/>
+              </a:ext>
+            </a:extLst>
+          </a:blip>
+          <a:stretch>
+            <a:fillRect/>
+          </a:stretch>
+        </p:blipFill>
+        <p:spPr>
+          <a:xfrm>
+            <a:off x="119106" y="6130345"/>
+            <a:ext cx="1628127" cy="727655"/>
+          </a:xfrm>
+          <a:prstGeom prst="rect">
+            <a:avLst/>
+          </a:prstGeom>
+        </p:spPr>
+      </p:pic>
+    </p:spTree>
+    <p:extLst>
+      <p:ext uri="{BB962C8B-B14F-4D97-AF65-F5344CB8AC3E}">
+        <p14:creationId xmlns:p14="http://schemas.microsoft.com/office/powerpoint/2010/main" val="283542310"/>
+      </p:ext>
+    </p:extLst>
+  </p:cSld>
+  <p:clrMapOvr>
+    <a:masterClrMapping/>
+  </p:clrMapOvr>
+  <p:timing>
+    <p:tnLst>
+      <p:par>
+        <p:cTn id="1" dur="indefinite" restart="never" nodeType="tmRoot"/>
+      </p:par>
+    </p:tnLst>
+  </p:timing>
+</p:sld>
+</file>
+
+<file path=ppt/slides/slide21.xml><?xml version="1.0" encoding="utf-8"?>
+<p:sld xmlns:a="http://schemas.openxmlformats.org/drawingml/2006/main" xmlns:r="http://schemas.openxmlformats.org/officeDocument/2006/relationships" xmlns:p="http://schemas.openxmlformats.org/presentationml/2006/main">
+  <p:cSld>
+    <p:spTree>
+      <p:nvGrpSpPr>
+        <p:cNvPr id="1" name=""/>
+        <p:cNvGrpSpPr/>
+        <p:nvPr/>
+      </p:nvGrpSpPr>
+      <p:grpSpPr>
+        <a:xfrm>
+          <a:off x="0" y="0"/>
+          <a:ext cx="0" cy="0"/>
+          <a:chOff x="0" y="0"/>
+          <a:chExt cx="0" cy="0"/>
+        </a:xfrm>
+      </p:grpSpPr>
+      <p:sp>
+        <p:nvSpPr>
+          <p:cNvPr id="2" name="Título 1"/>
+          <p:cNvSpPr>
+            <a:spLocks noGrp="1"/>
+          </p:cNvSpPr>
+          <p:nvPr>
+            <p:ph type="title"/>
+          </p:nvPr>
+        </p:nvSpPr>
+        <p:spPr/>
+        <p:txBody>
+          <a:bodyPr/>
+          <a:lstStyle/>
+          <a:p>
+            <a:r>
+              <a:rPr lang="es-MX" dirty="0" smtClean="0"/>
+              <a:t>Ejercicio</a:t>
+            </a:r>
+            <a:endParaRPr lang="es-MX" dirty="0"/>
+          </a:p>
+        </p:txBody>
+      </p:sp>
+      <p:sp>
+        <p:nvSpPr>
+          <p:cNvPr id="3" name="Marcador de contenido 2"/>
+          <p:cNvSpPr>
+            <a:spLocks noGrp="1"/>
+          </p:cNvSpPr>
+          <p:nvPr>
+            <p:ph idx="1"/>
+          </p:nvPr>
+        </p:nvSpPr>
+        <p:spPr/>
+        <p:txBody>
+          <a:bodyPr/>
+          <a:lstStyle/>
+          <a:p>
+            <a:pPr marL="0" indent="0">
+              <a:buNone/>
+            </a:pPr>
+            <a:r>
+              <a:rPr lang="es-MX" dirty="0" smtClean="0"/>
               <a:t>Crear un proyecto llamado </a:t>
             </a:r>
             <a:r>
@@ -8661,7 +8857,7 @@
 </p:sld>
 </file>
 
-<file path=ppt/slides/slide21.xml><?xml version="1.0" encoding="utf-8"?>
+<file path=ppt/slides/slide22.xml><?xml version="1.0" encoding="utf-8"?>
 <p:sld xmlns:a="http://schemas.openxmlformats.org/drawingml/2006/main" xmlns:r="http://schemas.openxmlformats.org/officeDocument/2006/relationships" xmlns:p="http://schemas.openxmlformats.org/presentationml/2006/main">
   <p:cSld>
     <p:spTree>
@@ -8792,7 +8988,7 @@
 </p:sld>
 </file>
 
-<file path=ppt/slides/slide22.xml><?xml version="1.0" encoding="utf-8"?>
+<file path=ppt/slides/slide23.xml><?xml version="1.0" encoding="utf-8"?>
 <p:sld xmlns:a="http://schemas.openxmlformats.org/drawingml/2006/main" xmlns:r="http://schemas.openxmlformats.org/officeDocument/2006/relationships" xmlns:p="http://schemas.openxmlformats.org/presentationml/2006/main">
   <p:cSld>
     <p:spTree>
@@ -8990,7 +9186,7 @@
 </p:sld>
 </file>
 
-<file path=ppt/slides/slide23.xml><?xml version="1.0" encoding="utf-8"?>
+<file path=ppt/slides/slide24.xml><?xml version="1.0" encoding="utf-8"?>
 <p:sld xmlns:a="http://schemas.openxmlformats.org/drawingml/2006/main" xmlns:r="http://schemas.openxmlformats.org/officeDocument/2006/relationships" xmlns:p="http://schemas.openxmlformats.org/presentationml/2006/main">
   <p:cSld>
     <p:spTree>
@@ -9182,7 +9378,7 @@
 </p:sld>
 </file>
 
-<file path=ppt/slides/slide24.xml><?xml version="1.0" encoding="utf-8"?>
+<file path=ppt/slides/slide25.xml><?xml version="1.0" encoding="utf-8"?>
 <p:sld xmlns:a="http://schemas.openxmlformats.org/drawingml/2006/main" xmlns:r="http://schemas.openxmlformats.org/officeDocument/2006/relationships" xmlns:p="http://schemas.openxmlformats.org/presentationml/2006/main">
   <p:cSld>
     <p:spTree>
@@ -10196,7 +10392,7 @@
 </p:sld>
 </file>
 
-<file path=ppt/slides/slide25.xml><?xml version="1.0" encoding="utf-8"?>
+<file path=ppt/slides/slide26.xml><?xml version="1.0" encoding="utf-8"?>
 <p:sld xmlns:a="http://schemas.openxmlformats.org/drawingml/2006/main" xmlns:r="http://schemas.openxmlformats.org/officeDocument/2006/relationships" xmlns:p="http://schemas.openxmlformats.org/presentationml/2006/main">
   <p:cSld>
     <p:spTree>
@@ -10352,7 +10548,7 @@
 </p:sld>
 </file>
 
-<file path=ppt/slides/slide26.xml><?xml version="1.0" encoding="utf-8"?>
+<file path=ppt/slides/slide27.xml><?xml version="1.0" encoding="utf-8"?>
 <p:sld xmlns:a="http://schemas.openxmlformats.org/drawingml/2006/main" xmlns:r="http://schemas.openxmlformats.org/officeDocument/2006/relationships" xmlns:p="http://schemas.openxmlformats.org/presentationml/2006/main">
   <p:cSld>
     <p:spTree>
@@ -10503,7 +10699,7 @@
 </p:sld>
 </file>
 
-<file path=ppt/slides/slide27.xml><?xml version="1.0" encoding="utf-8"?>
+<file path=ppt/slides/slide28.xml><?xml version="1.0" encoding="utf-8"?>
 <p:sld xmlns:a="http://schemas.openxmlformats.org/drawingml/2006/main" xmlns:r="http://schemas.openxmlformats.org/officeDocument/2006/relationships" xmlns:p="http://schemas.openxmlformats.org/presentationml/2006/main">
   <p:cSld>
     <p:spTree>
@@ -10679,7 +10875,7 @@
 </p:sld>
 </file>
 
-<file path=ppt/slides/slide28.xml><?xml version="1.0" encoding="utf-8"?>
+<file path=ppt/slides/slide29.xml><?xml version="1.0" encoding="utf-8"?>
 <p:sld xmlns:a="http://schemas.openxmlformats.org/drawingml/2006/main" xmlns:r="http://schemas.openxmlformats.org/officeDocument/2006/relationships" xmlns:p="http://schemas.openxmlformats.org/presentationml/2006/main">
   <p:cSld>
     <p:spTree>
@@ -10803,123 +10999,6 @@
     <p:extLst>
       <p:ext uri="{BB962C8B-B14F-4D97-AF65-F5344CB8AC3E}">
         <p14:creationId xmlns:p14="http://schemas.microsoft.com/office/powerpoint/2010/main" val="1425208742"/>
-      </p:ext>
-    </p:extLst>
-  </p:cSld>
-  <p:clrMapOvr>
-    <a:masterClrMapping/>
-  </p:clrMapOvr>
-  <p:timing>
-    <p:tnLst>
-      <p:par>
-        <p:cTn id="1" dur="indefinite" restart="never" nodeType="tmRoot"/>
-      </p:par>
-    </p:tnLst>
-  </p:timing>
-</p:sld>
-</file>
-
-<file path=ppt/slides/slide29.xml><?xml version="1.0" encoding="utf-8"?>
-<p:sld xmlns:a="http://schemas.openxmlformats.org/drawingml/2006/main" xmlns:r="http://schemas.openxmlformats.org/officeDocument/2006/relationships" xmlns:p="http://schemas.openxmlformats.org/presentationml/2006/main">
-  <p:cSld>
-    <p:spTree>
-      <p:nvGrpSpPr>
-        <p:cNvPr id="1" name=""/>
-        <p:cNvGrpSpPr/>
-        <p:nvPr/>
-      </p:nvGrpSpPr>
-      <p:grpSpPr>
-        <a:xfrm>
-          <a:off x="0" y="0"/>
-          <a:ext cx="0" cy="0"/>
-          <a:chOff x="0" y="0"/>
-          <a:chExt cx="0" cy="0"/>
-        </a:xfrm>
-      </p:grpSpPr>
-      <p:sp>
-        <p:nvSpPr>
-          <p:cNvPr id="2" name="Título 1"/>
-          <p:cNvSpPr>
-            <a:spLocks noGrp="1"/>
-          </p:cNvSpPr>
-          <p:nvPr>
-            <p:ph type="title"/>
-          </p:nvPr>
-        </p:nvSpPr>
-        <p:spPr/>
-        <p:txBody>
-          <a:bodyPr/>
-          <a:lstStyle/>
-          <a:p>
-            <a:r>
-              <a:rPr lang="es-MX" dirty="0"/>
-              <a:t>Programación Orientada a Objetos</a:t>
-            </a:r>
-          </a:p>
-        </p:txBody>
-      </p:sp>
-      <p:sp>
-        <p:nvSpPr>
-          <p:cNvPr id="3" name="Marcador de contenido 2"/>
-          <p:cNvSpPr>
-            <a:spLocks noGrp="1"/>
-          </p:cNvSpPr>
-          <p:nvPr>
-            <p:ph idx="1"/>
-          </p:nvPr>
-        </p:nvSpPr>
-        <p:spPr/>
-        <p:txBody>
-          <a:bodyPr>
-            <a:normAutofit/>
-          </a:bodyPr>
-          <a:lstStyle/>
-          <a:p>
-            <a:pPr marL="0" indent="0" algn="ctr">
-              <a:buNone/>
-            </a:pPr>
-            <a:r>
-              <a:rPr lang="es-MX" sz="2800" dirty="0" smtClean="0"/>
-              <a:t>Es un paradigma de programación que usa los objetos en sus interacciones, para diseñar aplicaciones y programas informáticos</a:t>
-            </a:r>
-            <a:endParaRPr lang="es-MX" sz="2800" dirty="0"/>
-          </a:p>
-        </p:txBody>
-      </p:sp>
-      <p:pic>
-        <p:nvPicPr>
-          <p:cNvPr id="4" name="Imagen 3"/>
-          <p:cNvPicPr>
-            <a:picLocks noChangeAspect="1"/>
-          </p:cNvPicPr>
-          <p:nvPr/>
-        </p:nvPicPr>
-        <p:blipFill>
-          <a:blip r:embed="rId2">
-            <a:extLst>
-              <a:ext uri="{28A0092B-C50C-407E-A947-70E740481C1C}">
-                <a14:useLocalDpi xmlns:a14="http://schemas.microsoft.com/office/drawing/2010/main" val="0"/>
-              </a:ext>
-            </a:extLst>
-          </a:blip>
-          <a:stretch>
-            <a:fillRect/>
-          </a:stretch>
-        </p:blipFill>
-        <p:spPr>
-          <a:xfrm>
-            <a:off x="119106" y="6130345"/>
-            <a:ext cx="1628127" cy="727655"/>
-          </a:xfrm>
-          <a:prstGeom prst="rect">
-            <a:avLst/>
-          </a:prstGeom>
-        </p:spPr>
-      </p:pic>
-    </p:spTree>
-    <p:extLst>
-      <p:ext uri="{BB962C8B-B14F-4D97-AF65-F5344CB8AC3E}">
-        <p14:creationId xmlns:p14="http://schemas.microsoft.com/office/powerpoint/2010/main" val="2820542107"/>
       </p:ext>
     </p:extLst>
   </p:cSld>
@@ -11133,6 +11212,597 @@
 </file>
 
 <file path=ppt/slides/slide30.xml><?xml version="1.0" encoding="utf-8"?>
+<p:sld xmlns:a="http://schemas.openxmlformats.org/drawingml/2006/main" xmlns:r="http://schemas.openxmlformats.org/officeDocument/2006/relationships" xmlns:p="http://schemas.openxmlformats.org/presentationml/2006/main">
+  <p:cSld>
+    <p:spTree>
+      <p:nvGrpSpPr>
+        <p:cNvPr id="1" name=""/>
+        <p:cNvGrpSpPr/>
+        <p:nvPr/>
+      </p:nvGrpSpPr>
+      <p:grpSpPr>
+        <a:xfrm>
+          <a:off x="0" y="0"/>
+          <a:ext cx="0" cy="0"/>
+          <a:chOff x="0" y="0"/>
+          <a:chExt cx="0" cy="0"/>
+        </a:xfrm>
+      </p:grpSpPr>
+      <p:sp>
+        <p:nvSpPr>
+          <p:cNvPr id="2" name="Título 1"/>
+          <p:cNvSpPr>
+            <a:spLocks noGrp="1"/>
+          </p:cNvSpPr>
+          <p:nvPr>
+            <p:ph type="title"/>
+          </p:nvPr>
+        </p:nvSpPr>
+        <p:spPr/>
+        <p:txBody>
+          <a:bodyPr/>
+          <a:lstStyle/>
+          <a:p>
+            <a:r>
+              <a:rPr lang="es-MX" dirty="0" err="1" smtClean="0"/>
+              <a:t>Arrays</a:t>
+            </a:r>
+            <a:endParaRPr lang="es-MX" dirty="0"/>
+          </a:p>
+        </p:txBody>
+      </p:sp>
+      <p:sp>
+        <p:nvSpPr>
+          <p:cNvPr id="3" name="Marcador de contenido 2"/>
+          <p:cNvSpPr>
+            <a:spLocks noGrp="1"/>
+          </p:cNvSpPr>
+          <p:nvPr>
+            <p:ph idx="1"/>
+          </p:nvPr>
+        </p:nvSpPr>
+        <p:spPr/>
+        <p:txBody>
+          <a:bodyPr>
+            <a:normAutofit/>
+          </a:bodyPr>
+          <a:lstStyle/>
+          <a:p>
+            <a:pPr marL="0" indent="0" algn="ctr">
+              <a:buNone/>
+            </a:pPr>
+            <a:r>
+              <a:rPr lang="es-MX" sz="2400" dirty="0" smtClean="0"/>
+              <a:t>Es una zona de almacenamiento continuo, que contiene una serie de elementos del mismo tipo, los elementos de la matriz</a:t>
+            </a:r>
+          </a:p>
+          <a:p>
+            <a:pPr marL="0" indent="0">
+              <a:buNone/>
+            </a:pPr>
+            <a:r>
+              <a:rPr lang="es-MX" sz="2400" dirty="0" smtClean="0"/>
+              <a:t>Sintaxis:</a:t>
+            </a:r>
+          </a:p>
+          <a:p>
+            <a:pPr marL="0" indent="0">
+              <a:buNone/>
+            </a:pPr>
+            <a:r>
+              <a:rPr lang="es-MX" sz="2400" dirty="0"/>
+              <a:t>	</a:t>
+            </a:r>
+            <a:r>
+              <a:rPr lang="es-MX" sz="2400" dirty="0" err="1" smtClean="0"/>
+              <a:t>tipo_de_dato</a:t>
+            </a:r>
+            <a:r>
+              <a:rPr lang="es-MX" sz="2400" dirty="0" smtClean="0"/>
+              <a:t>[] </a:t>
+            </a:r>
+            <a:r>
+              <a:rPr lang="es-MX" sz="2400" dirty="0" err="1" smtClean="0"/>
+              <a:t>nombre_del_array</a:t>
+            </a:r>
+            <a:r>
+              <a:rPr lang="es-MX" sz="2400" dirty="0" smtClean="0"/>
+              <a:t>;</a:t>
+            </a:r>
+          </a:p>
+          <a:p>
+            <a:pPr marL="0" indent="0">
+              <a:buNone/>
+            </a:pPr>
+            <a:r>
+              <a:rPr lang="es-MX" sz="2400" dirty="0"/>
+              <a:t>	</a:t>
+            </a:r>
+            <a:r>
+              <a:rPr lang="es-MX" sz="2400" dirty="0" err="1" smtClean="0"/>
+              <a:t>nombre_del_array</a:t>
+            </a:r>
+            <a:r>
+              <a:rPr lang="es-MX" sz="2400" dirty="0" smtClean="0"/>
+              <a:t> = new </a:t>
+            </a:r>
+            <a:r>
+              <a:rPr lang="es-MX" sz="2400" dirty="0" err="1" smtClean="0"/>
+              <a:t>tipo_de_dato</a:t>
+            </a:r>
+            <a:r>
+              <a:rPr lang="es-MX" sz="2400" dirty="0" smtClean="0"/>
+              <a:t>[dimensión];</a:t>
+            </a:r>
+          </a:p>
+          <a:p>
+            <a:pPr marL="0" indent="0">
+              <a:buNone/>
+            </a:pPr>
+            <a:r>
+              <a:rPr lang="es-MX" sz="2400" dirty="0"/>
+              <a:t>	</a:t>
+            </a:r>
+            <a:r>
+              <a:rPr lang="es-MX" sz="2400" dirty="0" err="1" smtClean="0"/>
+              <a:t>nombre_del_array</a:t>
+            </a:r>
+            <a:r>
+              <a:rPr lang="es-MX" sz="2400" dirty="0" smtClean="0"/>
+              <a:t>[posición] = valor;</a:t>
+            </a:r>
+          </a:p>
+        </p:txBody>
+      </p:sp>
+      <p:pic>
+        <p:nvPicPr>
+          <p:cNvPr id="4" name="Imagen 3"/>
+          <p:cNvPicPr>
+            <a:picLocks noChangeAspect="1"/>
+          </p:cNvPicPr>
+          <p:nvPr/>
+        </p:nvPicPr>
+        <p:blipFill>
+          <a:blip r:embed="rId2">
+            <a:extLst>
+              <a:ext uri="{28A0092B-C50C-407E-A947-70E740481C1C}">
+                <a14:useLocalDpi xmlns:a14="http://schemas.microsoft.com/office/drawing/2010/main" val="0"/>
+              </a:ext>
+            </a:extLst>
+          </a:blip>
+          <a:stretch>
+            <a:fillRect/>
+          </a:stretch>
+        </p:blipFill>
+        <p:spPr>
+          <a:xfrm>
+            <a:off x="119106" y="6130345"/>
+            <a:ext cx="1628127" cy="727655"/>
+          </a:xfrm>
+          <a:prstGeom prst="rect">
+            <a:avLst/>
+          </a:prstGeom>
+        </p:spPr>
+      </p:pic>
+    </p:spTree>
+    <p:extLst>
+      <p:ext uri="{BB962C8B-B14F-4D97-AF65-F5344CB8AC3E}">
+        <p14:creationId xmlns:p14="http://schemas.microsoft.com/office/powerpoint/2010/main" val="3115195074"/>
+      </p:ext>
+    </p:extLst>
+  </p:cSld>
+  <p:clrMapOvr>
+    <a:masterClrMapping/>
+  </p:clrMapOvr>
+  <p:timing>
+    <p:tnLst>
+      <p:par>
+        <p:cTn id="1" dur="indefinite" restart="never" nodeType="tmRoot"/>
+      </p:par>
+    </p:tnLst>
+  </p:timing>
+</p:sld>
+</file>
+
+<file path=ppt/slides/slide31.xml><?xml version="1.0" encoding="utf-8"?>
+<p:sld xmlns:a="http://schemas.openxmlformats.org/drawingml/2006/main" xmlns:r="http://schemas.openxmlformats.org/officeDocument/2006/relationships" xmlns:p="http://schemas.openxmlformats.org/presentationml/2006/main">
+  <p:cSld>
+    <p:spTree>
+      <p:nvGrpSpPr>
+        <p:cNvPr id="1" name=""/>
+        <p:cNvGrpSpPr/>
+        <p:nvPr/>
+      </p:nvGrpSpPr>
+      <p:grpSpPr>
+        <a:xfrm>
+          <a:off x="0" y="0"/>
+          <a:ext cx="0" cy="0"/>
+          <a:chOff x="0" y="0"/>
+          <a:chExt cx="0" cy="0"/>
+        </a:xfrm>
+      </p:grpSpPr>
+      <p:sp>
+        <p:nvSpPr>
+          <p:cNvPr id="2" name="Título 1"/>
+          <p:cNvSpPr>
+            <a:spLocks noGrp="1"/>
+          </p:cNvSpPr>
+          <p:nvPr>
+            <p:ph type="title"/>
+          </p:nvPr>
+        </p:nvSpPr>
+        <p:spPr/>
+        <p:txBody>
+          <a:bodyPr/>
+          <a:lstStyle/>
+          <a:p>
+            <a:r>
+              <a:rPr lang="es-MX" dirty="0" smtClean="0"/>
+              <a:t>Ejemplo de </a:t>
+            </a:r>
+            <a:r>
+              <a:rPr lang="es-MX" dirty="0" err="1" smtClean="0"/>
+              <a:t>Array</a:t>
+            </a:r>
+            <a:endParaRPr lang="es-MX" dirty="0"/>
+          </a:p>
+        </p:txBody>
+      </p:sp>
+      <p:sp>
+        <p:nvSpPr>
+          <p:cNvPr id="3" name="Marcador de contenido 2"/>
+          <p:cNvSpPr>
+            <a:spLocks noGrp="1"/>
+          </p:cNvSpPr>
+          <p:nvPr>
+            <p:ph idx="1"/>
+          </p:nvPr>
+        </p:nvSpPr>
+        <p:spPr>
+          <a:xfrm>
+            <a:off x="677334" y="1930401"/>
+            <a:ext cx="8596668" cy="4110962"/>
+          </a:xfrm>
+        </p:spPr>
+        <p:txBody>
+          <a:bodyPr>
+            <a:normAutofit/>
+          </a:bodyPr>
+          <a:lstStyle/>
+          <a:p>
+            <a:pPr marL="0" indent="0">
+              <a:buNone/>
+            </a:pPr>
+            <a:r>
+              <a:rPr lang="es-MX" sz="2400" dirty="0" err="1">
+                <a:latin typeface="Courier New" panose="02070309020205020404" pitchFamily="49" charset="0"/>
+                <a:cs typeface="Courier New" panose="02070309020205020404" pitchFamily="49" charset="0"/>
+              </a:rPr>
+              <a:t>i</a:t>
+            </a:r>
+            <a:r>
+              <a:rPr lang="es-MX" sz="2400" dirty="0" err="1" smtClean="0">
+                <a:latin typeface="Courier New" panose="02070309020205020404" pitchFamily="49" charset="0"/>
+                <a:cs typeface="Courier New" panose="02070309020205020404" pitchFamily="49" charset="0"/>
+              </a:rPr>
+              <a:t>nt</a:t>
+            </a:r>
+            <a:r>
+              <a:rPr lang="es-MX" sz="2400" dirty="0" smtClean="0">
+                <a:latin typeface="Courier New" panose="02070309020205020404" pitchFamily="49" charset="0"/>
+                <a:cs typeface="Courier New" panose="02070309020205020404" pitchFamily="49" charset="0"/>
+              </a:rPr>
+              <a:t>[] </a:t>
+            </a:r>
+            <a:r>
+              <a:rPr lang="es-MX" sz="2400" dirty="0" err="1" smtClean="0">
+                <a:latin typeface="Courier New" panose="02070309020205020404" pitchFamily="49" charset="0"/>
+                <a:cs typeface="Courier New" panose="02070309020205020404" pitchFamily="49" charset="0"/>
+              </a:rPr>
+              <a:t>array</a:t>
+            </a:r>
+            <a:r>
+              <a:rPr lang="es-MX" sz="2400" dirty="0" smtClean="0">
+                <a:latin typeface="Courier New" panose="02070309020205020404" pitchFamily="49" charset="0"/>
+                <a:cs typeface="Courier New" panose="02070309020205020404" pitchFamily="49" charset="0"/>
+              </a:rPr>
+              <a:t>;</a:t>
+            </a:r>
+          </a:p>
+          <a:p>
+            <a:pPr marL="0" indent="0">
+              <a:buNone/>
+            </a:pPr>
+            <a:r>
+              <a:rPr lang="es-MX" sz="2400" dirty="0" err="1" smtClean="0">
+                <a:latin typeface="Courier New" panose="02070309020205020404" pitchFamily="49" charset="0"/>
+                <a:cs typeface="Courier New" panose="02070309020205020404" pitchFamily="49" charset="0"/>
+              </a:rPr>
+              <a:t>array</a:t>
+            </a:r>
+            <a:r>
+              <a:rPr lang="es-MX" sz="2400" dirty="0" smtClean="0">
+                <a:latin typeface="Courier New" panose="02070309020205020404" pitchFamily="49" charset="0"/>
+                <a:cs typeface="Courier New" panose="02070309020205020404" pitchFamily="49" charset="0"/>
+              </a:rPr>
+              <a:t> = new </a:t>
+            </a:r>
+            <a:r>
+              <a:rPr lang="es-MX" sz="2400" dirty="0" err="1" smtClean="0">
+                <a:latin typeface="Courier New" panose="02070309020205020404" pitchFamily="49" charset="0"/>
+                <a:cs typeface="Courier New" panose="02070309020205020404" pitchFamily="49" charset="0"/>
+              </a:rPr>
+              <a:t>int</a:t>
+            </a:r>
+            <a:r>
+              <a:rPr lang="es-MX" sz="2400" dirty="0" smtClean="0">
+                <a:latin typeface="Courier New" panose="02070309020205020404" pitchFamily="49" charset="0"/>
+                <a:cs typeface="Courier New" panose="02070309020205020404" pitchFamily="49" charset="0"/>
+              </a:rPr>
+              <a:t>[10];</a:t>
+            </a:r>
+          </a:p>
+          <a:p>
+            <a:pPr marL="0" indent="0">
+              <a:buNone/>
+            </a:pPr>
+            <a:r>
+              <a:rPr lang="es-MX" sz="2400" dirty="0" err="1" smtClean="0">
+                <a:latin typeface="Courier New" panose="02070309020205020404" pitchFamily="49" charset="0"/>
+                <a:cs typeface="Courier New" panose="02070309020205020404" pitchFamily="49" charset="0"/>
+              </a:rPr>
+              <a:t>array</a:t>
+            </a:r>
+            <a:r>
+              <a:rPr lang="es-MX" sz="2400" dirty="0" smtClean="0">
+                <a:latin typeface="Courier New" panose="02070309020205020404" pitchFamily="49" charset="0"/>
+                <a:cs typeface="Courier New" panose="02070309020205020404" pitchFamily="49" charset="0"/>
+              </a:rPr>
+              <a:t>[3] = 5;</a:t>
+            </a:r>
+          </a:p>
+          <a:p>
+            <a:pPr marL="0" indent="0">
+              <a:buNone/>
+            </a:pPr>
+            <a:endParaRPr lang="es-MX" sz="2400" dirty="0" smtClean="0">
+              <a:latin typeface="Courier New" panose="02070309020205020404" pitchFamily="49" charset="0"/>
+              <a:cs typeface="Courier New" panose="02070309020205020404" pitchFamily="49" charset="0"/>
+            </a:endParaRPr>
+          </a:p>
+          <a:p>
+            <a:pPr marL="0" indent="0">
+              <a:buNone/>
+            </a:pPr>
+            <a:r>
+              <a:rPr lang="es-MX" sz="2400" dirty="0" err="1">
+                <a:latin typeface="Courier New" panose="02070309020205020404" pitchFamily="49" charset="0"/>
+                <a:cs typeface="Courier New" panose="02070309020205020404" pitchFamily="49" charset="0"/>
+              </a:rPr>
+              <a:t>i</a:t>
+            </a:r>
+            <a:r>
+              <a:rPr lang="es-MX" sz="2400" dirty="0" err="1" smtClean="0">
+                <a:latin typeface="Courier New" panose="02070309020205020404" pitchFamily="49" charset="0"/>
+                <a:cs typeface="Courier New" panose="02070309020205020404" pitchFamily="49" charset="0"/>
+              </a:rPr>
+              <a:t>nt</a:t>
+            </a:r>
+            <a:r>
+              <a:rPr lang="es-MX" sz="2400" dirty="0" smtClean="0">
+                <a:latin typeface="Courier New" panose="02070309020205020404" pitchFamily="49" charset="0"/>
+                <a:cs typeface="Courier New" panose="02070309020205020404" pitchFamily="49" charset="0"/>
+              </a:rPr>
+              <a:t>[][] matriz = new </a:t>
+            </a:r>
+            <a:r>
+              <a:rPr lang="es-MX" sz="2400" dirty="0" err="1" smtClean="0">
+                <a:latin typeface="Courier New" panose="02070309020205020404" pitchFamily="49" charset="0"/>
+                <a:cs typeface="Courier New" panose="02070309020205020404" pitchFamily="49" charset="0"/>
+              </a:rPr>
+              <a:t>int</a:t>
+            </a:r>
+            <a:r>
+              <a:rPr lang="es-MX" sz="2400" dirty="0" smtClean="0">
+                <a:latin typeface="Courier New" panose="02070309020205020404" pitchFamily="49" charset="0"/>
+                <a:cs typeface="Courier New" panose="02070309020205020404" pitchFamily="49" charset="0"/>
+              </a:rPr>
+              <a:t>[5][3];</a:t>
+            </a:r>
+          </a:p>
+          <a:p>
+            <a:pPr marL="0" indent="0">
+              <a:buNone/>
+            </a:pPr>
+            <a:r>
+              <a:rPr lang="es-MX" sz="2400" dirty="0">
+                <a:latin typeface="Courier New" panose="02070309020205020404" pitchFamily="49" charset="0"/>
+                <a:cs typeface="Courier New" panose="02070309020205020404" pitchFamily="49" charset="0"/>
+              </a:rPr>
+              <a:t>m</a:t>
+            </a:r>
+            <a:r>
+              <a:rPr lang="es-MX" sz="2400" dirty="0" smtClean="0">
+                <a:latin typeface="Courier New" panose="02070309020205020404" pitchFamily="49" charset="0"/>
+                <a:cs typeface="Courier New" panose="02070309020205020404" pitchFamily="49" charset="0"/>
+              </a:rPr>
+              <a:t>atriz[2][2] = 4;</a:t>
+            </a:r>
+            <a:endParaRPr lang="es-MX" sz="2400" dirty="0">
+              <a:latin typeface="Courier New" panose="02070309020205020404" pitchFamily="49" charset="0"/>
+              <a:cs typeface="Courier New" panose="02070309020205020404" pitchFamily="49" charset="0"/>
+            </a:endParaRPr>
+          </a:p>
+        </p:txBody>
+      </p:sp>
+      <p:pic>
+        <p:nvPicPr>
+          <p:cNvPr id="4" name="Imagen 3"/>
+          <p:cNvPicPr>
+            <a:picLocks noChangeAspect="1"/>
+          </p:cNvPicPr>
+          <p:nvPr/>
+        </p:nvPicPr>
+        <p:blipFill>
+          <a:blip r:embed="rId2">
+            <a:extLst>
+              <a:ext uri="{28A0092B-C50C-407E-A947-70E740481C1C}">
+                <a14:useLocalDpi xmlns:a14="http://schemas.microsoft.com/office/drawing/2010/main" val="0"/>
+              </a:ext>
+            </a:extLst>
+          </a:blip>
+          <a:stretch>
+            <a:fillRect/>
+          </a:stretch>
+        </p:blipFill>
+        <p:spPr>
+          <a:xfrm>
+            <a:off x="119106" y="6130345"/>
+            <a:ext cx="1628127" cy="727655"/>
+          </a:xfrm>
+          <a:prstGeom prst="rect">
+            <a:avLst/>
+          </a:prstGeom>
+        </p:spPr>
+      </p:pic>
+    </p:spTree>
+    <p:extLst>
+      <p:ext uri="{BB962C8B-B14F-4D97-AF65-F5344CB8AC3E}">
+        <p14:creationId xmlns:p14="http://schemas.microsoft.com/office/powerpoint/2010/main" val="3809755653"/>
+      </p:ext>
+    </p:extLst>
+  </p:cSld>
+  <p:clrMapOvr>
+    <a:masterClrMapping/>
+  </p:clrMapOvr>
+  <p:timing>
+    <p:tnLst>
+      <p:par>
+        <p:cTn id="1" dur="indefinite" restart="never" nodeType="tmRoot"/>
+      </p:par>
+    </p:tnLst>
+  </p:timing>
+</p:sld>
+</file>
+
+<file path=ppt/slides/slide32.xml><?xml version="1.0" encoding="utf-8"?>
+<p:sld xmlns:a="http://schemas.openxmlformats.org/drawingml/2006/main" xmlns:r="http://schemas.openxmlformats.org/officeDocument/2006/relationships" xmlns:p="http://schemas.openxmlformats.org/presentationml/2006/main">
+  <p:cSld>
+    <p:spTree>
+      <p:nvGrpSpPr>
+        <p:cNvPr id="1" name=""/>
+        <p:cNvGrpSpPr/>
+        <p:nvPr/>
+      </p:nvGrpSpPr>
+      <p:grpSpPr>
+        <a:xfrm>
+          <a:off x="0" y="0"/>
+          <a:ext cx="0" cy="0"/>
+          <a:chOff x="0" y="0"/>
+          <a:chExt cx="0" cy="0"/>
+        </a:xfrm>
+      </p:grpSpPr>
+      <p:sp>
+        <p:nvSpPr>
+          <p:cNvPr id="2" name="Título 1"/>
+          <p:cNvSpPr>
+            <a:spLocks noGrp="1"/>
+          </p:cNvSpPr>
+          <p:nvPr>
+            <p:ph type="title"/>
+          </p:nvPr>
+        </p:nvSpPr>
+        <p:spPr/>
+        <p:txBody>
+          <a:bodyPr/>
+          <a:lstStyle/>
+          <a:p>
+            <a:r>
+              <a:rPr lang="es-MX" dirty="0"/>
+              <a:t>Programación Orientada a Objetos</a:t>
+            </a:r>
+          </a:p>
+        </p:txBody>
+      </p:sp>
+      <p:sp>
+        <p:nvSpPr>
+          <p:cNvPr id="3" name="Marcador de contenido 2"/>
+          <p:cNvSpPr>
+            <a:spLocks noGrp="1"/>
+          </p:cNvSpPr>
+          <p:nvPr>
+            <p:ph idx="1"/>
+          </p:nvPr>
+        </p:nvSpPr>
+        <p:spPr/>
+        <p:txBody>
+          <a:bodyPr>
+            <a:normAutofit/>
+          </a:bodyPr>
+          <a:lstStyle/>
+          <a:p>
+            <a:pPr marL="0" indent="0" algn="ctr">
+              <a:buNone/>
+            </a:pPr>
+            <a:r>
+              <a:rPr lang="es-MX" sz="2800" dirty="0" smtClean="0"/>
+              <a:t>Es un paradigma de programación que usa los objetos en sus interacciones, para diseñar aplicaciones y programas informáticos</a:t>
+            </a:r>
+            <a:endParaRPr lang="es-MX" sz="2800" dirty="0"/>
+          </a:p>
+        </p:txBody>
+      </p:sp>
+      <p:pic>
+        <p:nvPicPr>
+          <p:cNvPr id="4" name="Imagen 3"/>
+          <p:cNvPicPr>
+            <a:picLocks noChangeAspect="1"/>
+          </p:cNvPicPr>
+          <p:nvPr/>
+        </p:nvPicPr>
+        <p:blipFill>
+          <a:blip r:embed="rId2">
+            <a:extLst>
+              <a:ext uri="{28A0092B-C50C-407E-A947-70E740481C1C}">
+                <a14:useLocalDpi xmlns:a14="http://schemas.microsoft.com/office/drawing/2010/main" val="0"/>
+              </a:ext>
+            </a:extLst>
+          </a:blip>
+          <a:stretch>
+            <a:fillRect/>
+          </a:stretch>
+        </p:blipFill>
+        <p:spPr>
+          <a:xfrm>
+            <a:off x="119106" y="6130345"/>
+            <a:ext cx="1628127" cy="727655"/>
+          </a:xfrm>
+          <a:prstGeom prst="rect">
+            <a:avLst/>
+          </a:prstGeom>
+        </p:spPr>
+      </p:pic>
+    </p:spTree>
+    <p:extLst>
+      <p:ext uri="{BB962C8B-B14F-4D97-AF65-F5344CB8AC3E}">
+        <p14:creationId xmlns:p14="http://schemas.microsoft.com/office/powerpoint/2010/main" val="2820542107"/>
+      </p:ext>
+    </p:extLst>
+  </p:cSld>
+  <p:clrMapOvr>
+    <a:masterClrMapping/>
+  </p:clrMapOvr>
+  <p:timing>
+    <p:tnLst>
+      <p:par>
+        <p:cTn id="1" dur="indefinite" restart="never" nodeType="tmRoot"/>
+      </p:par>
+    </p:tnLst>
+  </p:timing>
+</p:sld>
+</file>
+
+<file path=ppt/slides/slide33.xml><?xml version="1.0" encoding="utf-8"?>
 <p:sld xmlns:a="http://schemas.openxmlformats.org/drawingml/2006/main" xmlns:r="http://schemas.openxmlformats.org/officeDocument/2006/relationships" xmlns:p="http://schemas.openxmlformats.org/presentationml/2006/main">
   <p:cSld>
     <p:spTree>
@@ -11556,7 +12226,7 @@
 </p:sld>
 </file>
 
-<file path=ppt/slides/slide31.xml><?xml version="1.0" encoding="utf-8"?>
+<file path=ppt/slides/slide34.xml><?xml version="1.0" encoding="utf-8"?>
 <p:sld xmlns:a="http://schemas.openxmlformats.org/drawingml/2006/main" xmlns:r="http://schemas.openxmlformats.org/officeDocument/2006/relationships" xmlns:p="http://schemas.openxmlformats.org/presentationml/2006/main">
   <p:cSld>
     <p:spTree>
@@ -11696,7 +12366,7 @@
 </p:sld>
 </file>
 
-<file path=ppt/slides/slide32.xml><?xml version="1.0" encoding="utf-8"?>
+<file path=ppt/slides/slide35.xml><?xml version="1.0" encoding="utf-8"?>
 <p:sld xmlns:a="http://schemas.openxmlformats.org/drawingml/2006/main" xmlns:r="http://schemas.openxmlformats.org/officeDocument/2006/relationships" xmlns:p="http://schemas.openxmlformats.org/presentationml/2006/main">
   <p:cSld>
     <p:spTree>
@@ -11814,7 +12484,7 @@
 </p:sld>
 </file>
 
-<file path=ppt/slides/slide33.xml><?xml version="1.0" encoding="utf-8"?>
+<file path=ppt/slides/slide36.xml><?xml version="1.0" encoding="utf-8"?>
 <p:sld xmlns:a="http://schemas.openxmlformats.org/drawingml/2006/main" xmlns:r="http://schemas.openxmlformats.org/officeDocument/2006/relationships" xmlns:p="http://schemas.openxmlformats.org/presentationml/2006/main">
   <p:cSld>
     <p:spTree>
@@ -12308,7 +12978,7 @@
 </p:sld>
 </file>
 
-<file path=ppt/slides/slide34.xml><?xml version="1.0" encoding="utf-8"?>
+<file path=ppt/slides/slide37.xml><?xml version="1.0" encoding="utf-8"?>
 <p:sld xmlns:a="http://schemas.openxmlformats.org/drawingml/2006/main" xmlns:r="http://schemas.openxmlformats.org/officeDocument/2006/relationships" xmlns:p="http://schemas.openxmlformats.org/presentationml/2006/main">
   <p:cSld>
     <p:spTree>
@@ -13155,7 +13825,7 @@
 </p:sld>
 </file>
 
-<file path=ppt/slides/slide35.xml><?xml version="1.0" encoding="utf-8"?>
+<file path=ppt/slides/slide38.xml><?xml version="1.0" encoding="utf-8"?>
 <p:sld xmlns:a="http://schemas.openxmlformats.org/drawingml/2006/main" xmlns:r="http://schemas.openxmlformats.org/officeDocument/2006/relationships" xmlns:p="http://schemas.openxmlformats.org/presentationml/2006/main">
   <p:cSld>
     <p:spTree>
@@ -13960,7 +14630,7 @@
 </p:sld>
 </file>
 
-<file path=ppt/slides/slide36.xml><?xml version="1.0" encoding="utf-8"?>
+<file path=ppt/slides/slide39.xml><?xml version="1.0" encoding="utf-8"?>
 <p:sld xmlns:a="http://schemas.openxmlformats.org/drawingml/2006/main" xmlns:r="http://schemas.openxmlformats.org/officeDocument/2006/relationships" xmlns:p="http://schemas.openxmlformats.org/presentationml/2006/main">
   <p:cSld>
     <p:spTree>
@@ -14122,7 +14792,152 @@
 </p:sld>
 </file>
 
-<file path=ppt/slides/slide37.xml><?xml version="1.0" encoding="utf-8"?>
+<file path=ppt/slides/slide4.xml><?xml version="1.0" encoding="utf-8"?>
+<p:sld xmlns:a="http://schemas.openxmlformats.org/drawingml/2006/main" xmlns:r="http://schemas.openxmlformats.org/officeDocument/2006/relationships" xmlns:p="http://schemas.openxmlformats.org/presentationml/2006/main">
+  <p:cSld>
+    <p:spTree>
+      <p:nvGrpSpPr>
+        <p:cNvPr id="1" name=""/>
+        <p:cNvGrpSpPr/>
+        <p:nvPr/>
+      </p:nvGrpSpPr>
+      <p:grpSpPr>
+        <a:xfrm>
+          <a:off x="0" y="0"/>
+          <a:ext cx="0" cy="0"/>
+          <a:chOff x="0" y="0"/>
+          <a:chExt cx="0" cy="0"/>
+        </a:xfrm>
+      </p:grpSpPr>
+      <p:sp>
+        <p:nvSpPr>
+          <p:cNvPr id="2" name="Título 1"/>
+          <p:cNvSpPr>
+            <a:spLocks noGrp="1"/>
+          </p:cNvSpPr>
+          <p:nvPr>
+            <p:ph type="title"/>
+          </p:nvPr>
+        </p:nvSpPr>
+        <p:spPr>
+          <a:xfrm>
+            <a:off x="612938" y="339145"/>
+            <a:ext cx="8596668" cy="523741"/>
+          </a:xfrm>
+        </p:spPr>
+        <p:txBody>
+          <a:bodyPr>
+            <a:normAutofit fontScale="90000"/>
+          </a:bodyPr>
+          <a:lstStyle/>
+          <a:p>
+            <a:pPr algn="ctr"/>
+            <a:r>
+              <a:rPr lang="es-MX" dirty="0" err="1" smtClean="0"/>
+              <a:t>Write</a:t>
+            </a:r>
+            <a:r>
+              <a:rPr lang="es-MX" dirty="0" smtClean="0"/>
+              <a:t> once </a:t>
+            </a:r>
+            <a:r>
+              <a:rPr lang="es-MX" dirty="0" err="1" smtClean="0"/>
+              <a:t>run</a:t>
+            </a:r>
+            <a:r>
+              <a:rPr lang="es-MX" dirty="0" smtClean="0"/>
+              <a:t> </a:t>
+            </a:r>
+            <a:r>
+              <a:rPr lang="es-MX" dirty="0" err="1" smtClean="0"/>
+              <a:t>everywhere</a:t>
+            </a:r>
+            <a:r>
+              <a:rPr lang="es-MX" dirty="0"/>
+              <a:t/>
+            </a:r>
+            <a:br>
+              <a:rPr lang="es-MX" dirty="0"/>
+            </a:br>
+            <a:endParaRPr lang="es-MX" dirty="0"/>
+          </a:p>
+        </p:txBody>
+      </p:sp>
+      <p:pic>
+        <p:nvPicPr>
+          <p:cNvPr id="5" name="Imagen 4"/>
+          <p:cNvPicPr>
+            <a:picLocks noChangeAspect="1"/>
+          </p:cNvPicPr>
+          <p:nvPr/>
+        </p:nvPicPr>
+        <p:blipFill>
+          <a:blip r:embed="rId2"/>
+          <a:stretch>
+            <a:fillRect/>
+          </a:stretch>
+        </p:blipFill>
+        <p:spPr>
+          <a:xfrm>
+            <a:off x="329280" y="1698152"/>
+            <a:ext cx="9163984" cy="3401882"/>
+          </a:xfrm>
+          <a:prstGeom prst="rect">
+            <a:avLst/>
+          </a:prstGeom>
+        </p:spPr>
+      </p:pic>
+      <p:pic>
+        <p:nvPicPr>
+          <p:cNvPr id="4" name="Imagen 3"/>
+          <p:cNvPicPr>
+            <a:picLocks noChangeAspect="1"/>
+          </p:cNvPicPr>
+          <p:nvPr/>
+        </p:nvPicPr>
+        <p:blipFill>
+          <a:blip r:embed="rId3">
+            <a:extLst>
+              <a:ext uri="{28A0092B-C50C-407E-A947-70E740481C1C}">
+                <a14:useLocalDpi xmlns:a14="http://schemas.microsoft.com/office/drawing/2010/main" val="0"/>
+              </a:ext>
+            </a:extLst>
+          </a:blip>
+          <a:stretch>
+            <a:fillRect/>
+          </a:stretch>
+        </p:blipFill>
+        <p:spPr>
+          <a:xfrm>
+            <a:off x="119106" y="6130345"/>
+            <a:ext cx="1628127" cy="727655"/>
+          </a:xfrm>
+          <a:prstGeom prst="rect">
+            <a:avLst/>
+          </a:prstGeom>
+        </p:spPr>
+      </p:pic>
+    </p:spTree>
+    <p:extLst>
+      <p:ext uri="{BB962C8B-B14F-4D97-AF65-F5344CB8AC3E}">
+        <p14:creationId xmlns:p14="http://schemas.microsoft.com/office/powerpoint/2010/main" val="3172613163"/>
+      </p:ext>
+    </p:extLst>
+  </p:cSld>
+  <p:clrMapOvr>
+    <a:masterClrMapping/>
+  </p:clrMapOvr>
+  <p:timing>
+    <p:tnLst>
+      <p:par>
+        <p:cTn id="1" dur="indefinite" restart="never" nodeType="tmRoot"/>
+      </p:par>
+    </p:tnLst>
+  </p:timing>
+</p:sld>
+</file>
+
+<file path=ppt/slides/slide40.xml><?xml version="1.0" encoding="utf-8"?>
 <p:sld xmlns:a="http://schemas.openxmlformats.org/drawingml/2006/main" xmlns:r="http://schemas.openxmlformats.org/officeDocument/2006/relationships" xmlns:p="http://schemas.openxmlformats.org/presentationml/2006/main">
   <p:cSld>
     <p:spTree>
@@ -14672,7 +15487,7 @@
 </p:sld>
 </file>
 
-<file path=ppt/slides/slide38.xml><?xml version="1.0" encoding="utf-8"?>
+<file path=ppt/slides/slide41.xml><?xml version="1.0" encoding="utf-8"?>
 <p:sld xmlns:a="http://schemas.openxmlformats.org/drawingml/2006/main" xmlns:r="http://schemas.openxmlformats.org/officeDocument/2006/relationships" xmlns:p="http://schemas.openxmlformats.org/presentationml/2006/main">
   <p:cSld>
     <p:spTree>
@@ -15532,7 +16347,7 @@
 </p:sld>
 </file>
 
-<file path=ppt/slides/slide39.xml><?xml version="1.0" encoding="utf-8"?>
+<file path=ppt/slides/slide42.xml><?xml version="1.0" encoding="utf-8"?>
 <p:sld xmlns:a="http://schemas.openxmlformats.org/drawingml/2006/main" xmlns:r="http://schemas.openxmlformats.org/officeDocument/2006/relationships" xmlns:p="http://schemas.openxmlformats.org/presentationml/2006/main">
   <p:cSld>
     <p:spTree>
@@ -15740,152 +16555,7 @@
 </p:sld>
 </file>
 
-<file path=ppt/slides/slide4.xml><?xml version="1.0" encoding="utf-8"?>
-<p:sld xmlns:a="http://schemas.openxmlformats.org/drawingml/2006/main" xmlns:r="http://schemas.openxmlformats.org/officeDocument/2006/relationships" xmlns:p="http://schemas.openxmlformats.org/presentationml/2006/main">
-  <p:cSld>
-    <p:spTree>
-      <p:nvGrpSpPr>
-        <p:cNvPr id="1" name=""/>
-        <p:cNvGrpSpPr/>
-        <p:nvPr/>
-      </p:nvGrpSpPr>
-      <p:grpSpPr>
-        <a:xfrm>
-          <a:off x="0" y="0"/>
-          <a:ext cx="0" cy="0"/>
-          <a:chOff x="0" y="0"/>
-          <a:chExt cx="0" cy="0"/>
-        </a:xfrm>
-      </p:grpSpPr>
-      <p:sp>
-        <p:nvSpPr>
-          <p:cNvPr id="2" name="Título 1"/>
-          <p:cNvSpPr>
-            <a:spLocks noGrp="1"/>
-          </p:cNvSpPr>
-          <p:nvPr>
-            <p:ph type="title"/>
-          </p:nvPr>
-        </p:nvSpPr>
-        <p:spPr>
-          <a:xfrm>
-            <a:off x="612938" y="339145"/>
-            <a:ext cx="8596668" cy="523741"/>
-          </a:xfrm>
-        </p:spPr>
-        <p:txBody>
-          <a:bodyPr>
-            <a:normAutofit fontScale="90000"/>
-          </a:bodyPr>
-          <a:lstStyle/>
-          <a:p>
-            <a:pPr algn="ctr"/>
-            <a:r>
-              <a:rPr lang="es-MX" dirty="0" err="1" smtClean="0"/>
-              <a:t>Write</a:t>
-            </a:r>
-            <a:r>
-              <a:rPr lang="es-MX" dirty="0" smtClean="0"/>
-              <a:t> once </a:t>
-            </a:r>
-            <a:r>
-              <a:rPr lang="es-MX" dirty="0" err="1" smtClean="0"/>
-              <a:t>run</a:t>
-            </a:r>
-            <a:r>
-              <a:rPr lang="es-MX" dirty="0" smtClean="0"/>
-              <a:t> </a:t>
-            </a:r>
-            <a:r>
-              <a:rPr lang="es-MX" dirty="0" err="1" smtClean="0"/>
-              <a:t>everywhere</a:t>
-            </a:r>
-            <a:r>
-              <a:rPr lang="es-MX" dirty="0"/>
-              <a:t/>
-            </a:r>
-            <a:br>
-              <a:rPr lang="es-MX" dirty="0"/>
-            </a:br>
-            <a:endParaRPr lang="es-MX" dirty="0"/>
-          </a:p>
-        </p:txBody>
-      </p:sp>
-      <p:pic>
-        <p:nvPicPr>
-          <p:cNvPr id="5" name="Imagen 4"/>
-          <p:cNvPicPr>
-            <a:picLocks noChangeAspect="1"/>
-          </p:cNvPicPr>
-          <p:nvPr/>
-        </p:nvPicPr>
-        <p:blipFill>
-          <a:blip r:embed="rId2"/>
-          <a:stretch>
-            <a:fillRect/>
-          </a:stretch>
-        </p:blipFill>
-        <p:spPr>
-          <a:xfrm>
-            <a:off x="329280" y="1698152"/>
-            <a:ext cx="9163984" cy="3401882"/>
-          </a:xfrm>
-          <a:prstGeom prst="rect">
-            <a:avLst/>
-          </a:prstGeom>
-        </p:spPr>
-      </p:pic>
-      <p:pic>
-        <p:nvPicPr>
-          <p:cNvPr id="4" name="Imagen 3"/>
-          <p:cNvPicPr>
-            <a:picLocks noChangeAspect="1"/>
-          </p:cNvPicPr>
-          <p:nvPr/>
-        </p:nvPicPr>
-        <p:blipFill>
-          <a:blip r:embed="rId3">
-            <a:extLst>
-              <a:ext uri="{28A0092B-C50C-407E-A947-70E740481C1C}">
-                <a14:useLocalDpi xmlns:a14="http://schemas.microsoft.com/office/drawing/2010/main" val="0"/>
-              </a:ext>
-            </a:extLst>
-          </a:blip>
-          <a:stretch>
-            <a:fillRect/>
-          </a:stretch>
-        </p:blipFill>
-        <p:spPr>
-          <a:xfrm>
-            <a:off x="119106" y="6130345"/>
-            <a:ext cx="1628127" cy="727655"/>
-          </a:xfrm>
-          <a:prstGeom prst="rect">
-            <a:avLst/>
-          </a:prstGeom>
-        </p:spPr>
-      </p:pic>
-    </p:spTree>
-    <p:extLst>
-      <p:ext uri="{BB962C8B-B14F-4D97-AF65-F5344CB8AC3E}">
-        <p14:creationId xmlns:p14="http://schemas.microsoft.com/office/powerpoint/2010/main" val="3172613163"/>
-      </p:ext>
-    </p:extLst>
-  </p:cSld>
-  <p:clrMapOvr>
-    <a:masterClrMapping/>
-  </p:clrMapOvr>
-  <p:timing>
-    <p:tnLst>
-      <p:par>
-        <p:cTn id="1" dur="indefinite" restart="never" nodeType="tmRoot"/>
-      </p:par>
-    </p:tnLst>
-  </p:timing>
-</p:sld>
-</file>
-
-<file path=ppt/slides/slide40.xml><?xml version="1.0" encoding="utf-8"?>
+<file path=ppt/slides/slide43.xml><?xml version="1.0" encoding="utf-8"?>
 <p:sld xmlns:a="http://schemas.openxmlformats.org/drawingml/2006/main" xmlns:r="http://schemas.openxmlformats.org/officeDocument/2006/relationships" xmlns:p="http://schemas.openxmlformats.org/presentationml/2006/main">
   <p:cSld>
     <p:spTree>
@@ -16683,7 +17353,7 @@
 </p:sld>
 </file>
 
-<file path=ppt/slides/slide41.xml><?xml version="1.0" encoding="utf-8"?>
+<file path=ppt/slides/slide44.xml><?xml version="1.0" encoding="utf-8"?>
 <p:sld xmlns:a="http://schemas.openxmlformats.org/drawingml/2006/main" xmlns:r="http://schemas.openxmlformats.org/officeDocument/2006/relationships" xmlns:p="http://schemas.openxmlformats.org/presentationml/2006/main">
   <p:cSld>
     <p:spTree>
@@ -16926,7 +17596,7 @@
 </p:sld>
 </file>
 
-<file path=ppt/slides/slide42.xml><?xml version="1.0" encoding="utf-8"?>
+<file path=ppt/slides/slide45.xml><?xml version="1.0" encoding="utf-8"?>
 <p:sld xmlns:a="http://schemas.openxmlformats.org/drawingml/2006/main" xmlns:r="http://schemas.openxmlformats.org/officeDocument/2006/relationships" xmlns:p="http://schemas.openxmlformats.org/presentationml/2006/main">
   <p:cSld>
     <p:spTree>
@@ -17360,7 +18030,7 @@
 </p:sld>
 </file>
 
-<file path=ppt/slides/slide43.xml><?xml version="1.0" encoding="utf-8"?>
+<file path=ppt/slides/slide46.xml><?xml version="1.0" encoding="utf-8"?>
 <p:sld xmlns:a="http://schemas.openxmlformats.org/drawingml/2006/main" xmlns:r="http://schemas.openxmlformats.org/officeDocument/2006/relationships" xmlns:p="http://schemas.openxmlformats.org/presentationml/2006/main">
   <p:cSld>
     <p:spTree>
@@ -17412,14 +18082,19 @@
         </p:nvSpPr>
         <p:spPr/>
         <p:txBody>
-          <a:bodyPr/>
+          <a:bodyPr>
+            <a:normAutofit/>
+          </a:bodyPr>
           <a:lstStyle/>
           <a:p>
-            <a:r>
-              <a:rPr lang="es-MX" dirty="0" smtClean="0"/>
+            <a:pPr marL="0" indent="0" algn="ctr">
+              <a:buNone/>
+            </a:pPr>
+            <a:r>
+              <a:rPr lang="es-MX" sz="2400" dirty="0" smtClean="0"/>
               <a:t>La herencia facilita la creación de objetos a partir de otros ya existentes e implica que una subclase obtiene todo el comportamiento (métodos) y eventualmente las propiedades (variables) de su superclase</a:t>
             </a:r>
-            <a:endParaRPr lang="es-MX" dirty="0"/>
+            <a:endParaRPr lang="es-MX" sz="2400" dirty="0"/>
           </a:p>
         </p:txBody>
       </p:sp>
@@ -17473,7 +18148,7 @@
 </p:sld>
 </file>
 
-<file path=ppt/slides/slide44.xml><?xml version="1.0" encoding="utf-8"?>
+<file path=ppt/slides/slide47.xml><?xml version="1.0" encoding="utf-8"?>
 <p:sld xmlns:a="http://schemas.openxmlformats.org/drawingml/2006/main" xmlns:r="http://schemas.openxmlformats.org/officeDocument/2006/relationships" xmlns:p="http://schemas.openxmlformats.org/presentationml/2006/main">
   <p:cSld>
     <p:spTree>
@@ -18539,7 +19214,7 @@
 </p:sld>
 </file>
 
-<file path=ppt/slides/slide45.xml><?xml version="1.0" encoding="utf-8"?>
+<file path=ppt/slides/slide48.xml><?xml version="1.0" encoding="utf-8"?>
 <p:sld xmlns:a="http://schemas.openxmlformats.org/drawingml/2006/main" xmlns:r="http://schemas.openxmlformats.org/officeDocument/2006/relationships" xmlns:p="http://schemas.openxmlformats.org/presentationml/2006/main">
   <p:cSld>
     <p:spTree>
@@ -18875,7 +19550,6 @@
                         <a:rPr lang="es-MX" b="0" dirty="0" smtClean="0"/>
                         <a:t> = 18</a:t>
                       </a:r>
-                      <a:endParaRPr lang="es-MX" b="0" dirty="0" smtClean="0"/>
                     </a:p>
                   </a:txBody>
                   <a:tcPr/>
@@ -19092,6 +19766,115 @@
 </p:sld>
 </file>
 
+<file path=ppt/slides/slide49.xml><?xml version="1.0" encoding="utf-8"?>
+<p:sld xmlns:a="http://schemas.openxmlformats.org/drawingml/2006/main" xmlns:r="http://schemas.openxmlformats.org/officeDocument/2006/relationships" xmlns:p="http://schemas.openxmlformats.org/presentationml/2006/main">
+  <p:cSld>
+    <p:spTree>
+      <p:nvGrpSpPr>
+        <p:cNvPr id="1" name=""/>
+        <p:cNvGrpSpPr/>
+        <p:nvPr/>
+      </p:nvGrpSpPr>
+      <p:grpSpPr>
+        <a:xfrm>
+          <a:off x="0" y="0"/>
+          <a:ext cx="0" cy="0"/>
+          <a:chOff x="0" y="0"/>
+          <a:chExt cx="0" cy="0"/>
+        </a:xfrm>
+      </p:grpSpPr>
+      <p:sp>
+        <p:nvSpPr>
+          <p:cNvPr id="2" name="Título 1"/>
+          <p:cNvSpPr>
+            <a:spLocks noGrp="1"/>
+          </p:cNvSpPr>
+          <p:nvPr>
+            <p:ph type="title"/>
+          </p:nvPr>
+        </p:nvSpPr>
+        <p:spPr/>
+        <p:txBody>
+          <a:bodyPr/>
+          <a:lstStyle/>
+          <a:p>
+            <a:r>
+              <a:rPr lang="es-MX" dirty="0" smtClean="0"/>
+              <a:t>Interfaces y clases abstractas</a:t>
+            </a:r>
+            <a:endParaRPr lang="es-MX" dirty="0"/>
+          </a:p>
+        </p:txBody>
+      </p:sp>
+      <p:sp>
+        <p:nvSpPr>
+          <p:cNvPr id="4" name="Marcador de texto 3"/>
+          <p:cNvSpPr>
+            <a:spLocks noGrp="1"/>
+          </p:cNvSpPr>
+          <p:nvPr>
+            <p:ph type="body" idx="1"/>
+          </p:nvPr>
+        </p:nvSpPr>
+        <p:spPr/>
+        <p:txBody>
+          <a:bodyPr/>
+          <a:lstStyle/>
+          <a:p>
+            <a:endParaRPr lang="es-MX"/>
+          </a:p>
+        </p:txBody>
+      </p:sp>
+      <p:pic>
+        <p:nvPicPr>
+          <p:cNvPr id="5" name="Imagen 4"/>
+          <p:cNvPicPr>
+            <a:picLocks noChangeAspect="1"/>
+          </p:cNvPicPr>
+          <p:nvPr/>
+        </p:nvPicPr>
+        <p:blipFill>
+          <a:blip r:embed="rId2">
+            <a:extLst>
+              <a:ext uri="{28A0092B-C50C-407E-A947-70E740481C1C}">
+                <a14:useLocalDpi xmlns:a14="http://schemas.microsoft.com/office/drawing/2010/main" val="0"/>
+              </a:ext>
+            </a:extLst>
+          </a:blip>
+          <a:stretch>
+            <a:fillRect/>
+          </a:stretch>
+        </p:blipFill>
+        <p:spPr>
+          <a:xfrm>
+            <a:off x="119106" y="6130345"/>
+            <a:ext cx="1628127" cy="727655"/>
+          </a:xfrm>
+          <a:prstGeom prst="rect">
+            <a:avLst/>
+          </a:prstGeom>
+        </p:spPr>
+      </p:pic>
+    </p:spTree>
+    <p:extLst>
+      <p:ext uri="{BB962C8B-B14F-4D97-AF65-F5344CB8AC3E}">
+        <p14:creationId xmlns:p14="http://schemas.microsoft.com/office/powerpoint/2010/main" val="3867586081"/>
+      </p:ext>
+    </p:extLst>
+  </p:cSld>
+  <p:clrMapOvr>
+    <a:masterClrMapping/>
+  </p:clrMapOvr>
+  <p:timing>
+    <p:tnLst>
+      <p:par>
+        <p:cTn id="1" dur="indefinite" restart="never" nodeType="tmRoot"/>
+      </p:par>
+    </p:tnLst>
+  </p:timing>
+</p:sld>
+</file>
+
 <file path=ppt/slides/slide5.xml><?xml version="1.0" encoding="utf-8"?>
 <p:sld xmlns:a="http://schemas.openxmlformats.org/drawingml/2006/main" xmlns:r="http://schemas.openxmlformats.org/officeDocument/2006/relationships" xmlns:p="http://schemas.openxmlformats.org/presentationml/2006/main">
   <p:cSld>
@@ -19189,6 +19972,2975 @@
 </p:sld>
 </file>
 
+<file path=ppt/slides/slide50.xml><?xml version="1.0" encoding="utf-8"?>
+<p:sld xmlns:a="http://schemas.openxmlformats.org/drawingml/2006/main" xmlns:r="http://schemas.openxmlformats.org/officeDocument/2006/relationships" xmlns:p="http://schemas.openxmlformats.org/presentationml/2006/main">
+  <p:cSld>
+    <p:spTree>
+      <p:nvGrpSpPr>
+        <p:cNvPr id="1" name=""/>
+        <p:cNvGrpSpPr/>
+        <p:nvPr/>
+      </p:nvGrpSpPr>
+      <p:grpSpPr>
+        <a:xfrm>
+          <a:off x="0" y="0"/>
+          <a:ext cx="0" cy="0"/>
+          <a:chOff x="0" y="0"/>
+          <a:chExt cx="0" cy="0"/>
+        </a:xfrm>
+      </p:grpSpPr>
+      <p:sp>
+        <p:nvSpPr>
+          <p:cNvPr id="2" name="Título 1"/>
+          <p:cNvSpPr>
+            <a:spLocks noGrp="1"/>
+          </p:cNvSpPr>
+          <p:nvPr>
+            <p:ph type="title"/>
+          </p:nvPr>
+        </p:nvSpPr>
+        <p:spPr/>
+        <p:txBody>
+          <a:bodyPr/>
+          <a:lstStyle/>
+          <a:p>
+            <a:r>
+              <a:rPr lang="es-MX" dirty="0" smtClean="0"/>
+              <a:t>Interfaces</a:t>
+            </a:r>
+            <a:endParaRPr lang="es-MX" dirty="0"/>
+          </a:p>
+        </p:txBody>
+      </p:sp>
+      <p:sp>
+        <p:nvSpPr>
+          <p:cNvPr id="3" name="Marcador de contenido 2"/>
+          <p:cNvSpPr>
+            <a:spLocks noGrp="1"/>
+          </p:cNvSpPr>
+          <p:nvPr>
+            <p:ph idx="1"/>
+          </p:nvPr>
+        </p:nvSpPr>
+        <p:spPr>
+          <a:xfrm>
+            <a:off x="677334" y="2160589"/>
+            <a:ext cx="8596668" cy="2384517"/>
+          </a:xfrm>
+        </p:spPr>
+        <p:txBody>
+          <a:bodyPr>
+            <a:normAutofit/>
+          </a:bodyPr>
+          <a:lstStyle/>
+          <a:p>
+            <a:pPr marL="0" indent="0" algn="ctr">
+              <a:buNone/>
+            </a:pPr>
+            <a:r>
+              <a:rPr lang="es-MX" sz="2400" dirty="0" smtClean="0"/>
+              <a:t>Es una colección de métodos abstractos y propiedades. En ellas se especifica que se debe hacer pero no su implementación. Serán las clases que implementen estas interfaces las que describan la lógica del comportamiento de los métodos.</a:t>
+            </a:r>
+            <a:endParaRPr lang="es-MX" sz="2400" dirty="0"/>
+          </a:p>
+        </p:txBody>
+      </p:sp>
+      <p:pic>
+        <p:nvPicPr>
+          <p:cNvPr id="4" name="Imagen 3"/>
+          <p:cNvPicPr>
+            <a:picLocks noChangeAspect="1"/>
+          </p:cNvPicPr>
+          <p:nvPr/>
+        </p:nvPicPr>
+        <p:blipFill>
+          <a:blip r:embed="rId2">
+            <a:extLst>
+              <a:ext uri="{28A0092B-C50C-407E-A947-70E740481C1C}">
+                <a14:useLocalDpi xmlns:a14="http://schemas.microsoft.com/office/drawing/2010/main" val="0"/>
+              </a:ext>
+            </a:extLst>
+          </a:blip>
+          <a:stretch>
+            <a:fillRect/>
+          </a:stretch>
+        </p:blipFill>
+        <p:spPr>
+          <a:xfrm>
+            <a:off x="119106" y="6130345"/>
+            <a:ext cx="1628127" cy="727655"/>
+          </a:xfrm>
+          <a:prstGeom prst="rect">
+            <a:avLst/>
+          </a:prstGeom>
+        </p:spPr>
+      </p:pic>
+    </p:spTree>
+    <p:extLst>
+      <p:ext uri="{BB962C8B-B14F-4D97-AF65-F5344CB8AC3E}">
+        <p14:creationId xmlns:p14="http://schemas.microsoft.com/office/powerpoint/2010/main" val="3690979824"/>
+      </p:ext>
+    </p:extLst>
+  </p:cSld>
+  <p:clrMapOvr>
+    <a:masterClrMapping/>
+  </p:clrMapOvr>
+  <p:timing>
+    <p:tnLst>
+      <p:par>
+        <p:cTn id="1" dur="indefinite" restart="never" nodeType="tmRoot"/>
+      </p:par>
+    </p:tnLst>
+  </p:timing>
+</p:sld>
+</file>
+
+<file path=ppt/slides/slide51.xml><?xml version="1.0" encoding="utf-8"?>
+<p:sld xmlns:a="http://schemas.openxmlformats.org/drawingml/2006/main" xmlns:r="http://schemas.openxmlformats.org/officeDocument/2006/relationships" xmlns:p="http://schemas.openxmlformats.org/presentationml/2006/main">
+  <p:cSld>
+    <p:spTree>
+      <p:nvGrpSpPr>
+        <p:cNvPr id="1" name=""/>
+        <p:cNvGrpSpPr/>
+        <p:nvPr/>
+      </p:nvGrpSpPr>
+      <p:grpSpPr>
+        <a:xfrm>
+          <a:off x="0" y="0"/>
+          <a:ext cx="0" cy="0"/>
+          <a:chOff x="0" y="0"/>
+          <a:chExt cx="0" cy="0"/>
+        </a:xfrm>
+      </p:grpSpPr>
+      <p:sp>
+        <p:nvSpPr>
+          <p:cNvPr id="2" name="Título 1"/>
+          <p:cNvSpPr>
+            <a:spLocks noGrp="1"/>
+          </p:cNvSpPr>
+          <p:nvPr>
+            <p:ph type="title"/>
+          </p:nvPr>
+        </p:nvSpPr>
+        <p:spPr/>
+        <p:txBody>
+          <a:bodyPr/>
+          <a:lstStyle/>
+          <a:p>
+            <a:r>
+              <a:rPr lang="es-MX" dirty="0" smtClean="0"/>
+              <a:t>Clases abstractas</a:t>
+            </a:r>
+            <a:endParaRPr lang="es-MX" dirty="0"/>
+          </a:p>
+        </p:txBody>
+      </p:sp>
+      <p:sp>
+        <p:nvSpPr>
+          <p:cNvPr id="3" name="Marcador de contenido 2"/>
+          <p:cNvSpPr>
+            <a:spLocks noGrp="1"/>
+          </p:cNvSpPr>
+          <p:nvPr>
+            <p:ph idx="1"/>
+          </p:nvPr>
+        </p:nvSpPr>
+        <p:spPr/>
+        <p:txBody>
+          <a:bodyPr>
+            <a:normAutofit fontScale="92500"/>
+          </a:bodyPr>
+          <a:lstStyle/>
+          <a:p>
+            <a:pPr marL="0" indent="0" algn="ctr">
+              <a:buNone/>
+            </a:pPr>
+            <a:r>
+              <a:rPr lang="es-MX" sz="2400" dirty="0" smtClean="0"/>
+              <a:t>Son las clases tanto explícitamente declaradas como abstractas como las que contienen métodos abstractos (no implementados). Excepto la capacidad de instanciación, tienen las mismas capacidades que una clase o tipo concreto.</a:t>
+            </a:r>
+          </a:p>
+          <a:p>
+            <a:pPr marL="0" indent="0" algn="ctr">
+              <a:buNone/>
+            </a:pPr>
+            <a:endParaRPr lang="es-MX" sz="2400" dirty="0"/>
+          </a:p>
+          <a:p>
+            <a:pPr marL="0" indent="0">
+              <a:buNone/>
+            </a:pPr>
+            <a:r>
+              <a:rPr lang="es-MX" sz="2400" i="1" dirty="0" smtClean="0"/>
+              <a:t>No se pueden generar objetos de las clases abstractas (objetos).</a:t>
+            </a:r>
+          </a:p>
+          <a:p>
+            <a:pPr marL="0" indent="0">
+              <a:buNone/>
+            </a:pPr>
+            <a:endParaRPr lang="es-MX" sz="2400" i="1" dirty="0" smtClean="0"/>
+          </a:p>
+          <a:p>
+            <a:pPr marL="0" indent="0">
+              <a:buNone/>
+            </a:pPr>
+            <a:r>
+              <a:rPr lang="es-MX" sz="2400" i="1" dirty="0" smtClean="0"/>
+              <a:t>Sirven para generar plantillas genéricas para que después se personalicen</a:t>
+            </a:r>
+            <a:endParaRPr lang="es-MX" sz="2400" i="1" dirty="0"/>
+          </a:p>
+        </p:txBody>
+      </p:sp>
+      <p:pic>
+        <p:nvPicPr>
+          <p:cNvPr id="4" name="Imagen 3"/>
+          <p:cNvPicPr>
+            <a:picLocks noChangeAspect="1"/>
+          </p:cNvPicPr>
+          <p:nvPr/>
+        </p:nvPicPr>
+        <p:blipFill>
+          <a:blip r:embed="rId2">
+            <a:extLst>
+              <a:ext uri="{28A0092B-C50C-407E-A947-70E740481C1C}">
+                <a14:useLocalDpi xmlns:a14="http://schemas.microsoft.com/office/drawing/2010/main" val="0"/>
+              </a:ext>
+            </a:extLst>
+          </a:blip>
+          <a:stretch>
+            <a:fillRect/>
+          </a:stretch>
+        </p:blipFill>
+        <p:spPr>
+          <a:xfrm>
+            <a:off x="119106" y="6130345"/>
+            <a:ext cx="1628127" cy="727655"/>
+          </a:xfrm>
+          <a:prstGeom prst="rect">
+            <a:avLst/>
+          </a:prstGeom>
+        </p:spPr>
+      </p:pic>
+    </p:spTree>
+    <p:extLst>
+      <p:ext uri="{BB962C8B-B14F-4D97-AF65-F5344CB8AC3E}">
+        <p14:creationId xmlns:p14="http://schemas.microsoft.com/office/powerpoint/2010/main" val="3322106589"/>
+      </p:ext>
+    </p:extLst>
+  </p:cSld>
+  <p:clrMapOvr>
+    <a:masterClrMapping/>
+  </p:clrMapOvr>
+  <p:timing>
+    <p:tnLst>
+      <p:par>
+        <p:cTn id="1" dur="indefinite" restart="never" nodeType="tmRoot"/>
+      </p:par>
+    </p:tnLst>
+  </p:timing>
+</p:sld>
+</file>
+
+<file path=ppt/slides/slide52.xml><?xml version="1.0" encoding="utf-8"?>
+<p:sld xmlns:a="http://schemas.openxmlformats.org/drawingml/2006/main" xmlns:r="http://schemas.openxmlformats.org/officeDocument/2006/relationships" xmlns:p="http://schemas.openxmlformats.org/presentationml/2006/main">
+  <p:cSld>
+    <p:spTree>
+      <p:nvGrpSpPr>
+        <p:cNvPr id="1" name=""/>
+        <p:cNvGrpSpPr/>
+        <p:nvPr/>
+      </p:nvGrpSpPr>
+      <p:grpSpPr>
+        <a:xfrm>
+          <a:off x="0" y="0"/>
+          <a:ext cx="0" cy="0"/>
+          <a:chOff x="0" y="0"/>
+          <a:chExt cx="0" cy="0"/>
+        </a:xfrm>
+      </p:grpSpPr>
+      <p:pic>
+        <p:nvPicPr>
+          <p:cNvPr id="2" name="Imagen 1"/>
+          <p:cNvPicPr>
+            <a:picLocks noChangeAspect="1"/>
+          </p:cNvPicPr>
+          <p:nvPr/>
+        </p:nvPicPr>
+        <p:blipFill>
+          <a:blip r:embed="rId2">
+            <a:extLst>
+              <a:ext uri="{28A0092B-C50C-407E-A947-70E740481C1C}">
+                <a14:useLocalDpi xmlns:a14="http://schemas.microsoft.com/office/drawing/2010/main" val="0"/>
+              </a:ext>
+            </a:extLst>
+          </a:blip>
+          <a:stretch>
+            <a:fillRect/>
+          </a:stretch>
+        </p:blipFill>
+        <p:spPr>
+          <a:xfrm>
+            <a:off x="119106" y="6130345"/>
+            <a:ext cx="1628127" cy="727655"/>
+          </a:xfrm>
+          <a:prstGeom prst="rect">
+            <a:avLst/>
+          </a:prstGeom>
+        </p:spPr>
+      </p:pic>
+      <p:graphicFrame>
+        <p:nvGraphicFramePr>
+          <p:cNvPr id="3" name="Tabla 2"/>
+          <p:cNvGraphicFramePr>
+            <a:graphicFrameLocks noGrp="1"/>
+          </p:cNvGraphicFramePr>
+          <p:nvPr>
+            <p:extLst>
+              <p:ext uri="{D42A27DB-BD31-4B8C-83A1-F6EECF244321}">
+                <p14:modId xmlns:p14="http://schemas.microsoft.com/office/powerpoint/2010/main" val="1841280810"/>
+              </p:ext>
+            </p:extLst>
+          </p:nvPr>
+        </p:nvGraphicFramePr>
+        <p:xfrm>
+          <a:off x="2266323" y="390619"/>
+          <a:ext cx="2411211" cy="1010920"/>
+        </p:xfrm>
+        <a:graphic>
+          <a:graphicData uri="http://schemas.openxmlformats.org/drawingml/2006/table">
+            <a:tbl>
+              <a:tblPr firstRow="1" bandRow="1">
+                <a:tableStyleId>{5940675A-B579-460E-94D1-54222C63F5DA}</a:tableStyleId>
+              </a:tblPr>
+              <a:tblGrid>
+                <a:gridCol w="2411211"/>
+              </a:tblGrid>
+              <a:tr h="370840">
+                <a:tc>
+                  <a:txBody>
+                    <a:bodyPr/>
+                    <a:lstStyle/>
+                    <a:p>
+                      <a:pPr marL="0" indent="0" algn="ctr">
+                        <a:buFontTx/>
+                        <a:buNone/>
+                      </a:pPr>
+                      <a:r>
+                        <a:rPr lang="es-MX" b="0" dirty="0" smtClean="0"/>
+                        <a:t>&lt;&lt;interface&gt;&gt;</a:t>
+                      </a:r>
+                    </a:p>
+                    <a:p>
+                      <a:pPr marL="0" indent="0" algn="ctr">
+                        <a:buFontTx/>
+                        <a:buNone/>
+                      </a:pPr>
+                      <a:r>
+                        <a:rPr lang="es-MX" b="0" dirty="0" smtClean="0"/>
+                        <a:t>Sonoro</a:t>
+                      </a:r>
+                    </a:p>
+                  </a:txBody>
+                  <a:tcPr/>
+                </a:tc>
+              </a:tr>
+              <a:tr h="370840">
+                <a:tc>
+                  <a:txBody>
+                    <a:bodyPr/>
+                    <a:lstStyle/>
+                    <a:p>
+                      <a:pPr marL="0" indent="0">
+                        <a:buFontTx/>
+                        <a:buNone/>
+                      </a:pPr>
+                      <a:r>
+                        <a:rPr lang="es-MX" b="0" dirty="0" smtClean="0"/>
+                        <a:t>+</a:t>
+                      </a:r>
+                      <a:r>
+                        <a:rPr lang="es-MX" b="0" baseline="0" dirty="0" smtClean="0"/>
+                        <a:t> sonar(</a:t>
+                      </a:r>
+                      <a:r>
+                        <a:rPr lang="es-MX" b="0" baseline="0" dirty="0" err="1" smtClean="0"/>
+                        <a:t>volumen:int</a:t>
+                      </a:r>
+                      <a:r>
+                        <a:rPr lang="es-MX" b="0" baseline="0" dirty="0" smtClean="0"/>
+                        <a:t>)</a:t>
+                      </a:r>
+                      <a:endParaRPr lang="es-MX" b="0" dirty="0" smtClean="0"/>
+                    </a:p>
+                  </a:txBody>
+                  <a:tcPr/>
+                </a:tc>
+              </a:tr>
+            </a:tbl>
+          </a:graphicData>
+        </a:graphic>
+      </p:graphicFrame>
+      <p:graphicFrame>
+        <p:nvGraphicFramePr>
+          <p:cNvPr id="4" name="Tabla 3"/>
+          <p:cNvGraphicFramePr>
+            <a:graphicFrameLocks noGrp="1"/>
+          </p:cNvGraphicFramePr>
+          <p:nvPr>
+            <p:extLst>
+              <p:ext uri="{D42A27DB-BD31-4B8C-83A1-F6EECF244321}">
+                <p14:modId xmlns:p14="http://schemas.microsoft.com/office/powerpoint/2010/main" val="2970718822"/>
+              </p:ext>
+            </p:extLst>
+          </p:nvPr>
+        </p:nvGraphicFramePr>
+        <p:xfrm>
+          <a:off x="1747233" y="2667655"/>
+          <a:ext cx="2411211" cy="741680"/>
+        </p:xfrm>
+        <a:graphic>
+          <a:graphicData uri="http://schemas.openxmlformats.org/drawingml/2006/table">
+            <a:tbl>
+              <a:tblPr firstRow="1" bandRow="1">
+                <a:tableStyleId>{5940675A-B579-460E-94D1-54222C63F5DA}</a:tableStyleId>
+              </a:tblPr>
+              <a:tblGrid>
+                <a:gridCol w="2411211"/>
+              </a:tblGrid>
+              <a:tr h="370840">
+                <a:tc>
+                  <a:txBody>
+                    <a:bodyPr/>
+                    <a:lstStyle/>
+                    <a:p>
+                      <a:pPr algn="ctr"/>
+                      <a:r>
+                        <a:rPr lang="es-MX" b="1" i="1" dirty="0" err="1" smtClean="0">
+                          <a:solidFill>
+                            <a:schemeClr val="bg1"/>
+                          </a:solidFill>
+                        </a:rPr>
+                        <a:t>IntrumentoMusical</a:t>
+                      </a:r>
+                      <a:endParaRPr lang="es-MX" b="1" i="1" dirty="0">
+                        <a:solidFill>
+                          <a:schemeClr val="bg1"/>
+                        </a:solidFill>
+                      </a:endParaRPr>
+                    </a:p>
+                  </a:txBody>
+                  <a:tcPr>
+                    <a:solidFill>
+                      <a:schemeClr val="bg1">
+                        <a:lumMod val="50000"/>
+                      </a:schemeClr>
+                    </a:solidFill>
+                  </a:tcPr>
+                </a:tc>
+              </a:tr>
+              <a:tr h="370840">
+                <a:tc>
+                  <a:txBody>
+                    <a:bodyPr/>
+                    <a:lstStyle/>
+                    <a:p>
+                      <a:pPr marL="0" indent="0">
+                        <a:buFontTx/>
+                        <a:buNone/>
+                      </a:pPr>
+                      <a:endParaRPr lang="es-MX" b="0" dirty="0" smtClean="0"/>
+                    </a:p>
+                  </a:txBody>
+                  <a:tcPr/>
+                </a:tc>
+              </a:tr>
+            </a:tbl>
+          </a:graphicData>
+        </a:graphic>
+      </p:graphicFrame>
+      <p:graphicFrame>
+        <p:nvGraphicFramePr>
+          <p:cNvPr id="5" name="Tabla 4"/>
+          <p:cNvGraphicFramePr>
+            <a:graphicFrameLocks noGrp="1"/>
+          </p:cNvGraphicFramePr>
+          <p:nvPr>
+            <p:extLst>
+              <p:ext uri="{D42A27DB-BD31-4B8C-83A1-F6EECF244321}">
+                <p14:modId xmlns:p14="http://schemas.microsoft.com/office/powerpoint/2010/main" val="2647903892"/>
+              </p:ext>
+            </p:extLst>
+          </p:nvPr>
+        </p:nvGraphicFramePr>
+        <p:xfrm>
+          <a:off x="5745485" y="2675964"/>
+          <a:ext cx="2411211" cy="737852"/>
+        </p:xfrm>
+        <a:graphic>
+          <a:graphicData uri="http://schemas.openxmlformats.org/drawingml/2006/table">
+            <a:tbl>
+              <a:tblPr firstRow="1" bandRow="1">
+                <a:tableStyleId>{5940675A-B579-460E-94D1-54222C63F5DA}</a:tableStyleId>
+              </a:tblPr>
+              <a:tblGrid>
+                <a:gridCol w="2411211"/>
+              </a:tblGrid>
+              <a:tr h="367012">
+                <a:tc>
+                  <a:txBody>
+                    <a:bodyPr/>
+                    <a:lstStyle/>
+                    <a:p>
+                      <a:pPr algn="ctr"/>
+                      <a:r>
+                        <a:rPr lang="es-MX" b="1" dirty="0" smtClean="0">
+                          <a:solidFill>
+                            <a:schemeClr val="bg1"/>
+                          </a:solidFill>
+                        </a:rPr>
+                        <a:t>Sirena</a:t>
+                      </a:r>
+                      <a:endParaRPr lang="es-MX" b="1" dirty="0">
+                        <a:solidFill>
+                          <a:schemeClr val="bg1"/>
+                        </a:solidFill>
+                      </a:endParaRPr>
+                    </a:p>
+                  </a:txBody>
+                  <a:tcPr>
+                    <a:solidFill>
+                      <a:schemeClr val="bg1">
+                        <a:lumMod val="50000"/>
+                      </a:schemeClr>
+                    </a:solidFill>
+                  </a:tcPr>
+                </a:tc>
+              </a:tr>
+              <a:tr h="370840">
+                <a:tc>
+                  <a:txBody>
+                    <a:bodyPr/>
+                    <a:lstStyle/>
+                    <a:p>
+                      <a:pPr marL="0" indent="0">
+                        <a:buFontTx/>
+                        <a:buNone/>
+                      </a:pPr>
+                      <a:endParaRPr lang="es-MX" b="0" dirty="0" smtClean="0"/>
+                    </a:p>
+                  </a:txBody>
+                  <a:tcPr/>
+                </a:tc>
+              </a:tr>
+            </a:tbl>
+          </a:graphicData>
+        </a:graphic>
+      </p:graphicFrame>
+      <p:graphicFrame>
+        <p:nvGraphicFramePr>
+          <p:cNvPr id="6" name="Tabla 5"/>
+          <p:cNvGraphicFramePr>
+            <a:graphicFrameLocks noGrp="1"/>
+          </p:cNvGraphicFramePr>
+          <p:nvPr>
+            <p:extLst>
+              <p:ext uri="{D42A27DB-BD31-4B8C-83A1-F6EECF244321}">
+                <p14:modId xmlns:p14="http://schemas.microsoft.com/office/powerpoint/2010/main" val="1203010495"/>
+              </p:ext>
+            </p:extLst>
+          </p:nvPr>
+        </p:nvGraphicFramePr>
+        <p:xfrm>
+          <a:off x="725256" y="4899212"/>
+          <a:ext cx="2411211" cy="737852"/>
+        </p:xfrm>
+        <a:graphic>
+          <a:graphicData uri="http://schemas.openxmlformats.org/drawingml/2006/table">
+            <a:tbl>
+              <a:tblPr firstRow="1" bandRow="1">
+                <a:tableStyleId>{5940675A-B579-460E-94D1-54222C63F5DA}</a:tableStyleId>
+              </a:tblPr>
+              <a:tblGrid>
+                <a:gridCol w="2411211"/>
+              </a:tblGrid>
+              <a:tr h="367012">
+                <a:tc>
+                  <a:txBody>
+                    <a:bodyPr/>
+                    <a:lstStyle/>
+                    <a:p>
+                      <a:pPr algn="ctr"/>
+                      <a:r>
+                        <a:rPr lang="es-MX" b="1" dirty="0" smtClean="0">
+                          <a:solidFill>
+                            <a:schemeClr val="bg1"/>
+                          </a:solidFill>
+                        </a:rPr>
+                        <a:t>Trompeta</a:t>
+                      </a:r>
+                      <a:endParaRPr lang="es-MX" b="1" dirty="0">
+                        <a:solidFill>
+                          <a:schemeClr val="bg1"/>
+                        </a:solidFill>
+                      </a:endParaRPr>
+                    </a:p>
+                  </a:txBody>
+                  <a:tcPr>
+                    <a:solidFill>
+                      <a:schemeClr val="bg1">
+                        <a:lumMod val="50000"/>
+                      </a:schemeClr>
+                    </a:solidFill>
+                  </a:tcPr>
+                </a:tc>
+              </a:tr>
+              <a:tr h="370840">
+                <a:tc>
+                  <a:txBody>
+                    <a:bodyPr/>
+                    <a:lstStyle/>
+                    <a:p>
+                      <a:pPr marL="0" indent="0">
+                        <a:buFontTx/>
+                        <a:buNone/>
+                      </a:pPr>
+                      <a:endParaRPr lang="es-MX" b="0" dirty="0" smtClean="0"/>
+                    </a:p>
+                  </a:txBody>
+                  <a:tcPr/>
+                </a:tc>
+              </a:tr>
+            </a:tbl>
+          </a:graphicData>
+        </a:graphic>
+      </p:graphicFrame>
+      <p:graphicFrame>
+        <p:nvGraphicFramePr>
+          <p:cNvPr id="7" name="Tabla 6"/>
+          <p:cNvGraphicFramePr>
+            <a:graphicFrameLocks noGrp="1"/>
+          </p:cNvGraphicFramePr>
+          <p:nvPr>
+            <p:extLst>
+              <p:ext uri="{D42A27DB-BD31-4B8C-83A1-F6EECF244321}">
+                <p14:modId xmlns:p14="http://schemas.microsoft.com/office/powerpoint/2010/main" val="1592358984"/>
+              </p:ext>
+            </p:extLst>
+          </p:nvPr>
+        </p:nvGraphicFramePr>
+        <p:xfrm>
+          <a:off x="3383285" y="4899211"/>
+          <a:ext cx="2411211" cy="737852"/>
+        </p:xfrm>
+        <a:graphic>
+          <a:graphicData uri="http://schemas.openxmlformats.org/drawingml/2006/table">
+            <a:tbl>
+              <a:tblPr firstRow="1" bandRow="1">
+                <a:tableStyleId>{5940675A-B579-460E-94D1-54222C63F5DA}</a:tableStyleId>
+              </a:tblPr>
+              <a:tblGrid>
+                <a:gridCol w="2411211"/>
+              </a:tblGrid>
+              <a:tr h="367012">
+                <a:tc>
+                  <a:txBody>
+                    <a:bodyPr/>
+                    <a:lstStyle/>
+                    <a:p>
+                      <a:pPr algn="ctr"/>
+                      <a:r>
+                        <a:rPr lang="es-MX" b="1" dirty="0" smtClean="0">
+                          <a:solidFill>
+                            <a:schemeClr val="bg1"/>
+                          </a:solidFill>
+                        </a:rPr>
+                        <a:t>Tambor</a:t>
+                      </a:r>
+                      <a:endParaRPr lang="es-MX" b="1" dirty="0">
+                        <a:solidFill>
+                          <a:schemeClr val="bg1"/>
+                        </a:solidFill>
+                      </a:endParaRPr>
+                    </a:p>
+                  </a:txBody>
+                  <a:tcPr>
+                    <a:solidFill>
+                      <a:schemeClr val="bg1">
+                        <a:lumMod val="50000"/>
+                      </a:schemeClr>
+                    </a:solidFill>
+                  </a:tcPr>
+                </a:tc>
+              </a:tr>
+              <a:tr h="370840">
+                <a:tc>
+                  <a:txBody>
+                    <a:bodyPr/>
+                    <a:lstStyle/>
+                    <a:p>
+                      <a:pPr marL="0" indent="0">
+                        <a:buFontTx/>
+                        <a:buNone/>
+                      </a:pPr>
+                      <a:endParaRPr lang="es-MX" b="0" dirty="0" smtClean="0"/>
+                    </a:p>
+                  </a:txBody>
+                  <a:tcPr/>
+                </a:tc>
+              </a:tr>
+            </a:tbl>
+          </a:graphicData>
+        </a:graphic>
+      </p:graphicFrame>
+      <p:cxnSp>
+        <p:nvCxnSpPr>
+          <p:cNvPr id="9" name="Conector recto de flecha 8"/>
+          <p:cNvCxnSpPr/>
+          <p:nvPr/>
+        </p:nvCxnSpPr>
+        <p:spPr>
+          <a:xfrm flipV="1">
+            <a:off x="3482788" y="1428601"/>
+            <a:ext cx="1" cy="1210642"/>
+          </a:xfrm>
+          <a:prstGeom prst="straightConnector1">
+            <a:avLst/>
+          </a:prstGeom>
+          <a:ln w="28575">
+            <a:prstDash val="dash"/>
+            <a:tailEnd type="triangle"/>
+          </a:ln>
+        </p:spPr>
+        <p:style>
+          <a:lnRef idx="1">
+            <a:schemeClr val="accent1"/>
+          </a:lnRef>
+          <a:fillRef idx="0">
+            <a:schemeClr val="accent1"/>
+          </a:fillRef>
+          <a:effectRef idx="0">
+            <a:schemeClr val="accent1"/>
+          </a:effectRef>
+          <a:fontRef idx="minor">
+            <a:schemeClr val="tx1"/>
+          </a:fontRef>
+        </p:style>
+      </p:cxnSp>
+      <p:cxnSp>
+        <p:nvCxnSpPr>
+          <p:cNvPr id="12" name="Conector recto 11"/>
+          <p:cNvCxnSpPr/>
+          <p:nvPr/>
+        </p:nvCxnSpPr>
+        <p:spPr>
+          <a:xfrm>
+            <a:off x="3482788" y="2003612"/>
+            <a:ext cx="3267636" cy="0"/>
+          </a:xfrm>
+          <a:prstGeom prst="line">
+            <a:avLst/>
+          </a:prstGeom>
+          <a:ln w="28575">
+            <a:prstDash val="dash"/>
+          </a:ln>
+        </p:spPr>
+        <p:style>
+          <a:lnRef idx="1">
+            <a:schemeClr val="accent1"/>
+          </a:lnRef>
+          <a:fillRef idx="0">
+            <a:schemeClr val="accent1"/>
+          </a:fillRef>
+          <a:effectRef idx="0">
+            <a:schemeClr val="accent1"/>
+          </a:effectRef>
+          <a:fontRef idx="minor">
+            <a:schemeClr val="tx1"/>
+          </a:fontRef>
+        </p:style>
+      </p:cxnSp>
+      <p:cxnSp>
+        <p:nvCxnSpPr>
+          <p:cNvPr id="20" name="Conector recto 19"/>
+          <p:cNvCxnSpPr/>
+          <p:nvPr/>
+        </p:nvCxnSpPr>
+        <p:spPr>
+          <a:xfrm flipV="1">
+            <a:off x="6750424" y="2003612"/>
+            <a:ext cx="0" cy="635631"/>
+          </a:xfrm>
+          <a:prstGeom prst="line">
+            <a:avLst/>
+          </a:prstGeom>
+          <a:ln w="28575">
+            <a:prstDash val="dash"/>
+          </a:ln>
+        </p:spPr>
+        <p:style>
+          <a:lnRef idx="1">
+            <a:schemeClr val="accent1"/>
+          </a:lnRef>
+          <a:fillRef idx="0">
+            <a:schemeClr val="accent1"/>
+          </a:fillRef>
+          <a:effectRef idx="0">
+            <a:schemeClr val="accent1"/>
+          </a:effectRef>
+          <a:fontRef idx="minor">
+            <a:schemeClr val="tx1"/>
+          </a:fontRef>
+        </p:style>
+      </p:cxnSp>
+      <p:cxnSp>
+        <p:nvCxnSpPr>
+          <p:cNvPr id="22" name="Conector recto 21"/>
+          <p:cNvCxnSpPr/>
+          <p:nvPr/>
+        </p:nvCxnSpPr>
+        <p:spPr>
+          <a:xfrm flipV="1">
+            <a:off x="1747233" y="4114800"/>
+            <a:ext cx="0" cy="766482"/>
+          </a:xfrm>
+          <a:prstGeom prst="line">
+            <a:avLst/>
+          </a:prstGeom>
+        </p:spPr>
+        <p:style>
+          <a:lnRef idx="1">
+            <a:schemeClr val="accent1"/>
+          </a:lnRef>
+          <a:fillRef idx="0">
+            <a:schemeClr val="accent1"/>
+          </a:fillRef>
+          <a:effectRef idx="0">
+            <a:schemeClr val="accent1"/>
+          </a:effectRef>
+          <a:fontRef idx="minor">
+            <a:schemeClr val="tx1"/>
+          </a:fontRef>
+        </p:style>
+      </p:cxnSp>
+      <p:cxnSp>
+        <p:nvCxnSpPr>
+          <p:cNvPr id="23" name="Conector recto 22"/>
+          <p:cNvCxnSpPr/>
+          <p:nvPr/>
+        </p:nvCxnSpPr>
+        <p:spPr>
+          <a:xfrm flipV="1">
+            <a:off x="4589043" y="4119283"/>
+            <a:ext cx="0" cy="766482"/>
+          </a:xfrm>
+          <a:prstGeom prst="line">
+            <a:avLst/>
+          </a:prstGeom>
+        </p:spPr>
+        <p:style>
+          <a:lnRef idx="1">
+            <a:schemeClr val="accent1"/>
+          </a:lnRef>
+          <a:fillRef idx="0">
+            <a:schemeClr val="accent1"/>
+          </a:fillRef>
+          <a:effectRef idx="0">
+            <a:schemeClr val="accent1"/>
+          </a:effectRef>
+          <a:fontRef idx="minor">
+            <a:schemeClr val="tx1"/>
+          </a:fontRef>
+        </p:style>
+      </p:cxnSp>
+      <p:cxnSp>
+        <p:nvCxnSpPr>
+          <p:cNvPr id="25" name="Conector recto 24"/>
+          <p:cNvCxnSpPr/>
+          <p:nvPr/>
+        </p:nvCxnSpPr>
+        <p:spPr>
+          <a:xfrm flipH="1">
+            <a:off x="1747233" y="4114800"/>
+            <a:ext cx="2824767" cy="0"/>
+          </a:xfrm>
+          <a:prstGeom prst="line">
+            <a:avLst/>
+          </a:prstGeom>
+        </p:spPr>
+        <p:style>
+          <a:lnRef idx="1">
+            <a:schemeClr val="accent1"/>
+          </a:lnRef>
+          <a:fillRef idx="0">
+            <a:schemeClr val="accent1"/>
+          </a:fillRef>
+          <a:effectRef idx="0">
+            <a:schemeClr val="accent1"/>
+          </a:effectRef>
+          <a:fontRef idx="minor">
+            <a:schemeClr val="tx1"/>
+          </a:fontRef>
+        </p:style>
+      </p:cxnSp>
+      <p:cxnSp>
+        <p:nvCxnSpPr>
+          <p:cNvPr id="27" name="Conector recto de flecha 26"/>
+          <p:cNvCxnSpPr/>
+          <p:nvPr/>
+        </p:nvCxnSpPr>
+        <p:spPr>
+          <a:xfrm flipV="1">
+            <a:off x="2944906" y="3409441"/>
+            <a:ext cx="0" cy="698024"/>
+          </a:xfrm>
+          <a:prstGeom prst="straightConnector1">
+            <a:avLst/>
+          </a:prstGeom>
+          <a:ln>
+            <a:tailEnd type="triangle"/>
+          </a:ln>
+        </p:spPr>
+        <p:style>
+          <a:lnRef idx="1">
+            <a:schemeClr val="accent1"/>
+          </a:lnRef>
+          <a:fillRef idx="0">
+            <a:schemeClr val="accent1"/>
+          </a:fillRef>
+          <a:effectRef idx="0">
+            <a:schemeClr val="accent1"/>
+          </a:effectRef>
+          <a:fontRef idx="minor">
+            <a:schemeClr val="tx1"/>
+          </a:fontRef>
+        </p:style>
+      </p:cxnSp>
+    </p:spTree>
+    <p:extLst>
+      <p:ext uri="{BB962C8B-B14F-4D97-AF65-F5344CB8AC3E}">
+        <p14:creationId xmlns:p14="http://schemas.microsoft.com/office/powerpoint/2010/main" val="1987729946"/>
+      </p:ext>
+    </p:extLst>
+  </p:cSld>
+  <p:clrMapOvr>
+    <a:masterClrMapping/>
+  </p:clrMapOvr>
+  <p:timing>
+    <p:tnLst>
+      <p:par>
+        <p:cTn id="1" dur="indefinite" restart="never" nodeType="tmRoot">
+          <p:childTnLst>
+            <p:seq concurrent="1" nextAc="seek">
+              <p:cTn id="2" dur="indefinite" nodeType="mainSeq">
+                <p:childTnLst>
+                  <p:par>
+                    <p:cTn id="3" fill="hold">
+                      <p:stCondLst>
+                        <p:cond delay="indefinite"/>
+                      </p:stCondLst>
+                      <p:childTnLst>
+                        <p:par>
+                          <p:cTn id="4" fill="hold">
+                            <p:stCondLst>
+                              <p:cond delay="0"/>
+                            </p:stCondLst>
+                            <p:childTnLst>
+                              <p:par>
+                                <p:cTn id="5" presetID="10" presetClass="entr" presetSubtype="0" fill="hold" nodeType="clickEffect">
+                                  <p:stCondLst>
+                                    <p:cond delay="0"/>
+                                  </p:stCondLst>
+                                  <p:childTnLst>
+                                    <p:set>
+                                      <p:cBhvr>
+                                        <p:cTn id="6" dur="1" fill="hold">
+                                          <p:stCondLst>
+                                            <p:cond delay="0"/>
+                                          </p:stCondLst>
+                                        </p:cTn>
+                                        <p:tgtEl>
+                                          <p:spTgt spid="3"/>
+                                        </p:tgtEl>
+                                        <p:attrNameLst>
+                                          <p:attrName>style.visibility</p:attrName>
+                                        </p:attrNameLst>
+                                      </p:cBhvr>
+                                      <p:to>
+                                        <p:strVal val="visible"/>
+                                      </p:to>
+                                    </p:set>
+                                    <p:animEffect transition="in" filter="fade">
+                                      <p:cBhvr>
+                                        <p:cTn id="7" dur="500"/>
+                                        <p:tgtEl>
+                                          <p:spTgt spid="3"/>
+                                        </p:tgtEl>
+                                      </p:cBhvr>
+                                    </p:animEffect>
+                                  </p:childTnLst>
+                                </p:cTn>
+                              </p:par>
+                            </p:childTnLst>
+                          </p:cTn>
+                        </p:par>
+                      </p:childTnLst>
+                    </p:cTn>
+                  </p:par>
+                  <p:par>
+                    <p:cTn id="8" fill="hold">
+                      <p:stCondLst>
+                        <p:cond delay="indefinite"/>
+                      </p:stCondLst>
+                      <p:childTnLst>
+                        <p:par>
+                          <p:cTn id="9" fill="hold">
+                            <p:stCondLst>
+                              <p:cond delay="0"/>
+                            </p:stCondLst>
+                            <p:childTnLst>
+                              <p:par>
+                                <p:cTn id="10" presetID="10" presetClass="entr" presetSubtype="0" fill="hold" nodeType="clickEffect">
+                                  <p:stCondLst>
+                                    <p:cond delay="0"/>
+                                  </p:stCondLst>
+                                  <p:childTnLst>
+                                    <p:set>
+                                      <p:cBhvr>
+                                        <p:cTn id="11" dur="1" fill="hold">
+                                          <p:stCondLst>
+                                            <p:cond delay="0"/>
+                                          </p:stCondLst>
+                                        </p:cTn>
+                                        <p:tgtEl>
+                                          <p:spTgt spid="4"/>
+                                        </p:tgtEl>
+                                        <p:attrNameLst>
+                                          <p:attrName>style.visibility</p:attrName>
+                                        </p:attrNameLst>
+                                      </p:cBhvr>
+                                      <p:to>
+                                        <p:strVal val="visible"/>
+                                      </p:to>
+                                    </p:set>
+                                    <p:animEffect transition="in" filter="fade">
+                                      <p:cBhvr>
+                                        <p:cTn id="12" dur="500"/>
+                                        <p:tgtEl>
+                                          <p:spTgt spid="4"/>
+                                        </p:tgtEl>
+                                      </p:cBhvr>
+                                    </p:animEffect>
+                                  </p:childTnLst>
+                                </p:cTn>
+                              </p:par>
+                            </p:childTnLst>
+                          </p:cTn>
+                        </p:par>
+                      </p:childTnLst>
+                    </p:cTn>
+                  </p:par>
+                  <p:par>
+                    <p:cTn id="13" fill="hold">
+                      <p:stCondLst>
+                        <p:cond delay="indefinite"/>
+                      </p:stCondLst>
+                      <p:childTnLst>
+                        <p:par>
+                          <p:cTn id="14" fill="hold">
+                            <p:stCondLst>
+                              <p:cond delay="0"/>
+                            </p:stCondLst>
+                            <p:childTnLst>
+                              <p:par>
+                                <p:cTn id="15" presetID="10" presetClass="entr" presetSubtype="0" fill="hold" nodeType="clickEffect">
+                                  <p:stCondLst>
+                                    <p:cond delay="0"/>
+                                  </p:stCondLst>
+                                  <p:childTnLst>
+                                    <p:set>
+                                      <p:cBhvr>
+                                        <p:cTn id="16" dur="1" fill="hold">
+                                          <p:stCondLst>
+                                            <p:cond delay="0"/>
+                                          </p:stCondLst>
+                                        </p:cTn>
+                                        <p:tgtEl>
+                                          <p:spTgt spid="5"/>
+                                        </p:tgtEl>
+                                        <p:attrNameLst>
+                                          <p:attrName>style.visibility</p:attrName>
+                                        </p:attrNameLst>
+                                      </p:cBhvr>
+                                      <p:to>
+                                        <p:strVal val="visible"/>
+                                      </p:to>
+                                    </p:set>
+                                    <p:animEffect transition="in" filter="fade">
+                                      <p:cBhvr>
+                                        <p:cTn id="17" dur="500"/>
+                                        <p:tgtEl>
+                                          <p:spTgt spid="5"/>
+                                        </p:tgtEl>
+                                      </p:cBhvr>
+                                    </p:animEffect>
+                                  </p:childTnLst>
+                                </p:cTn>
+                              </p:par>
+                            </p:childTnLst>
+                          </p:cTn>
+                        </p:par>
+                      </p:childTnLst>
+                    </p:cTn>
+                  </p:par>
+                  <p:par>
+                    <p:cTn id="18" fill="hold">
+                      <p:stCondLst>
+                        <p:cond delay="indefinite"/>
+                      </p:stCondLst>
+                      <p:childTnLst>
+                        <p:par>
+                          <p:cTn id="19" fill="hold">
+                            <p:stCondLst>
+                              <p:cond delay="0"/>
+                            </p:stCondLst>
+                            <p:childTnLst>
+                              <p:par>
+                                <p:cTn id="20" presetID="10" presetClass="entr" presetSubtype="0" fill="hold" nodeType="clickEffect">
+                                  <p:stCondLst>
+                                    <p:cond delay="0"/>
+                                  </p:stCondLst>
+                                  <p:childTnLst>
+                                    <p:set>
+                                      <p:cBhvr>
+                                        <p:cTn id="21" dur="1" fill="hold">
+                                          <p:stCondLst>
+                                            <p:cond delay="0"/>
+                                          </p:stCondLst>
+                                        </p:cTn>
+                                        <p:tgtEl>
+                                          <p:spTgt spid="6"/>
+                                        </p:tgtEl>
+                                        <p:attrNameLst>
+                                          <p:attrName>style.visibility</p:attrName>
+                                        </p:attrNameLst>
+                                      </p:cBhvr>
+                                      <p:to>
+                                        <p:strVal val="visible"/>
+                                      </p:to>
+                                    </p:set>
+                                    <p:animEffect transition="in" filter="fade">
+                                      <p:cBhvr>
+                                        <p:cTn id="22" dur="500"/>
+                                        <p:tgtEl>
+                                          <p:spTgt spid="6"/>
+                                        </p:tgtEl>
+                                      </p:cBhvr>
+                                    </p:animEffect>
+                                  </p:childTnLst>
+                                </p:cTn>
+                              </p:par>
+                            </p:childTnLst>
+                          </p:cTn>
+                        </p:par>
+                      </p:childTnLst>
+                    </p:cTn>
+                  </p:par>
+                  <p:par>
+                    <p:cTn id="23" fill="hold">
+                      <p:stCondLst>
+                        <p:cond delay="indefinite"/>
+                      </p:stCondLst>
+                      <p:childTnLst>
+                        <p:par>
+                          <p:cTn id="24" fill="hold">
+                            <p:stCondLst>
+                              <p:cond delay="0"/>
+                            </p:stCondLst>
+                            <p:childTnLst>
+                              <p:par>
+                                <p:cTn id="25" presetID="10" presetClass="entr" presetSubtype="0" fill="hold" nodeType="clickEffect">
+                                  <p:stCondLst>
+                                    <p:cond delay="0"/>
+                                  </p:stCondLst>
+                                  <p:childTnLst>
+                                    <p:set>
+                                      <p:cBhvr>
+                                        <p:cTn id="26" dur="1" fill="hold">
+                                          <p:stCondLst>
+                                            <p:cond delay="0"/>
+                                          </p:stCondLst>
+                                        </p:cTn>
+                                        <p:tgtEl>
+                                          <p:spTgt spid="7"/>
+                                        </p:tgtEl>
+                                        <p:attrNameLst>
+                                          <p:attrName>style.visibility</p:attrName>
+                                        </p:attrNameLst>
+                                      </p:cBhvr>
+                                      <p:to>
+                                        <p:strVal val="visible"/>
+                                      </p:to>
+                                    </p:set>
+                                    <p:animEffect transition="in" filter="fade">
+                                      <p:cBhvr>
+                                        <p:cTn id="27" dur="500"/>
+                                        <p:tgtEl>
+                                          <p:spTgt spid="7"/>
+                                        </p:tgtEl>
+                                      </p:cBhvr>
+                                    </p:animEffect>
+                                  </p:childTnLst>
+                                </p:cTn>
+                              </p:par>
+                            </p:childTnLst>
+                          </p:cTn>
+                        </p:par>
+                      </p:childTnLst>
+                    </p:cTn>
+                  </p:par>
+                  <p:par>
+                    <p:cTn id="28" fill="hold">
+                      <p:stCondLst>
+                        <p:cond delay="indefinite"/>
+                      </p:stCondLst>
+                      <p:childTnLst>
+                        <p:par>
+                          <p:cTn id="29" fill="hold">
+                            <p:stCondLst>
+                              <p:cond delay="0"/>
+                            </p:stCondLst>
+                            <p:childTnLst>
+                              <p:par>
+                                <p:cTn id="30" presetID="10" presetClass="entr" presetSubtype="0" fill="hold" nodeType="clickEffect">
+                                  <p:stCondLst>
+                                    <p:cond delay="0"/>
+                                  </p:stCondLst>
+                                  <p:childTnLst>
+                                    <p:set>
+                                      <p:cBhvr>
+                                        <p:cTn id="31" dur="1" fill="hold">
+                                          <p:stCondLst>
+                                            <p:cond delay="0"/>
+                                          </p:stCondLst>
+                                        </p:cTn>
+                                        <p:tgtEl>
+                                          <p:spTgt spid="9"/>
+                                        </p:tgtEl>
+                                        <p:attrNameLst>
+                                          <p:attrName>style.visibility</p:attrName>
+                                        </p:attrNameLst>
+                                      </p:cBhvr>
+                                      <p:to>
+                                        <p:strVal val="visible"/>
+                                      </p:to>
+                                    </p:set>
+                                    <p:animEffect transition="in" filter="fade">
+                                      <p:cBhvr>
+                                        <p:cTn id="32" dur="500"/>
+                                        <p:tgtEl>
+                                          <p:spTgt spid="9"/>
+                                        </p:tgtEl>
+                                      </p:cBhvr>
+                                    </p:animEffect>
+                                  </p:childTnLst>
+                                </p:cTn>
+                              </p:par>
+                              <p:par>
+                                <p:cTn id="33" presetID="10" presetClass="entr" presetSubtype="0" fill="hold" nodeType="withEffect">
+                                  <p:stCondLst>
+                                    <p:cond delay="0"/>
+                                  </p:stCondLst>
+                                  <p:childTnLst>
+                                    <p:set>
+                                      <p:cBhvr>
+                                        <p:cTn id="34" dur="1" fill="hold">
+                                          <p:stCondLst>
+                                            <p:cond delay="0"/>
+                                          </p:stCondLst>
+                                        </p:cTn>
+                                        <p:tgtEl>
+                                          <p:spTgt spid="12"/>
+                                        </p:tgtEl>
+                                        <p:attrNameLst>
+                                          <p:attrName>style.visibility</p:attrName>
+                                        </p:attrNameLst>
+                                      </p:cBhvr>
+                                      <p:to>
+                                        <p:strVal val="visible"/>
+                                      </p:to>
+                                    </p:set>
+                                    <p:animEffect transition="in" filter="fade">
+                                      <p:cBhvr>
+                                        <p:cTn id="35" dur="500"/>
+                                        <p:tgtEl>
+                                          <p:spTgt spid="12"/>
+                                        </p:tgtEl>
+                                      </p:cBhvr>
+                                    </p:animEffect>
+                                  </p:childTnLst>
+                                </p:cTn>
+                              </p:par>
+                              <p:par>
+                                <p:cTn id="36" presetID="10" presetClass="entr" presetSubtype="0" fill="hold" nodeType="withEffect">
+                                  <p:stCondLst>
+                                    <p:cond delay="0"/>
+                                  </p:stCondLst>
+                                  <p:childTnLst>
+                                    <p:set>
+                                      <p:cBhvr>
+                                        <p:cTn id="37" dur="1" fill="hold">
+                                          <p:stCondLst>
+                                            <p:cond delay="0"/>
+                                          </p:stCondLst>
+                                        </p:cTn>
+                                        <p:tgtEl>
+                                          <p:spTgt spid="20"/>
+                                        </p:tgtEl>
+                                        <p:attrNameLst>
+                                          <p:attrName>style.visibility</p:attrName>
+                                        </p:attrNameLst>
+                                      </p:cBhvr>
+                                      <p:to>
+                                        <p:strVal val="visible"/>
+                                      </p:to>
+                                    </p:set>
+                                    <p:animEffect transition="in" filter="fade">
+                                      <p:cBhvr>
+                                        <p:cTn id="38" dur="500"/>
+                                        <p:tgtEl>
+                                          <p:spTgt spid="20"/>
+                                        </p:tgtEl>
+                                      </p:cBhvr>
+                                    </p:animEffect>
+                                  </p:childTnLst>
+                                </p:cTn>
+                              </p:par>
+                            </p:childTnLst>
+                          </p:cTn>
+                        </p:par>
+                      </p:childTnLst>
+                    </p:cTn>
+                  </p:par>
+                  <p:par>
+                    <p:cTn id="39" fill="hold">
+                      <p:stCondLst>
+                        <p:cond delay="indefinite"/>
+                      </p:stCondLst>
+                      <p:childTnLst>
+                        <p:par>
+                          <p:cTn id="40" fill="hold">
+                            <p:stCondLst>
+                              <p:cond delay="0"/>
+                            </p:stCondLst>
+                            <p:childTnLst>
+                              <p:par>
+                                <p:cTn id="41" presetID="10" presetClass="entr" presetSubtype="0" fill="hold" nodeType="clickEffect">
+                                  <p:stCondLst>
+                                    <p:cond delay="0"/>
+                                  </p:stCondLst>
+                                  <p:childTnLst>
+                                    <p:set>
+                                      <p:cBhvr>
+                                        <p:cTn id="42" dur="1" fill="hold">
+                                          <p:stCondLst>
+                                            <p:cond delay="0"/>
+                                          </p:stCondLst>
+                                        </p:cTn>
+                                        <p:tgtEl>
+                                          <p:spTgt spid="22"/>
+                                        </p:tgtEl>
+                                        <p:attrNameLst>
+                                          <p:attrName>style.visibility</p:attrName>
+                                        </p:attrNameLst>
+                                      </p:cBhvr>
+                                      <p:to>
+                                        <p:strVal val="visible"/>
+                                      </p:to>
+                                    </p:set>
+                                    <p:animEffect transition="in" filter="fade">
+                                      <p:cBhvr>
+                                        <p:cTn id="43" dur="500"/>
+                                        <p:tgtEl>
+                                          <p:spTgt spid="22"/>
+                                        </p:tgtEl>
+                                      </p:cBhvr>
+                                    </p:animEffect>
+                                  </p:childTnLst>
+                                </p:cTn>
+                              </p:par>
+                              <p:par>
+                                <p:cTn id="44" presetID="10" presetClass="entr" presetSubtype="0" fill="hold" nodeType="withEffect">
+                                  <p:stCondLst>
+                                    <p:cond delay="0"/>
+                                  </p:stCondLst>
+                                  <p:childTnLst>
+                                    <p:set>
+                                      <p:cBhvr>
+                                        <p:cTn id="45" dur="1" fill="hold">
+                                          <p:stCondLst>
+                                            <p:cond delay="0"/>
+                                          </p:stCondLst>
+                                        </p:cTn>
+                                        <p:tgtEl>
+                                          <p:spTgt spid="25"/>
+                                        </p:tgtEl>
+                                        <p:attrNameLst>
+                                          <p:attrName>style.visibility</p:attrName>
+                                        </p:attrNameLst>
+                                      </p:cBhvr>
+                                      <p:to>
+                                        <p:strVal val="visible"/>
+                                      </p:to>
+                                    </p:set>
+                                    <p:animEffect transition="in" filter="fade">
+                                      <p:cBhvr>
+                                        <p:cTn id="46" dur="500"/>
+                                        <p:tgtEl>
+                                          <p:spTgt spid="25"/>
+                                        </p:tgtEl>
+                                      </p:cBhvr>
+                                    </p:animEffect>
+                                  </p:childTnLst>
+                                </p:cTn>
+                              </p:par>
+                              <p:par>
+                                <p:cTn id="47" presetID="10" presetClass="entr" presetSubtype="0" fill="hold" nodeType="withEffect">
+                                  <p:stCondLst>
+                                    <p:cond delay="0"/>
+                                  </p:stCondLst>
+                                  <p:childTnLst>
+                                    <p:set>
+                                      <p:cBhvr>
+                                        <p:cTn id="48" dur="1" fill="hold">
+                                          <p:stCondLst>
+                                            <p:cond delay="0"/>
+                                          </p:stCondLst>
+                                        </p:cTn>
+                                        <p:tgtEl>
+                                          <p:spTgt spid="27"/>
+                                        </p:tgtEl>
+                                        <p:attrNameLst>
+                                          <p:attrName>style.visibility</p:attrName>
+                                        </p:attrNameLst>
+                                      </p:cBhvr>
+                                      <p:to>
+                                        <p:strVal val="visible"/>
+                                      </p:to>
+                                    </p:set>
+                                    <p:animEffect transition="in" filter="fade">
+                                      <p:cBhvr>
+                                        <p:cTn id="49" dur="500"/>
+                                        <p:tgtEl>
+                                          <p:spTgt spid="27"/>
+                                        </p:tgtEl>
+                                      </p:cBhvr>
+                                    </p:animEffect>
+                                  </p:childTnLst>
+                                </p:cTn>
+                              </p:par>
+                              <p:par>
+                                <p:cTn id="50" presetID="10" presetClass="entr" presetSubtype="0" fill="hold" nodeType="withEffect">
+                                  <p:stCondLst>
+                                    <p:cond delay="0"/>
+                                  </p:stCondLst>
+                                  <p:childTnLst>
+                                    <p:set>
+                                      <p:cBhvr>
+                                        <p:cTn id="51" dur="1" fill="hold">
+                                          <p:stCondLst>
+                                            <p:cond delay="0"/>
+                                          </p:stCondLst>
+                                        </p:cTn>
+                                        <p:tgtEl>
+                                          <p:spTgt spid="23"/>
+                                        </p:tgtEl>
+                                        <p:attrNameLst>
+                                          <p:attrName>style.visibility</p:attrName>
+                                        </p:attrNameLst>
+                                      </p:cBhvr>
+                                      <p:to>
+                                        <p:strVal val="visible"/>
+                                      </p:to>
+                                    </p:set>
+                                    <p:animEffect transition="in" filter="fade">
+                                      <p:cBhvr>
+                                        <p:cTn id="52" dur="500"/>
+                                        <p:tgtEl>
+                                          <p:spTgt spid="23"/>
+                                        </p:tgtEl>
+                                      </p:cBhvr>
+                                    </p:animEffect>
+                                  </p:childTnLst>
+                                </p:cTn>
+                              </p:par>
+                            </p:childTnLst>
+                          </p:cTn>
+                        </p:par>
+                      </p:childTnLst>
+                    </p:cTn>
+                  </p:par>
+                </p:childTnLst>
+              </p:cTn>
+              <p:prevCondLst>
+                <p:cond evt="onPrev" delay="0">
+                  <p:tgtEl>
+                    <p:sldTgt/>
+                  </p:tgtEl>
+                </p:cond>
+              </p:prevCondLst>
+              <p:nextCondLst>
+                <p:cond evt="onNext" delay="0">
+                  <p:tgtEl>
+                    <p:sldTgt/>
+                  </p:tgtEl>
+                </p:cond>
+              </p:nextCondLst>
+            </p:seq>
+          </p:childTnLst>
+        </p:cTn>
+      </p:par>
+    </p:tnLst>
+  </p:timing>
+</p:sld>
+</file>
+
+<file path=ppt/slides/slide53.xml><?xml version="1.0" encoding="utf-8"?>
+<p:sld xmlns:a="http://schemas.openxmlformats.org/drawingml/2006/main" xmlns:r="http://schemas.openxmlformats.org/officeDocument/2006/relationships" xmlns:p="http://schemas.openxmlformats.org/presentationml/2006/main">
+  <p:cSld>
+    <p:spTree>
+      <p:nvGrpSpPr>
+        <p:cNvPr id="1" name=""/>
+        <p:cNvGrpSpPr/>
+        <p:nvPr/>
+      </p:nvGrpSpPr>
+      <p:grpSpPr>
+        <a:xfrm>
+          <a:off x="0" y="0"/>
+          <a:ext cx="0" cy="0"/>
+          <a:chOff x="0" y="0"/>
+          <a:chExt cx="0" cy="0"/>
+        </a:xfrm>
+      </p:grpSpPr>
+      <p:sp>
+        <p:nvSpPr>
+          <p:cNvPr id="2" name="Título 1"/>
+          <p:cNvSpPr>
+            <a:spLocks noGrp="1"/>
+          </p:cNvSpPr>
+          <p:nvPr>
+            <p:ph type="title"/>
+          </p:nvPr>
+        </p:nvSpPr>
+        <p:spPr/>
+        <p:txBody>
+          <a:bodyPr/>
+          <a:lstStyle/>
+          <a:p>
+            <a:r>
+              <a:rPr lang="es-MX" dirty="0" smtClean="0"/>
+              <a:t>Paquetes y espacios de nombres</a:t>
+            </a:r>
+            <a:endParaRPr lang="es-MX" dirty="0"/>
+          </a:p>
+        </p:txBody>
+      </p:sp>
+      <p:sp>
+        <p:nvSpPr>
+          <p:cNvPr id="4" name="Marcador de texto 3"/>
+          <p:cNvSpPr>
+            <a:spLocks noGrp="1"/>
+          </p:cNvSpPr>
+          <p:nvPr>
+            <p:ph type="body" idx="1"/>
+          </p:nvPr>
+        </p:nvSpPr>
+        <p:spPr/>
+        <p:txBody>
+          <a:bodyPr/>
+          <a:lstStyle/>
+          <a:p>
+            <a:endParaRPr lang="es-MX"/>
+          </a:p>
+        </p:txBody>
+      </p:sp>
+      <p:pic>
+        <p:nvPicPr>
+          <p:cNvPr id="5" name="Imagen 4"/>
+          <p:cNvPicPr>
+            <a:picLocks noChangeAspect="1"/>
+          </p:cNvPicPr>
+          <p:nvPr/>
+        </p:nvPicPr>
+        <p:blipFill>
+          <a:blip r:embed="rId2">
+            <a:extLst>
+              <a:ext uri="{28A0092B-C50C-407E-A947-70E740481C1C}">
+                <a14:useLocalDpi xmlns:a14="http://schemas.microsoft.com/office/drawing/2010/main" val="0"/>
+              </a:ext>
+            </a:extLst>
+          </a:blip>
+          <a:stretch>
+            <a:fillRect/>
+          </a:stretch>
+        </p:blipFill>
+        <p:spPr>
+          <a:xfrm>
+            <a:off x="119106" y="6130345"/>
+            <a:ext cx="1628127" cy="727655"/>
+          </a:xfrm>
+          <a:prstGeom prst="rect">
+            <a:avLst/>
+          </a:prstGeom>
+        </p:spPr>
+      </p:pic>
+    </p:spTree>
+    <p:extLst>
+      <p:ext uri="{BB962C8B-B14F-4D97-AF65-F5344CB8AC3E}">
+        <p14:creationId xmlns:p14="http://schemas.microsoft.com/office/powerpoint/2010/main" val="1618097599"/>
+      </p:ext>
+    </p:extLst>
+  </p:cSld>
+  <p:clrMapOvr>
+    <a:masterClrMapping/>
+  </p:clrMapOvr>
+  <p:timing>
+    <p:tnLst>
+      <p:par>
+        <p:cTn id="1" dur="indefinite" restart="never" nodeType="tmRoot"/>
+      </p:par>
+    </p:tnLst>
+  </p:timing>
+</p:sld>
+</file>
+
+<file path=ppt/slides/slide54.xml><?xml version="1.0" encoding="utf-8"?>
+<p:sld xmlns:a="http://schemas.openxmlformats.org/drawingml/2006/main" xmlns:r="http://schemas.openxmlformats.org/officeDocument/2006/relationships" xmlns:p="http://schemas.openxmlformats.org/presentationml/2006/main">
+  <p:cSld>
+    <p:spTree>
+      <p:nvGrpSpPr>
+        <p:cNvPr id="1" name=""/>
+        <p:cNvGrpSpPr/>
+        <p:nvPr/>
+      </p:nvGrpSpPr>
+      <p:grpSpPr>
+        <a:xfrm>
+          <a:off x="0" y="0"/>
+          <a:ext cx="0" cy="0"/>
+          <a:chOff x="0" y="0"/>
+          <a:chExt cx="0" cy="0"/>
+        </a:xfrm>
+      </p:grpSpPr>
+      <p:sp>
+        <p:nvSpPr>
+          <p:cNvPr id="2" name="Título 1"/>
+          <p:cNvSpPr>
+            <a:spLocks noGrp="1"/>
+          </p:cNvSpPr>
+          <p:nvPr>
+            <p:ph type="title"/>
+          </p:nvPr>
+        </p:nvSpPr>
+        <p:spPr/>
+        <p:txBody>
+          <a:bodyPr/>
+          <a:lstStyle/>
+          <a:p>
+            <a:endParaRPr lang="es-MX" dirty="0"/>
+          </a:p>
+        </p:txBody>
+      </p:sp>
+      <p:sp>
+        <p:nvSpPr>
+          <p:cNvPr id="3" name="Marcador de contenido 2"/>
+          <p:cNvSpPr>
+            <a:spLocks noGrp="1"/>
+          </p:cNvSpPr>
+          <p:nvPr>
+            <p:ph idx="1"/>
+          </p:nvPr>
+        </p:nvSpPr>
+        <p:spPr/>
+        <p:txBody>
+          <a:bodyPr>
+            <a:normAutofit/>
+          </a:bodyPr>
+          <a:lstStyle/>
+          <a:p>
+            <a:pPr marL="0" indent="0" algn="ctr">
+              <a:buNone/>
+            </a:pPr>
+            <a:r>
+              <a:rPr lang="es-MX" sz="2400" dirty="0" smtClean="0"/>
+              <a:t>En programación, un espacio de nombre (</a:t>
+            </a:r>
+            <a:r>
+              <a:rPr lang="es-MX" sz="2400" dirty="0" err="1" smtClean="0"/>
+              <a:t>namespace</a:t>
+            </a:r>
+            <a:r>
+              <a:rPr lang="es-MX" sz="2400" dirty="0" smtClean="0"/>
+              <a:t>), en su acepción mas simple, es un conjunto de nombres en el cual todos los nombres son únicos.</a:t>
+            </a:r>
+            <a:endParaRPr lang="es-MX" sz="2400" dirty="0"/>
+          </a:p>
+        </p:txBody>
+      </p:sp>
+      <p:pic>
+        <p:nvPicPr>
+          <p:cNvPr id="4" name="Imagen 3"/>
+          <p:cNvPicPr>
+            <a:picLocks noChangeAspect="1"/>
+          </p:cNvPicPr>
+          <p:nvPr/>
+        </p:nvPicPr>
+        <p:blipFill>
+          <a:blip r:embed="rId2">
+            <a:extLst>
+              <a:ext uri="{28A0092B-C50C-407E-A947-70E740481C1C}">
+                <a14:useLocalDpi xmlns:a14="http://schemas.microsoft.com/office/drawing/2010/main" val="0"/>
+              </a:ext>
+            </a:extLst>
+          </a:blip>
+          <a:stretch>
+            <a:fillRect/>
+          </a:stretch>
+        </p:blipFill>
+        <p:spPr>
+          <a:xfrm>
+            <a:off x="119106" y="6130345"/>
+            <a:ext cx="1628127" cy="727655"/>
+          </a:xfrm>
+          <a:prstGeom prst="rect">
+            <a:avLst/>
+          </a:prstGeom>
+        </p:spPr>
+      </p:pic>
+    </p:spTree>
+    <p:extLst>
+      <p:ext uri="{BB962C8B-B14F-4D97-AF65-F5344CB8AC3E}">
+        <p14:creationId xmlns:p14="http://schemas.microsoft.com/office/powerpoint/2010/main" val="3431961380"/>
+      </p:ext>
+    </p:extLst>
+  </p:cSld>
+  <p:clrMapOvr>
+    <a:masterClrMapping/>
+  </p:clrMapOvr>
+  <p:timing>
+    <p:tnLst>
+      <p:par>
+        <p:cTn id="1" dur="indefinite" restart="never" nodeType="tmRoot"/>
+      </p:par>
+    </p:tnLst>
+  </p:timing>
+</p:sld>
+</file>
+
+<file path=ppt/slides/slide55.xml><?xml version="1.0" encoding="utf-8"?>
+<p:sld xmlns:a="http://schemas.openxmlformats.org/drawingml/2006/main" xmlns:r="http://schemas.openxmlformats.org/officeDocument/2006/relationships" xmlns:p="http://schemas.openxmlformats.org/presentationml/2006/main">
+  <p:cSld>
+    <p:spTree>
+      <p:nvGrpSpPr>
+        <p:cNvPr id="1" name=""/>
+        <p:cNvGrpSpPr/>
+        <p:nvPr/>
+      </p:nvGrpSpPr>
+      <p:grpSpPr>
+        <a:xfrm>
+          <a:off x="0" y="0"/>
+          <a:ext cx="0" cy="0"/>
+          <a:chOff x="0" y="0"/>
+          <a:chExt cx="0" cy="0"/>
+        </a:xfrm>
+      </p:grpSpPr>
+      <p:sp>
+        <p:nvSpPr>
+          <p:cNvPr id="2" name="Título 1"/>
+          <p:cNvSpPr>
+            <a:spLocks noGrp="1"/>
+          </p:cNvSpPr>
+          <p:nvPr>
+            <p:ph type="title"/>
+          </p:nvPr>
+        </p:nvSpPr>
+        <p:spPr>
+          <a:xfrm>
+            <a:off x="677334" y="138953"/>
+            <a:ext cx="8596668" cy="627529"/>
+          </a:xfrm>
+        </p:spPr>
+        <p:txBody>
+          <a:bodyPr>
+            <a:normAutofit fontScale="90000"/>
+          </a:bodyPr>
+          <a:lstStyle/>
+          <a:p>
+            <a:r>
+              <a:rPr lang="es-MX" dirty="0" smtClean="0"/>
+              <a:t>Ejercicio</a:t>
+            </a:r>
+            <a:endParaRPr lang="es-MX" dirty="0"/>
+          </a:p>
+        </p:txBody>
+      </p:sp>
+      <p:sp>
+        <p:nvSpPr>
+          <p:cNvPr id="3" name="Marcador de contenido 2"/>
+          <p:cNvSpPr>
+            <a:spLocks noGrp="1"/>
+          </p:cNvSpPr>
+          <p:nvPr>
+            <p:ph idx="1"/>
+          </p:nvPr>
+        </p:nvSpPr>
+        <p:spPr>
+          <a:xfrm>
+            <a:off x="251517" y="645459"/>
+            <a:ext cx="9448301" cy="6091517"/>
+          </a:xfrm>
+        </p:spPr>
+        <p:txBody>
+          <a:bodyPr>
+            <a:normAutofit/>
+          </a:bodyPr>
+          <a:lstStyle/>
+          <a:p>
+            <a:r>
+              <a:rPr lang="es-MX" dirty="0"/>
+              <a:t>Haz una clase llamada </a:t>
+            </a:r>
+            <a:r>
+              <a:rPr lang="es-MX" b="1" dirty="0"/>
+              <a:t>Persona</a:t>
+            </a:r>
+            <a:r>
+              <a:rPr lang="es-MX" dirty="0"/>
+              <a:t> que siga las siguientes condiciones:</a:t>
+            </a:r>
+          </a:p>
+          <a:p>
+            <a:r>
+              <a:rPr lang="es-MX" dirty="0"/>
+              <a:t>Sus atributos son: </a:t>
+            </a:r>
+            <a:r>
+              <a:rPr lang="es-MX" b="1" dirty="0"/>
+              <a:t>nombre, edad, </a:t>
+            </a:r>
+            <a:r>
+              <a:rPr lang="es-MX" b="1" dirty="0" smtClean="0"/>
+              <a:t>DNI, </a:t>
+            </a:r>
+            <a:r>
+              <a:rPr lang="es-MX" b="1" dirty="0"/>
+              <a:t>sexo </a:t>
+            </a:r>
+            <a:r>
+              <a:rPr lang="es-MX" dirty="0"/>
+              <a:t>(H hombre, M mujer)</a:t>
+            </a:r>
+            <a:r>
+              <a:rPr lang="es-MX" b="1" dirty="0"/>
+              <a:t>, peso y altura.</a:t>
+            </a:r>
+            <a:r>
+              <a:rPr lang="es-MX" dirty="0"/>
+              <a:t> No queremos que se accedan directamente a ellos. Piensa que modificador de acceso es el más adecuado, también su tipo. Si quieres añadir algún atributo puedes hacerlo.</a:t>
+            </a:r>
+          </a:p>
+          <a:p>
+            <a:r>
+              <a:rPr lang="es-MX" dirty="0"/>
+              <a:t>Por defecto, todos los atributos menos el DNI serán valores por defecto según su tipo (0 números, cadena vacía para </a:t>
+            </a:r>
+            <a:r>
+              <a:rPr lang="es-MX" dirty="0" err="1"/>
+              <a:t>String</a:t>
+            </a:r>
+            <a:r>
+              <a:rPr lang="es-MX" dirty="0"/>
+              <a:t>, etc.). Sexo </a:t>
+            </a:r>
+            <a:r>
+              <a:rPr lang="es-MX" dirty="0" smtClean="0"/>
+              <a:t>será </a:t>
+            </a:r>
+            <a:r>
+              <a:rPr lang="es-MX" dirty="0"/>
+              <a:t>hombre por defecto, usa una constante para ello.</a:t>
+            </a:r>
+          </a:p>
+          <a:p>
+            <a:r>
+              <a:rPr lang="es-MX" dirty="0"/>
+              <a:t>Se implantaran varios constructores:</a:t>
+            </a:r>
+          </a:p>
+          <a:p>
+            <a:pPr lvl="1"/>
+            <a:r>
+              <a:rPr lang="es-MX" dirty="0"/>
+              <a:t>Un constructor por defecto.</a:t>
+            </a:r>
+          </a:p>
+          <a:p>
+            <a:pPr lvl="1"/>
+            <a:r>
+              <a:rPr lang="es-MX" dirty="0"/>
+              <a:t>Un constructor con el nombre, edad y sexo, el resto por defecto.</a:t>
+            </a:r>
+          </a:p>
+          <a:p>
+            <a:pPr lvl="1"/>
+            <a:r>
+              <a:rPr lang="es-MX" dirty="0"/>
+              <a:t>Un constructor con todos los atributos como parámetro.</a:t>
+            </a:r>
+          </a:p>
+          <a:p>
+            <a:r>
+              <a:rPr lang="es-MX" dirty="0"/>
+              <a:t>Los métodos que se implementaran son:</a:t>
+            </a:r>
+          </a:p>
+          <a:p>
+            <a:pPr lvl="1"/>
+            <a:r>
+              <a:rPr lang="es-MX" b="1" dirty="0" err="1"/>
+              <a:t>calcularIMC</a:t>
+            </a:r>
+            <a:r>
+              <a:rPr lang="es-MX" b="1" dirty="0"/>
+              <a:t>()</a:t>
+            </a:r>
+            <a:r>
+              <a:rPr lang="es-MX" dirty="0"/>
+              <a:t>: calculara si la persona esta en su peso ideal (peso en kg/(altura^2  en m)), si esta fórmula devuelve un valor menor que 20, la función devuelve un -1, si devuelve un número entre 20 y 25 (incluidos), significa que esta por debajo de su peso ideal la función devuelve un 0  y si devuelve un valor mayor que 25 significa que tiene sobrepeso, la función devuelve un 1. Te recomiendo que uses constantes para devolver estos valores.</a:t>
+            </a:r>
+          </a:p>
+          <a:p>
+            <a:endParaRPr lang="es-MX" dirty="0"/>
+          </a:p>
+        </p:txBody>
+      </p:sp>
+      <p:pic>
+        <p:nvPicPr>
+          <p:cNvPr id="4" name="Imagen 3"/>
+          <p:cNvPicPr>
+            <a:picLocks noChangeAspect="1"/>
+          </p:cNvPicPr>
+          <p:nvPr/>
+        </p:nvPicPr>
+        <p:blipFill>
+          <a:blip r:embed="rId2">
+            <a:extLst>
+              <a:ext uri="{28A0092B-C50C-407E-A947-70E740481C1C}">
+                <a14:useLocalDpi xmlns:a14="http://schemas.microsoft.com/office/drawing/2010/main" val="0"/>
+              </a:ext>
+            </a:extLst>
+          </a:blip>
+          <a:stretch>
+            <a:fillRect/>
+          </a:stretch>
+        </p:blipFill>
+        <p:spPr>
+          <a:xfrm>
+            <a:off x="119106" y="6130345"/>
+            <a:ext cx="1628127" cy="727655"/>
+          </a:xfrm>
+          <a:prstGeom prst="rect">
+            <a:avLst/>
+          </a:prstGeom>
+        </p:spPr>
+      </p:pic>
+    </p:spTree>
+    <p:extLst>
+      <p:ext uri="{BB962C8B-B14F-4D97-AF65-F5344CB8AC3E}">
+        <p14:creationId xmlns:p14="http://schemas.microsoft.com/office/powerpoint/2010/main" val="3495589528"/>
+      </p:ext>
+    </p:extLst>
+  </p:cSld>
+  <p:clrMapOvr>
+    <a:masterClrMapping/>
+  </p:clrMapOvr>
+  <p:timing>
+    <p:tnLst>
+      <p:par>
+        <p:cTn id="1" dur="indefinite" restart="never" nodeType="tmRoot"/>
+      </p:par>
+    </p:tnLst>
+  </p:timing>
+</p:sld>
+</file>
+
+<file path=ppt/slides/slide56.xml><?xml version="1.0" encoding="utf-8"?>
+<p:sld xmlns:a="http://schemas.openxmlformats.org/drawingml/2006/main" xmlns:r="http://schemas.openxmlformats.org/officeDocument/2006/relationships" xmlns:p="http://schemas.openxmlformats.org/presentationml/2006/main">
+  <p:cSld>
+    <p:spTree>
+      <p:nvGrpSpPr>
+        <p:cNvPr id="1" name=""/>
+        <p:cNvGrpSpPr/>
+        <p:nvPr/>
+      </p:nvGrpSpPr>
+      <p:grpSpPr>
+        <a:xfrm>
+          <a:off x="0" y="0"/>
+          <a:ext cx="0" cy="0"/>
+          <a:chOff x="0" y="0"/>
+          <a:chExt cx="0" cy="0"/>
+        </a:xfrm>
+      </p:grpSpPr>
+      <p:sp>
+        <p:nvSpPr>
+          <p:cNvPr id="3" name="Marcador de contenido 2"/>
+          <p:cNvSpPr>
+            <a:spLocks noGrp="1"/>
+          </p:cNvSpPr>
+          <p:nvPr>
+            <p:ph idx="1"/>
+          </p:nvPr>
+        </p:nvSpPr>
+        <p:spPr>
+          <a:xfrm>
+            <a:off x="677334" y="268941"/>
+            <a:ext cx="8596668" cy="6454588"/>
+          </a:xfrm>
+        </p:spPr>
+        <p:txBody>
+          <a:bodyPr>
+            <a:normAutofit/>
+          </a:bodyPr>
+          <a:lstStyle/>
+          <a:p>
+            <a:pPr lvl="2"/>
+            <a:r>
+              <a:rPr lang="es-MX" b="1" dirty="0" err="1"/>
+              <a:t>esMayorDeEdad</a:t>
+            </a:r>
+            <a:r>
+              <a:rPr lang="es-MX" b="1" dirty="0"/>
+              <a:t>()</a:t>
+            </a:r>
+            <a:r>
+              <a:rPr lang="es-MX" dirty="0"/>
+              <a:t>: indica si es mayor de edad, devuelve un booleano.</a:t>
+            </a:r>
+          </a:p>
+          <a:p>
+            <a:pPr lvl="2"/>
+            <a:r>
+              <a:rPr lang="es-MX" b="1" dirty="0" err="1"/>
+              <a:t>comprobarSexo</a:t>
+            </a:r>
+            <a:r>
+              <a:rPr lang="es-MX" b="1" dirty="0"/>
+              <a:t>(</a:t>
+            </a:r>
+            <a:r>
+              <a:rPr lang="es-MX" b="1" dirty="0" err="1"/>
+              <a:t>char</a:t>
+            </a:r>
+            <a:r>
+              <a:rPr lang="es-MX" b="1" dirty="0"/>
+              <a:t> sexo)</a:t>
+            </a:r>
+            <a:r>
+              <a:rPr lang="es-MX" dirty="0"/>
+              <a:t>: comprueba que el sexo introducido es correcto. Si no es correcto, </a:t>
+            </a:r>
+            <a:r>
+              <a:rPr lang="es-MX" dirty="0" err="1"/>
+              <a:t>sera</a:t>
+            </a:r>
+            <a:r>
+              <a:rPr lang="es-MX" dirty="0"/>
+              <a:t> H. No </a:t>
+            </a:r>
+            <a:r>
+              <a:rPr lang="es-MX" dirty="0" err="1"/>
+              <a:t>sera</a:t>
+            </a:r>
+            <a:r>
+              <a:rPr lang="es-MX" dirty="0"/>
+              <a:t> visible al exterior.</a:t>
+            </a:r>
+          </a:p>
+          <a:p>
+            <a:pPr lvl="2"/>
+            <a:r>
+              <a:rPr lang="es-MX" b="1" dirty="0" err="1"/>
+              <a:t>toString</a:t>
+            </a:r>
+            <a:r>
+              <a:rPr lang="es-MX" b="1" dirty="0"/>
+              <a:t>()</a:t>
+            </a:r>
+            <a:r>
+              <a:rPr lang="es-MX" dirty="0"/>
+              <a:t>: devuelve toda la información del objeto.</a:t>
+            </a:r>
+          </a:p>
+          <a:p>
+            <a:pPr lvl="2"/>
+            <a:r>
+              <a:rPr lang="es-MX" b="1" dirty="0" err="1"/>
+              <a:t>generaDNI</a:t>
+            </a:r>
+            <a:r>
+              <a:rPr lang="es-MX" b="1" dirty="0"/>
+              <a:t>()</a:t>
+            </a:r>
+            <a:r>
+              <a:rPr lang="es-MX" dirty="0"/>
+              <a:t>: genera un número aleatorio de 8 cifras, genera a partir de este su número su letra correspondiente. Este método </a:t>
+            </a:r>
+            <a:r>
+              <a:rPr lang="es-MX" dirty="0" err="1"/>
+              <a:t>sera</a:t>
+            </a:r>
+            <a:r>
+              <a:rPr lang="es-MX" dirty="0"/>
+              <a:t> invocado cuando se construya el objeto. Puedes dividir el método para que te sea más fácil. No será visible al exterior.</a:t>
+            </a:r>
+          </a:p>
+          <a:p>
+            <a:pPr lvl="2"/>
+            <a:r>
+              <a:rPr lang="es-MX" dirty="0"/>
+              <a:t>Métodos set de cada parámetro, excepto de DNI</a:t>
+            </a:r>
+            <a:r>
+              <a:rPr lang="es-MX" dirty="0" smtClean="0"/>
+              <a:t>.</a:t>
+            </a:r>
+          </a:p>
+          <a:p>
+            <a:r>
+              <a:rPr lang="es-MX" dirty="0" smtClean="0"/>
+              <a:t>Ahora</a:t>
+            </a:r>
+            <a:r>
+              <a:rPr lang="es-MX" dirty="0"/>
+              <a:t>, crea una clase ejecutable que haga lo siguiente:</a:t>
+            </a:r>
+          </a:p>
+          <a:p>
+            <a:r>
+              <a:rPr lang="es-MX" dirty="0"/>
+              <a:t>Pide por teclado el nombre, la edad, sexo, peso y altura.</a:t>
+            </a:r>
+          </a:p>
+          <a:p>
+            <a:r>
+              <a:rPr lang="es-MX" dirty="0"/>
+              <a:t>Crea 3 objetos de la clase anterior, el primer objeto obtendrá las anteriores variables pedidas por teclado, el segundo objeto obtendrá todos los anteriores menos el peso y la altura y el último por defecto, para este último utiliza los métodos set para darle a los atributos un valor.</a:t>
+            </a:r>
+          </a:p>
+          <a:p>
+            <a:r>
+              <a:rPr lang="es-MX" dirty="0"/>
+              <a:t>Para cada objeto, deberá comprobar si esta en su peso ideal, tiene sobrepeso o por debajo de su peso ideal con un mensaje.</a:t>
+            </a:r>
+          </a:p>
+          <a:p>
+            <a:r>
+              <a:rPr lang="es-MX" dirty="0"/>
+              <a:t>Indicar para cada objeto si es mayor de edad.</a:t>
+            </a:r>
+          </a:p>
+          <a:p>
+            <a:r>
+              <a:rPr lang="es-MX" dirty="0"/>
+              <a:t>Por último, mostrar la información de cada objeto.</a:t>
+            </a:r>
+          </a:p>
+          <a:p>
+            <a:endParaRPr lang="es-MX" dirty="0"/>
+          </a:p>
+        </p:txBody>
+      </p:sp>
+      <p:pic>
+        <p:nvPicPr>
+          <p:cNvPr id="4" name="Imagen 3"/>
+          <p:cNvPicPr>
+            <a:picLocks noChangeAspect="1"/>
+          </p:cNvPicPr>
+          <p:nvPr/>
+        </p:nvPicPr>
+        <p:blipFill>
+          <a:blip r:embed="rId2">
+            <a:extLst>
+              <a:ext uri="{28A0092B-C50C-407E-A947-70E740481C1C}">
+                <a14:useLocalDpi xmlns:a14="http://schemas.microsoft.com/office/drawing/2010/main" val="0"/>
+              </a:ext>
+            </a:extLst>
+          </a:blip>
+          <a:stretch>
+            <a:fillRect/>
+          </a:stretch>
+        </p:blipFill>
+        <p:spPr>
+          <a:xfrm>
+            <a:off x="119106" y="6130345"/>
+            <a:ext cx="1628127" cy="727655"/>
+          </a:xfrm>
+          <a:prstGeom prst="rect">
+            <a:avLst/>
+          </a:prstGeom>
+        </p:spPr>
+      </p:pic>
+    </p:spTree>
+    <p:extLst>
+      <p:ext uri="{BB962C8B-B14F-4D97-AF65-F5344CB8AC3E}">
+        <p14:creationId xmlns:p14="http://schemas.microsoft.com/office/powerpoint/2010/main" val="2746206171"/>
+      </p:ext>
+    </p:extLst>
+  </p:cSld>
+  <p:clrMapOvr>
+    <a:masterClrMapping/>
+  </p:clrMapOvr>
+  <p:timing>
+    <p:tnLst>
+      <p:par>
+        <p:cTn id="1" dur="indefinite" restart="never" nodeType="tmRoot"/>
+      </p:par>
+    </p:tnLst>
+  </p:timing>
+</p:sld>
+</file>
+
+<file path=ppt/slides/slide57.xml><?xml version="1.0" encoding="utf-8"?>
+<p:sld xmlns:a="http://schemas.openxmlformats.org/drawingml/2006/main" xmlns:r="http://schemas.openxmlformats.org/officeDocument/2006/relationships" xmlns:p="http://schemas.openxmlformats.org/presentationml/2006/main">
+  <p:cSld>
+    <p:spTree>
+      <p:nvGrpSpPr>
+        <p:cNvPr id="1" name=""/>
+        <p:cNvGrpSpPr/>
+        <p:nvPr/>
+      </p:nvGrpSpPr>
+      <p:grpSpPr>
+        <a:xfrm>
+          <a:off x="0" y="0"/>
+          <a:ext cx="0" cy="0"/>
+          <a:chOff x="0" y="0"/>
+          <a:chExt cx="0" cy="0"/>
+        </a:xfrm>
+      </p:grpSpPr>
+      <p:sp>
+        <p:nvSpPr>
+          <p:cNvPr id="2" name="Título 1"/>
+          <p:cNvSpPr>
+            <a:spLocks noGrp="1"/>
+          </p:cNvSpPr>
+          <p:nvPr>
+            <p:ph type="title"/>
+          </p:nvPr>
+        </p:nvSpPr>
+        <p:spPr/>
+        <p:txBody>
+          <a:bodyPr/>
+          <a:lstStyle/>
+          <a:p>
+            <a:r>
+              <a:rPr lang="es-MX" dirty="0" smtClean="0"/>
+              <a:t>Ejercicio</a:t>
+            </a:r>
+            <a:endParaRPr lang="es-MX" dirty="0"/>
+          </a:p>
+        </p:txBody>
+      </p:sp>
+      <p:sp>
+        <p:nvSpPr>
+          <p:cNvPr id="3" name="Marcador de contenido 2"/>
+          <p:cNvSpPr>
+            <a:spLocks noGrp="1"/>
+          </p:cNvSpPr>
+          <p:nvPr>
+            <p:ph idx="1"/>
+          </p:nvPr>
+        </p:nvSpPr>
+        <p:spPr>
+          <a:xfrm>
+            <a:off x="677334" y="1930401"/>
+            <a:ext cx="8596668" cy="4110962"/>
+          </a:xfrm>
+        </p:spPr>
+        <p:txBody>
+          <a:bodyPr>
+            <a:normAutofit fontScale="92500" lnSpcReduction="10000"/>
+          </a:bodyPr>
+          <a:lstStyle/>
+          <a:p>
+            <a:r>
+              <a:rPr lang="es-MX" dirty="0"/>
+              <a:t>Crearemos una clase llamada </a:t>
+            </a:r>
+            <a:r>
+              <a:rPr lang="es-MX" b="1" dirty="0"/>
+              <a:t>Serie</a:t>
+            </a:r>
+            <a:r>
+              <a:rPr lang="es-MX" dirty="0"/>
+              <a:t> con las siguientes características:</a:t>
+            </a:r>
+          </a:p>
+          <a:p>
+            <a:r>
+              <a:rPr lang="es-MX" dirty="0"/>
+              <a:t>Sus atributos son </a:t>
+            </a:r>
+            <a:r>
+              <a:rPr lang="es-MX" b="1" dirty="0"/>
+              <a:t>titulo, numero de temporadas</a:t>
+            </a:r>
+            <a:r>
+              <a:rPr lang="es-MX" dirty="0"/>
+              <a:t>, </a:t>
+            </a:r>
+            <a:r>
+              <a:rPr lang="es-MX" b="1" dirty="0"/>
+              <a:t>entregado, genero y creador.</a:t>
+            </a:r>
+            <a:endParaRPr lang="es-MX" dirty="0"/>
+          </a:p>
+          <a:p>
+            <a:r>
+              <a:rPr lang="es-MX" dirty="0"/>
+              <a:t>Por defecto, el numero de temporadas es de 3 temporadas y entregado </a:t>
+            </a:r>
+            <a:r>
+              <a:rPr lang="es-MX" b="1" dirty="0"/>
+              <a:t>false</a:t>
+            </a:r>
+            <a:r>
+              <a:rPr lang="es-MX" dirty="0"/>
+              <a:t>. El resto de atributos serán valores por defecto según el tipo del atributo.</a:t>
+            </a:r>
+          </a:p>
+          <a:p>
+            <a:r>
+              <a:rPr lang="es-MX" dirty="0"/>
+              <a:t>Los constructores que se implementaran serán:</a:t>
+            </a:r>
+          </a:p>
+          <a:p>
+            <a:pPr lvl="1"/>
+            <a:r>
+              <a:rPr lang="es-MX" dirty="0"/>
+              <a:t>Un constructor por defecto.</a:t>
+            </a:r>
+          </a:p>
+          <a:p>
+            <a:pPr lvl="1"/>
+            <a:r>
+              <a:rPr lang="es-MX" dirty="0"/>
+              <a:t>Un constructor con el titulo y creador. El resto por defecto.</a:t>
+            </a:r>
+          </a:p>
+          <a:p>
+            <a:pPr lvl="1"/>
+            <a:r>
+              <a:rPr lang="es-MX" dirty="0"/>
+              <a:t>Un constructor con todos los atributos, excepto de entregado.</a:t>
+            </a:r>
+          </a:p>
+          <a:p>
+            <a:r>
+              <a:rPr lang="es-MX" dirty="0"/>
+              <a:t>Los métodos que se implementara serán:</a:t>
+            </a:r>
+          </a:p>
+          <a:p>
+            <a:pPr lvl="1"/>
+            <a:r>
+              <a:rPr lang="es-MX" dirty="0"/>
+              <a:t>Métodos </a:t>
+            </a:r>
+            <a:r>
+              <a:rPr lang="es-MX" dirty="0" err="1"/>
+              <a:t>get</a:t>
+            </a:r>
+            <a:r>
+              <a:rPr lang="es-MX" dirty="0"/>
+              <a:t> de todos los atributos, excepto de entregado.</a:t>
+            </a:r>
+          </a:p>
+          <a:p>
+            <a:pPr lvl="1"/>
+            <a:r>
+              <a:rPr lang="es-MX" dirty="0"/>
+              <a:t>Métodos set de todos los atributos, excepto de entregado.</a:t>
+            </a:r>
+          </a:p>
+          <a:p>
+            <a:pPr lvl="1"/>
+            <a:r>
+              <a:rPr lang="es-MX" dirty="0"/>
+              <a:t>Sobrescribe los métodos </a:t>
+            </a:r>
+            <a:r>
+              <a:rPr lang="es-MX" dirty="0" err="1"/>
+              <a:t>toString</a:t>
+            </a:r>
+            <a:r>
+              <a:rPr lang="es-MX" dirty="0"/>
+              <a:t>.</a:t>
+            </a:r>
+          </a:p>
+          <a:p>
+            <a:endParaRPr lang="es-MX" dirty="0"/>
+          </a:p>
+        </p:txBody>
+      </p:sp>
+      <p:pic>
+        <p:nvPicPr>
+          <p:cNvPr id="4" name="Imagen 3"/>
+          <p:cNvPicPr>
+            <a:picLocks noChangeAspect="1"/>
+          </p:cNvPicPr>
+          <p:nvPr/>
+        </p:nvPicPr>
+        <p:blipFill>
+          <a:blip r:embed="rId2">
+            <a:extLst>
+              <a:ext uri="{28A0092B-C50C-407E-A947-70E740481C1C}">
+                <a14:useLocalDpi xmlns:a14="http://schemas.microsoft.com/office/drawing/2010/main" val="0"/>
+              </a:ext>
+            </a:extLst>
+          </a:blip>
+          <a:stretch>
+            <a:fillRect/>
+          </a:stretch>
+        </p:blipFill>
+        <p:spPr>
+          <a:xfrm>
+            <a:off x="119106" y="6130345"/>
+            <a:ext cx="1628127" cy="727655"/>
+          </a:xfrm>
+          <a:prstGeom prst="rect">
+            <a:avLst/>
+          </a:prstGeom>
+        </p:spPr>
+      </p:pic>
+    </p:spTree>
+    <p:extLst>
+      <p:ext uri="{BB962C8B-B14F-4D97-AF65-F5344CB8AC3E}">
+        <p14:creationId xmlns:p14="http://schemas.microsoft.com/office/powerpoint/2010/main" val="3884105889"/>
+      </p:ext>
+    </p:extLst>
+  </p:cSld>
+  <p:clrMapOvr>
+    <a:masterClrMapping/>
+  </p:clrMapOvr>
+  <p:timing>
+    <p:tnLst>
+      <p:par>
+        <p:cTn id="1" dur="indefinite" restart="never" nodeType="tmRoot"/>
+      </p:par>
+    </p:tnLst>
+  </p:timing>
+</p:sld>
+</file>
+
+<file path=ppt/slides/slide58.xml><?xml version="1.0" encoding="utf-8"?>
+<p:sld xmlns:a="http://schemas.openxmlformats.org/drawingml/2006/main" xmlns:r="http://schemas.openxmlformats.org/officeDocument/2006/relationships" xmlns:p="http://schemas.openxmlformats.org/presentationml/2006/main">
+  <p:cSld>
+    <p:spTree>
+      <p:nvGrpSpPr>
+        <p:cNvPr id="1" name=""/>
+        <p:cNvGrpSpPr/>
+        <p:nvPr/>
+      </p:nvGrpSpPr>
+      <p:grpSpPr>
+        <a:xfrm>
+          <a:off x="0" y="0"/>
+          <a:ext cx="0" cy="0"/>
+          <a:chOff x="0" y="0"/>
+          <a:chExt cx="0" cy="0"/>
+        </a:xfrm>
+      </p:grpSpPr>
+      <p:sp>
+        <p:nvSpPr>
+          <p:cNvPr id="3" name="Marcador de contenido 2"/>
+          <p:cNvSpPr>
+            <a:spLocks noGrp="1"/>
+          </p:cNvSpPr>
+          <p:nvPr>
+            <p:ph idx="1"/>
+          </p:nvPr>
+        </p:nvSpPr>
+        <p:spPr>
+          <a:xfrm>
+            <a:off x="677334" y="336177"/>
+            <a:ext cx="8596668" cy="5705186"/>
+          </a:xfrm>
+        </p:spPr>
+        <p:txBody>
+          <a:bodyPr/>
+          <a:lstStyle/>
+          <a:p>
+            <a:r>
+              <a:rPr lang="es-MX" dirty="0"/>
+              <a:t>Crearemos una clase </a:t>
+            </a:r>
+            <a:r>
+              <a:rPr lang="es-MX" b="1" dirty="0"/>
+              <a:t>Videojuego</a:t>
+            </a:r>
+            <a:r>
+              <a:rPr lang="es-MX" dirty="0"/>
+              <a:t> con las siguientes características:</a:t>
+            </a:r>
+          </a:p>
+          <a:p>
+            <a:r>
+              <a:rPr lang="es-MX" dirty="0"/>
+              <a:t>Sus atributos son </a:t>
+            </a:r>
+            <a:r>
+              <a:rPr lang="es-MX" b="1" dirty="0"/>
+              <a:t>titulo, horas estimadas, entregado, genero y </a:t>
+            </a:r>
+            <a:r>
+              <a:rPr lang="es-MX" b="1" dirty="0" err="1"/>
+              <a:t>compañia</a:t>
+            </a:r>
+            <a:r>
+              <a:rPr lang="es-MX" dirty="0"/>
+              <a:t>.</a:t>
+            </a:r>
+          </a:p>
+          <a:p>
+            <a:r>
+              <a:rPr lang="es-MX" dirty="0"/>
+              <a:t>Por defecto, las horas estimadas serán de 10 horas y entregado false. El resto de atributos serán valores por defecto según el tipo del atributo.</a:t>
+            </a:r>
+          </a:p>
+          <a:p>
+            <a:r>
+              <a:rPr lang="es-MX" dirty="0"/>
+              <a:t>Los constructores que se implementaran serán:</a:t>
+            </a:r>
+          </a:p>
+          <a:p>
+            <a:pPr lvl="1"/>
+            <a:r>
+              <a:rPr lang="es-MX" dirty="0"/>
+              <a:t>Un constructor por defecto.</a:t>
+            </a:r>
+          </a:p>
+          <a:p>
+            <a:pPr lvl="1"/>
+            <a:r>
+              <a:rPr lang="es-MX" dirty="0"/>
+              <a:t>Un constructor con el titulo y horas estimadas. El resto por defecto.</a:t>
+            </a:r>
+          </a:p>
+          <a:p>
+            <a:pPr lvl="1"/>
+            <a:r>
+              <a:rPr lang="es-MX" dirty="0"/>
+              <a:t>Un constructor con todos los atributos, excepto de entregado.</a:t>
+            </a:r>
+          </a:p>
+          <a:p>
+            <a:r>
+              <a:rPr lang="es-MX" dirty="0"/>
+              <a:t>Los métodos que se implementara serán:</a:t>
+            </a:r>
+          </a:p>
+          <a:p>
+            <a:pPr lvl="1"/>
+            <a:r>
+              <a:rPr lang="es-MX" dirty="0"/>
+              <a:t>Métodos </a:t>
+            </a:r>
+            <a:r>
+              <a:rPr lang="es-MX" dirty="0" err="1"/>
+              <a:t>get</a:t>
+            </a:r>
+            <a:r>
+              <a:rPr lang="es-MX" dirty="0"/>
+              <a:t> de todos los atributos, excepto de entregado.</a:t>
+            </a:r>
+          </a:p>
+          <a:p>
+            <a:pPr lvl="1"/>
+            <a:r>
+              <a:rPr lang="es-MX" dirty="0"/>
+              <a:t>Métodos set de todos los atributos, excepto de entregado.</a:t>
+            </a:r>
+          </a:p>
+          <a:p>
+            <a:pPr lvl="1"/>
+            <a:r>
+              <a:rPr lang="es-MX" dirty="0"/>
+              <a:t>Sobrescribe los métodos </a:t>
+            </a:r>
+            <a:r>
+              <a:rPr lang="es-MX" dirty="0" err="1"/>
+              <a:t>toString</a:t>
+            </a:r>
+            <a:r>
+              <a:rPr lang="es-MX" dirty="0"/>
+              <a:t>.</a:t>
+            </a:r>
+          </a:p>
+          <a:p>
+            <a:endParaRPr lang="es-MX" dirty="0"/>
+          </a:p>
+        </p:txBody>
+      </p:sp>
+      <p:pic>
+        <p:nvPicPr>
+          <p:cNvPr id="4" name="Imagen 3"/>
+          <p:cNvPicPr>
+            <a:picLocks noChangeAspect="1"/>
+          </p:cNvPicPr>
+          <p:nvPr/>
+        </p:nvPicPr>
+        <p:blipFill>
+          <a:blip r:embed="rId2">
+            <a:extLst>
+              <a:ext uri="{28A0092B-C50C-407E-A947-70E740481C1C}">
+                <a14:useLocalDpi xmlns:a14="http://schemas.microsoft.com/office/drawing/2010/main" val="0"/>
+              </a:ext>
+            </a:extLst>
+          </a:blip>
+          <a:stretch>
+            <a:fillRect/>
+          </a:stretch>
+        </p:blipFill>
+        <p:spPr>
+          <a:xfrm>
+            <a:off x="119106" y="6130345"/>
+            <a:ext cx="1628127" cy="727655"/>
+          </a:xfrm>
+          <a:prstGeom prst="rect">
+            <a:avLst/>
+          </a:prstGeom>
+        </p:spPr>
+      </p:pic>
+    </p:spTree>
+    <p:extLst>
+      <p:ext uri="{BB962C8B-B14F-4D97-AF65-F5344CB8AC3E}">
+        <p14:creationId xmlns:p14="http://schemas.microsoft.com/office/powerpoint/2010/main" val="2444005834"/>
+      </p:ext>
+    </p:extLst>
+  </p:cSld>
+  <p:clrMapOvr>
+    <a:masterClrMapping/>
+  </p:clrMapOvr>
+  <p:timing>
+    <p:tnLst>
+      <p:par>
+        <p:cTn id="1" dur="indefinite" restart="never" nodeType="tmRoot"/>
+      </p:par>
+    </p:tnLst>
+  </p:timing>
+</p:sld>
+</file>
+
+<file path=ppt/slides/slide59.xml><?xml version="1.0" encoding="utf-8"?>
+<p:sld xmlns:a="http://schemas.openxmlformats.org/drawingml/2006/main" xmlns:r="http://schemas.openxmlformats.org/officeDocument/2006/relationships" xmlns:p="http://schemas.openxmlformats.org/presentationml/2006/main">
+  <p:cSld>
+    <p:spTree>
+      <p:nvGrpSpPr>
+        <p:cNvPr id="1" name=""/>
+        <p:cNvGrpSpPr/>
+        <p:nvPr/>
+      </p:nvGrpSpPr>
+      <p:grpSpPr>
+        <a:xfrm>
+          <a:off x="0" y="0"/>
+          <a:ext cx="0" cy="0"/>
+          <a:chOff x="0" y="0"/>
+          <a:chExt cx="0" cy="0"/>
+        </a:xfrm>
+      </p:grpSpPr>
+      <p:sp>
+        <p:nvSpPr>
+          <p:cNvPr id="3" name="Marcador de contenido 2"/>
+          <p:cNvSpPr>
+            <a:spLocks noGrp="1"/>
+          </p:cNvSpPr>
+          <p:nvPr>
+            <p:ph idx="1"/>
+          </p:nvPr>
+        </p:nvSpPr>
+        <p:spPr>
+          <a:xfrm>
+            <a:off x="677334" y="174813"/>
+            <a:ext cx="8596668" cy="5866550"/>
+          </a:xfrm>
+        </p:spPr>
+        <p:txBody>
+          <a:bodyPr>
+            <a:normAutofit fontScale="92500" lnSpcReduction="20000"/>
+          </a:bodyPr>
+          <a:lstStyle/>
+          <a:p>
+            <a:r>
+              <a:rPr lang="es-MX" dirty="0"/>
+              <a:t>Como vemos, en principio, las clases anteriores no son padre-hija, pero si tienen en común, por eso vamos a hacer una interfaz llamada </a:t>
+            </a:r>
+            <a:r>
+              <a:rPr lang="es-MX" b="1" dirty="0"/>
+              <a:t>Entregable</a:t>
+            </a:r>
+            <a:r>
+              <a:rPr lang="es-MX" dirty="0"/>
+              <a:t> con los siguientes métodos:</a:t>
+            </a:r>
+          </a:p>
+          <a:p>
+            <a:r>
+              <a:rPr lang="es-MX" b="1" dirty="0"/>
+              <a:t>entregar()</a:t>
+            </a:r>
+            <a:r>
+              <a:rPr lang="es-MX" dirty="0"/>
+              <a:t>: cambia el atributo prestado a true.</a:t>
+            </a:r>
+          </a:p>
+          <a:p>
+            <a:r>
+              <a:rPr lang="es-MX" b="1" dirty="0"/>
+              <a:t>devolver()</a:t>
+            </a:r>
+            <a:r>
+              <a:rPr lang="es-MX" dirty="0"/>
+              <a:t>: cambia el atributo prestado a false.</a:t>
+            </a:r>
+          </a:p>
+          <a:p>
+            <a:r>
+              <a:rPr lang="es-MX" b="1" dirty="0" err="1"/>
+              <a:t>isEntregado</a:t>
+            </a:r>
+            <a:r>
+              <a:rPr lang="es-MX" b="1" dirty="0"/>
+              <a:t>()</a:t>
+            </a:r>
+            <a:r>
+              <a:rPr lang="es-MX" dirty="0"/>
+              <a:t>: devuelve el estado del atributo prestado.</a:t>
+            </a:r>
+          </a:p>
+          <a:p>
+            <a:r>
+              <a:rPr lang="es-MX" dirty="0"/>
+              <a:t>Método </a:t>
+            </a:r>
+            <a:r>
+              <a:rPr lang="es-MX" b="1" dirty="0" err="1"/>
+              <a:t>compareTo</a:t>
+            </a:r>
+            <a:r>
+              <a:rPr lang="es-MX" b="1" dirty="0"/>
+              <a:t> (</a:t>
+            </a:r>
+            <a:r>
+              <a:rPr lang="es-MX" b="1" dirty="0" err="1"/>
+              <a:t>Object</a:t>
+            </a:r>
+            <a:r>
+              <a:rPr lang="es-MX" b="1" dirty="0"/>
+              <a:t> a)</a:t>
+            </a:r>
+            <a:r>
+              <a:rPr lang="es-MX" dirty="0"/>
+              <a:t>, compara las horas estimadas en los videojuegos y en las series el numero de temporadas. Como parámetro que tenga un objeto, no es necesario que implementes la interfaz Comparable. Recuerda el uso de los casting de objetos.</a:t>
+            </a:r>
+          </a:p>
+          <a:p>
+            <a:r>
+              <a:rPr lang="es-MX" dirty="0"/>
+              <a:t>Implementa los anteriores métodos en las clases Videojuego y Serie. Ahora crea una aplicación ejecutable y realiza lo siguiente:</a:t>
+            </a:r>
+          </a:p>
+          <a:p>
+            <a:r>
+              <a:rPr lang="es-MX" dirty="0"/>
+              <a:t>Crea dos </a:t>
+            </a:r>
+            <a:r>
+              <a:rPr lang="es-MX" dirty="0" err="1"/>
+              <a:t>arrays</a:t>
+            </a:r>
+            <a:r>
+              <a:rPr lang="es-MX" dirty="0"/>
+              <a:t>, uno de</a:t>
+            </a:r>
+            <a:r>
+              <a:rPr lang="es-MX" b="1" dirty="0"/>
+              <a:t> Series</a:t>
+            </a:r>
+            <a:r>
+              <a:rPr lang="es-MX" dirty="0"/>
+              <a:t> y otro de </a:t>
+            </a:r>
+            <a:r>
+              <a:rPr lang="es-MX" b="1" dirty="0"/>
+              <a:t>Videojuegos</a:t>
+            </a:r>
+            <a:r>
+              <a:rPr lang="es-MX" dirty="0"/>
+              <a:t>, de 5 posiciones cada uno.</a:t>
+            </a:r>
+          </a:p>
+          <a:p>
+            <a:r>
+              <a:rPr lang="es-MX" dirty="0"/>
+              <a:t>Crea un objeto en cada posición del </a:t>
+            </a:r>
+            <a:r>
+              <a:rPr lang="es-MX" dirty="0" err="1"/>
+              <a:t>array</a:t>
+            </a:r>
+            <a:r>
+              <a:rPr lang="es-MX" dirty="0"/>
+              <a:t>, con los valores que desees, puedes usar distintos constructores.</a:t>
+            </a:r>
+          </a:p>
+          <a:p>
+            <a:r>
+              <a:rPr lang="es-MX" dirty="0"/>
+              <a:t>Entrega algunos </a:t>
+            </a:r>
+            <a:r>
+              <a:rPr lang="es-MX" b="1" dirty="0"/>
+              <a:t>Videojuegos</a:t>
+            </a:r>
+            <a:r>
+              <a:rPr lang="es-MX" dirty="0"/>
+              <a:t> y </a:t>
+            </a:r>
+            <a:r>
+              <a:rPr lang="es-MX" b="1" dirty="0"/>
+              <a:t>Series</a:t>
+            </a:r>
+            <a:r>
+              <a:rPr lang="es-MX" dirty="0"/>
+              <a:t> con el método </a:t>
+            </a:r>
+            <a:r>
+              <a:rPr lang="es-MX" b="1" dirty="0"/>
+              <a:t>entregar()</a:t>
+            </a:r>
+            <a:r>
+              <a:rPr lang="es-MX" dirty="0"/>
+              <a:t>.</a:t>
+            </a:r>
+          </a:p>
+          <a:p>
+            <a:r>
+              <a:rPr lang="es-MX" dirty="0"/>
+              <a:t>Cuenta cuantos </a:t>
+            </a:r>
+            <a:r>
+              <a:rPr lang="es-MX" b="1" dirty="0"/>
+              <a:t>Series</a:t>
+            </a:r>
+            <a:r>
+              <a:rPr lang="es-MX" dirty="0"/>
+              <a:t> y </a:t>
+            </a:r>
+            <a:r>
+              <a:rPr lang="es-MX" b="1" dirty="0"/>
+              <a:t>Videojuegos</a:t>
+            </a:r>
+            <a:r>
+              <a:rPr lang="es-MX" dirty="0"/>
+              <a:t> hay entregados. Al contarlos, devuélvelos.</a:t>
+            </a:r>
+          </a:p>
+          <a:p>
+            <a:r>
+              <a:rPr lang="es-MX" dirty="0"/>
+              <a:t>Por último, indica el </a:t>
+            </a:r>
+            <a:r>
+              <a:rPr lang="es-MX" b="1" dirty="0"/>
+              <a:t>Videojuego</a:t>
+            </a:r>
+            <a:r>
+              <a:rPr lang="es-MX" dirty="0"/>
+              <a:t> tiene más horas estimadas y la serie con mas temporadas. </a:t>
+            </a:r>
+            <a:r>
+              <a:rPr lang="es-MX" dirty="0" err="1"/>
+              <a:t>Muestralos</a:t>
+            </a:r>
+            <a:r>
+              <a:rPr lang="es-MX" dirty="0"/>
+              <a:t> en pantalla con toda su información (usa el método </a:t>
+            </a:r>
+            <a:r>
+              <a:rPr lang="es-MX" dirty="0" err="1"/>
+              <a:t>toString</a:t>
+            </a:r>
+            <a:r>
+              <a:rPr lang="es-MX" dirty="0"/>
+              <a:t>()).</a:t>
+            </a:r>
+          </a:p>
+          <a:p>
+            <a:endParaRPr lang="es-MX" dirty="0"/>
+          </a:p>
+        </p:txBody>
+      </p:sp>
+      <p:pic>
+        <p:nvPicPr>
+          <p:cNvPr id="4" name="Imagen 3"/>
+          <p:cNvPicPr>
+            <a:picLocks noChangeAspect="1"/>
+          </p:cNvPicPr>
+          <p:nvPr/>
+        </p:nvPicPr>
+        <p:blipFill>
+          <a:blip r:embed="rId2">
+            <a:extLst>
+              <a:ext uri="{28A0092B-C50C-407E-A947-70E740481C1C}">
+                <a14:useLocalDpi xmlns:a14="http://schemas.microsoft.com/office/drawing/2010/main" val="0"/>
+              </a:ext>
+            </a:extLst>
+          </a:blip>
+          <a:stretch>
+            <a:fillRect/>
+          </a:stretch>
+        </p:blipFill>
+        <p:spPr>
+          <a:xfrm>
+            <a:off x="119106" y="6130345"/>
+            <a:ext cx="1628127" cy="727655"/>
+          </a:xfrm>
+          <a:prstGeom prst="rect">
+            <a:avLst/>
+          </a:prstGeom>
+        </p:spPr>
+      </p:pic>
+    </p:spTree>
+    <p:extLst>
+      <p:ext uri="{BB962C8B-B14F-4D97-AF65-F5344CB8AC3E}">
+        <p14:creationId xmlns:p14="http://schemas.microsoft.com/office/powerpoint/2010/main" val="2420977585"/>
+      </p:ext>
+    </p:extLst>
+  </p:cSld>
+  <p:clrMapOvr>
+    <a:masterClrMapping/>
+  </p:clrMapOvr>
+  <p:timing>
+    <p:tnLst>
+      <p:par>
+        <p:cTn id="1" dur="indefinite" restart="never" nodeType="tmRoot"/>
+      </p:par>
+    </p:tnLst>
+  </p:timing>
+</p:sld>
+</file>
+
 <file path=ppt/slides/slide6.xml><?xml version="1.0" encoding="utf-8"?>
 <p:sld xmlns:a="http://schemas.openxmlformats.org/drawingml/2006/main" xmlns:r="http://schemas.openxmlformats.org/officeDocument/2006/relationships" xmlns:p="http://schemas.openxmlformats.org/presentationml/2006/main">
   <p:cSld>
@@ -19360,6 +23112,137 @@
     <p:extLst>
       <p:ext uri="{BB962C8B-B14F-4D97-AF65-F5344CB8AC3E}">
         <p14:creationId xmlns:p14="http://schemas.microsoft.com/office/powerpoint/2010/main" val="1546113285"/>
+      </p:ext>
+    </p:extLst>
+  </p:cSld>
+  <p:clrMapOvr>
+    <a:masterClrMapping/>
+  </p:clrMapOvr>
+  <p:timing>
+    <p:tnLst>
+      <p:par>
+        <p:cTn id="1" dur="indefinite" restart="never" nodeType="tmRoot"/>
+      </p:par>
+    </p:tnLst>
+  </p:timing>
+</p:sld>
+</file>
+
+<file path=ppt/slides/slide60.xml><?xml version="1.0" encoding="utf-8"?>
+<p:sld xmlns:a="http://schemas.openxmlformats.org/drawingml/2006/main" xmlns:r="http://schemas.openxmlformats.org/officeDocument/2006/relationships" xmlns:p="http://schemas.openxmlformats.org/presentationml/2006/main">
+  <p:cSld>
+    <p:spTree>
+      <p:nvGrpSpPr>
+        <p:cNvPr id="1" name=""/>
+        <p:cNvGrpSpPr/>
+        <p:nvPr/>
+      </p:nvGrpSpPr>
+      <p:grpSpPr>
+        <a:xfrm>
+          <a:off x="0" y="0"/>
+          <a:ext cx="0" cy="0"/>
+          <a:chOff x="0" y="0"/>
+          <a:chExt cx="0" cy="0"/>
+        </a:xfrm>
+      </p:grpSpPr>
+      <p:sp>
+        <p:nvSpPr>
+          <p:cNvPr id="2" name="Título 1"/>
+          <p:cNvSpPr>
+            <a:spLocks noGrp="1"/>
+          </p:cNvSpPr>
+          <p:nvPr>
+            <p:ph type="title"/>
+          </p:nvPr>
+        </p:nvSpPr>
+        <p:spPr/>
+        <p:txBody>
+          <a:bodyPr/>
+          <a:lstStyle/>
+          <a:p>
+            <a:r>
+              <a:rPr lang="es-MX" dirty="0" smtClean="0"/>
+              <a:t>Listas</a:t>
+            </a:r>
+            <a:endParaRPr lang="es-MX" dirty="0"/>
+          </a:p>
+        </p:txBody>
+      </p:sp>
+      <p:sp>
+        <p:nvSpPr>
+          <p:cNvPr id="3" name="Marcador de contenido 2"/>
+          <p:cNvSpPr>
+            <a:spLocks noGrp="1"/>
+          </p:cNvSpPr>
+          <p:nvPr>
+            <p:ph idx="1"/>
+          </p:nvPr>
+        </p:nvSpPr>
+        <p:spPr/>
+        <p:txBody>
+          <a:bodyPr/>
+          <a:lstStyle/>
+          <a:p>
+            <a:pPr marL="0" indent="0">
+              <a:buNone/>
+            </a:pPr>
+            <a:r>
+              <a:rPr lang="es-MX" dirty="0" smtClean="0"/>
+              <a:t>TIPOS GENERICOS</a:t>
+            </a:r>
+          </a:p>
+          <a:p>
+            <a:pPr lvl="1"/>
+            <a:r>
+              <a:rPr lang="es-MX" dirty="0" smtClean="0"/>
+              <a:t>Son clases o interfaces </a:t>
+            </a:r>
+            <a:r>
+              <a:rPr lang="es-MX" dirty="0" err="1" smtClean="0"/>
+              <a:t>parametrizados</a:t>
+            </a:r>
+            <a:r>
+              <a:rPr lang="es-MX" dirty="0" smtClean="0"/>
+              <a:t> mediante tipos de datos</a:t>
+            </a:r>
+            <a:endParaRPr lang="es-MX" dirty="0"/>
+          </a:p>
+        </p:txBody>
+      </p:sp>
+      <p:pic>
+        <p:nvPicPr>
+          <p:cNvPr id="4" name="Imagen 3"/>
+          <p:cNvPicPr>
+            <a:picLocks noChangeAspect="1"/>
+          </p:cNvPicPr>
+          <p:nvPr/>
+        </p:nvPicPr>
+        <p:blipFill>
+          <a:blip r:embed="rId2">
+            <a:extLst>
+              <a:ext uri="{28A0092B-C50C-407E-A947-70E740481C1C}">
+                <a14:useLocalDpi xmlns:a14="http://schemas.microsoft.com/office/drawing/2010/main" val="0"/>
+              </a:ext>
+            </a:extLst>
+          </a:blip>
+          <a:stretch>
+            <a:fillRect/>
+          </a:stretch>
+        </p:blipFill>
+        <p:spPr>
+          <a:xfrm>
+            <a:off x="119106" y="6130345"/>
+            <a:ext cx="1628127" cy="727655"/>
+          </a:xfrm>
+          <a:prstGeom prst="rect">
+            <a:avLst/>
+          </a:prstGeom>
+        </p:spPr>
+      </p:pic>
+    </p:spTree>
+    <p:extLst>
+      <p:ext uri="{BB962C8B-B14F-4D97-AF65-F5344CB8AC3E}">
+        <p14:creationId xmlns:p14="http://schemas.microsoft.com/office/powerpoint/2010/main" val="2612838542"/>
       </p:ext>
     </p:extLst>
   </p:cSld>

--- a/JAVA.pptx
+++ b/JAVA.pptx
@@ -65,6 +65,17 @@
     <p:sldId id="310" r:id="rId59"/>
     <p:sldId id="311" r:id="rId60"/>
     <p:sldId id="315" r:id="rId61"/>
+    <p:sldId id="316" r:id="rId62"/>
+    <p:sldId id="317" r:id="rId63"/>
+    <p:sldId id="318" r:id="rId64"/>
+    <p:sldId id="319" r:id="rId65"/>
+    <p:sldId id="320" r:id="rId66"/>
+    <p:sldId id="321" r:id="rId67"/>
+    <p:sldId id="322" r:id="rId68"/>
+    <p:sldId id="323" r:id="rId69"/>
+    <p:sldId id="324" r:id="rId70"/>
+    <p:sldId id="325" r:id="rId71"/>
+    <p:sldId id="326" r:id="rId72"/>
   </p:sldIdLst>
   <p:sldSz cx="12192000" cy="6858000"/>
   <p:notesSz cx="6858000" cy="9144000"/>
@@ -916,7 +927,7 @@
           <a:p>
             <a:fld id="{2FDF6323-87CB-4B79-BD1E-7EE244B1AEFB}" type="datetimeFigureOut">
               <a:rPr lang="es-MX" smtClean="0"/>
-              <a:t>17/04/2017</a:t>
+              <a:t>20/04/2017</a:t>
             </a:fld>
             <a:endParaRPr lang="es-MX"/>
           </a:p>
@@ -1167,7 +1178,7 @@
           <a:p>
             <a:fld id="{2FDF6323-87CB-4B79-BD1E-7EE244B1AEFB}" type="datetimeFigureOut">
               <a:rPr lang="es-MX" smtClean="0"/>
-              <a:t>17/04/2017</a:t>
+              <a:t>20/04/2017</a:t>
             </a:fld>
             <a:endParaRPr lang="es-MX"/>
           </a:p>
@@ -1481,7 +1492,7 @@
           <a:p>
             <a:fld id="{2FDF6323-87CB-4B79-BD1E-7EE244B1AEFB}" type="datetimeFigureOut">
               <a:rPr lang="es-MX" smtClean="0"/>
-              <a:t>17/04/2017</a:t>
+              <a:t>20/04/2017</a:t>
             </a:fld>
             <a:endParaRPr lang="es-MX"/>
           </a:p>
@@ -1814,7 +1825,7 @@
           <a:p>
             <a:fld id="{2FDF6323-87CB-4B79-BD1E-7EE244B1AEFB}" type="datetimeFigureOut">
               <a:rPr lang="es-MX" smtClean="0"/>
-              <a:t>17/04/2017</a:t>
+              <a:t>20/04/2017</a:t>
             </a:fld>
             <a:endParaRPr lang="es-MX"/>
           </a:p>
@@ -2128,7 +2139,7 @@
           <a:p>
             <a:fld id="{2FDF6323-87CB-4B79-BD1E-7EE244B1AEFB}" type="datetimeFigureOut">
               <a:rPr lang="es-MX" smtClean="0"/>
-              <a:t>17/04/2017</a:t>
+              <a:t>20/04/2017</a:t>
             </a:fld>
             <a:endParaRPr lang="es-MX"/>
           </a:p>
@@ -2521,7 +2532,7 @@
           <a:p>
             <a:fld id="{2FDF6323-87CB-4B79-BD1E-7EE244B1AEFB}" type="datetimeFigureOut">
               <a:rPr lang="es-MX" smtClean="0"/>
-              <a:t>17/04/2017</a:t>
+              <a:t>20/04/2017</a:t>
             </a:fld>
             <a:endParaRPr lang="es-MX"/>
           </a:p>
@@ -2691,7 +2702,7 @@
           <a:p>
             <a:fld id="{2FDF6323-87CB-4B79-BD1E-7EE244B1AEFB}" type="datetimeFigureOut">
               <a:rPr lang="es-MX" smtClean="0"/>
-              <a:t>17/04/2017</a:t>
+              <a:t>20/04/2017</a:t>
             </a:fld>
             <a:endParaRPr lang="es-MX"/>
           </a:p>
@@ -2871,7 +2882,7 @@
           <a:p>
             <a:fld id="{2FDF6323-87CB-4B79-BD1E-7EE244B1AEFB}" type="datetimeFigureOut">
               <a:rPr lang="es-MX" smtClean="0"/>
-              <a:t>17/04/2017</a:t>
+              <a:t>20/04/2017</a:t>
             </a:fld>
             <a:endParaRPr lang="es-MX"/>
           </a:p>
@@ -3041,7 +3052,7 @@
           <a:p>
             <a:fld id="{2FDF6323-87CB-4B79-BD1E-7EE244B1AEFB}" type="datetimeFigureOut">
               <a:rPr lang="es-MX" smtClean="0"/>
-              <a:t>17/04/2017</a:t>
+              <a:t>20/04/2017</a:t>
             </a:fld>
             <a:endParaRPr lang="es-MX"/>
           </a:p>
@@ -3288,7 +3299,7 @@
           <a:p>
             <a:fld id="{2FDF6323-87CB-4B79-BD1E-7EE244B1AEFB}" type="datetimeFigureOut">
               <a:rPr lang="es-MX" smtClean="0"/>
-              <a:t>17/04/2017</a:t>
+              <a:t>20/04/2017</a:t>
             </a:fld>
             <a:endParaRPr lang="es-MX"/>
           </a:p>
@@ -3520,7 +3531,7 @@
           <a:p>
             <a:fld id="{2FDF6323-87CB-4B79-BD1E-7EE244B1AEFB}" type="datetimeFigureOut">
               <a:rPr lang="es-MX" smtClean="0"/>
-              <a:t>17/04/2017</a:t>
+              <a:t>20/04/2017</a:t>
             </a:fld>
             <a:endParaRPr lang="es-MX"/>
           </a:p>
@@ -3894,7 +3905,7 @@
           <a:p>
             <a:fld id="{2FDF6323-87CB-4B79-BD1E-7EE244B1AEFB}" type="datetimeFigureOut">
               <a:rPr lang="es-MX" smtClean="0"/>
-              <a:t>17/04/2017</a:t>
+              <a:t>20/04/2017</a:t>
             </a:fld>
             <a:endParaRPr lang="es-MX"/>
           </a:p>
@@ -4017,7 +4028,7 @@
           <a:p>
             <a:fld id="{2FDF6323-87CB-4B79-BD1E-7EE244B1AEFB}" type="datetimeFigureOut">
               <a:rPr lang="es-MX" smtClean="0"/>
-              <a:t>17/04/2017</a:t>
+              <a:t>20/04/2017</a:t>
             </a:fld>
             <a:endParaRPr lang="es-MX"/>
           </a:p>
@@ -4112,7 +4123,7 @@
           <a:p>
             <a:fld id="{2FDF6323-87CB-4B79-BD1E-7EE244B1AEFB}" type="datetimeFigureOut">
               <a:rPr lang="es-MX" smtClean="0"/>
-              <a:t>17/04/2017</a:t>
+              <a:t>20/04/2017</a:t>
             </a:fld>
             <a:endParaRPr lang="es-MX"/>
           </a:p>
@@ -4367,7 +4378,7 @@
           <a:p>
             <a:fld id="{2FDF6323-87CB-4B79-BD1E-7EE244B1AEFB}" type="datetimeFigureOut">
               <a:rPr lang="es-MX" smtClean="0"/>
-              <a:t>17/04/2017</a:t>
+              <a:t>20/04/2017</a:t>
             </a:fld>
             <a:endParaRPr lang="es-MX"/>
           </a:p>
@@ -4672,7 +4683,7 @@
           <a:p>
             <a:fld id="{2FDF6323-87CB-4B79-BD1E-7EE244B1AEFB}" type="datetimeFigureOut">
               <a:rPr lang="es-MX" smtClean="0"/>
-              <a:t>17/04/2017</a:t>
+              <a:t>20/04/2017</a:t>
             </a:fld>
             <a:endParaRPr lang="es-MX"/>
           </a:p>
@@ -5374,7 +5385,7 @@
           <a:p>
             <a:fld id="{2FDF6323-87CB-4B79-BD1E-7EE244B1AEFB}" type="datetimeFigureOut">
               <a:rPr lang="es-MX" smtClean="0"/>
-              <a:t>17/04/2017</a:t>
+              <a:t>20/04/2017</a:t>
             </a:fld>
             <a:endParaRPr lang="es-MX"/>
           </a:p>
@@ -11264,7 +11275,7 @@
         <p:spPr/>
         <p:txBody>
           <a:bodyPr>
-            <a:normAutofit/>
+            <a:normAutofit lnSpcReduction="10000"/>
           </a:bodyPr>
           <a:lstStyle/>
           <a:p>
@@ -11351,6 +11362,42 @@
               <a:rPr lang="es-MX" sz="2400" dirty="0" smtClean="0"/>
               <a:t>[posición] = valor;</a:t>
             </a:r>
+          </a:p>
+          <a:p>
+            <a:pPr marL="0" indent="0">
+              <a:buNone/>
+            </a:pPr>
+            <a:r>
+              <a:rPr lang="es-MX" sz="2400" dirty="0" err="1" smtClean="0"/>
+              <a:t>Ó</a:t>
+            </a:r>
+            <a:endParaRPr lang="es-MX" sz="2400" dirty="0" smtClean="0"/>
+          </a:p>
+          <a:p>
+            <a:pPr marL="0" indent="0">
+              <a:buNone/>
+            </a:pPr>
+            <a:r>
+              <a:rPr lang="es-MX" sz="2400" dirty="0" err="1" smtClean="0"/>
+              <a:t>Tipo_de_dato</a:t>
+            </a:r>
+            <a:r>
+              <a:rPr lang="es-MX" sz="2400" dirty="0" smtClean="0"/>
+              <a:t>  </a:t>
+            </a:r>
+            <a:r>
+              <a:rPr lang="es-MX" sz="2400" dirty="0" err="1" smtClean="0"/>
+              <a:t>nombre_del_array</a:t>
+            </a:r>
+            <a:r>
+              <a:rPr lang="es-MX" sz="2400" dirty="0" smtClean="0"/>
+              <a:t>[] = {valor1, valor2, </a:t>
+            </a:r>
+            <a:r>
+              <a:rPr lang="es-MX" sz="2400" smtClean="0"/>
+              <a:t>valor3};</a:t>
+            </a:r>
+            <a:endParaRPr lang="es-MX" sz="2400" dirty="0" smtClean="0"/>
           </a:p>
         </p:txBody>
       </p:sp>
@@ -11559,6 +11606,62 @@
                 <a:cs typeface="Courier New" panose="02070309020205020404" pitchFamily="49" charset="0"/>
               </a:rPr>
               <a:t>[3] = 5;</a:t>
+            </a:r>
+          </a:p>
+          <a:p>
+            <a:pPr marL="0" indent="0">
+              <a:buNone/>
+            </a:pPr>
+            <a:endParaRPr lang="es-MX" sz="2400" dirty="0" smtClean="0">
+              <a:latin typeface="Courier New" panose="02070309020205020404" pitchFamily="49" charset="0"/>
+              <a:cs typeface="Courier New" panose="02070309020205020404" pitchFamily="49" charset="0"/>
+            </a:endParaRPr>
+          </a:p>
+          <a:p>
+            <a:pPr marL="0" indent="0">
+              <a:buNone/>
+            </a:pPr>
+            <a:r>
+              <a:rPr lang="es-MX" sz="2400" dirty="0" err="1" smtClean="0">
+                <a:latin typeface="Courier New" panose="02070309020205020404" pitchFamily="49" charset="0"/>
+                <a:cs typeface="Courier New" panose="02070309020205020404" pitchFamily="49" charset="0"/>
+              </a:rPr>
+              <a:t>String</a:t>
+            </a:r>
+            <a:r>
+              <a:rPr lang="es-MX" sz="2400" dirty="0" smtClean="0">
+                <a:latin typeface="Courier New" panose="02070309020205020404" pitchFamily="49" charset="0"/>
+                <a:cs typeface="Courier New" panose="02070309020205020404" pitchFamily="49" charset="0"/>
+              </a:rPr>
+              <a:t> nombres[] = {‘</a:t>
+            </a:r>
+            <a:r>
+              <a:rPr lang="es-MX" sz="2400" dirty="0" err="1" smtClean="0">
+                <a:latin typeface="Courier New" panose="02070309020205020404" pitchFamily="49" charset="0"/>
+                <a:cs typeface="Courier New" panose="02070309020205020404" pitchFamily="49" charset="0"/>
+              </a:rPr>
+              <a:t>Adrian</a:t>
+            </a:r>
+            <a:r>
+              <a:rPr lang="es-MX" sz="2400" dirty="0" smtClean="0">
+                <a:latin typeface="Courier New" panose="02070309020205020404" pitchFamily="49" charset="0"/>
+                <a:cs typeface="Courier New" panose="02070309020205020404" pitchFamily="49" charset="0"/>
+              </a:rPr>
+              <a:t>’,’</a:t>
+            </a:r>
+            <a:r>
+              <a:rPr lang="es-MX" sz="2400" dirty="0" err="1" smtClean="0">
+                <a:latin typeface="Courier New" panose="02070309020205020404" pitchFamily="49" charset="0"/>
+                <a:cs typeface="Courier New" panose="02070309020205020404" pitchFamily="49" charset="0"/>
+              </a:rPr>
+              <a:t>Jorge’,’Ana</a:t>
+            </a:r>
+            <a:r>
+              <a:rPr lang="es-MX" sz="2400" dirty="0" smtClean="0">
+                <a:latin typeface="Courier New" panose="02070309020205020404" pitchFamily="49" charset="0"/>
+                <a:cs typeface="Courier New" panose="02070309020205020404" pitchFamily="49" charset="0"/>
+              </a:rPr>
+              <a:t>’};</a:t>
             </a:r>
           </a:p>
           <a:p>
@@ -21634,25 +21737,6 @@
       </p:grpSpPr>
       <p:sp>
         <p:nvSpPr>
-          <p:cNvPr id="2" name="Título 1"/>
-          <p:cNvSpPr>
-            <a:spLocks noGrp="1"/>
-          </p:cNvSpPr>
-          <p:nvPr>
-            <p:ph type="title"/>
-          </p:nvPr>
-        </p:nvSpPr>
-        <p:spPr/>
-        <p:txBody>
-          <a:bodyPr/>
-          <a:lstStyle/>
-          <a:p>
-            <a:endParaRPr lang="es-MX" dirty="0"/>
-          </a:p>
-        </p:txBody>
-      </p:sp>
-      <p:sp>
-        <p:nvSpPr>
           <p:cNvPr id="3" name="Marcador de contenido 2"/>
           <p:cNvSpPr>
             <a:spLocks noGrp="1"/>
@@ -23152,7 +23236,7 @@
             <a:spLocks noGrp="1"/>
           </p:cNvSpPr>
           <p:nvPr>
-            <p:ph type="title"/>
+            <p:ph type="ctrTitle"/>
           </p:nvPr>
         </p:nvSpPr>
         <p:spPr/>
@@ -23162,7 +23246,7 @@
           <a:p>
             <a:r>
               <a:rPr lang="es-MX" dirty="0" smtClean="0"/>
-              <a:t>Listas</a:t>
+              <a:t>Interfaz gráfica</a:t>
             </a:r>
             <a:endParaRPr lang="es-MX" dirty="0"/>
           </a:p>
@@ -23170,42 +23254,26 @@
       </p:sp>
       <p:sp>
         <p:nvSpPr>
-          <p:cNvPr id="3" name="Marcador de contenido 2"/>
+          <p:cNvPr id="3" name="Subtítulo 2"/>
           <p:cNvSpPr>
             <a:spLocks noGrp="1"/>
           </p:cNvSpPr>
           <p:nvPr>
-            <p:ph idx="1"/>
+            <p:ph type="subTitle" idx="1"/>
           </p:nvPr>
         </p:nvSpPr>
         <p:spPr/>
         <p:txBody>
-          <a:bodyPr/>
+          <a:bodyPr>
+            <a:normAutofit/>
+          </a:bodyPr>
           <a:lstStyle/>
           <a:p>
-            <a:pPr marL="0" indent="0">
-              <a:buNone/>
-            </a:pPr>
-            <a:r>
-              <a:rPr lang="es-MX" dirty="0" smtClean="0"/>
-              <a:t>TIPOS GENERICOS</a:t>
-            </a:r>
-          </a:p>
-          <a:p>
-            <a:pPr lvl="1"/>
-            <a:r>
-              <a:rPr lang="es-MX" dirty="0" smtClean="0"/>
-              <a:t>Son clases o interfaces </a:t>
-            </a:r>
-            <a:r>
-              <a:rPr lang="es-MX" dirty="0" err="1" smtClean="0"/>
-              <a:t>parametrizados</a:t>
-            </a:r>
-            <a:r>
-              <a:rPr lang="es-MX" dirty="0" smtClean="0"/>
-              <a:t> mediante tipos de datos</a:t>
-            </a:r>
-            <a:endParaRPr lang="es-MX" dirty="0"/>
+            <a:r>
+              <a:rPr lang="es-MX" sz="2400" dirty="0" smtClean="0"/>
+              <a:t>Swing</a:t>
+            </a:r>
+            <a:endParaRPr lang="es-MX" sz="2400" dirty="0"/>
           </a:p>
         </p:txBody>
       </p:sp>
@@ -23242,7 +23310,2387 @@
     </p:spTree>
     <p:extLst>
       <p:ext uri="{BB962C8B-B14F-4D97-AF65-F5344CB8AC3E}">
-        <p14:creationId xmlns:p14="http://schemas.microsoft.com/office/powerpoint/2010/main" val="2612838542"/>
+        <p14:creationId xmlns:p14="http://schemas.microsoft.com/office/powerpoint/2010/main" val="18318360"/>
+      </p:ext>
+    </p:extLst>
+  </p:cSld>
+  <p:clrMapOvr>
+    <a:masterClrMapping/>
+  </p:clrMapOvr>
+  <p:timing>
+    <p:tnLst>
+      <p:par>
+        <p:cTn id="1" dur="indefinite" restart="never" nodeType="tmRoot"/>
+      </p:par>
+    </p:tnLst>
+  </p:timing>
+</p:sld>
+</file>
+
+<file path=ppt/slides/slide61.xml><?xml version="1.0" encoding="utf-8"?>
+<p:sld xmlns:a="http://schemas.openxmlformats.org/drawingml/2006/main" xmlns:r="http://schemas.openxmlformats.org/officeDocument/2006/relationships" xmlns:p="http://schemas.openxmlformats.org/presentationml/2006/main">
+  <p:cSld>
+    <p:spTree>
+      <p:nvGrpSpPr>
+        <p:cNvPr id="1" name=""/>
+        <p:cNvGrpSpPr/>
+        <p:nvPr/>
+      </p:nvGrpSpPr>
+      <p:grpSpPr>
+        <a:xfrm>
+          <a:off x="0" y="0"/>
+          <a:ext cx="0" cy="0"/>
+          <a:chOff x="0" y="0"/>
+          <a:chExt cx="0" cy="0"/>
+        </a:xfrm>
+      </p:grpSpPr>
+      <p:sp>
+        <p:nvSpPr>
+          <p:cNvPr id="2" name="Título 1"/>
+          <p:cNvSpPr>
+            <a:spLocks noGrp="1"/>
+          </p:cNvSpPr>
+          <p:nvPr>
+            <p:ph type="title"/>
+          </p:nvPr>
+        </p:nvSpPr>
+        <p:spPr/>
+        <p:txBody>
+          <a:bodyPr/>
+          <a:lstStyle/>
+          <a:p>
+            <a:r>
+              <a:rPr lang="es-MX" dirty="0" smtClean="0"/>
+              <a:t>Swing</a:t>
+            </a:r>
+            <a:endParaRPr lang="es-MX" dirty="0"/>
+          </a:p>
+        </p:txBody>
+      </p:sp>
+      <p:sp>
+        <p:nvSpPr>
+          <p:cNvPr id="3" name="Marcador de contenido 2"/>
+          <p:cNvSpPr>
+            <a:spLocks noGrp="1"/>
+          </p:cNvSpPr>
+          <p:nvPr>
+            <p:ph idx="1"/>
+          </p:nvPr>
+        </p:nvSpPr>
+        <p:spPr/>
+        <p:txBody>
+          <a:bodyPr>
+            <a:normAutofit/>
+          </a:bodyPr>
+          <a:lstStyle/>
+          <a:p>
+            <a:pPr marL="0" indent="0">
+              <a:buNone/>
+            </a:pPr>
+            <a:r>
+              <a:rPr lang="es-MX" sz="2400" dirty="0" smtClean="0"/>
+              <a:t>Es una biblioteca gráfica para Java. Incluye </a:t>
+            </a:r>
+            <a:r>
+              <a:rPr lang="es-MX" sz="2400" dirty="0" err="1" smtClean="0"/>
+              <a:t>widgets</a:t>
+            </a:r>
+            <a:r>
+              <a:rPr lang="es-MX" sz="2400" dirty="0" smtClean="0"/>
+              <a:t> para interfaz gráfica de usuario tal como: cajas de texto, botones, desplegables y tablas.</a:t>
+            </a:r>
+          </a:p>
+          <a:p>
+            <a:pPr marL="0" indent="0">
+              <a:buNone/>
+            </a:pPr>
+            <a:endParaRPr lang="es-MX" sz="2400" dirty="0"/>
+          </a:p>
+        </p:txBody>
+      </p:sp>
+      <p:pic>
+        <p:nvPicPr>
+          <p:cNvPr id="4" name="Imagen 3"/>
+          <p:cNvPicPr>
+            <a:picLocks noChangeAspect="1"/>
+          </p:cNvPicPr>
+          <p:nvPr/>
+        </p:nvPicPr>
+        <p:blipFill>
+          <a:blip r:embed="rId2">
+            <a:extLst>
+              <a:ext uri="{28A0092B-C50C-407E-A947-70E740481C1C}">
+                <a14:useLocalDpi xmlns:a14="http://schemas.microsoft.com/office/drawing/2010/main" val="0"/>
+              </a:ext>
+            </a:extLst>
+          </a:blip>
+          <a:stretch>
+            <a:fillRect/>
+          </a:stretch>
+        </p:blipFill>
+        <p:spPr>
+          <a:xfrm>
+            <a:off x="119106" y="6130345"/>
+            <a:ext cx="1628127" cy="727655"/>
+          </a:xfrm>
+          <a:prstGeom prst="rect">
+            <a:avLst/>
+          </a:prstGeom>
+        </p:spPr>
+      </p:pic>
+    </p:spTree>
+    <p:extLst>
+      <p:ext uri="{BB962C8B-B14F-4D97-AF65-F5344CB8AC3E}">
+        <p14:creationId xmlns:p14="http://schemas.microsoft.com/office/powerpoint/2010/main" val="2141092706"/>
+      </p:ext>
+    </p:extLst>
+  </p:cSld>
+  <p:clrMapOvr>
+    <a:masterClrMapping/>
+  </p:clrMapOvr>
+  <p:timing>
+    <p:tnLst>
+      <p:par>
+        <p:cTn id="1" dur="indefinite" restart="never" nodeType="tmRoot"/>
+      </p:par>
+    </p:tnLst>
+  </p:timing>
+</p:sld>
+</file>
+
+<file path=ppt/slides/slide62.xml><?xml version="1.0" encoding="utf-8"?>
+<p:sld xmlns:a="http://schemas.openxmlformats.org/drawingml/2006/main" xmlns:r="http://schemas.openxmlformats.org/officeDocument/2006/relationships" xmlns:p="http://schemas.openxmlformats.org/presentationml/2006/main">
+  <p:cSld>
+    <p:spTree>
+      <p:nvGrpSpPr>
+        <p:cNvPr id="1" name=""/>
+        <p:cNvGrpSpPr/>
+        <p:nvPr/>
+      </p:nvGrpSpPr>
+      <p:grpSpPr>
+        <a:xfrm>
+          <a:off x="0" y="0"/>
+          <a:ext cx="0" cy="0"/>
+          <a:chOff x="0" y="0"/>
+          <a:chExt cx="0" cy="0"/>
+        </a:xfrm>
+      </p:grpSpPr>
+      <p:sp>
+        <p:nvSpPr>
+          <p:cNvPr id="2" name="Título 1"/>
+          <p:cNvSpPr>
+            <a:spLocks noGrp="1"/>
+          </p:cNvSpPr>
+          <p:nvPr>
+            <p:ph type="ctrTitle"/>
+          </p:nvPr>
+        </p:nvSpPr>
+        <p:spPr/>
+        <p:txBody>
+          <a:bodyPr/>
+          <a:lstStyle/>
+          <a:p>
+            <a:r>
+              <a:rPr lang="es-MX" dirty="0" smtClean="0"/>
+              <a:t>Propiedades y eventos</a:t>
+            </a:r>
+            <a:endParaRPr lang="es-MX" dirty="0"/>
+          </a:p>
+        </p:txBody>
+      </p:sp>
+      <p:sp>
+        <p:nvSpPr>
+          <p:cNvPr id="4" name="Subtítulo 3"/>
+          <p:cNvSpPr>
+            <a:spLocks noGrp="1"/>
+          </p:cNvSpPr>
+          <p:nvPr>
+            <p:ph type="subTitle" idx="1"/>
+          </p:nvPr>
+        </p:nvSpPr>
+        <p:spPr/>
+        <p:txBody>
+          <a:bodyPr/>
+          <a:lstStyle/>
+          <a:p>
+            <a:endParaRPr lang="es-MX"/>
+          </a:p>
+        </p:txBody>
+      </p:sp>
+      <p:pic>
+        <p:nvPicPr>
+          <p:cNvPr id="5" name="Imagen 4"/>
+          <p:cNvPicPr>
+            <a:picLocks noChangeAspect="1"/>
+          </p:cNvPicPr>
+          <p:nvPr/>
+        </p:nvPicPr>
+        <p:blipFill>
+          <a:blip r:embed="rId2">
+            <a:extLst>
+              <a:ext uri="{28A0092B-C50C-407E-A947-70E740481C1C}">
+                <a14:useLocalDpi xmlns:a14="http://schemas.microsoft.com/office/drawing/2010/main" val="0"/>
+              </a:ext>
+            </a:extLst>
+          </a:blip>
+          <a:stretch>
+            <a:fillRect/>
+          </a:stretch>
+        </p:blipFill>
+        <p:spPr>
+          <a:xfrm>
+            <a:off x="119106" y="6130345"/>
+            <a:ext cx="1628127" cy="727655"/>
+          </a:xfrm>
+          <a:prstGeom prst="rect">
+            <a:avLst/>
+          </a:prstGeom>
+        </p:spPr>
+      </p:pic>
+    </p:spTree>
+    <p:extLst>
+      <p:ext uri="{BB962C8B-B14F-4D97-AF65-F5344CB8AC3E}">
+        <p14:creationId xmlns:p14="http://schemas.microsoft.com/office/powerpoint/2010/main" val="664999778"/>
+      </p:ext>
+    </p:extLst>
+  </p:cSld>
+  <p:clrMapOvr>
+    <a:masterClrMapping/>
+  </p:clrMapOvr>
+  <p:timing>
+    <p:tnLst>
+      <p:par>
+        <p:cTn id="1" dur="indefinite" restart="never" nodeType="tmRoot"/>
+      </p:par>
+    </p:tnLst>
+  </p:timing>
+</p:sld>
+</file>
+
+<file path=ppt/slides/slide63.xml><?xml version="1.0" encoding="utf-8"?>
+<p:sld xmlns:a="http://schemas.openxmlformats.org/drawingml/2006/main" xmlns:r="http://schemas.openxmlformats.org/officeDocument/2006/relationships" xmlns:p="http://schemas.openxmlformats.org/presentationml/2006/main">
+  <p:cSld>
+    <p:spTree>
+      <p:nvGrpSpPr>
+        <p:cNvPr id="1" name=""/>
+        <p:cNvGrpSpPr/>
+        <p:nvPr/>
+      </p:nvGrpSpPr>
+      <p:grpSpPr>
+        <a:xfrm>
+          <a:off x="0" y="0"/>
+          <a:ext cx="0" cy="0"/>
+          <a:chOff x="0" y="0"/>
+          <a:chExt cx="0" cy="0"/>
+        </a:xfrm>
+      </p:grpSpPr>
+      <p:sp>
+        <p:nvSpPr>
+          <p:cNvPr id="2" name="Título 1"/>
+          <p:cNvSpPr>
+            <a:spLocks noGrp="1"/>
+          </p:cNvSpPr>
+          <p:nvPr>
+            <p:ph type="ctrTitle"/>
+          </p:nvPr>
+        </p:nvSpPr>
+        <p:spPr/>
+        <p:txBody>
+          <a:bodyPr/>
+          <a:lstStyle/>
+          <a:p>
+            <a:r>
+              <a:rPr lang="es-MX" dirty="0" smtClean="0"/>
+              <a:t>Ventanas, contenedores y controles</a:t>
+            </a:r>
+            <a:endParaRPr lang="es-MX" dirty="0"/>
+          </a:p>
+        </p:txBody>
+      </p:sp>
+      <p:sp>
+        <p:nvSpPr>
+          <p:cNvPr id="3" name="Subtítulo 2"/>
+          <p:cNvSpPr>
+            <a:spLocks noGrp="1"/>
+          </p:cNvSpPr>
+          <p:nvPr>
+            <p:ph type="subTitle" idx="1"/>
+          </p:nvPr>
+        </p:nvSpPr>
+        <p:spPr/>
+        <p:txBody>
+          <a:bodyPr/>
+          <a:lstStyle/>
+          <a:p>
+            <a:endParaRPr lang="es-MX"/>
+          </a:p>
+        </p:txBody>
+      </p:sp>
+      <p:pic>
+        <p:nvPicPr>
+          <p:cNvPr id="4" name="Imagen 3"/>
+          <p:cNvPicPr>
+            <a:picLocks noChangeAspect="1"/>
+          </p:cNvPicPr>
+          <p:nvPr/>
+        </p:nvPicPr>
+        <p:blipFill>
+          <a:blip r:embed="rId2">
+            <a:extLst>
+              <a:ext uri="{28A0092B-C50C-407E-A947-70E740481C1C}">
+                <a14:useLocalDpi xmlns:a14="http://schemas.microsoft.com/office/drawing/2010/main" val="0"/>
+              </a:ext>
+            </a:extLst>
+          </a:blip>
+          <a:stretch>
+            <a:fillRect/>
+          </a:stretch>
+        </p:blipFill>
+        <p:spPr>
+          <a:xfrm>
+            <a:off x="119106" y="6130345"/>
+            <a:ext cx="1628127" cy="727655"/>
+          </a:xfrm>
+          <a:prstGeom prst="rect">
+            <a:avLst/>
+          </a:prstGeom>
+        </p:spPr>
+      </p:pic>
+    </p:spTree>
+    <p:extLst>
+      <p:ext uri="{BB962C8B-B14F-4D97-AF65-F5344CB8AC3E}">
+        <p14:creationId xmlns:p14="http://schemas.microsoft.com/office/powerpoint/2010/main" val="1290278134"/>
+      </p:ext>
+    </p:extLst>
+  </p:cSld>
+  <p:clrMapOvr>
+    <a:masterClrMapping/>
+  </p:clrMapOvr>
+  <p:timing>
+    <p:tnLst>
+      <p:par>
+        <p:cTn id="1" dur="indefinite" restart="never" nodeType="tmRoot"/>
+      </p:par>
+    </p:tnLst>
+  </p:timing>
+</p:sld>
+</file>
+
+<file path=ppt/slides/slide64.xml><?xml version="1.0" encoding="utf-8"?>
+<p:sld xmlns:a="http://schemas.openxmlformats.org/drawingml/2006/main" xmlns:r="http://schemas.openxmlformats.org/officeDocument/2006/relationships" xmlns:p="http://schemas.openxmlformats.org/presentationml/2006/main">
+  <p:cSld>
+    <p:spTree>
+      <p:nvGrpSpPr>
+        <p:cNvPr id="1" name=""/>
+        <p:cNvGrpSpPr/>
+        <p:nvPr/>
+      </p:nvGrpSpPr>
+      <p:grpSpPr>
+        <a:xfrm>
+          <a:off x="0" y="0"/>
+          <a:ext cx="0" cy="0"/>
+          <a:chOff x="0" y="0"/>
+          <a:chExt cx="0" cy="0"/>
+        </a:xfrm>
+      </p:grpSpPr>
+      <p:sp>
+        <p:nvSpPr>
+          <p:cNvPr id="2" name="Título 1"/>
+          <p:cNvSpPr>
+            <a:spLocks noGrp="1"/>
+          </p:cNvSpPr>
+          <p:nvPr>
+            <p:ph type="title"/>
+          </p:nvPr>
+        </p:nvSpPr>
+        <p:spPr/>
+        <p:txBody>
+          <a:bodyPr/>
+          <a:lstStyle/>
+          <a:p>
+            <a:r>
+              <a:rPr lang="es-MX" dirty="0" smtClean="0"/>
+              <a:t>Ventanas</a:t>
+            </a:r>
+            <a:endParaRPr lang="es-MX" dirty="0"/>
+          </a:p>
+        </p:txBody>
+      </p:sp>
+      <p:graphicFrame>
+        <p:nvGraphicFramePr>
+          <p:cNvPr id="4" name="Marcador de contenido 3"/>
+          <p:cNvGraphicFramePr>
+            <a:graphicFrameLocks noGrp="1"/>
+          </p:cNvGraphicFramePr>
+          <p:nvPr>
+            <p:ph idx="1"/>
+            <p:extLst>
+              <p:ext uri="{D42A27DB-BD31-4B8C-83A1-F6EECF244321}">
+                <p14:modId xmlns:p14="http://schemas.microsoft.com/office/powerpoint/2010/main" val="3224213360"/>
+              </p:ext>
+            </p:extLst>
+          </p:nvPr>
+        </p:nvGraphicFramePr>
+        <p:xfrm>
+          <a:off x="677690" y="1930400"/>
+          <a:ext cx="8596312" cy="3298920"/>
+        </p:xfrm>
+        <a:graphic>
+          <a:graphicData uri="http://schemas.openxmlformats.org/drawingml/2006/table">
+            <a:tbl>
+              <a:tblPr firstRow="1" bandRow="1">
+                <a:tableStyleId>{5C22544A-7EE6-4342-B048-85BDC9FD1C3A}</a:tableStyleId>
+              </a:tblPr>
+              <a:tblGrid>
+                <a:gridCol w="4298156"/>
+                <a:gridCol w="4298156"/>
+              </a:tblGrid>
+              <a:tr h="549820">
+                <a:tc>
+                  <a:txBody>
+                    <a:bodyPr/>
+                    <a:lstStyle/>
+                    <a:p>
+                      <a:pPr algn="ctr"/>
+                      <a:r>
+                        <a:rPr lang="es-MX" dirty="0" smtClean="0"/>
+                        <a:t>Clase</a:t>
+                      </a:r>
+                      <a:endParaRPr lang="es-MX" dirty="0"/>
+                    </a:p>
+                  </a:txBody>
+                  <a:tcPr/>
+                </a:tc>
+                <a:tc>
+                  <a:txBody>
+                    <a:bodyPr/>
+                    <a:lstStyle/>
+                    <a:p>
+                      <a:pPr algn="ctr"/>
+                      <a:r>
+                        <a:rPr lang="es-MX" dirty="0" smtClean="0"/>
+                        <a:t>Descripción</a:t>
+                      </a:r>
+                      <a:endParaRPr lang="es-MX" dirty="0"/>
+                    </a:p>
+                  </a:txBody>
+                  <a:tcPr/>
+                </a:tc>
+              </a:tr>
+              <a:tr h="549820">
+                <a:tc>
+                  <a:txBody>
+                    <a:bodyPr/>
+                    <a:lstStyle/>
+                    <a:p>
+                      <a:pPr algn="ctr"/>
+                      <a:r>
+                        <a:rPr lang="es-MX" dirty="0" err="1" smtClean="0"/>
+                        <a:t>JFrame</a:t>
+                      </a:r>
+                      <a:endParaRPr lang="es-MX" dirty="0"/>
+                    </a:p>
+                  </a:txBody>
+                  <a:tcPr/>
+                </a:tc>
+                <a:tc>
+                  <a:txBody>
+                    <a:bodyPr/>
+                    <a:lstStyle/>
+                    <a:p>
+                      <a:pPr algn="ctr"/>
+                      <a:r>
+                        <a:rPr lang="es-MX" dirty="0" smtClean="0"/>
+                        <a:t>Ventana principal</a:t>
+                      </a:r>
+                      <a:endParaRPr lang="es-MX" dirty="0"/>
+                    </a:p>
+                  </a:txBody>
+                  <a:tcPr/>
+                </a:tc>
+              </a:tr>
+              <a:tr h="549820">
+                <a:tc>
+                  <a:txBody>
+                    <a:bodyPr/>
+                    <a:lstStyle/>
+                    <a:p>
+                      <a:pPr algn="ctr"/>
+                      <a:r>
+                        <a:rPr lang="es-MX" dirty="0" err="1" smtClean="0"/>
+                        <a:t>JDialog</a:t>
+                      </a:r>
+                      <a:endParaRPr lang="es-MX" dirty="0"/>
+                    </a:p>
+                  </a:txBody>
+                  <a:tcPr/>
+                </a:tc>
+                <a:tc>
+                  <a:txBody>
+                    <a:bodyPr/>
+                    <a:lstStyle/>
+                    <a:p>
+                      <a:pPr algn="ctr"/>
+                      <a:r>
+                        <a:rPr lang="es-MX" dirty="0" smtClean="0"/>
+                        <a:t>Ventana secundaria</a:t>
+                      </a:r>
+                      <a:endParaRPr lang="es-MX" dirty="0"/>
+                    </a:p>
+                  </a:txBody>
+                  <a:tcPr/>
+                </a:tc>
+              </a:tr>
+              <a:tr h="549820">
+                <a:tc>
+                  <a:txBody>
+                    <a:bodyPr/>
+                    <a:lstStyle/>
+                    <a:p>
+                      <a:pPr algn="ctr"/>
+                      <a:r>
+                        <a:rPr lang="es-MX" dirty="0" err="1" smtClean="0"/>
+                        <a:t>JOptionPane</a:t>
+                      </a:r>
+                      <a:endParaRPr lang="es-MX" dirty="0"/>
+                    </a:p>
+                  </a:txBody>
+                  <a:tcPr/>
+                </a:tc>
+                <a:tc>
+                  <a:txBody>
+                    <a:bodyPr/>
+                    <a:lstStyle/>
+                    <a:p>
+                      <a:pPr algn="ctr"/>
+                      <a:r>
+                        <a:rPr lang="es-MX" dirty="0" smtClean="0"/>
+                        <a:t>Ventana modal</a:t>
+                      </a:r>
+                      <a:endParaRPr lang="es-MX" dirty="0"/>
+                    </a:p>
+                  </a:txBody>
+                  <a:tcPr/>
+                </a:tc>
+              </a:tr>
+              <a:tr h="549820">
+                <a:tc>
+                  <a:txBody>
+                    <a:bodyPr/>
+                    <a:lstStyle/>
+                    <a:p>
+                      <a:pPr algn="ctr"/>
+                      <a:r>
+                        <a:rPr lang="es-MX" dirty="0" err="1" smtClean="0"/>
+                        <a:t>JFileChooser</a:t>
+                      </a:r>
+                      <a:endParaRPr lang="es-MX" dirty="0"/>
+                    </a:p>
+                  </a:txBody>
+                  <a:tcPr/>
+                </a:tc>
+                <a:tc>
+                  <a:txBody>
+                    <a:bodyPr/>
+                    <a:lstStyle/>
+                    <a:p>
+                      <a:pPr algn="ctr"/>
+                      <a:r>
+                        <a:rPr lang="es-MX" dirty="0" smtClean="0"/>
+                        <a:t>Selector de archivos</a:t>
+                      </a:r>
+                      <a:endParaRPr lang="es-MX" dirty="0"/>
+                    </a:p>
+                  </a:txBody>
+                  <a:tcPr/>
+                </a:tc>
+              </a:tr>
+              <a:tr h="549820">
+                <a:tc>
+                  <a:txBody>
+                    <a:bodyPr/>
+                    <a:lstStyle/>
+                    <a:p>
+                      <a:pPr algn="ctr"/>
+                      <a:r>
+                        <a:rPr lang="es-MX" dirty="0" err="1" smtClean="0"/>
+                        <a:t>JColorChooser</a:t>
+                      </a:r>
+                      <a:endParaRPr lang="es-MX" dirty="0"/>
+                    </a:p>
+                  </a:txBody>
+                  <a:tcPr/>
+                </a:tc>
+                <a:tc>
+                  <a:txBody>
+                    <a:bodyPr/>
+                    <a:lstStyle/>
+                    <a:p>
+                      <a:pPr algn="ctr"/>
+                      <a:r>
+                        <a:rPr lang="es-MX" dirty="0" smtClean="0"/>
+                        <a:t>Selector de colores</a:t>
+                      </a:r>
+                      <a:endParaRPr lang="es-MX" dirty="0"/>
+                    </a:p>
+                  </a:txBody>
+                  <a:tcPr/>
+                </a:tc>
+              </a:tr>
+            </a:tbl>
+          </a:graphicData>
+        </a:graphic>
+      </p:graphicFrame>
+      <p:pic>
+        <p:nvPicPr>
+          <p:cNvPr id="5" name="Imagen 4"/>
+          <p:cNvPicPr>
+            <a:picLocks noChangeAspect="1"/>
+          </p:cNvPicPr>
+          <p:nvPr/>
+        </p:nvPicPr>
+        <p:blipFill>
+          <a:blip r:embed="rId2">
+            <a:extLst>
+              <a:ext uri="{28A0092B-C50C-407E-A947-70E740481C1C}">
+                <a14:useLocalDpi xmlns:a14="http://schemas.microsoft.com/office/drawing/2010/main" val="0"/>
+              </a:ext>
+            </a:extLst>
+          </a:blip>
+          <a:stretch>
+            <a:fillRect/>
+          </a:stretch>
+        </p:blipFill>
+        <p:spPr>
+          <a:xfrm>
+            <a:off x="119106" y="6130345"/>
+            <a:ext cx="1628127" cy="727655"/>
+          </a:xfrm>
+          <a:prstGeom prst="rect">
+            <a:avLst/>
+          </a:prstGeom>
+        </p:spPr>
+      </p:pic>
+    </p:spTree>
+    <p:extLst>
+      <p:ext uri="{BB962C8B-B14F-4D97-AF65-F5344CB8AC3E}">
+        <p14:creationId xmlns:p14="http://schemas.microsoft.com/office/powerpoint/2010/main" val="3125544381"/>
+      </p:ext>
+    </p:extLst>
+  </p:cSld>
+  <p:clrMapOvr>
+    <a:masterClrMapping/>
+  </p:clrMapOvr>
+  <p:timing>
+    <p:tnLst>
+      <p:par>
+        <p:cTn id="1" dur="indefinite" restart="never" nodeType="tmRoot"/>
+      </p:par>
+    </p:tnLst>
+  </p:timing>
+</p:sld>
+</file>
+
+<file path=ppt/slides/slide65.xml><?xml version="1.0" encoding="utf-8"?>
+<p:sld xmlns:a="http://schemas.openxmlformats.org/drawingml/2006/main" xmlns:r="http://schemas.openxmlformats.org/officeDocument/2006/relationships" xmlns:p="http://schemas.openxmlformats.org/presentationml/2006/main">
+  <p:cSld>
+    <p:spTree>
+      <p:nvGrpSpPr>
+        <p:cNvPr id="1" name=""/>
+        <p:cNvGrpSpPr/>
+        <p:nvPr/>
+      </p:nvGrpSpPr>
+      <p:grpSpPr>
+        <a:xfrm>
+          <a:off x="0" y="0"/>
+          <a:ext cx="0" cy="0"/>
+          <a:chOff x="0" y="0"/>
+          <a:chExt cx="0" cy="0"/>
+        </a:xfrm>
+      </p:grpSpPr>
+      <p:sp>
+        <p:nvSpPr>
+          <p:cNvPr id="2" name="Título 1"/>
+          <p:cNvSpPr>
+            <a:spLocks noGrp="1"/>
+          </p:cNvSpPr>
+          <p:nvPr>
+            <p:ph type="title"/>
+          </p:nvPr>
+        </p:nvSpPr>
+        <p:spPr/>
+        <p:txBody>
+          <a:bodyPr/>
+          <a:lstStyle/>
+          <a:p>
+            <a:r>
+              <a:rPr lang="es-MX" dirty="0" smtClean="0"/>
+              <a:t>Contenedores</a:t>
+            </a:r>
+            <a:endParaRPr lang="es-MX" dirty="0"/>
+          </a:p>
+        </p:txBody>
+      </p:sp>
+      <p:graphicFrame>
+        <p:nvGraphicFramePr>
+          <p:cNvPr id="4" name="Marcador de contenido 3"/>
+          <p:cNvGraphicFramePr>
+            <a:graphicFrameLocks noGrp="1"/>
+          </p:cNvGraphicFramePr>
+          <p:nvPr>
+            <p:ph idx="1"/>
+            <p:extLst>
+              <p:ext uri="{D42A27DB-BD31-4B8C-83A1-F6EECF244321}">
+                <p14:modId xmlns:p14="http://schemas.microsoft.com/office/powerpoint/2010/main" val="293302118"/>
+              </p:ext>
+            </p:extLst>
+          </p:nvPr>
+        </p:nvGraphicFramePr>
+        <p:xfrm>
+          <a:off x="677690" y="1930400"/>
+          <a:ext cx="8596312" cy="3298920"/>
+        </p:xfrm>
+        <a:graphic>
+          <a:graphicData uri="http://schemas.openxmlformats.org/drawingml/2006/table">
+            <a:tbl>
+              <a:tblPr firstRow="1" bandRow="1">
+                <a:tableStyleId>{5C22544A-7EE6-4342-B048-85BDC9FD1C3A}</a:tableStyleId>
+              </a:tblPr>
+              <a:tblGrid>
+                <a:gridCol w="4298156"/>
+                <a:gridCol w="4298156"/>
+              </a:tblGrid>
+              <a:tr h="549820">
+                <a:tc>
+                  <a:txBody>
+                    <a:bodyPr/>
+                    <a:lstStyle/>
+                    <a:p>
+                      <a:pPr algn="ctr"/>
+                      <a:r>
+                        <a:rPr lang="es-MX" dirty="0" smtClean="0"/>
+                        <a:t>Clase</a:t>
+                      </a:r>
+                      <a:endParaRPr lang="es-MX" dirty="0"/>
+                    </a:p>
+                  </a:txBody>
+                  <a:tcPr/>
+                </a:tc>
+                <a:tc>
+                  <a:txBody>
+                    <a:bodyPr/>
+                    <a:lstStyle/>
+                    <a:p>
+                      <a:pPr algn="ctr"/>
+                      <a:r>
+                        <a:rPr lang="es-MX" dirty="0" smtClean="0"/>
+                        <a:t>Descripción</a:t>
+                      </a:r>
+                      <a:endParaRPr lang="es-MX" dirty="0"/>
+                    </a:p>
+                  </a:txBody>
+                  <a:tcPr/>
+                </a:tc>
+              </a:tr>
+              <a:tr h="549820">
+                <a:tc>
+                  <a:txBody>
+                    <a:bodyPr/>
+                    <a:lstStyle/>
+                    <a:p>
+                      <a:pPr algn="ctr"/>
+                      <a:r>
+                        <a:rPr lang="es-MX" dirty="0" err="1" smtClean="0"/>
+                        <a:t>JPanel</a:t>
+                      </a:r>
+                      <a:endParaRPr lang="es-MX" dirty="0"/>
+                    </a:p>
+                  </a:txBody>
+                  <a:tcPr/>
+                </a:tc>
+                <a:tc>
+                  <a:txBody>
+                    <a:bodyPr/>
+                    <a:lstStyle/>
+                    <a:p>
+                      <a:pPr algn="ctr"/>
+                      <a:r>
+                        <a:rPr lang="es-MX" dirty="0" smtClean="0"/>
+                        <a:t>Panel</a:t>
+                      </a:r>
+                      <a:r>
+                        <a:rPr lang="es-MX" baseline="0" dirty="0" smtClean="0"/>
+                        <a:t> simple</a:t>
+                      </a:r>
+                      <a:endParaRPr lang="es-MX" dirty="0"/>
+                    </a:p>
+                  </a:txBody>
+                  <a:tcPr/>
+                </a:tc>
+              </a:tr>
+              <a:tr h="549820">
+                <a:tc>
+                  <a:txBody>
+                    <a:bodyPr/>
+                    <a:lstStyle/>
+                    <a:p>
+                      <a:pPr algn="ctr"/>
+                      <a:r>
+                        <a:rPr lang="es-MX" dirty="0" err="1" smtClean="0"/>
+                        <a:t>JTabbedPane</a:t>
+                      </a:r>
+                      <a:endParaRPr lang="es-MX" dirty="0"/>
+                    </a:p>
+                  </a:txBody>
+                  <a:tcPr/>
+                </a:tc>
+                <a:tc>
+                  <a:txBody>
+                    <a:bodyPr/>
+                    <a:lstStyle/>
+                    <a:p>
+                      <a:pPr algn="ctr"/>
+                      <a:r>
+                        <a:rPr lang="es-MX" dirty="0" smtClean="0"/>
+                        <a:t>Panel con pestañas</a:t>
+                      </a:r>
+                      <a:endParaRPr lang="es-MX" dirty="0"/>
+                    </a:p>
+                  </a:txBody>
+                  <a:tcPr/>
+                </a:tc>
+              </a:tr>
+              <a:tr h="549820">
+                <a:tc>
+                  <a:txBody>
+                    <a:bodyPr/>
+                    <a:lstStyle/>
+                    <a:p>
+                      <a:pPr algn="ctr"/>
+                      <a:r>
+                        <a:rPr lang="es-MX" dirty="0" err="1" smtClean="0"/>
+                        <a:t>JSplitPane</a:t>
+                      </a:r>
+                      <a:endParaRPr lang="es-MX" dirty="0"/>
+                    </a:p>
+                  </a:txBody>
+                  <a:tcPr/>
+                </a:tc>
+                <a:tc>
+                  <a:txBody>
+                    <a:bodyPr/>
+                    <a:lstStyle/>
+                    <a:p>
+                      <a:pPr algn="ctr"/>
+                      <a:r>
+                        <a:rPr lang="es-MX" dirty="0" smtClean="0"/>
+                        <a:t>Panel con divisor deslizante</a:t>
+                      </a:r>
+                      <a:endParaRPr lang="es-MX" dirty="0"/>
+                    </a:p>
+                  </a:txBody>
+                  <a:tcPr/>
+                </a:tc>
+              </a:tr>
+              <a:tr h="549820">
+                <a:tc>
+                  <a:txBody>
+                    <a:bodyPr/>
+                    <a:lstStyle/>
+                    <a:p>
+                      <a:pPr algn="ctr"/>
+                      <a:r>
+                        <a:rPr lang="es-MX" dirty="0" err="1" smtClean="0"/>
+                        <a:t>JScrollaPane</a:t>
+                      </a:r>
+                      <a:endParaRPr lang="es-MX" dirty="0"/>
+                    </a:p>
+                  </a:txBody>
+                  <a:tcPr/>
+                </a:tc>
+                <a:tc>
+                  <a:txBody>
+                    <a:bodyPr/>
+                    <a:lstStyle/>
+                    <a:p>
+                      <a:pPr algn="ctr"/>
+                      <a:r>
+                        <a:rPr lang="es-MX" dirty="0" smtClean="0"/>
+                        <a:t>Panel desplazable</a:t>
+                      </a:r>
+                      <a:endParaRPr lang="es-MX" dirty="0"/>
+                    </a:p>
+                  </a:txBody>
+                  <a:tcPr/>
+                </a:tc>
+              </a:tr>
+              <a:tr h="549820">
+                <a:tc>
+                  <a:txBody>
+                    <a:bodyPr/>
+                    <a:lstStyle/>
+                    <a:p>
+                      <a:pPr algn="ctr"/>
+                      <a:r>
+                        <a:rPr lang="es-MX" dirty="0" err="1" smtClean="0"/>
+                        <a:t>JToolBar</a:t>
+                      </a:r>
+                      <a:endParaRPr lang="es-MX" dirty="0"/>
+                    </a:p>
+                  </a:txBody>
+                  <a:tcPr/>
+                </a:tc>
+                <a:tc>
+                  <a:txBody>
+                    <a:bodyPr/>
+                    <a:lstStyle/>
+                    <a:p>
+                      <a:pPr algn="ctr"/>
+                      <a:r>
+                        <a:rPr lang="es-MX" dirty="0" smtClean="0"/>
+                        <a:t>Barra de herramientas</a:t>
+                      </a:r>
+                      <a:endParaRPr lang="es-MX" dirty="0"/>
+                    </a:p>
+                  </a:txBody>
+                  <a:tcPr/>
+                </a:tc>
+              </a:tr>
+            </a:tbl>
+          </a:graphicData>
+        </a:graphic>
+      </p:graphicFrame>
+      <p:pic>
+        <p:nvPicPr>
+          <p:cNvPr id="5" name="Imagen 4"/>
+          <p:cNvPicPr>
+            <a:picLocks noChangeAspect="1"/>
+          </p:cNvPicPr>
+          <p:nvPr/>
+        </p:nvPicPr>
+        <p:blipFill>
+          <a:blip r:embed="rId2">
+            <a:extLst>
+              <a:ext uri="{28A0092B-C50C-407E-A947-70E740481C1C}">
+                <a14:useLocalDpi xmlns:a14="http://schemas.microsoft.com/office/drawing/2010/main" val="0"/>
+              </a:ext>
+            </a:extLst>
+          </a:blip>
+          <a:stretch>
+            <a:fillRect/>
+          </a:stretch>
+        </p:blipFill>
+        <p:spPr>
+          <a:xfrm>
+            <a:off x="119106" y="6130345"/>
+            <a:ext cx="1628127" cy="727655"/>
+          </a:xfrm>
+          <a:prstGeom prst="rect">
+            <a:avLst/>
+          </a:prstGeom>
+        </p:spPr>
+      </p:pic>
+    </p:spTree>
+    <p:extLst>
+      <p:ext uri="{BB962C8B-B14F-4D97-AF65-F5344CB8AC3E}">
+        <p14:creationId xmlns:p14="http://schemas.microsoft.com/office/powerpoint/2010/main" val="2560513191"/>
+      </p:ext>
+    </p:extLst>
+  </p:cSld>
+  <p:clrMapOvr>
+    <a:masterClrMapping/>
+  </p:clrMapOvr>
+  <p:timing>
+    <p:tnLst>
+      <p:par>
+        <p:cTn id="1" dur="indefinite" restart="never" nodeType="tmRoot"/>
+      </p:par>
+    </p:tnLst>
+  </p:timing>
+</p:sld>
+</file>
+
+<file path=ppt/slides/slide66.xml><?xml version="1.0" encoding="utf-8"?>
+<p:sld xmlns:a="http://schemas.openxmlformats.org/drawingml/2006/main" xmlns:r="http://schemas.openxmlformats.org/officeDocument/2006/relationships" xmlns:p="http://schemas.openxmlformats.org/presentationml/2006/main">
+  <p:cSld>
+    <p:spTree>
+      <p:nvGrpSpPr>
+        <p:cNvPr id="1" name=""/>
+        <p:cNvGrpSpPr/>
+        <p:nvPr/>
+      </p:nvGrpSpPr>
+      <p:grpSpPr>
+        <a:xfrm>
+          <a:off x="0" y="0"/>
+          <a:ext cx="0" cy="0"/>
+          <a:chOff x="0" y="0"/>
+          <a:chExt cx="0" cy="0"/>
+        </a:xfrm>
+      </p:grpSpPr>
+      <p:sp>
+        <p:nvSpPr>
+          <p:cNvPr id="2" name="Título 1"/>
+          <p:cNvSpPr>
+            <a:spLocks noGrp="1"/>
+          </p:cNvSpPr>
+          <p:nvPr>
+            <p:ph type="title"/>
+          </p:nvPr>
+        </p:nvSpPr>
+        <p:spPr>
+          <a:xfrm>
+            <a:off x="650440" y="569259"/>
+            <a:ext cx="8596668" cy="681317"/>
+          </a:xfrm>
+        </p:spPr>
+        <p:txBody>
+          <a:bodyPr/>
+          <a:lstStyle/>
+          <a:p>
+            <a:r>
+              <a:rPr lang="es-MX" dirty="0" smtClean="0"/>
+              <a:t>Controles</a:t>
+            </a:r>
+            <a:endParaRPr lang="es-MX" dirty="0"/>
+          </a:p>
+        </p:txBody>
+      </p:sp>
+      <p:graphicFrame>
+        <p:nvGraphicFramePr>
+          <p:cNvPr id="4" name="Marcador de contenido 3"/>
+          <p:cNvGraphicFramePr>
+            <a:graphicFrameLocks noGrp="1"/>
+          </p:cNvGraphicFramePr>
+          <p:nvPr>
+            <p:ph idx="1"/>
+            <p:extLst>
+              <p:ext uri="{D42A27DB-BD31-4B8C-83A1-F6EECF244321}">
+                <p14:modId xmlns:p14="http://schemas.microsoft.com/office/powerpoint/2010/main" val="2876226200"/>
+              </p:ext>
+            </p:extLst>
+          </p:nvPr>
+        </p:nvGraphicFramePr>
+        <p:xfrm>
+          <a:off x="744925" y="1269540"/>
+          <a:ext cx="8596312" cy="4700956"/>
+        </p:xfrm>
+        <a:graphic>
+          <a:graphicData uri="http://schemas.openxmlformats.org/drawingml/2006/table">
+            <a:tbl>
+              <a:tblPr firstRow="1" bandRow="1">
+                <a:tableStyleId>{5C22544A-7EE6-4342-B048-85BDC9FD1C3A}</a:tableStyleId>
+              </a:tblPr>
+              <a:tblGrid>
+                <a:gridCol w="3517793"/>
+                <a:gridCol w="5078519"/>
+              </a:tblGrid>
+              <a:tr h="462503">
+                <a:tc>
+                  <a:txBody>
+                    <a:bodyPr/>
+                    <a:lstStyle/>
+                    <a:p>
+                      <a:pPr algn="ctr"/>
+                      <a:r>
+                        <a:rPr lang="es-MX" dirty="0" smtClean="0"/>
+                        <a:t>Clase</a:t>
+                      </a:r>
+                      <a:endParaRPr lang="es-MX" dirty="0"/>
+                    </a:p>
+                  </a:txBody>
+                  <a:tcPr/>
+                </a:tc>
+                <a:tc>
+                  <a:txBody>
+                    <a:bodyPr/>
+                    <a:lstStyle/>
+                    <a:p>
+                      <a:pPr algn="ctr"/>
+                      <a:r>
+                        <a:rPr lang="es-MX" dirty="0" smtClean="0"/>
+                        <a:t>Descripción</a:t>
+                      </a:r>
+                      <a:endParaRPr lang="es-MX" dirty="0"/>
+                    </a:p>
+                  </a:txBody>
+                  <a:tcPr/>
+                </a:tc>
+              </a:tr>
+              <a:tr h="462503">
+                <a:tc>
+                  <a:txBody>
+                    <a:bodyPr/>
+                    <a:lstStyle/>
+                    <a:p>
+                      <a:pPr algn="ctr"/>
+                      <a:r>
+                        <a:rPr lang="es-MX" dirty="0" err="1" smtClean="0"/>
+                        <a:t>JLabel</a:t>
+                      </a:r>
+                      <a:endParaRPr lang="es-MX" dirty="0"/>
+                    </a:p>
+                  </a:txBody>
+                  <a:tcPr/>
+                </a:tc>
+                <a:tc>
+                  <a:txBody>
+                    <a:bodyPr/>
+                    <a:lstStyle/>
+                    <a:p>
+                      <a:pPr algn="ctr"/>
+                      <a:r>
+                        <a:rPr lang="es-MX" dirty="0" smtClean="0"/>
+                        <a:t>Etiquetas</a:t>
+                      </a:r>
+                      <a:endParaRPr lang="es-MX" dirty="0"/>
+                    </a:p>
+                  </a:txBody>
+                  <a:tcPr/>
+                </a:tc>
+              </a:tr>
+              <a:tr h="462503">
+                <a:tc>
+                  <a:txBody>
+                    <a:bodyPr/>
+                    <a:lstStyle/>
+                    <a:p>
+                      <a:pPr algn="ctr"/>
+                      <a:r>
+                        <a:rPr lang="es-MX" dirty="0" err="1" smtClean="0"/>
+                        <a:t>JButton</a:t>
+                      </a:r>
+                      <a:endParaRPr lang="es-MX" dirty="0"/>
+                    </a:p>
+                  </a:txBody>
+                  <a:tcPr/>
+                </a:tc>
+                <a:tc>
+                  <a:txBody>
+                    <a:bodyPr/>
+                    <a:lstStyle/>
+                    <a:p>
+                      <a:pPr algn="ctr"/>
+                      <a:r>
+                        <a:rPr lang="es-MX" dirty="0" smtClean="0"/>
+                        <a:t>Botones</a:t>
+                      </a:r>
+                      <a:endParaRPr lang="es-MX" dirty="0"/>
+                    </a:p>
+                  </a:txBody>
+                  <a:tcPr/>
+                </a:tc>
+              </a:tr>
+              <a:tr h="462503">
+                <a:tc>
+                  <a:txBody>
+                    <a:bodyPr/>
+                    <a:lstStyle/>
+                    <a:p>
+                      <a:pPr algn="ctr"/>
+                      <a:r>
+                        <a:rPr lang="es-MX" dirty="0" err="1" smtClean="0"/>
+                        <a:t>JToogleButton</a:t>
+                      </a:r>
+                      <a:endParaRPr lang="es-MX" dirty="0"/>
+                    </a:p>
+                  </a:txBody>
+                  <a:tcPr/>
+                </a:tc>
+                <a:tc>
+                  <a:txBody>
+                    <a:bodyPr/>
+                    <a:lstStyle/>
+                    <a:p>
+                      <a:pPr algn="ctr"/>
+                      <a:r>
+                        <a:rPr lang="es-MX" dirty="0" smtClean="0"/>
+                        <a:t>Botón de dos estados</a:t>
+                      </a:r>
+                      <a:endParaRPr lang="es-MX" dirty="0"/>
+                    </a:p>
+                  </a:txBody>
+                  <a:tcPr/>
+                </a:tc>
+              </a:tr>
+              <a:tr h="462503">
+                <a:tc>
+                  <a:txBody>
+                    <a:bodyPr/>
+                    <a:lstStyle/>
+                    <a:p>
+                      <a:pPr algn="ctr"/>
+                      <a:r>
+                        <a:rPr lang="es-MX" dirty="0" err="1" smtClean="0"/>
+                        <a:t>JCheckBox</a:t>
+                      </a:r>
+                      <a:endParaRPr lang="es-MX" dirty="0"/>
+                    </a:p>
+                  </a:txBody>
+                  <a:tcPr/>
+                </a:tc>
+                <a:tc>
+                  <a:txBody>
+                    <a:bodyPr/>
+                    <a:lstStyle/>
+                    <a:p>
+                      <a:pPr algn="ctr"/>
+                      <a:r>
+                        <a:rPr lang="es-MX" dirty="0" smtClean="0"/>
+                        <a:t>Casilla de verificación</a:t>
+                      </a:r>
+                      <a:endParaRPr lang="es-MX" dirty="0"/>
+                    </a:p>
+                  </a:txBody>
+                  <a:tcPr/>
+                </a:tc>
+              </a:tr>
+              <a:tr h="462503">
+                <a:tc>
+                  <a:txBody>
+                    <a:bodyPr/>
+                    <a:lstStyle/>
+                    <a:p>
+                      <a:pPr algn="ctr"/>
+                      <a:r>
+                        <a:rPr lang="es-MX" dirty="0" err="1" smtClean="0"/>
+                        <a:t>JRadioButton</a:t>
+                      </a:r>
+                      <a:endParaRPr lang="es-MX" dirty="0"/>
+                    </a:p>
+                  </a:txBody>
+                  <a:tcPr/>
+                </a:tc>
+                <a:tc>
+                  <a:txBody>
+                    <a:bodyPr/>
+                    <a:lstStyle/>
+                    <a:p>
+                      <a:pPr algn="ctr"/>
+                      <a:r>
+                        <a:rPr lang="es-MX" dirty="0" smtClean="0"/>
+                        <a:t>Botón</a:t>
+                      </a:r>
+                      <a:r>
+                        <a:rPr lang="es-MX" baseline="0" dirty="0" smtClean="0"/>
+                        <a:t> de opción</a:t>
+                      </a:r>
+                      <a:endParaRPr lang="es-MX" dirty="0"/>
+                    </a:p>
+                  </a:txBody>
+                  <a:tcPr/>
+                </a:tc>
+              </a:tr>
+              <a:tr h="538429">
+                <a:tc>
+                  <a:txBody>
+                    <a:bodyPr/>
+                    <a:lstStyle/>
+                    <a:p>
+                      <a:pPr algn="ctr"/>
+                      <a:r>
+                        <a:rPr lang="es-MX" dirty="0" err="1" smtClean="0"/>
+                        <a:t>ButtonGroup</a:t>
+                      </a:r>
+                      <a:endParaRPr lang="es-MX" dirty="0"/>
+                    </a:p>
+                  </a:txBody>
+                  <a:tcPr/>
+                </a:tc>
+                <a:tc>
+                  <a:txBody>
+                    <a:bodyPr/>
+                    <a:lstStyle/>
+                    <a:p>
+                      <a:pPr algn="ctr"/>
+                      <a:r>
+                        <a:rPr lang="es-MX" dirty="0" smtClean="0"/>
+                        <a:t>Agrupación de </a:t>
+                      </a:r>
+                      <a:r>
+                        <a:rPr lang="es-MX" dirty="0" err="1" smtClean="0"/>
+                        <a:t>JCheckBox</a:t>
+                      </a:r>
+                      <a:r>
+                        <a:rPr lang="es-MX" dirty="0" smtClean="0"/>
+                        <a:t> o </a:t>
+                      </a:r>
+                      <a:r>
+                        <a:rPr lang="es-MX" dirty="0" err="1" smtClean="0"/>
+                        <a:t>JRadioButton</a:t>
+                      </a:r>
+                      <a:endParaRPr lang="es-MX" dirty="0"/>
+                    </a:p>
+                  </a:txBody>
+                  <a:tcPr/>
+                </a:tc>
+              </a:tr>
+              <a:tr h="462503">
+                <a:tc>
+                  <a:txBody>
+                    <a:bodyPr/>
+                    <a:lstStyle/>
+                    <a:p>
+                      <a:pPr algn="ctr"/>
+                      <a:r>
+                        <a:rPr lang="es-MX" dirty="0" err="1" smtClean="0"/>
+                        <a:t>JComboBox</a:t>
+                      </a:r>
+                      <a:endParaRPr lang="es-MX" dirty="0"/>
+                    </a:p>
+                  </a:txBody>
+                  <a:tcPr/>
+                </a:tc>
+                <a:tc>
+                  <a:txBody>
+                    <a:bodyPr/>
+                    <a:lstStyle/>
+                    <a:p>
+                      <a:pPr algn="ctr"/>
+                      <a:r>
+                        <a:rPr lang="es-MX" dirty="0" err="1" smtClean="0"/>
+                        <a:t>Lsita</a:t>
+                      </a:r>
+                      <a:r>
+                        <a:rPr lang="es-MX" dirty="0" smtClean="0"/>
+                        <a:t> desplegable</a:t>
+                      </a:r>
+                      <a:endParaRPr lang="es-MX" dirty="0"/>
+                    </a:p>
+                  </a:txBody>
+                  <a:tcPr/>
+                </a:tc>
+              </a:tr>
+              <a:tr h="462503">
+                <a:tc>
+                  <a:txBody>
+                    <a:bodyPr/>
+                    <a:lstStyle/>
+                    <a:p>
+                      <a:pPr algn="ctr"/>
+                      <a:r>
+                        <a:rPr lang="es-MX" dirty="0" err="1" smtClean="0"/>
+                        <a:t>JList</a:t>
+                      </a:r>
+                      <a:endParaRPr lang="es-MX" dirty="0"/>
+                    </a:p>
+                  </a:txBody>
+                  <a:tcPr/>
+                </a:tc>
+                <a:tc>
+                  <a:txBody>
+                    <a:bodyPr/>
+                    <a:lstStyle/>
+                    <a:p>
+                      <a:pPr algn="ctr"/>
+                      <a:r>
+                        <a:rPr lang="es-MX" dirty="0" smtClean="0"/>
+                        <a:t>Lista</a:t>
+                      </a:r>
+                      <a:endParaRPr lang="es-MX" dirty="0"/>
+                    </a:p>
+                  </a:txBody>
+                  <a:tcPr/>
+                </a:tc>
+              </a:tr>
+              <a:tr h="462503">
+                <a:tc>
+                  <a:txBody>
+                    <a:bodyPr/>
+                    <a:lstStyle/>
+                    <a:p>
+                      <a:pPr algn="ctr"/>
+                      <a:r>
+                        <a:rPr lang="es-MX" dirty="0" err="1" smtClean="0"/>
+                        <a:t>JTextField</a:t>
+                      </a:r>
+                      <a:endParaRPr lang="es-MX" dirty="0"/>
+                    </a:p>
+                  </a:txBody>
+                  <a:tcPr/>
+                </a:tc>
+                <a:tc>
+                  <a:txBody>
+                    <a:bodyPr/>
+                    <a:lstStyle/>
+                    <a:p>
+                      <a:pPr algn="ctr"/>
+                      <a:r>
+                        <a:rPr lang="es-MX" dirty="0" smtClean="0"/>
+                        <a:t>Campo de texto</a:t>
+                      </a:r>
+                      <a:endParaRPr lang="es-MX" dirty="0"/>
+                    </a:p>
+                  </a:txBody>
+                  <a:tcPr/>
+                </a:tc>
+              </a:tr>
+            </a:tbl>
+          </a:graphicData>
+        </a:graphic>
+      </p:graphicFrame>
+      <p:pic>
+        <p:nvPicPr>
+          <p:cNvPr id="5" name="Imagen 4"/>
+          <p:cNvPicPr>
+            <a:picLocks noChangeAspect="1"/>
+          </p:cNvPicPr>
+          <p:nvPr/>
+        </p:nvPicPr>
+        <p:blipFill>
+          <a:blip r:embed="rId2">
+            <a:extLst>
+              <a:ext uri="{28A0092B-C50C-407E-A947-70E740481C1C}">
+                <a14:useLocalDpi xmlns:a14="http://schemas.microsoft.com/office/drawing/2010/main" val="0"/>
+              </a:ext>
+            </a:extLst>
+          </a:blip>
+          <a:stretch>
+            <a:fillRect/>
+          </a:stretch>
+        </p:blipFill>
+        <p:spPr>
+          <a:xfrm>
+            <a:off x="119106" y="6130345"/>
+            <a:ext cx="1628127" cy="727655"/>
+          </a:xfrm>
+          <a:prstGeom prst="rect">
+            <a:avLst/>
+          </a:prstGeom>
+        </p:spPr>
+      </p:pic>
+    </p:spTree>
+    <p:extLst>
+      <p:ext uri="{BB962C8B-B14F-4D97-AF65-F5344CB8AC3E}">
+        <p14:creationId xmlns:p14="http://schemas.microsoft.com/office/powerpoint/2010/main" val="1508792450"/>
+      </p:ext>
+    </p:extLst>
+  </p:cSld>
+  <p:clrMapOvr>
+    <a:masterClrMapping/>
+  </p:clrMapOvr>
+  <p:timing>
+    <p:tnLst>
+      <p:par>
+        <p:cTn id="1" dur="indefinite" restart="never" nodeType="tmRoot"/>
+      </p:par>
+    </p:tnLst>
+  </p:timing>
+</p:sld>
+</file>
+
+<file path=ppt/slides/slide67.xml><?xml version="1.0" encoding="utf-8"?>
+<p:sld xmlns:a="http://schemas.openxmlformats.org/drawingml/2006/main" xmlns:r="http://schemas.openxmlformats.org/officeDocument/2006/relationships" xmlns:p="http://schemas.openxmlformats.org/presentationml/2006/main">
+  <p:cSld>
+    <p:spTree>
+      <p:nvGrpSpPr>
+        <p:cNvPr id="1" name=""/>
+        <p:cNvGrpSpPr/>
+        <p:nvPr/>
+      </p:nvGrpSpPr>
+      <p:grpSpPr>
+        <a:xfrm>
+          <a:off x="0" y="0"/>
+          <a:ext cx="0" cy="0"/>
+          <a:chOff x="0" y="0"/>
+          <a:chExt cx="0" cy="0"/>
+        </a:xfrm>
+      </p:grpSpPr>
+      <p:sp>
+        <p:nvSpPr>
+          <p:cNvPr id="2" name="Título 1"/>
+          <p:cNvSpPr>
+            <a:spLocks noGrp="1"/>
+          </p:cNvSpPr>
+          <p:nvPr>
+            <p:ph type="title"/>
+          </p:nvPr>
+        </p:nvSpPr>
+        <p:spPr>
+          <a:xfrm>
+            <a:off x="650440" y="569259"/>
+            <a:ext cx="8596668" cy="681317"/>
+          </a:xfrm>
+        </p:spPr>
+        <p:txBody>
+          <a:bodyPr/>
+          <a:lstStyle/>
+          <a:p>
+            <a:r>
+              <a:rPr lang="es-MX" dirty="0" smtClean="0"/>
+              <a:t>Controles</a:t>
+            </a:r>
+            <a:endParaRPr lang="es-MX" dirty="0"/>
+          </a:p>
+        </p:txBody>
+      </p:sp>
+      <p:graphicFrame>
+        <p:nvGraphicFramePr>
+          <p:cNvPr id="4" name="Marcador de contenido 3"/>
+          <p:cNvGraphicFramePr>
+            <a:graphicFrameLocks noGrp="1"/>
+          </p:cNvGraphicFramePr>
+          <p:nvPr>
+            <p:ph idx="1"/>
+            <p:extLst>
+              <p:ext uri="{D42A27DB-BD31-4B8C-83A1-F6EECF244321}">
+                <p14:modId xmlns:p14="http://schemas.microsoft.com/office/powerpoint/2010/main" val="109537169"/>
+              </p:ext>
+            </p:extLst>
+          </p:nvPr>
+        </p:nvGraphicFramePr>
+        <p:xfrm>
+          <a:off x="650796" y="1551928"/>
+          <a:ext cx="8596312" cy="3775950"/>
+        </p:xfrm>
+        <a:graphic>
+          <a:graphicData uri="http://schemas.openxmlformats.org/drawingml/2006/table">
+            <a:tbl>
+              <a:tblPr firstRow="1" bandRow="1">
+                <a:tableStyleId>{5C22544A-7EE6-4342-B048-85BDC9FD1C3A}</a:tableStyleId>
+              </a:tblPr>
+              <a:tblGrid>
+                <a:gridCol w="3517793"/>
+                <a:gridCol w="5078519"/>
+              </a:tblGrid>
+              <a:tr h="462503">
+                <a:tc>
+                  <a:txBody>
+                    <a:bodyPr/>
+                    <a:lstStyle/>
+                    <a:p>
+                      <a:pPr algn="ctr"/>
+                      <a:r>
+                        <a:rPr lang="es-MX" dirty="0" smtClean="0"/>
+                        <a:t>Clase</a:t>
+                      </a:r>
+                      <a:endParaRPr lang="es-MX" dirty="0"/>
+                    </a:p>
+                  </a:txBody>
+                  <a:tcPr/>
+                </a:tc>
+                <a:tc>
+                  <a:txBody>
+                    <a:bodyPr/>
+                    <a:lstStyle/>
+                    <a:p>
+                      <a:pPr algn="ctr"/>
+                      <a:r>
+                        <a:rPr lang="es-MX" dirty="0" smtClean="0"/>
+                        <a:t>Descripción</a:t>
+                      </a:r>
+                      <a:endParaRPr lang="es-MX" dirty="0"/>
+                    </a:p>
+                  </a:txBody>
+                  <a:tcPr/>
+                </a:tc>
+              </a:tr>
+              <a:tr h="462503">
+                <a:tc>
+                  <a:txBody>
+                    <a:bodyPr/>
+                    <a:lstStyle/>
+                    <a:p>
+                      <a:pPr algn="ctr"/>
+                      <a:r>
+                        <a:rPr lang="es-MX" dirty="0" err="1" smtClean="0"/>
+                        <a:t>JTextArea</a:t>
+                      </a:r>
+                      <a:endParaRPr lang="es-MX" dirty="0"/>
+                    </a:p>
+                  </a:txBody>
+                  <a:tcPr/>
+                </a:tc>
+                <a:tc>
+                  <a:txBody>
+                    <a:bodyPr/>
+                    <a:lstStyle/>
+                    <a:p>
+                      <a:pPr algn="ctr"/>
+                      <a:r>
+                        <a:rPr lang="es-MX" dirty="0" smtClean="0"/>
+                        <a:t>Cuadro de texto </a:t>
+                      </a:r>
+                      <a:r>
+                        <a:rPr lang="es-MX" dirty="0" err="1" smtClean="0"/>
+                        <a:t>multilinea</a:t>
+                      </a:r>
+                      <a:endParaRPr lang="es-MX" dirty="0"/>
+                    </a:p>
+                  </a:txBody>
+                  <a:tcPr/>
+                </a:tc>
+              </a:tr>
+              <a:tr h="462503">
+                <a:tc>
+                  <a:txBody>
+                    <a:bodyPr/>
+                    <a:lstStyle/>
+                    <a:p>
+                      <a:pPr algn="ctr"/>
+                      <a:r>
+                        <a:rPr lang="es-MX" dirty="0" err="1" smtClean="0"/>
+                        <a:t>JScrollBar</a:t>
+                      </a:r>
+                      <a:endParaRPr lang="es-MX" dirty="0"/>
+                    </a:p>
+                  </a:txBody>
+                  <a:tcPr/>
+                </a:tc>
+                <a:tc>
+                  <a:txBody>
+                    <a:bodyPr/>
+                    <a:lstStyle/>
+                    <a:p>
+                      <a:pPr algn="ctr"/>
+                      <a:r>
+                        <a:rPr lang="es-MX" dirty="0" smtClean="0"/>
+                        <a:t>Barra de desplazamiento</a:t>
+                      </a:r>
+                      <a:endParaRPr lang="es-MX" dirty="0"/>
+                    </a:p>
+                  </a:txBody>
+                  <a:tcPr/>
+                </a:tc>
+              </a:tr>
+              <a:tr h="462503">
+                <a:tc>
+                  <a:txBody>
+                    <a:bodyPr/>
+                    <a:lstStyle/>
+                    <a:p>
+                      <a:pPr algn="ctr"/>
+                      <a:r>
+                        <a:rPr lang="es-MX" dirty="0" err="1" smtClean="0"/>
+                        <a:t>JSlider</a:t>
+                      </a:r>
+                      <a:endParaRPr lang="es-MX" dirty="0"/>
+                    </a:p>
+                  </a:txBody>
+                  <a:tcPr/>
+                </a:tc>
+                <a:tc>
+                  <a:txBody>
+                    <a:bodyPr/>
+                    <a:lstStyle/>
+                    <a:p>
+                      <a:pPr algn="ctr"/>
+                      <a:r>
+                        <a:rPr lang="es-MX" dirty="0" smtClean="0"/>
+                        <a:t>Selector por desplazamiento</a:t>
+                      </a:r>
+                      <a:endParaRPr lang="es-MX" dirty="0"/>
+                    </a:p>
+                  </a:txBody>
+                  <a:tcPr/>
+                </a:tc>
+              </a:tr>
+              <a:tr h="462503">
+                <a:tc>
+                  <a:txBody>
+                    <a:bodyPr/>
+                    <a:lstStyle/>
+                    <a:p>
+                      <a:pPr algn="ctr"/>
+                      <a:r>
+                        <a:rPr lang="es-MX" dirty="0" err="1" smtClean="0"/>
+                        <a:t>JProgressBar</a:t>
+                      </a:r>
+                      <a:endParaRPr lang="es-MX" dirty="0"/>
+                    </a:p>
+                  </a:txBody>
+                  <a:tcPr/>
+                </a:tc>
+                <a:tc>
+                  <a:txBody>
+                    <a:bodyPr/>
+                    <a:lstStyle/>
+                    <a:p>
+                      <a:pPr algn="ctr"/>
+                      <a:r>
+                        <a:rPr lang="es-MX" dirty="0" smtClean="0"/>
+                        <a:t>Barra de progreso</a:t>
+                      </a:r>
+                      <a:endParaRPr lang="es-MX" dirty="0"/>
+                    </a:p>
+                  </a:txBody>
+                  <a:tcPr/>
+                </a:tc>
+              </a:tr>
+              <a:tr h="462503">
+                <a:tc>
+                  <a:txBody>
+                    <a:bodyPr/>
+                    <a:lstStyle/>
+                    <a:p>
+                      <a:pPr algn="ctr"/>
+                      <a:r>
+                        <a:rPr lang="es-MX" dirty="0" err="1" smtClean="0"/>
+                        <a:t>JFormattedField</a:t>
+                      </a:r>
+                      <a:endParaRPr lang="es-MX" dirty="0"/>
+                    </a:p>
+                  </a:txBody>
+                  <a:tcPr/>
+                </a:tc>
+                <a:tc>
+                  <a:txBody>
+                    <a:bodyPr/>
+                    <a:lstStyle/>
+                    <a:p>
+                      <a:pPr algn="ctr"/>
+                      <a:r>
+                        <a:rPr lang="es-MX" dirty="0" smtClean="0"/>
+                        <a:t>Campo de texto con formato</a:t>
+                      </a:r>
+                      <a:endParaRPr lang="es-MX" dirty="0"/>
+                    </a:p>
+                  </a:txBody>
+                  <a:tcPr/>
+                </a:tc>
+              </a:tr>
+              <a:tr h="538429">
+                <a:tc>
+                  <a:txBody>
+                    <a:bodyPr/>
+                    <a:lstStyle/>
+                    <a:p>
+                      <a:pPr algn="ctr"/>
+                      <a:r>
+                        <a:rPr lang="es-MX" dirty="0" err="1" smtClean="0"/>
+                        <a:t>JPasswordField</a:t>
+                      </a:r>
+                      <a:endParaRPr lang="es-MX" dirty="0"/>
+                    </a:p>
+                  </a:txBody>
+                  <a:tcPr/>
+                </a:tc>
+                <a:tc>
+                  <a:txBody>
+                    <a:bodyPr/>
+                    <a:lstStyle/>
+                    <a:p>
+                      <a:pPr algn="ctr"/>
+                      <a:r>
+                        <a:rPr lang="es-MX" dirty="0" smtClean="0"/>
+                        <a:t>Campo de contraseña</a:t>
+                      </a:r>
+                      <a:endParaRPr lang="es-MX" dirty="0"/>
+                    </a:p>
+                  </a:txBody>
+                  <a:tcPr/>
+                </a:tc>
+              </a:tr>
+              <a:tr h="462503">
+                <a:tc>
+                  <a:txBody>
+                    <a:bodyPr/>
+                    <a:lstStyle/>
+                    <a:p>
+                      <a:pPr algn="ctr"/>
+                      <a:r>
+                        <a:rPr lang="es-MX" dirty="0" err="1" smtClean="0"/>
+                        <a:t>JSpinner</a:t>
+                      </a:r>
+                      <a:endParaRPr lang="es-MX" dirty="0"/>
+                    </a:p>
+                  </a:txBody>
+                  <a:tcPr/>
+                </a:tc>
+                <a:tc>
+                  <a:txBody>
+                    <a:bodyPr/>
+                    <a:lstStyle/>
+                    <a:p>
+                      <a:pPr algn="ctr"/>
+                      <a:r>
+                        <a:rPr lang="es-MX" dirty="0" smtClean="0"/>
+                        <a:t>Selector de valores</a:t>
+                      </a:r>
+                      <a:endParaRPr lang="es-MX" dirty="0"/>
+                    </a:p>
+                  </a:txBody>
+                  <a:tcPr/>
+                </a:tc>
+              </a:tr>
+            </a:tbl>
+          </a:graphicData>
+        </a:graphic>
+      </p:graphicFrame>
+      <p:pic>
+        <p:nvPicPr>
+          <p:cNvPr id="5" name="Imagen 4"/>
+          <p:cNvPicPr>
+            <a:picLocks noChangeAspect="1"/>
+          </p:cNvPicPr>
+          <p:nvPr/>
+        </p:nvPicPr>
+        <p:blipFill>
+          <a:blip r:embed="rId2">
+            <a:extLst>
+              <a:ext uri="{28A0092B-C50C-407E-A947-70E740481C1C}">
+                <a14:useLocalDpi xmlns:a14="http://schemas.microsoft.com/office/drawing/2010/main" val="0"/>
+              </a:ext>
+            </a:extLst>
+          </a:blip>
+          <a:stretch>
+            <a:fillRect/>
+          </a:stretch>
+        </p:blipFill>
+        <p:spPr>
+          <a:xfrm>
+            <a:off x="119106" y="6130345"/>
+            <a:ext cx="1628127" cy="727655"/>
+          </a:xfrm>
+          <a:prstGeom prst="rect">
+            <a:avLst/>
+          </a:prstGeom>
+        </p:spPr>
+      </p:pic>
+    </p:spTree>
+    <p:extLst>
+      <p:ext uri="{BB962C8B-B14F-4D97-AF65-F5344CB8AC3E}">
+        <p14:creationId xmlns:p14="http://schemas.microsoft.com/office/powerpoint/2010/main" val="3796346054"/>
+      </p:ext>
+    </p:extLst>
+  </p:cSld>
+  <p:clrMapOvr>
+    <a:masterClrMapping/>
+  </p:clrMapOvr>
+  <p:timing>
+    <p:tnLst>
+      <p:par>
+        <p:cTn id="1" dur="indefinite" restart="never" nodeType="tmRoot"/>
+      </p:par>
+    </p:tnLst>
+  </p:timing>
+</p:sld>
+</file>
+
+<file path=ppt/slides/slide68.xml><?xml version="1.0" encoding="utf-8"?>
+<p:sld xmlns:a="http://schemas.openxmlformats.org/drawingml/2006/main" xmlns:r="http://schemas.openxmlformats.org/officeDocument/2006/relationships" xmlns:p="http://schemas.openxmlformats.org/presentationml/2006/main">
+  <p:cSld>
+    <p:spTree>
+      <p:nvGrpSpPr>
+        <p:cNvPr id="1" name=""/>
+        <p:cNvGrpSpPr/>
+        <p:nvPr/>
+      </p:nvGrpSpPr>
+      <p:grpSpPr>
+        <a:xfrm>
+          <a:off x="0" y="0"/>
+          <a:ext cx="0" cy="0"/>
+          <a:chOff x="0" y="0"/>
+          <a:chExt cx="0" cy="0"/>
+        </a:xfrm>
+      </p:grpSpPr>
+      <p:sp>
+        <p:nvSpPr>
+          <p:cNvPr id="4" name="Título 3"/>
+          <p:cNvSpPr>
+            <a:spLocks noGrp="1"/>
+          </p:cNvSpPr>
+          <p:nvPr>
+            <p:ph type="title"/>
+          </p:nvPr>
+        </p:nvSpPr>
+        <p:spPr/>
+        <p:txBody>
+          <a:bodyPr/>
+          <a:lstStyle/>
+          <a:p>
+            <a:r>
+              <a:rPr lang="es-MX" dirty="0" err="1" smtClean="0"/>
+              <a:t>Layouts</a:t>
+            </a:r>
+            <a:endParaRPr lang="es-MX" dirty="0"/>
+          </a:p>
+        </p:txBody>
+      </p:sp>
+      <p:sp>
+        <p:nvSpPr>
+          <p:cNvPr id="5" name="Marcador de contenido 4"/>
+          <p:cNvSpPr>
+            <a:spLocks noGrp="1"/>
+          </p:cNvSpPr>
+          <p:nvPr>
+            <p:ph idx="1"/>
+          </p:nvPr>
+        </p:nvSpPr>
+        <p:spPr/>
+        <p:txBody>
+          <a:bodyPr>
+            <a:normAutofit/>
+          </a:bodyPr>
+          <a:lstStyle/>
+          <a:p>
+            <a:r>
+              <a:rPr lang="es-MX" sz="2400" dirty="0" smtClean="0"/>
+              <a:t>Gestionan la disposición de los controles dentro de los contenedores</a:t>
+            </a:r>
+          </a:p>
+          <a:p>
+            <a:r>
+              <a:rPr lang="es-MX" sz="2400" dirty="0" smtClean="0"/>
+              <a:t>Se distinguen por el criterio de distribución de controles</a:t>
+            </a:r>
+            <a:endParaRPr lang="es-MX" sz="2400" dirty="0"/>
+          </a:p>
+        </p:txBody>
+      </p:sp>
+      <p:pic>
+        <p:nvPicPr>
+          <p:cNvPr id="6" name="Imagen 5"/>
+          <p:cNvPicPr>
+            <a:picLocks noChangeAspect="1"/>
+          </p:cNvPicPr>
+          <p:nvPr/>
+        </p:nvPicPr>
+        <p:blipFill>
+          <a:blip r:embed="rId2">
+            <a:extLst>
+              <a:ext uri="{28A0092B-C50C-407E-A947-70E740481C1C}">
+                <a14:useLocalDpi xmlns:a14="http://schemas.microsoft.com/office/drawing/2010/main" val="0"/>
+              </a:ext>
+            </a:extLst>
+          </a:blip>
+          <a:stretch>
+            <a:fillRect/>
+          </a:stretch>
+        </p:blipFill>
+        <p:spPr>
+          <a:xfrm>
+            <a:off x="119106" y="6130345"/>
+            <a:ext cx="1628127" cy="727655"/>
+          </a:xfrm>
+          <a:prstGeom prst="rect">
+            <a:avLst/>
+          </a:prstGeom>
+        </p:spPr>
+      </p:pic>
+    </p:spTree>
+    <p:extLst>
+      <p:ext uri="{BB962C8B-B14F-4D97-AF65-F5344CB8AC3E}">
+        <p14:creationId xmlns:p14="http://schemas.microsoft.com/office/powerpoint/2010/main" val="1641885909"/>
+      </p:ext>
+    </p:extLst>
+  </p:cSld>
+  <p:clrMapOvr>
+    <a:masterClrMapping/>
+  </p:clrMapOvr>
+  <p:timing>
+    <p:tnLst>
+      <p:par>
+        <p:cTn id="1" dur="indefinite" restart="never" nodeType="tmRoot"/>
+      </p:par>
+    </p:tnLst>
+  </p:timing>
+</p:sld>
+</file>
+
+<file path=ppt/slides/slide69.xml><?xml version="1.0" encoding="utf-8"?>
+<p:sld xmlns:a="http://schemas.openxmlformats.org/drawingml/2006/main" xmlns:r="http://schemas.openxmlformats.org/officeDocument/2006/relationships" xmlns:p="http://schemas.openxmlformats.org/presentationml/2006/main">
+  <p:cSld>
+    <p:spTree>
+      <p:nvGrpSpPr>
+        <p:cNvPr id="1" name=""/>
+        <p:cNvGrpSpPr/>
+        <p:nvPr/>
+      </p:nvGrpSpPr>
+      <p:grpSpPr>
+        <a:xfrm>
+          <a:off x="0" y="0"/>
+          <a:ext cx="0" cy="0"/>
+          <a:chOff x="0" y="0"/>
+          <a:chExt cx="0" cy="0"/>
+        </a:xfrm>
+      </p:grpSpPr>
+      <p:sp>
+        <p:nvSpPr>
+          <p:cNvPr id="2" name="Título 1"/>
+          <p:cNvSpPr>
+            <a:spLocks noGrp="1"/>
+          </p:cNvSpPr>
+          <p:nvPr>
+            <p:ph type="title"/>
+          </p:nvPr>
+        </p:nvSpPr>
+        <p:spPr>
+          <a:xfrm>
+            <a:off x="650440" y="569259"/>
+            <a:ext cx="8596668" cy="681317"/>
+          </a:xfrm>
+        </p:spPr>
+        <p:txBody>
+          <a:bodyPr/>
+          <a:lstStyle/>
+          <a:p>
+            <a:r>
+              <a:rPr lang="es-MX" dirty="0" err="1" smtClean="0"/>
+              <a:t>Layouts</a:t>
+            </a:r>
+            <a:r>
+              <a:rPr lang="es-MX" dirty="0" smtClean="0"/>
+              <a:t>	</a:t>
+            </a:r>
+            <a:endParaRPr lang="es-MX" dirty="0"/>
+          </a:p>
+        </p:txBody>
+      </p:sp>
+      <p:graphicFrame>
+        <p:nvGraphicFramePr>
+          <p:cNvPr id="4" name="Marcador de contenido 3"/>
+          <p:cNvGraphicFramePr>
+            <a:graphicFrameLocks noGrp="1"/>
+          </p:cNvGraphicFramePr>
+          <p:nvPr>
+            <p:ph idx="1"/>
+            <p:extLst>
+              <p:ext uri="{D42A27DB-BD31-4B8C-83A1-F6EECF244321}">
+                <p14:modId xmlns:p14="http://schemas.microsoft.com/office/powerpoint/2010/main" val="1756152930"/>
+              </p:ext>
+            </p:extLst>
+          </p:nvPr>
+        </p:nvGraphicFramePr>
+        <p:xfrm>
+          <a:off x="650796" y="1551928"/>
+          <a:ext cx="8596312" cy="4341884"/>
+        </p:xfrm>
+        <a:graphic>
+          <a:graphicData uri="http://schemas.openxmlformats.org/drawingml/2006/table">
+            <a:tbl>
+              <a:tblPr firstRow="1" bandRow="1">
+                <a:tableStyleId>{5C22544A-7EE6-4342-B048-85BDC9FD1C3A}</a:tableStyleId>
+              </a:tblPr>
+              <a:tblGrid>
+                <a:gridCol w="3517793"/>
+                <a:gridCol w="5078519"/>
+              </a:tblGrid>
+              <a:tr h="508668">
+                <a:tc>
+                  <a:txBody>
+                    <a:bodyPr/>
+                    <a:lstStyle/>
+                    <a:p>
+                      <a:pPr algn="ctr"/>
+                      <a:r>
+                        <a:rPr lang="es-MX" dirty="0" smtClean="0"/>
+                        <a:t>Nombre</a:t>
+                      </a:r>
+                      <a:endParaRPr lang="es-MX" dirty="0"/>
+                    </a:p>
+                  </a:txBody>
+                  <a:tcPr/>
+                </a:tc>
+                <a:tc>
+                  <a:txBody>
+                    <a:bodyPr/>
+                    <a:lstStyle/>
+                    <a:p>
+                      <a:pPr algn="ctr"/>
+                      <a:r>
+                        <a:rPr lang="es-MX" dirty="0" smtClean="0"/>
+                        <a:t>Comportamiento</a:t>
+                      </a:r>
+                      <a:endParaRPr lang="es-MX" dirty="0"/>
+                    </a:p>
+                  </a:txBody>
+                  <a:tcPr/>
+                </a:tc>
+              </a:tr>
+              <a:tr h="703970">
+                <a:tc>
+                  <a:txBody>
+                    <a:bodyPr/>
+                    <a:lstStyle/>
+                    <a:p>
+                      <a:pPr algn="ctr"/>
+                      <a:r>
+                        <a:rPr lang="es-MX" dirty="0" smtClean="0"/>
+                        <a:t>Free </a:t>
+                      </a:r>
+                      <a:r>
+                        <a:rPr lang="es-MX" dirty="0" err="1" smtClean="0"/>
+                        <a:t>Desing</a:t>
+                      </a:r>
+                      <a:r>
+                        <a:rPr lang="es-MX" dirty="0" smtClean="0"/>
+                        <a:t> (</a:t>
+                      </a:r>
+                      <a:r>
+                        <a:rPr lang="es-MX" dirty="0" err="1" smtClean="0"/>
+                        <a:t>Group</a:t>
+                      </a:r>
+                      <a:r>
+                        <a:rPr lang="es-MX" baseline="0" dirty="0" err="1" smtClean="0"/>
+                        <a:t>Layout</a:t>
+                      </a:r>
+                      <a:r>
+                        <a:rPr lang="es-MX" baseline="0" dirty="0" smtClean="0"/>
+                        <a:t>)</a:t>
+                      </a:r>
+                      <a:endParaRPr lang="es-MX" dirty="0"/>
+                    </a:p>
+                  </a:txBody>
+                  <a:tcPr/>
+                </a:tc>
+                <a:tc>
+                  <a:txBody>
+                    <a:bodyPr/>
+                    <a:lstStyle/>
+                    <a:p>
+                      <a:pPr algn="ctr"/>
+                      <a:r>
+                        <a:rPr lang="es-MX" dirty="0" smtClean="0"/>
+                        <a:t>Está</a:t>
+                      </a:r>
+                      <a:r>
+                        <a:rPr lang="es-MX" baseline="0" dirty="0" smtClean="0"/>
+                        <a:t> optimizado para utilizarse con herramientas de diseño de GUI</a:t>
+                      </a:r>
+                      <a:endParaRPr lang="es-MX" dirty="0"/>
+                    </a:p>
+                  </a:txBody>
+                  <a:tcPr/>
+                </a:tc>
+              </a:tr>
+              <a:tr h="508668">
+                <a:tc>
+                  <a:txBody>
+                    <a:bodyPr/>
+                    <a:lstStyle/>
+                    <a:p>
+                      <a:pPr algn="ctr"/>
+                      <a:r>
+                        <a:rPr lang="es-MX" dirty="0" err="1" smtClean="0"/>
+                        <a:t>AbsoluteLayout</a:t>
+                      </a:r>
+                      <a:endParaRPr lang="es-MX" dirty="0"/>
+                    </a:p>
+                  </a:txBody>
+                  <a:tcPr/>
+                </a:tc>
+                <a:tc>
+                  <a:txBody>
+                    <a:bodyPr/>
+                    <a:lstStyle/>
+                    <a:p>
+                      <a:pPr algn="ctr"/>
+                      <a:r>
+                        <a:rPr lang="es-MX" dirty="0" smtClean="0"/>
+                        <a:t>Coloca los elementos</a:t>
+                      </a:r>
+                      <a:r>
+                        <a:rPr lang="es-MX" baseline="0" dirty="0" smtClean="0"/>
+                        <a:t> en posiciones fijas</a:t>
+                      </a:r>
+                      <a:endParaRPr lang="es-MX" dirty="0"/>
+                    </a:p>
+                  </a:txBody>
+                  <a:tcPr/>
+                </a:tc>
+              </a:tr>
+              <a:tr h="703970">
+                <a:tc>
+                  <a:txBody>
+                    <a:bodyPr/>
+                    <a:lstStyle/>
+                    <a:p>
+                      <a:pPr algn="ctr"/>
+                      <a:r>
+                        <a:rPr lang="es-MX" dirty="0" err="1" smtClean="0"/>
+                        <a:t>BorderLayout</a:t>
+                      </a:r>
+                      <a:endParaRPr lang="es-MX" dirty="0"/>
+                    </a:p>
+                  </a:txBody>
+                  <a:tcPr/>
+                </a:tc>
+                <a:tc>
+                  <a:txBody>
+                    <a:bodyPr/>
+                    <a:lstStyle/>
+                    <a:p>
+                      <a:pPr algn="ctr"/>
+                      <a:r>
+                        <a:rPr lang="es-MX" dirty="0" smtClean="0"/>
+                        <a:t>Reparte los elementos en 5 posiciones: top, </a:t>
+                      </a:r>
+                      <a:r>
+                        <a:rPr lang="es-MX" dirty="0" err="1" smtClean="0"/>
+                        <a:t>bottom</a:t>
+                      </a:r>
+                      <a:r>
+                        <a:rPr lang="es-MX" dirty="0" smtClean="0"/>
+                        <a:t>, </a:t>
+                      </a:r>
+                      <a:r>
+                        <a:rPr lang="es-MX" dirty="0" err="1" smtClean="0"/>
+                        <a:t>left</a:t>
+                      </a:r>
+                      <a:r>
+                        <a:rPr lang="es-MX" dirty="0" smtClean="0"/>
+                        <a:t>, </a:t>
+                      </a:r>
+                      <a:r>
+                        <a:rPr lang="es-MX" dirty="0" err="1" smtClean="0"/>
+                        <a:t>right</a:t>
+                      </a:r>
+                      <a:r>
+                        <a:rPr lang="es-MX" baseline="0" dirty="0" smtClean="0"/>
+                        <a:t> y center</a:t>
+                      </a:r>
+                      <a:endParaRPr lang="es-MX" dirty="0"/>
+                    </a:p>
+                  </a:txBody>
+                  <a:tcPr/>
+                </a:tc>
+              </a:tr>
+              <a:tr h="508668">
+                <a:tc>
+                  <a:txBody>
+                    <a:bodyPr/>
+                    <a:lstStyle/>
+                    <a:p>
+                      <a:pPr algn="ctr"/>
+                      <a:r>
+                        <a:rPr lang="es-MX" dirty="0" err="1" smtClean="0"/>
+                        <a:t>BoxLayout</a:t>
+                      </a:r>
+                      <a:endParaRPr lang="es-MX" dirty="0"/>
+                    </a:p>
+                  </a:txBody>
+                  <a:tcPr/>
+                </a:tc>
+                <a:tc>
+                  <a:txBody>
+                    <a:bodyPr/>
+                    <a:lstStyle/>
+                    <a:p>
+                      <a:pPr algn="ctr"/>
+                      <a:r>
+                        <a:rPr lang="es-MX" dirty="0" smtClean="0"/>
+                        <a:t>Pone los elementos en una</a:t>
+                      </a:r>
+                      <a:r>
+                        <a:rPr lang="es-MX" baseline="0" dirty="0" smtClean="0"/>
+                        <a:t> fila o columna</a:t>
+                      </a:r>
+                      <a:endParaRPr lang="es-MX" dirty="0"/>
+                    </a:p>
+                  </a:txBody>
+                  <a:tcPr/>
+                </a:tc>
+              </a:tr>
+              <a:tr h="703970">
+                <a:tc>
+                  <a:txBody>
+                    <a:bodyPr/>
+                    <a:lstStyle/>
+                    <a:p>
+                      <a:pPr algn="ctr"/>
+                      <a:r>
+                        <a:rPr lang="es-MX" dirty="0" err="1" smtClean="0"/>
+                        <a:t>CardLayout</a:t>
+                      </a:r>
+                      <a:endParaRPr lang="es-MX" dirty="0"/>
+                    </a:p>
+                  </a:txBody>
+                  <a:tcPr/>
+                </a:tc>
+                <a:tc>
+                  <a:txBody>
+                    <a:bodyPr/>
+                    <a:lstStyle/>
+                    <a:p>
+                      <a:pPr algn="ctr"/>
+                      <a:r>
+                        <a:rPr lang="es-MX" dirty="0" smtClean="0"/>
+                        <a:t>Mantiene varios juegos</a:t>
+                      </a:r>
+                      <a:r>
+                        <a:rPr lang="es-MX" baseline="0" dirty="0" smtClean="0"/>
+                        <a:t> de controles alternativos</a:t>
+                      </a:r>
+                      <a:endParaRPr lang="es-MX" dirty="0"/>
+                    </a:p>
+                  </a:txBody>
+                  <a:tcPr/>
+                </a:tc>
+              </a:tr>
+              <a:tr h="703970">
+                <a:tc>
+                  <a:txBody>
+                    <a:bodyPr/>
+                    <a:lstStyle/>
+                    <a:p>
+                      <a:pPr algn="ctr"/>
+                      <a:r>
+                        <a:rPr lang="es-MX" dirty="0" err="1" smtClean="0"/>
+                        <a:t>FlowLayout</a:t>
+                      </a:r>
+                      <a:endParaRPr lang="es-MX" dirty="0"/>
+                    </a:p>
+                  </a:txBody>
+                  <a:tcPr/>
+                </a:tc>
+                <a:tc>
+                  <a:txBody>
+                    <a:bodyPr/>
+                    <a:lstStyle/>
+                    <a:p>
+                      <a:pPr algn="ctr"/>
+                      <a:r>
+                        <a:rPr lang="es-MX" dirty="0" smtClean="0"/>
+                        <a:t>Coloca los elementos</a:t>
+                      </a:r>
+                      <a:r>
+                        <a:rPr lang="es-MX" baseline="0" dirty="0" smtClean="0"/>
+                        <a:t> de izquierda a derecha en filas del ancho del contenedor</a:t>
+                      </a:r>
+                      <a:endParaRPr lang="es-MX" dirty="0"/>
+                    </a:p>
+                  </a:txBody>
+                  <a:tcPr/>
+                </a:tc>
+              </a:tr>
+            </a:tbl>
+          </a:graphicData>
+        </a:graphic>
+      </p:graphicFrame>
+      <p:pic>
+        <p:nvPicPr>
+          <p:cNvPr id="5" name="Imagen 4"/>
+          <p:cNvPicPr>
+            <a:picLocks noChangeAspect="1"/>
+          </p:cNvPicPr>
+          <p:nvPr/>
+        </p:nvPicPr>
+        <p:blipFill>
+          <a:blip r:embed="rId2">
+            <a:extLst>
+              <a:ext uri="{28A0092B-C50C-407E-A947-70E740481C1C}">
+                <a14:useLocalDpi xmlns:a14="http://schemas.microsoft.com/office/drawing/2010/main" val="0"/>
+              </a:ext>
+            </a:extLst>
+          </a:blip>
+          <a:stretch>
+            <a:fillRect/>
+          </a:stretch>
+        </p:blipFill>
+        <p:spPr>
+          <a:xfrm>
+            <a:off x="119106" y="6130345"/>
+            <a:ext cx="1628127" cy="727655"/>
+          </a:xfrm>
+          <a:prstGeom prst="rect">
+            <a:avLst/>
+          </a:prstGeom>
+        </p:spPr>
+      </p:pic>
+    </p:spTree>
+    <p:extLst>
+      <p:ext uri="{BB962C8B-B14F-4D97-AF65-F5344CB8AC3E}">
+        <p14:creationId xmlns:p14="http://schemas.microsoft.com/office/powerpoint/2010/main" val="1713369807"/>
       </p:ext>
     </p:extLst>
   </p:cSld>
@@ -23392,6 +25840,710 @@
     <p:extLst>
       <p:ext uri="{BB962C8B-B14F-4D97-AF65-F5344CB8AC3E}">
         <p14:creationId xmlns:p14="http://schemas.microsoft.com/office/powerpoint/2010/main" val="595788892"/>
+      </p:ext>
+    </p:extLst>
+  </p:cSld>
+  <p:clrMapOvr>
+    <a:masterClrMapping/>
+  </p:clrMapOvr>
+  <p:timing>
+    <p:tnLst>
+      <p:par>
+        <p:cTn id="1" dur="indefinite" restart="never" nodeType="tmRoot"/>
+      </p:par>
+    </p:tnLst>
+  </p:timing>
+</p:sld>
+</file>
+
+<file path=ppt/slides/slide70.xml><?xml version="1.0" encoding="utf-8"?>
+<p:sld xmlns:a="http://schemas.openxmlformats.org/drawingml/2006/main" xmlns:r="http://schemas.openxmlformats.org/officeDocument/2006/relationships" xmlns:p="http://schemas.openxmlformats.org/presentationml/2006/main">
+  <p:cSld>
+    <p:spTree>
+      <p:nvGrpSpPr>
+        <p:cNvPr id="1" name=""/>
+        <p:cNvGrpSpPr/>
+        <p:nvPr/>
+      </p:nvGrpSpPr>
+      <p:grpSpPr>
+        <a:xfrm>
+          <a:off x="0" y="0"/>
+          <a:ext cx="0" cy="0"/>
+          <a:chOff x="0" y="0"/>
+          <a:chExt cx="0" cy="0"/>
+        </a:xfrm>
+      </p:grpSpPr>
+      <p:sp>
+        <p:nvSpPr>
+          <p:cNvPr id="2" name="Título 1"/>
+          <p:cNvSpPr>
+            <a:spLocks noGrp="1"/>
+          </p:cNvSpPr>
+          <p:nvPr>
+            <p:ph type="title"/>
+          </p:nvPr>
+        </p:nvSpPr>
+        <p:spPr>
+          <a:xfrm>
+            <a:off x="650440" y="569259"/>
+            <a:ext cx="8596668" cy="681317"/>
+          </a:xfrm>
+        </p:spPr>
+        <p:txBody>
+          <a:bodyPr/>
+          <a:lstStyle/>
+          <a:p>
+            <a:r>
+              <a:rPr lang="es-MX" dirty="0" err="1" smtClean="0"/>
+              <a:t>Layouts</a:t>
+            </a:r>
+            <a:r>
+              <a:rPr lang="es-MX" dirty="0" smtClean="0"/>
+              <a:t>	</a:t>
+            </a:r>
+            <a:endParaRPr lang="es-MX" dirty="0"/>
+          </a:p>
+        </p:txBody>
+      </p:sp>
+      <p:graphicFrame>
+        <p:nvGraphicFramePr>
+          <p:cNvPr id="4" name="Marcador de contenido 3"/>
+          <p:cNvGraphicFramePr>
+            <a:graphicFrameLocks noGrp="1"/>
+          </p:cNvGraphicFramePr>
+          <p:nvPr>
+            <p:ph idx="1"/>
+            <p:extLst>
+              <p:ext uri="{D42A27DB-BD31-4B8C-83A1-F6EECF244321}">
+                <p14:modId xmlns:p14="http://schemas.microsoft.com/office/powerpoint/2010/main" val="2280686178"/>
+              </p:ext>
+            </p:extLst>
+          </p:nvPr>
+        </p:nvGraphicFramePr>
+        <p:xfrm>
+          <a:off x="650796" y="1551928"/>
+          <a:ext cx="8596312" cy="3324548"/>
+        </p:xfrm>
+        <a:graphic>
+          <a:graphicData uri="http://schemas.openxmlformats.org/drawingml/2006/table">
+            <a:tbl>
+              <a:tblPr firstRow="1" bandRow="1">
+                <a:tableStyleId>{5C22544A-7EE6-4342-B048-85BDC9FD1C3A}</a:tableStyleId>
+              </a:tblPr>
+              <a:tblGrid>
+                <a:gridCol w="3517793"/>
+                <a:gridCol w="5078519"/>
+              </a:tblGrid>
+              <a:tr h="508668">
+                <a:tc>
+                  <a:txBody>
+                    <a:bodyPr/>
+                    <a:lstStyle/>
+                    <a:p>
+                      <a:pPr algn="ctr"/>
+                      <a:r>
+                        <a:rPr lang="es-MX" dirty="0" smtClean="0"/>
+                        <a:t>Nombre</a:t>
+                      </a:r>
+                      <a:endParaRPr lang="es-MX" dirty="0"/>
+                    </a:p>
+                  </a:txBody>
+                  <a:tcPr/>
+                </a:tc>
+                <a:tc>
+                  <a:txBody>
+                    <a:bodyPr/>
+                    <a:lstStyle/>
+                    <a:p>
+                      <a:pPr algn="ctr"/>
+                      <a:r>
+                        <a:rPr lang="es-MX" dirty="0" smtClean="0"/>
+                        <a:t>Comportamiento</a:t>
+                      </a:r>
+                      <a:endParaRPr lang="es-MX" dirty="0"/>
+                    </a:p>
+                  </a:txBody>
+                  <a:tcPr/>
+                </a:tc>
+              </a:tr>
+              <a:tr h="703970">
+                <a:tc>
+                  <a:txBody>
+                    <a:bodyPr/>
+                    <a:lstStyle/>
+                    <a:p>
+                      <a:pPr algn="ctr"/>
+                      <a:r>
+                        <a:rPr lang="es-MX" dirty="0" err="1" smtClean="0"/>
+                        <a:t>GridBagLayout</a:t>
+                      </a:r>
+                      <a:endParaRPr lang="es-MX" dirty="0"/>
+                    </a:p>
+                  </a:txBody>
+                  <a:tcPr/>
+                </a:tc>
+                <a:tc>
+                  <a:txBody>
+                    <a:bodyPr/>
+                    <a:lstStyle/>
+                    <a:p>
+                      <a:pPr algn="ctr"/>
+                      <a:r>
+                        <a:rPr lang="es-MX" dirty="0" smtClean="0"/>
+                        <a:t>Coloca los elementos</a:t>
+                      </a:r>
+                      <a:r>
+                        <a:rPr lang="es-MX" baseline="0" dirty="0" smtClean="0"/>
+                        <a:t> en una estructura de celdas flexibles</a:t>
+                      </a:r>
+                      <a:endParaRPr lang="es-MX" dirty="0"/>
+                    </a:p>
+                  </a:txBody>
+                  <a:tcPr/>
+                </a:tc>
+              </a:tr>
+              <a:tr h="703970">
+                <a:tc>
+                  <a:txBody>
+                    <a:bodyPr/>
+                    <a:lstStyle/>
+                    <a:p>
+                      <a:pPr algn="ctr"/>
+                      <a:r>
+                        <a:rPr lang="es-MX" dirty="0" err="1" smtClean="0"/>
+                        <a:t>GridLayout</a:t>
+                      </a:r>
+                      <a:endParaRPr lang="es-MX" dirty="0"/>
+                    </a:p>
+                  </a:txBody>
+                  <a:tcPr/>
+                </a:tc>
+                <a:tc>
+                  <a:txBody>
+                    <a:bodyPr/>
+                    <a:lstStyle/>
+                    <a:p>
+                      <a:pPr algn="ctr"/>
+                      <a:r>
+                        <a:rPr lang="es-MX" dirty="0" smtClean="0"/>
+                        <a:t>Reparte los elementos</a:t>
+                      </a:r>
+                      <a:r>
+                        <a:rPr lang="es-MX" baseline="0" dirty="0" smtClean="0"/>
+                        <a:t> en una cuadricula</a:t>
+                      </a:r>
+                      <a:endParaRPr lang="es-MX" dirty="0"/>
+                    </a:p>
+                  </a:txBody>
+                  <a:tcPr/>
+                </a:tc>
+              </a:tr>
+              <a:tr h="703970">
+                <a:tc>
+                  <a:txBody>
+                    <a:bodyPr/>
+                    <a:lstStyle/>
+                    <a:p>
+                      <a:pPr algn="ctr"/>
+                      <a:r>
+                        <a:rPr lang="es-MX" dirty="0" err="1" smtClean="0"/>
+                        <a:t>Null</a:t>
+                      </a:r>
+                      <a:endParaRPr lang="es-MX" dirty="0"/>
+                    </a:p>
+                  </a:txBody>
+                  <a:tcPr/>
+                </a:tc>
+                <a:tc>
+                  <a:txBody>
+                    <a:bodyPr/>
+                    <a:lstStyle/>
+                    <a:p>
+                      <a:pPr algn="ctr"/>
+                      <a:r>
+                        <a:rPr lang="es-MX" dirty="0" smtClean="0"/>
+                        <a:t>No utiliza </a:t>
+                      </a:r>
+                      <a:r>
+                        <a:rPr lang="es-MX" dirty="0" err="1" smtClean="0"/>
+                        <a:t>Layout</a:t>
+                      </a:r>
+                      <a:endParaRPr lang="es-MX" dirty="0"/>
+                    </a:p>
+                  </a:txBody>
+                  <a:tcPr/>
+                </a:tc>
+              </a:tr>
+              <a:tr h="703970">
+                <a:tc>
+                  <a:txBody>
+                    <a:bodyPr/>
+                    <a:lstStyle/>
+                    <a:p>
+                      <a:pPr algn="ctr"/>
+                      <a:r>
+                        <a:rPr lang="es-MX" dirty="0" err="1" smtClean="0"/>
+                        <a:t>OverlayLayout</a:t>
+                      </a:r>
+                      <a:endParaRPr lang="es-MX" dirty="0"/>
+                    </a:p>
+                  </a:txBody>
+                  <a:tcPr/>
+                </a:tc>
+                <a:tc>
+                  <a:txBody>
+                    <a:bodyPr/>
+                    <a:lstStyle/>
+                    <a:p>
+                      <a:pPr algn="ctr"/>
+                      <a:r>
+                        <a:rPr lang="es-MX" dirty="0" smtClean="0"/>
+                        <a:t>Coloca los elementos unos encima de otros</a:t>
+                      </a:r>
+                      <a:endParaRPr lang="es-MX" dirty="0"/>
+                    </a:p>
+                  </a:txBody>
+                  <a:tcPr/>
+                </a:tc>
+              </a:tr>
+            </a:tbl>
+          </a:graphicData>
+        </a:graphic>
+      </p:graphicFrame>
+      <p:pic>
+        <p:nvPicPr>
+          <p:cNvPr id="5" name="Imagen 4"/>
+          <p:cNvPicPr>
+            <a:picLocks noChangeAspect="1"/>
+          </p:cNvPicPr>
+          <p:nvPr/>
+        </p:nvPicPr>
+        <p:blipFill>
+          <a:blip r:embed="rId2">
+            <a:extLst>
+              <a:ext uri="{28A0092B-C50C-407E-A947-70E740481C1C}">
+                <a14:useLocalDpi xmlns:a14="http://schemas.microsoft.com/office/drawing/2010/main" val="0"/>
+              </a:ext>
+            </a:extLst>
+          </a:blip>
+          <a:stretch>
+            <a:fillRect/>
+          </a:stretch>
+        </p:blipFill>
+        <p:spPr>
+          <a:xfrm>
+            <a:off x="119106" y="6130345"/>
+            <a:ext cx="1628127" cy="727655"/>
+          </a:xfrm>
+          <a:prstGeom prst="rect">
+            <a:avLst/>
+          </a:prstGeom>
+        </p:spPr>
+      </p:pic>
+    </p:spTree>
+    <p:extLst>
+      <p:ext uri="{BB962C8B-B14F-4D97-AF65-F5344CB8AC3E}">
+        <p14:creationId xmlns:p14="http://schemas.microsoft.com/office/powerpoint/2010/main" val="2265802812"/>
+      </p:ext>
+    </p:extLst>
+  </p:cSld>
+  <p:clrMapOvr>
+    <a:masterClrMapping/>
+  </p:clrMapOvr>
+  <p:timing>
+    <p:tnLst>
+      <p:par>
+        <p:cTn id="1" dur="indefinite" restart="never" nodeType="tmRoot"/>
+      </p:par>
+    </p:tnLst>
+  </p:timing>
+</p:sld>
+</file>
+
+<file path=ppt/slides/slide71.xml><?xml version="1.0" encoding="utf-8"?>
+<p:sld xmlns:a="http://schemas.openxmlformats.org/drawingml/2006/main" xmlns:r="http://schemas.openxmlformats.org/officeDocument/2006/relationships" xmlns:p="http://schemas.openxmlformats.org/presentationml/2006/main">
+  <p:cSld>
+    <p:spTree>
+      <p:nvGrpSpPr>
+        <p:cNvPr id="1" name=""/>
+        <p:cNvGrpSpPr/>
+        <p:nvPr/>
+      </p:nvGrpSpPr>
+      <p:grpSpPr>
+        <a:xfrm>
+          <a:off x="0" y="0"/>
+          <a:ext cx="0" cy="0"/>
+          <a:chOff x="0" y="0"/>
+          <a:chExt cx="0" cy="0"/>
+        </a:xfrm>
+      </p:grpSpPr>
+      <p:sp>
+        <p:nvSpPr>
+          <p:cNvPr id="2" name="Título 1"/>
+          <p:cNvSpPr>
+            <a:spLocks noGrp="1"/>
+          </p:cNvSpPr>
+          <p:nvPr>
+            <p:ph type="title"/>
+          </p:nvPr>
+        </p:nvSpPr>
+        <p:spPr>
+          <a:xfrm>
+            <a:off x="650440" y="569259"/>
+            <a:ext cx="8596668" cy="681317"/>
+          </a:xfrm>
+        </p:spPr>
+        <p:txBody>
+          <a:bodyPr/>
+          <a:lstStyle/>
+          <a:p>
+            <a:r>
+              <a:rPr lang="es-MX" dirty="0" smtClean="0"/>
+              <a:t>Menús	</a:t>
+            </a:r>
+            <a:endParaRPr lang="es-MX" dirty="0"/>
+          </a:p>
+        </p:txBody>
+      </p:sp>
+      <p:graphicFrame>
+        <p:nvGraphicFramePr>
+          <p:cNvPr id="4" name="Marcador de contenido 3"/>
+          <p:cNvGraphicFramePr>
+            <a:graphicFrameLocks noGrp="1"/>
+          </p:cNvGraphicFramePr>
+          <p:nvPr>
+            <p:ph idx="1"/>
+            <p:extLst>
+              <p:ext uri="{D42A27DB-BD31-4B8C-83A1-F6EECF244321}">
+                <p14:modId xmlns:p14="http://schemas.microsoft.com/office/powerpoint/2010/main" val="633009297"/>
+              </p:ext>
+            </p:extLst>
+          </p:nvPr>
+        </p:nvGraphicFramePr>
+        <p:xfrm>
+          <a:off x="650796" y="1411942"/>
+          <a:ext cx="8596312" cy="4504768"/>
+        </p:xfrm>
+        <a:graphic>
+          <a:graphicData uri="http://schemas.openxmlformats.org/drawingml/2006/table">
+            <a:tbl>
+              <a:tblPr firstRow="1" bandRow="1">
+                <a:tableStyleId>{5C22544A-7EE6-4342-B048-85BDC9FD1C3A}</a:tableStyleId>
+              </a:tblPr>
+              <a:tblGrid>
+                <a:gridCol w="3517793"/>
+                <a:gridCol w="5078519"/>
+              </a:tblGrid>
+              <a:tr h="421493">
+                <a:tc>
+                  <a:txBody>
+                    <a:bodyPr/>
+                    <a:lstStyle/>
+                    <a:p>
+                      <a:pPr algn="ctr"/>
+                      <a:r>
+                        <a:rPr lang="es-MX" dirty="0" smtClean="0"/>
+                        <a:t>Clase</a:t>
+                      </a:r>
+                      <a:endParaRPr lang="es-MX" dirty="0"/>
+                    </a:p>
+                  </a:txBody>
+                  <a:tcPr/>
+                </a:tc>
+                <a:tc>
+                  <a:txBody>
+                    <a:bodyPr/>
+                    <a:lstStyle/>
+                    <a:p>
+                      <a:pPr algn="ctr"/>
+                      <a:r>
+                        <a:rPr lang="es-MX" dirty="0" smtClean="0"/>
+                        <a:t>Descripción</a:t>
+                      </a:r>
+                      <a:endParaRPr lang="es-MX" dirty="0"/>
+                    </a:p>
+                  </a:txBody>
+                  <a:tcPr/>
+                </a:tc>
+              </a:tr>
+              <a:tr h="583325">
+                <a:tc>
+                  <a:txBody>
+                    <a:bodyPr/>
+                    <a:lstStyle/>
+                    <a:p>
+                      <a:pPr algn="ctr"/>
+                      <a:r>
+                        <a:rPr lang="es-MX" dirty="0" err="1" smtClean="0"/>
+                        <a:t>JMenuBar</a:t>
+                      </a:r>
+                      <a:endParaRPr lang="es-MX" dirty="0"/>
+                    </a:p>
+                  </a:txBody>
+                  <a:tcPr/>
+                </a:tc>
+                <a:tc>
+                  <a:txBody>
+                    <a:bodyPr/>
+                    <a:lstStyle/>
+                    <a:p>
+                      <a:pPr algn="ctr"/>
+                      <a:r>
+                        <a:rPr lang="es-MX" dirty="0" smtClean="0"/>
+                        <a:t>Barra de menú de la aplicación</a:t>
+                      </a:r>
+                      <a:endParaRPr lang="es-MX" dirty="0"/>
+                    </a:p>
+                  </a:txBody>
+                  <a:tcPr/>
+                </a:tc>
+              </a:tr>
+              <a:tr h="583325">
+                <a:tc>
+                  <a:txBody>
+                    <a:bodyPr/>
+                    <a:lstStyle/>
+                    <a:p>
+                      <a:pPr algn="ctr"/>
+                      <a:r>
+                        <a:rPr lang="es-MX" dirty="0" err="1" smtClean="0"/>
+                        <a:t>JMenu</a:t>
+                      </a:r>
+                      <a:endParaRPr lang="es-MX" dirty="0"/>
+                    </a:p>
+                  </a:txBody>
+                  <a:tcPr/>
+                </a:tc>
+                <a:tc>
+                  <a:txBody>
+                    <a:bodyPr/>
+                    <a:lstStyle/>
+                    <a:p>
+                      <a:pPr algn="ctr"/>
+                      <a:r>
+                        <a:rPr lang="es-MX" dirty="0" smtClean="0"/>
+                        <a:t>Menú</a:t>
+                      </a:r>
+                      <a:r>
+                        <a:rPr lang="es-MX" baseline="0" dirty="0" smtClean="0"/>
+                        <a:t> desplegable</a:t>
+                      </a:r>
+                      <a:endParaRPr lang="es-MX" dirty="0"/>
+                    </a:p>
+                  </a:txBody>
+                  <a:tcPr/>
+                </a:tc>
+              </a:tr>
+              <a:tr h="583325">
+                <a:tc>
+                  <a:txBody>
+                    <a:bodyPr/>
+                    <a:lstStyle/>
+                    <a:p>
+                      <a:pPr algn="ctr"/>
+                      <a:r>
+                        <a:rPr lang="es-MX" dirty="0" err="1" smtClean="0"/>
+                        <a:t>JMenuItem</a:t>
+                      </a:r>
+                      <a:endParaRPr lang="es-MX" dirty="0"/>
+                    </a:p>
+                  </a:txBody>
+                  <a:tcPr/>
+                </a:tc>
+                <a:tc>
+                  <a:txBody>
+                    <a:bodyPr/>
+                    <a:lstStyle/>
+                    <a:p>
+                      <a:pPr algn="ctr"/>
+                      <a:r>
+                        <a:rPr lang="es-MX" dirty="0" smtClean="0"/>
+                        <a:t>Elemento</a:t>
+                      </a:r>
+                      <a:r>
+                        <a:rPr lang="es-MX" baseline="0" dirty="0" smtClean="0"/>
+                        <a:t> del menú</a:t>
+                      </a:r>
+                      <a:endParaRPr lang="es-MX" dirty="0"/>
+                    </a:p>
+                  </a:txBody>
+                  <a:tcPr/>
+                </a:tc>
+              </a:tr>
+              <a:tr h="583325">
+                <a:tc>
+                  <a:txBody>
+                    <a:bodyPr/>
+                    <a:lstStyle/>
+                    <a:p>
+                      <a:pPr algn="ctr"/>
+                      <a:r>
+                        <a:rPr lang="es-MX" dirty="0" err="1" smtClean="0"/>
+                        <a:t>JCheckBoxMenuItem</a:t>
+                      </a:r>
+                      <a:endParaRPr lang="es-MX" dirty="0"/>
+                    </a:p>
+                  </a:txBody>
+                  <a:tcPr/>
+                </a:tc>
+                <a:tc>
+                  <a:txBody>
+                    <a:bodyPr/>
+                    <a:lstStyle/>
+                    <a:p>
+                      <a:pPr algn="ctr"/>
+                      <a:r>
+                        <a:rPr lang="es-MX" dirty="0" smtClean="0"/>
+                        <a:t>Elemento de menú tipo </a:t>
+                      </a:r>
+                      <a:r>
+                        <a:rPr lang="es-MX" dirty="0" err="1" smtClean="0"/>
+                        <a:t>JCheckBox</a:t>
+                      </a:r>
+                      <a:endParaRPr lang="es-MX" dirty="0"/>
+                    </a:p>
+                  </a:txBody>
+                  <a:tcPr/>
+                </a:tc>
+              </a:tr>
+              <a:tr h="583325">
+                <a:tc>
+                  <a:txBody>
+                    <a:bodyPr/>
+                    <a:lstStyle/>
+                    <a:p>
+                      <a:pPr algn="ctr"/>
+                      <a:r>
+                        <a:rPr lang="es-MX" dirty="0" err="1" smtClean="0"/>
+                        <a:t>JRadioButtonMenuItem</a:t>
+                      </a:r>
+                      <a:endParaRPr lang="es-MX" dirty="0"/>
+                    </a:p>
+                  </a:txBody>
+                  <a:tcPr/>
+                </a:tc>
+                <a:tc>
+                  <a:txBody>
+                    <a:bodyPr/>
+                    <a:lstStyle/>
+                    <a:p>
+                      <a:pPr algn="ctr"/>
+                      <a:r>
+                        <a:rPr lang="es-MX" dirty="0" smtClean="0"/>
+                        <a:t>Elemento de menú de tipo </a:t>
+                      </a:r>
+                      <a:r>
+                        <a:rPr lang="es-MX" dirty="0" err="1" smtClean="0"/>
+                        <a:t>JRadioButton</a:t>
+                      </a:r>
+                      <a:endParaRPr lang="es-MX" dirty="0"/>
+                    </a:p>
+                  </a:txBody>
+                  <a:tcPr/>
+                </a:tc>
+              </a:tr>
+              <a:tr h="583325">
+                <a:tc>
+                  <a:txBody>
+                    <a:bodyPr/>
+                    <a:lstStyle/>
+                    <a:p>
+                      <a:pPr algn="ctr"/>
+                      <a:r>
+                        <a:rPr lang="es-MX" dirty="0" smtClean="0"/>
+                        <a:t>Separador</a:t>
+                      </a:r>
+                      <a:endParaRPr lang="es-MX" dirty="0"/>
+                    </a:p>
+                  </a:txBody>
+                  <a:tcPr/>
+                </a:tc>
+                <a:tc>
+                  <a:txBody>
+                    <a:bodyPr/>
+                    <a:lstStyle/>
+                    <a:p>
+                      <a:pPr algn="ctr"/>
+                      <a:r>
+                        <a:rPr lang="es-MX" dirty="0" smtClean="0"/>
+                        <a:t>Separador</a:t>
+                      </a:r>
+                      <a:endParaRPr lang="es-MX" dirty="0"/>
+                    </a:p>
+                  </a:txBody>
+                  <a:tcPr/>
+                </a:tc>
+              </a:tr>
+              <a:tr h="583325">
+                <a:tc>
+                  <a:txBody>
+                    <a:bodyPr/>
+                    <a:lstStyle/>
+                    <a:p>
+                      <a:pPr algn="ctr"/>
+                      <a:r>
+                        <a:rPr lang="es-MX" dirty="0" err="1" smtClean="0"/>
+                        <a:t>JPopupMenu</a:t>
+                      </a:r>
+                      <a:endParaRPr lang="es-MX" dirty="0"/>
+                    </a:p>
+                  </a:txBody>
+                  <a:tcPr/>
+                </a:tc>
+                <a:tc>
+                  <a:txBody>
+                    <a:bodyPr/>
+                    <a:lstStyle/>
+                    <a:p>
+                      <a:pPr algn="ctr"/>
+                      <a:r>
+                        <a:rPr lang="es-MX" dirty="0" smtClean="0"/>
+                        <a:t>Menú contextual</a:t>
+                      </a:r>
+                      <a:endParaRPr lang="es-MX" dirty="0"/>
+                    </a:p>
+                  </a:txBody>
+                  <a:tcPr/>
+                </a:tc>
+              </a:tr>
+            </a:tbl>
+          </a:graphicData>
+        </a:graphic>
+      </p:graphicFrame>
+      <p:pic>
+        <p:nvPicPr>
+          <p:cNvPr id="5" name="Imagen 4"/>
+          <p:cNvPicPr>
+            <a:picLocks noChangeAspect="1"/>
+          </p:cNvPicPr>
+          <p:nvPr/>
+        </p:nvPicPr>
+        <p:blipFill>
+          <a:blip r:embed="rId2">
+            <a:extLst>
+              <a:ext uri="{28A0092B-C50C-407E-A947-70E740481C1C}">
+                <a14:useLocalDpi xmlns:a14="http://schemas.microsoft.com/office/drawing/2010/main" val="0"/>
+              </a:ext>
+            </a:extLst>
+          </a:blip>
+          <a:stretch>
+            <a:fillRect/>
+          </a:stretch>
+        </p:blipFill>
+        <p:spPr>
+          <a:xfrm>
+            <a:off x="119106" y="6130345"/>
+            <a:ext cx="1628127" cy="727655"/>
+          </a:xfrm>
+          <a:prstGeom prst="rect">
+            <a:avLst/>
+          </a:prstGeom>
+        </p:spPr>
+      </p:pic>
+    </p:spTree>
+    <p:extLst>
+      <p:ext uri="{BB962C8B-B14F-4D97-AF65-F5344CB8AC3E}">
+        <p14:creationId xmlns:p14="http://schemas.microsoft.com/office/powerpoint/2010/main" val="3461641186"/>
       </p:ext>
     </p:extLst>
   </p:cSld>
